--- a/2025/2025-03-14-AI-Updates.pptx
+++ b/2025/2025-03-14-AI-Updates.pptx
@@ -979,7 +979,7 @@
   <p:cSld>
     <p:spTree>
       <p:nvGrpSpPr>
-        <p:cNvPr id="1" name="Shape 150"/>
+        <p:cNvPr id="1" name="Shape 154"/>
         <p:cNvGrpSpPr/>
         <p:nvPr/>
       </p:nvGrpSpPr>
@@ -993,7 +993,7 @@
       </p:grpSpPr>
       <p:sp>
         <p:nvSpPr>
-          <p:cNvPr id="151" name="Google Shape;151;g33e8e6576bb_0_19:notes"/>
+          <p:cNvPr id="155" name="Google Shape;155;g33e8e6576bb_0_19:notes"/>
           <p:cNvSpPr>
             <a:spLocks noGrp="1" noRot="1" noChangeAspect="1"/>
           </p:cNvSpPr>
@@ -1044,7 +1044,7 @@
       </p:sp>
       <p:sp>
         <p:nvSpPr>
-          <p:cNvPr id="152" name="Google Shape;152;g33e8e6576bb_0_19:notes"/>
+          <p:cNvPr id="156" name="Google Shape;156;g33e8e6576bb_0_19:notes"/>
           <p:cNvSpPr txBox="1">
             <a:spLocks noGrp="1"/>
           </p:cNvSpPr>
@@ -1101,7 +1101,7 @@
   <p:cSld>
     <p:spTree>
       <p:nvGrpSpPr>
-        <p:cNvPr id="1" name="Shape 163"/>
+        <p:cNvPr id="1" name="Shape 167"/>
         <p:cNvGrpSpPr/>
         <p:nvPr/>
       </p:nvGrpSpPr>
@@ -1115,7 +1115,7 @@
       </p:grpSpPr>
       <p:sp>
         <p:nvSpPr>
-          <p:cNvPr id="164" name="Google Shape;164;g33ec00a1bdb_1_8:notes"/>
+          <p:cNvPr id="168" name="Google Shape;168;g33ec00a1bdb_1_8:notes"/>
           <p:cNvSpPr>
             <a:spLocks noGrp="1" noRot="1" noChangeAspect="1"/>
           </p:cNvSpPr>
@@ -1166,7 +1166,7 @@
       </p:sp>
       <p:sp>
         <p:nvSpPr>
-          <p:cNvPr id="165" name="Google Shape;165;g33ec00a1bdb_1_8:notes"/>
+          <p:cNvPr id="169" name="Google Shape;169;g33ec00a1bdb_1_8:notes"/>
           <p:cNvSpPr txBox="1">
             <a:spLocks noGrp="1"/>
           </p:cNvSpPr>
@@ -1223,7 +1223,7 @@
   <p:cSld>
     <p:spTree>
       <p:nvGrpSpPr>
-        <p:cNvPr id="1" name="Shape 173"/>
+        <p:cNvPr id="1" name="Shape 177"/>
         <p:cNvGrpSpPr/>
         <p:nvPr/>
       </p:nvGrpSpPr>
@@ -1237,7 +1237,7 @@
       </p:grpSpPr>
       <p:sp>
         <p:nvSpPr>
-          <p:cNvPr id="174" name="Google Shape;174;g33e7e483514_0_0:notes"/>
+          <p:cNvPr id="178" name="Google Shape;178;g33e7e483514_0_0:notes"/>
           <p:cNvSpPr>
             <a:spLocks noGrp="1" noRot="1" noChangeAspect="1"/>
           </p:cNvSpPr>
@@ -1288,7 +1288,7 @@
       </p:sp>
       <p:sp>
         <p:nvSpPr>
-          <p:cNvPr id="175" name="Google Shape;175;g33e7e483514_0_0:notes"/>
+          <p:cNvPr id="179" name="Google Shape;179;g33e7e483514_0_0:notes"/>
           <p:cNvSpPr txBox="1">
             <a:spLocks noGrp="1"/>
           </p:cNvSpPr>
@@ -1345,7 +1345,7 @@
   <p:cSld>
     <p:spTree>
       <p:nvGrpSpPr>
-        <p:cNvPr id="1" name="Shape 180"/>
+        <p:cNvPr id="1" name="Shape 184"/>
         <p:cNvGrpSpPr/>
         <p:nvPr/>
       </p:nvGrpSpPr>
@@ -1359,7 +1359,7 @@
       </p:grpSpPr>
       <p:sp>
         <p:nvSpPr>
-          <p:cNvPr id="181" name="Google Shape;181;g2e3f0866023_0_1:notes"/>
+          <p:cNvPr id="185" name="Google Shape;185;g2e3f0866023_0_1:notes"/>
           <p:cNvSpPr>
             <a:spLocks noGrp="1" noRot="1" noChangeAspect="1"/>
           </p:cNvSpPr>
@@ -1410,7 +1410,7 @@
       </p:sp>
       <p:sp>
         <p:nvSpPr>
-          <p:cNvPr id="182" name="Google Shape;182;g2e3f0866023_0_1:notes"/>
+          <p:cNvPr id="186" name="Google Shape;186;g2e3f0866023_0_1:notes"/>
           <p:cNvSpPr txBox="1">
             <a:spLocks noGrp="1"/>
           </p:cNvSpPr>
@@ -1467,7 +1467,7 @@
   <p:cSld>
     <p:spTree>
       <p:nvGrpSpPr>
-        <p:cNvPr id="1" name="Shape 187"/>
+        <p:cNvPr id="1" name="Shape 191"/>
         <p:cNvGrpSpPr/>
         <p:nvPr/>
       </p:nvGrpSpPr>
@@ -1481,7 +1481,7 @@
       </p:grpSpPr>
       <p:sp>
         <p:nvSpPr>
-          <p:cNvPr id="188" name="Google Shape;188;g33e7e483514_0_8:notes"/>
+          <p:cNvPr id="192" name="Google Shape;192;g33e7e483514_0_8:notes"/>
           <p:cNvSpPr>
             <a:spLocks noGrp="1" noRot="1" noChangeAspect="1"/>
           </p:cNvSpPr>
@@ -1532,7 +1532,7 @@
       </p:sp>
       <p:sp>
         <p:nvSpPr>
-          <p:cNvPr id="189" name="Google Shape;189;g33e7e483514_0_8:notes"/>
+          <p:cNvPr id="193" name="Google Shape;193;g33e7e483514_0_8:notes"/>
           <p:cNvSpPr txBox="1">
             <a:spLocks noGrp="1"/>
           </p:cNvSpPr>
@@ -1589,7 +1589,7 @@
   <p:cSld>
     <p:spTree>
       <p:nvGrpSpPr>
-        <p:cNvPr id="1" name="Shape 198"/>
+        <p:cNvPr id="1" name="Shape 202"/>
         <p:cNvGrpSpPr/>
         <p:nvPr/>
       </p:nvGrpSpPr>
@@ -1603,7 +1603,7 @@
       </p:grpSpPr>
       <p:sp>
         <p:nvSpPr>
-          <p:cNvPr id="199" name="Google Shape;199;g2e400739f2d_0_0:notes"/>
+          <p:cNvPr id="203" name="Google Shape;203;g2e400739f2d_0_0:notes"/>
           <p:cNvSpPr>
             <a:spLocks noGrp="1" noRot="1" noChangeAspect="1"/>
           </p:cNvSpPr>
@@ -1654,7 +1654,7 @@
       </p:sp>
       <p:sp>
         <p:nvSpPr>
-          <p:cNvPr id="200" name="Google Shape;200;g2e400739f2d_0_0:notes"/>
+          <p:cNvPr id="204" name="Google Shape;204;g2e400739f2d_0_0:notes"/>
           <p:cNvSpPr txBox="1">
             <a:spLocks noGrp="1"/>
           </p:cNvSpPr>
@@ -1711,7 +1711,7 @@
   <p:cSld>
     <p:spTree>
       <p:nvGrpSpPr>
-        <p:cNvPr id="1" name="Shape 206"/>
+        <p:cNvPr id="1" name="Shape 210"/>
         <p:cNvGrpSpPr/>
         <p:nvPr/>
       </p:nvGrpSpPr>
@@ -1725,7 +1725,7 @@
       </p:grpSpPr>
       <p:sp>
         <p:nvSpPr>
-          <p:cNvPr id="207" name="Google Shape;207;g2e3e909175a_0_3:notes"/>
+          <p:cNvPr id="211" name="Google Shape;211;g2e3e909175a_0_3:notes"/>
           <p:cNvSpPr>
             <a:spLocks noGrp="1" noRot="1" noChangeAspect="1"/>
           </p:cNvSpPr>
@@ -1776,7 +1776,7 @@
       </p:sp>
       <p:sp>
         <p:nvSpPr>
-          <p:cNvPr id="208" name="Google Shape;208;g2e3e909175a_0_3:notes"/>
+          <p:cNvPr id="212" name="Google Shape;212;g2e3e909175a_0_3:notes"/>
           <p:cNvSpPr txBox="1">
             <a:spLocks noGrp="1"/>
           </p:cNvSpPr>
@@ -1833,7 +1833,7 @@
   <p:cSld>
     <p:spTree>
       <p:nvGrpSpPr>
-        <p:cNvPr id="1" name="Shape 214"/>
+        <p:cNvPr id="1" name="Shape 218"/>
         <p:cNvGrpSpPr/>
         <p:nvPr/>
       </p:nvGrpSpPr>
@@ -1847,7 +1847,7 @@
       </p:grpSpPr>
       <p:sp>
         <p:nvSpPr>
-          <p:cNvPr id="215" name="Google Shape;215;g2f03ac7ac9f_0_5:notes"/>
+          <p:cNvPr id="219" name="Google Shape;219;g2f03ac7ac9f_0_5:notes"/>
           <p:cNvSpPr>
             <a:spLocks noGrp="1" noRot="1" noChangeAspect="1"/>
           </p:cNvSpPr>
@@ -1898,7 +1898,7 @@
       </p:sp>
       <p:sp>
         <p:nvSpPr>
-          <p:cNvPr id="216" name="Google Shape;216;g2f03ac7ac9f_0_5:notes"/>
+          <p:cNvPr id="220" name="Google Shape;220;g2f03ac7ac9f_0_5:notes"/>
           <p:cNvSpPr txBox="1">
             <a:spLocks noGrp="1"/>
           </p:cNvSpPr>
@@ -1955,7 +1955,7 @@
   <p:cSld>
     <p:spTree>
       <p:nvGrpSpPr>
-        <p:cNvPr id="1" name="Shape 275"/>
+        <p:cNvPr id="1" name="Shape 279"/>
         <p:cNvGrpSpPr/>
         <p:nvPr/>
       </p:nvGrpSpPr>
@@ -1969,7 +1969,7 @@
       </p:grpSpPr>
       <p:sp>
         <p:nvSpPr>
-          <p:cNvPr id="276" name="Google Shape;276;g2dcea13964c_1_9:notes"/>
+          <p:cNvPr id="280" name="Google Shape;280;g2dcea13964c_1_9:notes"/>
           <p:cNvSpPr>
             <a:spLocks noGrp="1" noRot="1" noChangeAspect="1"/>
           </p:cNvSpPr>
@@ -2020,7 +2020,7 @@
       </p:sp>
       <p:sp>
         <p:nvSpPr>
-          <p:cNvPr id="277" name="Google Shape;277;g2dcea13964c_1_9:notes"/>
+          <p:cNvPr id="281" name="Google Shape;281;g2dcea13964c_1_9:notes"/>
           <p:cNvSpPr txBox="1">
             <a:spLocks noGrp="1"/>
           </p:cNvSpPr>
@@ -2077,7 +2077,7 @@
   <p:cSld>
     <p:spTree>
       <p:nvGrpSpPr>
-        <p:cNvPr id="1" name="Shape 282"/>
+        <p:cNvPr id="1" name="Shape 286"/>
         <p:cNvGrpSpPr/>
         <p:nvPr/>
       </p:nvGrpSpPr>
@@ -2091,7 +2091,7 @@
       </p:grpSpPr>
       <p:sp>
         <p:nvSpPr>
-          <p:cNvPr id="283" name="Google Shape;283;g2e40055f527_1_0:notes"/>
+          <p:cNvPr id="287" name="Google Shape;287;g2e40055f527_1_0:notes"/>
           <p:cNvSpPr>
             <a:spLocks noGrp="1" noRot="1" noChangeAspect="1"/>
           </p:cNvSpPr>
@@ -2142,7 +2142,7 @@
       </p:sp>
       <p:sp>
         <p:nvSpPr>
-          <p:cNvPr id="284" name="Google Shape;284;g2e40055f527_1_0:notes"/>
+          <p:cNvPr id="288" name="Google Shape;288;g2e40055f527_1_0:notes"/>
           <p:cNvSpPr txBox="1">
             <a:spLocks noGrp="1"/>
           </p:cNvSpPr>
@@ -2321,7 +2321,7 @@
   <p:cSld>
     <p:spTree>
       <p:nvGrpSpPr>
-        <p:cNvPr id="1" name="Shape 293"/>
+        <p:cNvPr id="1" name="Shape 297"/>
         <p:cNvGrpSpPr/>
         <p:nvPr/>
       </p:nvGrpSpPr>
@@ -2335,7 +2335,7 @@
       </p:grpSpPr>
       <p:sp>
         <p:nvSpPr>
-          <p:cNvPr id="294" name="Google Shape;294;p22:notes"/>
+          <p:cNvPr id="298" name="Google Shape;298;p22:notes"/>
           <p:cNvSpPr>
             <a:spLocks noGrp="1" noRot="1" noChangeAspect="1"/>
           </p:cNvSpPr>
@@ -2386,7 +2386,7 @@
       </p:sp>
       <p:sp>
         <p:nvSpPr>
-          <p:cNvPr id="295" name="Google Shape;295;p22:notes"/>
+          <p:cNvPr id="299" name="Google Shape;299;p22:notes"/>
           <p:cNvSpPr txBox="1">
             <a:spLocks noGrp="1"/>
           </p:cNvSpPr>
@@ -2443,7 +2443,7 @@
   <p:cSld>
     <p:spTree>
       <p:nvGrpSpPr>
-        <p:cNvPr id="1" name="Shape 303"/>
+        <p:cNvPr id="1" name="Shape 307"/>
         <p:cNvGrpSpPr/>
         <p:nvPr/>
       </p:nvGrpSpPr>
@@ -2457,7 +2457,7 @@
       </p:grpSpPr>
       <p:sp>
         <p:nvSpPr>
-          <p:cNvPr id="304" name="Google Shape;304;p23:notes"/>
+          <p:cNvPr id="308" name="Google Shape;308;p23:notes"/>
           <p:cNvSpPr>
             <a:spLocks noGrp="1" noRot="1" noChangeAspect="1"/>
           </p:cNvSpPr>
@@ -2508,7 +2508,7 @@
       </p:sp>
       <p:sp>
         <p:nvSpPr>
-          <p:cNvPr id="305" name="Google Shape;305;p23:notes"/>
+          <p:cNvPr id="309" name="Google Shape;309;p23:notes"/>
           <p:cNvSpPr txBox="1">
             <a:spLocks noGrp="1"/>
           </p:cNvSpPr>
@@ -2931,7 +2931,7 @@
   <p:cSld>
     <p:spTree>
       <p:nvGrpSpPr>
-        <p:cNvPr id="1" name="Shape 102"/>
+        <p:cNvPr id="1" name="Shape 104"/>
         <p:cNvGrpSpPr/>
         <p:nvPr/>
       </p:nvGrpSpPr>
@@ -2945,7 +2945,7 @@
       </p:grpSpPr>
       <p:sp>
         <p:nvSpPr>
-          <p:cNvPr id="103" name="Google Shape;103;g2e3eff53667_0_1:notes"/>
+          <p:cNvPr id="105" name="Google Shape;105;g2e3eff53667_0_1:notes"/>
           <p:cNvSpPr>
             <a:spLocks noGrp="1" noRot="1" noChangeAspect="1"/>
           </p:cNvSpPr>
@@ -2996,7 +2996,7 @@
       </p:sp>
       <p:sp>
         <p:nvSpPr>
-          <p:cNvPr id="104" name="Google Shape;104;g2e3eff53667_0_1:notes"/>
+          <p:cNvPr id="106" name="Google Shape;106;g2e3eff53667_0_1:notes"/>
           <p:cNvSpPr txBox="1">
             <a:spLocks noGrp="1"/>
           </p:cNvSpPr>
@@ -3053,7 +3053,7 @@
   <p:cSld>
     <p:spTree>
       <p:nvGrpSpPr>
-        <p:cNvPr id="1" name="Shape 111"/>
+        <p:cNvPr id="1" name="Shape 115"/>
         <p:cNvGrpSpPr/>
         <p:nvPr/>
       </p:nvGrpSpPr>
@@ -3067,7 +3067,7 @@
       </p:grpSpPr>
       <p:sp>
         <p:nvSpPr>
-          <p:cNvPr id="112" name="Google Shape;112;g33ede535684_0_0:notes"/>
+          <p:cNvPr id="116" name="Google Shape;116;g33ede535684_0_0:notes"/>
           <p:cNvSpPr>
             <a:spLocks noGrp="1" noRot="1" noChangeAspect="1"/>
           </p:cNvSpPr>
@@ -3118,7 +3118,7 @@
       </p:sp>
       <p:sp>
         <p:nvSpPr>
-          <p:cNvPr id="113" name="Google Shape;113;g33ede535684_0_0:notes"/>
+          <p:cNvPr id="117" name="Google Shape;117;g33ede535684_0_0:notes"/>
           <p:cNvSpPr txBox="1">
             <a:spLocks noGrp="1"/>
           </p:cNvSpPr>
@@ -3175,7 +3175,7 @@
   <p:cSld>
     <p:spTree>
       <p:nvGrpSpPr>
-        <p:cNvPr id="1" name="Shape 124"/>
+        <p:cNvPr id="1" name="Shape 128"/>
         <p:cNvGrpSpPr/>
         <p:nvPr/>
       </p:nvGrpSpPr>
@@ -3189,7 +3189,7 @@
       </p:grpSpPr>
       <p:sp>
         <p:nvSpPr>
-          <p:cNvPr id="125" name="Google Shape;125;g2e40dfd114a_1_0:notes"/>
+          <p:cNvPr id="129" name="Google Shape;129;g2e40dfd114a_1_0:notes"/>
           <p:cNvSpPr>
             <a:spLocks noGrp="1" noRot="1" noChangeAspect="1"/>
           </p:cNvSpPr>
@@ -3240,7 +3240,7 @@
       </p:sp>
       <p:sp>
         <p:nvSpPr>
-          <p:cNvPr id="126" name="Google Shape;126;g2e40dfd114a_1_0:notes"/>
+          <p:cNvPr id="130" name="Google Shape;130;g2e40dfd114a_1_0:notes"/>
           <p:cNvSpPr txBox="1">
             <a:spLocks noGrp="1"/>
           </p:cNvSpPr>
@@ -3297,7 +3297,7 @@
   <p:cSld>
     <p:spTree>
       <p:nvGrpSpPr>
-        <p:cNvPr id="1" name="Shape 141"/>
+        <p:cNvPr id="1" name="Shape 145"/>
         <p:cNvGrpSpPr/>
         <p:nvPr/>
       </p:nvGrpSpPr>
@@ -3311,7 +3311,7 @@
       </p:grpSpPr>
       <p:sp>
         <p:nvSpPr>
-          <p:cNvPr id="142" name="Google Shape;142;g33e8e6576bb_0_4:notes"/>
+          <p:cNvPr id="146" name="Google Shape;146;g33e8e6576bb_0_4:notes"/>
           <p:cNvSpPr>
             <a:spLocks noGrp="1" noRot="1" noChangeAspect="1"/>
           </p:cNvSpPr>
@@ -3362,7 +3362,7 @@
       </p:sp>
       <p:sp>
         <p:nvSpPr>
-          <p:cNvPr id="143" name="Google Shape;143;g33e8e6576bb_0_4:notes"/>
+          <p:cNvPr id="147" name="Google Shape;147;g33e8e6576bb_0_4:notes"/>
           <p:cNvSpPr txBox="1">
             <a:spLocks noGrp="1"/>
           </p:cNvSpPr>
@@ -12686,7 +12686,7 @@
         <p:spPr>
           <a:xfrm>
             <a:off x="78651" y="742261"/>
-            <a:ext cx="4420200" cy="1908600"/>
+            <a:ext cx="4420200" cy="1742400"/>
           </a:xfrm>
           <a:prstGeom prst="rect">
             <a:avLst/>
@@ -12705,7 +12705,7 @@
           </a:ln>
         </p:spPr>
         <p:txBody>
-          <a:bodyPr spcFirstLastPara="1" wrap="square" lIns="91425" tIns="91425" rIns="91425" bIns="91425" anchor="t" anchorCtr="0">
+          <a:bodyPr spcFirstLastPara="1" wrap="square" lIns="9125" tIns="9125" rIns="9125" bIns="9125" anchor="t" anchorCtr="0">
             <a:spAutoFit/>
           </a:bodyPr>
           <a:lstStyle/>
@@ -13146,7 +13146,7 @@
         <p:spPr>
           <a:xfrm>
             <a:off x="4659176" y="4148097"/>
-            <a:ext cx="4420200" cy="831300"/>
+            <a:ext cx="4420200" cy="664800"/>
           </a:xfrm>
           <a:prstGeom prst="rect">
             <a:avLst/>
@@ -13165,7 +13165,7 @@
           </a:ln>
         </p:spPr>
         <p:txBody>
-          <a:bodyPr spcFirstLastPara="1" wrap="square" lIns="91425" tIns="91425" rIns="91425" bIns="91425" anchor="t" anchorCtr="0">
+          <a:bodyPr spcFirstLastPara="1" wrap="square" lIns="9125" tIns="9125" rIns="9125" bIns="9125" anchor="t" anchorCtr="0">
             <a:spAutoFit/>
           </a:bodyPr>
           <a:lstStyle/>
@@ -13290,8 +13290,8 @@
         </p:nvSpPr>
         <p:spPr>
           <a:xfrm>
-            <a:off x="78651" y="2731733"/>
-            <a:ext cx="4420200" cy="2339700"/>
+            <a:off x="78651" y="2579333"/>
+            <a:ext cx="4420200" cy="2388900"/>
           </a:xfrm>
           <a:prstGeom prst="rect">
             <a:avLst/>
@@ -13310,7 +13310,7 @@
           </a:ln>
         </p:spPr>
         <p:txBody>
-          <a:bodyPr spcFirstLastPara="1" wrap="square" lIns="91425" tIns="91425" rIns="91425" bIns="91425" anchor="t" anchorCtr="0">
+          <a:bodyPr spcFirstLastPara="1" wrap="square" lIns="9125" tIns="9125" rIns="9125" bIns="9125" anchor="t" anchorCtr="0">
             <a:spAutoFit/>
           </a:bodyPr>
           <a:lstStyle/>
@@ -13488,6 +13488,43 @@
                 <a:sym typeface="Calibri"/>
               </a:rPr>
               <a:t>Claudette - a wrapper for Anthropic’s Python SDK</a:t>
+            </a:r>
+            <a:endParaRPr b="1">
+              <a:solidFill>
+                <a:srgbClr val="3C78D8"/>
+              </a:solidFill>
+              <a:latin typeface="Calibri"/>
+              <a:ea typeface="Calibri"/>
+              <a:cs typeface="Calibri"/>
+              <a:sym typeface="Calibri"/>
+            </a:endParaRPr>
+          </a:p>
+          <a:p>
+            <a:pPr marL="228600" lvl="0" indent="-203200" algn="l" rtl="0">
+              <a:spcBef>
+                <a:spcPts val="0"/>
+              </a:spcBef>
+              <a:spcAft>
+                <a:spcPts val="0"/>
+              </a:spcAft>
+              <a:buClr>
+                <a:srgbClr val="3C78D8"/>
+              </a:buClr>
+              <a:buSzPts val="1400"/>
+              <a:buFont typeface="Calibri"/>
+              <a:buChar char="●"/>
+            </a:pPr>
+            <a:r>
+              <a:rPr lang="en" b="1">
+                <a:solidFill>
+                  <a:srgbClr val="3C78D8"/>
+                </a:solidFill>
+                <a:latin typeface="Calibri"/>
+                <a:ea typeface="Calibri"/>
+                <a:cs typeface="Calibri"/>
+                <a:sym typeface="Calibri"/>
+              </a:rPr>
+              <a:t>Tencent’s Hunyuan-TurboS AI Hybrid Model</a:t>
             </a:r>
             <a:endParaRPr b="1">
               <a:solidFill>
@@ -13695,7 +13732,7 @@
         <p:spPr>
           <a:xfrm>
             <a:off x="4659176" y="887072"/>
-            <a:ext cx="4420200" cy="2986200"/>
+            <a:ext cx="4420200" cy="2819700"/>
           </a:xfrm>
           <a:prstGeom prst="rect">
             <a:avLst/>
@@ -13714,7 +13751,7 @@
           </a:ln>
         </p:spPr>
         <p:txBody>
-          <a:bodyPr spcFirstLastPara="1" wrap="square" lIns="91425" tIns="91425" rIns="91425" bIns="91425" anchor="t" anchorCtr="0">
+          <a:bodyPr spcFirstLastPara="1" wrap="square" lIns="9125" tIns="9125" rIns="9125" bIns="9125" anchor="t" anchorCtr="0">
             <a:spAutoFit/>
           </a:bodyPr>
           <a:lstStyle/>
@@ -14336,7 +14373,7 @@
   <p:cSld>
     <p:spTree>
       <p:nvGrpSpPr>
-        <p:cNvPr id="1" name="Shape 153"/>
+        <p:cNvPr id="1" name="Shape 157"/>
         <p:cNvGrpSpPr/>
         <p:nvPr/>
       </p:nvGrpSpPr>
@@ -14350,7 +14387,7 @@
       </p:grpSpPr>
       <p:sp>
         <p:nvSpPr>
-          <p:cNvPr id="154" name="Google Shape;154;p24"/>
+          <p:cNvPr id="158" name="Google Shape;158;p24"/>
           <p:cNvSpPr txBox="1"/>
           <p:nvPr/>
         </p:nvSpPr>
@@ -14413,7 +14450,7 @@
       </p:sp>
       <p:sp>
         <p:nvSpPr>
-          <p:cNvPr id="155" name="Google Shape;155;p24"/>
+          <p:cNvPr id="159" name="Google Shape;159;p24"/>
           <p:cNvSpPr txBox="1"/>
           <p:nvPr/>
         </p:nvSpPr>
@@ -14608,7 +14645,7 @@
       </p:sp>
       <p:sp>
         <p:nvSpPr>
-          <p:cNvPr id="156" name="Google Shape;156;p24"/>
+          <p:cNvPr id="160" name="Google Shape;160;p24"/>
           <p:cNvSpPr txBox="1"/>
           <p:nvPr/>
         </p:nvSpPr>
@@ -14748,7 +14785,7 @@
       </p:sp>
       <p:sp>
         <p:nvSpPr>
-          <p:cNvPr id="157" name="Google Shape;157;p24"/>
+          <p:cNvPr id="161" name="Google Shape;161;p24"/>
           <p:cNvSpPr txBox="1"/>
           <p:nvPr/>
         </p:nvSpPr>
@@ -15036,7 +15073,7 @@
       </p:sp>
       <p:sp>
         <p:nvSpPr>
-          <p:cNvPr id="158" name="Google Shape;158;p24"/>
+          <p:cNvPr id="162" name="Google Shape;162;p24"/>
           <p:cNvSpPr txBox="1"/>
           <p:nvPr/>
         </p:nvSpPr>
@@ -15139,7 +15176,7 @@
       </p:sp>
       <p:sp>
         <p:nvSpPr>
-          <p:cNvPr id="159" name="Google Shape;159;p24"/>
+          <p:cNvPr id="163" name="Google Shape;163;p24"/>
           <p:cNvSpPr txBox="1"/>
           <p:nvPr/>
         </p:nvSpPr>
@@ -15210,7 +15247,7 @@
       </p:sp>
       <p:pic>
         <p:nvPicPr>
-          <p:cNvPr id="160" name="Google Shape;160;p24"/>
+          <p:cNvPr id="164" name="Google Shape;164;p24"/>
           <p:cNvPicPr preferRelativeResize="0"/>
           <p:nvPr/>
         </p:nvPicPr>
@@ -15243,7 +15280,7 @@
       </p:pic>
       <p:pic>
         <p:nvPicPr>
-          <p:cNvPr id="161" name="Google Shape;161;p24"/>
+          <p:cNvPr id="165" name="Google Shape;165;p24"/>
           <p:cNvPicPr preferRelativeResize="0"/>
           <p:nvPr/>
         </p:nvPicPr>
@@ -15276,7 +15313,7 @@
       </p:pic>
       <p:pic>
         <p:nvPicPr>
-          <p:cNvPr id="162" name="Google Shape;162;p24"/>
+          <p:cNvPr id="166" name="Google Shape;166;p24"/>
           <p:cNvPicPr preferRelativeResize="0"/>
           <p:nvPr/>
         </p:nvPicPr>
@@ -15320,7 +15357,7 @@
   <p:cSld>
     <p:spTree>
       <p:nvGrpSpPr>
-        <p:cNvPr id="1" name="Shape 166"/>
+        <p:cNvPr id="1" name="Shape 170"/>
         <p:cNvGrpSpPr/>
         <p:nvPr/>
       </p:nvGrpSpPr>
@@ -15334,7 +15371,7 @@
       </p:grpSpPr>
       <p:sp>
         <p:nvSpPr>
-          <p:cNvPr id="167" name="Google Shape;167;p25"/>
+          <p:cNvPr id="171" name="Google Shape;171;p25"/>
           <p:cNvSpPr txBox="1"/>
           <p:nvPr/>
         </p:nvSpPr>
@@ -15397,7 +15434,7 @@
       </p:sp>
       <p:sp>
         <p:nvSpPr>
-          <p:cNvPr id="168" name="Google Shape;168;p25"/>
+          <p:cNvPr id="172" name="Google Shape;172;p25"/>
           <p:cNvSpPr txBox="1"/>
           <p:nvPr/>
         </p:nvSpPr>
@@ -15520,7 +15557,7 @@
       </p:sp>
       <p:sp>
         <p:nvSpPr>
-          <p:cNvPr id="169" name="Google Shape;169;p25"/>
+          <p:cNvPr id="173" name="Google Shape;173;p25"/>
           <p:cNvSpPr txBox="1"/>
           <p:nvPr/>
         </p:nvSpPr>
@@ -15668,7 +15705,7 @@
       </p:sp>
       <p:pic>
         <p:nvPicPr>
-          <p:cNvPr id="170" name="Google Shape;170;p25"/>
+          <p:cNvPr id="174" name="Google Shape;174;p25"/>
           <p:cNvPicPr preferRelativeResize="0"/>
           <p:nvPr/>
         </p:nvPicPr>
@@ -15707,7 +15744,7 @@
       </p:pic>
       <p:pic>
         <p:nvPicPr>
-          <p:cNvPr id="171" name="Google Shape;171;p25"/>
+          <p:cNvPr id="175" name="Google Shape;175;p25"/>
           <p:cNvPicPr preferRelativeResize="0"/>
           <p:nvPr/>
         </p:nvPicPr>
@@ -15746,7 +15783,7 @@
       </p:pic>
       <p:pic>
         <p:nvPicPr>
-          <p:cNvPr id="172" name="Google Shape;172;p25"/>
+          <p:cNvPr id="176" name="Google Shape;176;p25"/>
           <p:cNvPicPr preferRelativeResize="0"/>
           <p:nvPr/>
         </p:nvPicPr>
@@ -15796,7 +15833,7 @@
   <p:cSld>
     <p:spTree>
       <p:nvGrpSpPr>
-        <p:cNvPr id="1" name="Shape 176"/>
+        <p:cNvPr id="1" name="Shape 180"/>
         <p:cNvGrpSpPr/>
         <p:nvPr/>
       </p:nvGrpSpPr>
@@ -15810,7 +15847,7 @@
       </p:grpSpPr>
       <p:sp>
         <p:nvSpPr>
-          <p:cNvPr id="177" name="Google Shape;177;p26"/>
+          <p:cNvPr id="181" name="Google Shape;181;p26"/>
           <p:cNvSpPr txBox="1"/>
           <p:nvPr/>
         </p:nvSpPr>
@@ -15873,7 +15910,7 @@
       </p:sp>
       <p:sp>
         <p:nvSpPr>
-          <p:cNvPr id="178" name="Google Shape;178;p26"/>
+          <p:cNvPr id="182" name="Google Shape;182;p26"/>
           <p:cNvSpPr txBox="1"/>
           <p:nvPr/>
         </p:nvSpPr>
@@ -16166,7 +16203,7 @@
       </p:sp>
       <p:pic>
         <p:nvPicPr>
-          <p:cNvPr id="179" name="Google Shape;179;p26"/>
+          <p:cNvPr id="183" name="Google Shape;183;p26"/>
           <p:cNvPicPr preferRelativeResize="0"/>
           <p:nvPr/>
         </p:nvPicPr>
@@ -16215,7 +16252,7 @@
   <p:cSld>
     <p:spTree>
       <p:nvGrpSpPr>
-        <p:cNvPr id="1" name="Shape 183"/>
+        <p:cNvPr id="1" name="Shape 187"/>
         <p:cNvGrpSpPr/>
         <p:nvPr/>
       </p:nvGrpSpPr>
@@ -16229,7 +16266,7 @@
       </p:grpSpPr>
       <p:sp>
         <p:nvSpPr>
-          <p:cNvPr id="184" name="Google Shape;184;p27"/>
+          <p:cNvPr id="188" name="Google Shape;188;p27"/>
           <p:cNvSpPr txBox="1"/>
           <p:nvPr/>
         </p:nvSpPr>
@@ -16292,7 +16329,7 @@
       </p:sp>
       <p:sp>
         <p:nvSpPr>
-          <p:cNvPr id="185" name="Google Shape;185;p27"/>
+          <p:cNvPr id="189" name="Google Shape;189;p27"/>
           <p:cNvSpPr txBox="1"/>
           <p:nvPr/>
         </p:nvSpPr>
@@ -16875,7 +16912,7 @@
       </p:sp>
       <p:pic>
         <p:nvPicPr>
-          <p:cNvPr id="186" name="Google Shape;186;p27"/>
+          <p:cNvPr id="190" name="Google Shape;190;p27"/>
           <p:cNvPicPr preferRelativeResize="0"/>
           <p:nvPr/>
         </p:nvPicPr>
@@ -16925,7 +16962,7 @@
   <p:cSld>
     <p:spTree>
       <p:nvGrpSpPr>
-        <p:cNvPr id="1" name="Shape 190"/>
+        <p:cNvPr id="1" name="Shape 194"/>
         <p:cNvGrpSpPr/>
         <p:nvPr/>
       </p:nvGrpSpPr>
@@ -16939,7 +16976,7 @@
       </p:grpSpPr>
       <p:sp>
         <p:nvSpPr>
-          <p:cNvPr id="191" name="Google Shape;191;p28"/>
+          <p:cNvPr id="195" name="Google Shape;195;p28"/>
           <p:cNvSpPr txBox="1"/>
           <p:nvPr/>
         </p:nvSpPr>
@@ -17002,7 +17039,7 @@
       </p:sp>
       <p:sp>
         <p:nvSpPr>
-          <p:cNvPr id="192" name="Google Shape;192;p28"/>
+          <p:cNvPr id="196" name="Google Shape;196;p28"/>
           <p:cNvSpPr txBox="1"/>
           <p:nvPr/>
         </p:nvSpPr>
@@ -17531,7 +17568,7 @@
       </p:sp>
       <p:pic>
         <p:nvPicPr>
-          <p:cNvPr id="193" name="Google Shape;193;p28"/>
+          <p:cNvPr id="197" name="Google Shape;197;p28"/>
           <p:cNvPicPr preferRelativeResize="0"/>
           <p:nvPr/>
         </p:nvPicPr>
@@ -17569,7 +17606,7 @@
       </p:pic>
       <p:sp>
         <p:nvSpPr>
-          <p:cNvPr id="194" name="Google Shape;194;p28"/>
+          <p:cNvPr id="198" name="Google Shape;198;p28"/>
           <p:cNvSpPr txBox="1"/>
           <p:nvPr/>
         </p:nvSpPr>
@@ -17729,7 +17766,7 @@
       </p:sp>
       <p:sp>
         <p:nvSpPr>
-          <p:cNvPr id="195" name="Google Shape;195;p28"/>
+          <p:cNvPr id="199" name="Google Shape;199;p28"/>
           <p:cNvSpPr txBox="1"/>
           <p:nvPr/>
         </p:nvSpPr>
@@ -17918,7 +17955,7 @@
       </p:sp>
       <p:sp>
         <p:nvSpPr>
-          <p:cNvPr id="196" name="Google Shape;196;p28"/>
+          <p:cNvPr id="200" name="Google Shape;200;p28"/>
           <p:cNvSpPr txBox="1"/>
           <p:nvPr/>
         </p:nvSpPr>
@@ -18132,7 +18169,7 @@
       </p:sp>
       <p:pic>
         <p:nvPicPr>
-          <p:cNvPr id="197" name="Google Shape;197;p28"/>
+          <p:cNvPr id="201" name="Google Shape;201;p28"/>
           <p:cNvPicPr preferRelativeResize="0"/>
           <p:nvPr/>
         </p:nvPicPr>
@@ -18182,7 +18219,7 @@
   <p:cSld>
     <p:spTree>
       <p:nvGrpSpPr>
-        <p:cNvPr id="1" name="Shape 201"/>
+        <p:cNvPr id="1" name="Shape 205"/>
         <p:cNvGrpSpPr/>
         <p:nvPr/>
       </p:nvGrpSpPr>
@@ -18196,7 +18233,7 @@
       </p:grpSpPr>
       <p:sp>
         <p:nvSpPr>
-          <p:cNvPr id="202" name="Google Shape;202;p29"/>
+          <p:cNvPr id="206" name="Google Shape;206;p29"/>
           <p:cNvSpPr txBox="1"/>
           <p:nvPr/>
         </p:nvSpPr>
@@ -18259,7 +18296,7 @@
       </p:sp>
       <p:sp>
         <p:nvSpPr>
-          <p:cNvPr id="203" name="Google Shape;203;p29"/>
+          <p:cNvPr id="207" name="Google Shape;207;p29"/>
           <p:cNvSpPr txBox="1"/>
           <p:nvPr/>
         </p:nvSpPr>
@@ -18751,7 +18788,7 @@
       </p:sp>
       <p:pic>
         <p:nvPicPr>
-          <p:cNvPr id="204" name="Google Shape;204;p29"/>
+          <p:cNvPr id="208" name="Google Shape;208;p29"/>
           <p:cNvPicPr preferRelativeResize="0"/>
           <p:nvPr/>
         </p:nvPicPr>
@@ -18785,7 +18822,7 @@
       </p:pic>
       <p:pic>
         <p:nvPicPr>
-          <p:cNvPr id="205" name="Google Shape;205;p29"/>
+          <p:cNvPr id="209" name="Google Shape;209;p29"/>
           <p:cNvPicPr preferRelativeResize="0"/>
           <p:nvPr/>
         </p:nvPicPr>
@@ -18835,7 +18872,7 @@
   <p:cSld>
     <p:spTree>
       <p:nvGrpSpPr>
-        <p:cNvPr id="1" name="Shape 209"/>
+        <p:cNvPr id="1" name="Shape 213"/>
         <p:cNvGrpSpPr/>
         <p:nvPr/>
       </p:nvGrpSpPr>
@@ -18849,7 +18886,7 @@
       </p:grpSpPr>
       <p:sp>
         <p:nvSpPr>
-          <p:cNvPr id="210" name="Google Shape;210;p30"/>
+          <p:cNvPr id="214" name="Google Shape;214;p30"/>
           <p:cNvSpPr txBox="1"/>
           <p:nvPr/>
         </p:nvSpPr>
@@ -18912,7 +18949,7 @@
       </p:sp>
       <p:sp>
         <p:nvSpPr>
-          <p:cNvPr id="211" name="Google Shape;211;p30"/>
+          <p:cNvPr id="215" name="Google Shape;215;p30"/>
           <p:cNvSpPr txBox="1"/>
           <p:nvPr/>
         </p:nvSpPr>
@@ -19102,7 +19139,7 @@
       </p:sp>
       <p:pic>
         <p:nvPicPr>
-          <p:cNvPr id="212" name="Google Shape;212;p30"/>
+          <p:cNvPr id="216" name="Google Shape;216;p30"/>
           <p:cNvPicPr preferRelativeResize="0"/>
           <p:nvPr/>
         </p:nvPicPr>
@@ -19141,7 +19178,7 @@
       </p:pic>
       <p:pic>
         <p:nvPicPr>
-          <p:cNvPr id="213" name="Google Shape;213;p30"/>
+          <p:cNvPr id="217" name="Google Shape;217;p30"/>
           <p:cNvPicPr preferRelativeResize="0"/>
           <p:nvPr/>
         </p:nvPicPr>
@@ -19191,7 +19228,7 @@
   <p:cSld>
     <p:spTree>
       <p:nvGrpSpPr>
-        <p:cNvPr id="1" name="Shape 217"/>
+        <p:cNvPr id="1" name="Shape 221"/>
         <p:cNvGrpSpPr/>
         <p:nvPr/>
       </p:nvGrpSpPr>
@@ -19205,7 +19242,7 @@
       </p:grpSpPr>
       <p:sp>
         <p:nvSpPr>
-          <p:cNvPr id="218" name="Google Shape;218;p31"/>
+          <p:cNvPr id="222" name="Google Shape;222;p31"/>
           <p:cNvSpPr txBox="1"/>
           <p:nvPr/>
         </p:nvSpPr>
@@ -19372,7 +19409,7 @@
       </p:sp>
       <p:sp>
         <p:nvSpPr>
-          <p:cNvPr id="219" name="Google Shape;219;p31"/>
+          <p:cNvPr id="223" name="Google Shape;223;p31"/>
           <p:cNvSpPr txBox="1"/>
           <p:nvPr/>
         </p:nvSpPr>
@@ -19438,7 +19475,7 @@
       </p:sp>
       <p:sp>
         <p:nvSpPr>
-          <p:cNvPr id="220" name="Google Shape;220;p31"/>
+          <p:cNvPr id="224" name="Google Shape;224;p31"/>
           <p:cNvSpPr txBox="1"/>
           <p:nvPr/>
         </p:nvSpPr>
@@ -19564,7 +19601,7 @@
       </p:sp>
       <p:sp>
         <p:nvSpPr>
-          <p:cNvPr id="221" name="Google Shape;221;p31"/>
+          <p:cNvPr id="225" name="Google Shape;225;p31"/>
           <p:cNvSpPr txBox="1"/>
           <p:nvPr/>
         </p:nvSpPr>
@@ -19638,7 +19675,7 @@
       </p:sp>
       <p:sp>
         <p:nvSpPr>
-          <p:cNvPr id="222" name="Google Shape;222;p31"/>
+          <p:cNvPr id="226" name="Google Shape;226;p31"/>
           <p:cNvSpPr txBox="1"/>
           <p:nvPr/>
         </p:nvSpPr>
@@ -19799,7 +19836,7 @@
       </p:sp>
       <p:sp>
         <p:nvSpPr>
-          <p:cNvPr id="223" name="Google Shape;223;p31"/>
+          <p:cNvPr id="227" name="Google Shape;227;p31"/>
           <p:cNvSpPr txBox="1"/>
           <p:nvPr/>
         </p:nvSpPr>
@@ -19873,7 +19910,7 @@
       </p:sp>
       <p:sp>
         <p:nvSpPr>
-          <p:cNvPr id="224" name="Google Shape;224;p31"/>
+          <p:cNvPr id="228" name="Google Shape;228;p31"/>
           <p:cNvSpPr txBox="1"/>
           <p:nvPr/>
         </p:nvSpPr>
@@ -19948,7 +19985,7 @@
       </p:sp>
       <p:sp>
         <p:nvSpPr>
-          <p:cNvPr id="225" name="Google Shape;225;p31"/>
+          <p:cNvPr id="229" name="Google Shape;229;p31"/>
           <p:cNvSpPr/>
           <p:nvPr/>
         </p:nvSpPr>
@@ -19994,7 +20031,7 @@
       </p:sp>
       <p:sp>
         <p:nvSpPr>
-          <p:cNvPr id="226" name="Google Shape;226;p31"/>
+          <p:cNvPr id="230" name="Google Shape;230;p31"/>
           <p:cNvSpPr/>
           <p:nvPr/>
         </p:nvSpPr>
@@ -20040,7 +20077,7 @@
       </p:sp>
       <p:sp>
         <p:nvSpPr>
-          <p:cNvPr id="227" name="Google Shape;227;p31"/>
+          <p:cNvPr id="231" name="Google Shape;231;p31"/>
           <p:cNvSpPr txBox="1"/>
           <p:nvPr/>
         </p:nvSpPr>
@@ -20115,7 +20152,7 @@
       </p:sp>
       <p:sp>
         <p:nvSpPr>
-          <p:cNvPr id="228" name="Google Shape;228;p31"/>
+          <p:cNvPr id="232" name="Google Shape;232;p31"/>
           <p:cNvSpPr/>
           <p:nvPr/>
         </p:nvSpPr>
@@ -20161,7 +20198,7 @@
       </p:sp>
       <p:sp>
         <p:nvSpPr>
-          <p:cNvPr id="229" name="Google Shape;229;p31"/>
+          <p:cNvPr id="233" name="Google Shape;233;p31"/>
           <p:cNvSpPr/>
           <p:nvPr/>
         </p:nvSpPr>
@@ -20207,7 +20244,7 @@
       </p:sp>
       <p:sp>
         <p:nvSpPr>
-          <p:cNvPr id="230" name="Google Shape;230;p31"/>
+          <p:cNvPr id="234" name="Google Shape;234;p31"/>
           <p:cNvSpPr/>
           <p:nvPr/>
         </p:nvSpPr>
@@ -20253,7 +20290,7 @@
       </p:sp>
       <p:sp>
         <p:nvSpPr>
-          <p:cNvPr id="231" name="Google Shape;231;p31"/>
+          <p:cNvPr id="235" name="Google Shape;235;p31"/>
           <p:cNvSpPr txBox="1"/>
           <p:nvPr/>
         </p:nvSpPr>
@@ -20328,7 +20365,7 @@
       </p:sp>
       <p:sp>
         <p:nvSpPr>
-          <p:cNvPr id="232" name="Google Shape;232;p31"/>
+          <p:cNvPr id="236" name="Google Shape;236;p31"/>
           <p:cNvSpPr/>
           <p:nvPr/>
         </p:nvSpPr>
@@ -20374,7 +20411,7 @@
       </p:sp>
       <p:sp>
         <p:nvSpPr>
-          <p:cNvPr id="233" name="Google Shape;233;p31"/>
+          <p:cNvPr id="237" name="Google Shape;237;p31"/>
           <p:cNvSpPr/>
           <p:nvPr/>
         </p:nvSpPr>
@@ -20420,7 +20457,7 @@
       </p:sp>
       <p:sp>
         <p:nvSpPr>
-          <p:cNvPr id="234" name="Google Shape;234;p31"/>
+          <p:cNvPr id="238" name="Google Shape;238;p31"/>
           <p:cNvSpPr/>
           <p:nvPr/>
         </p:nvSpPr>
@@ -20466,7 +20503,7 @@
       </p:sp>
       <p:sp>
         <p:nvSpPr>
-          <p:cNvPr id="235" name="Google Shape;235;p31"/>
+          <p:cNvPr id="239" name="Google Shape;239;p31"/>
           <p:cNvSpPr/>
           <p:nvPr/>
         </p:nvSpPr>
@@ -20512,7 +20549,7 @@
       </p:sp>
       <p:sp>
         <p:nvSpPr>
-          <p:cNvPr id="236" name="Google Shape;236;p31"/>
+          <p:cNvPr id="240" name="Google Shape;240;p31"/>
           <p:cNvSpPr/>
           <p:nvPr/>
         </p:nvSpPr>
@@ -20558,7 +20595,7 @@
       </p:sp>
       <p:sp>
         <p:nvSpPr>
-          <p:cNvPr id="237" name="Google Shape;237;p31"/>
+          <p:cNvPr id="241" name="Google Shape;241;p31"/>
           <p:cNvSpPr/>
           <p:nvPr/>
         </p:nvSpPr>
@@ -20604,7 +20641,7 @@
       </p:sp>
       <p:sp>
         <p:nvSpPr>
-          <p:cNvPr id="238" name="Google Shape;238;p31"/>
+          <p:cNvPr id="242" name="Google Shape;242;p31"/>
           <p:cNvSpPr/>
           <p:nvPr/>
         </p:nvSpPr>
@@ -20650,7 +20687,7 @@
       </p:sp>
       <p:sp>
         <p:nvSpPr>
-          <p:cNvPr id="239" name="Google Shape;239;p31"/>
+          <p:cNvPr id="243" name="Google Shape;243;p31"/>
           <p:cNvSpPr/>
           <p:nvPr/>
         </p:nvSpPr>
@@ -20696,7 +20733,7 @@
       </p:sp>
       <p:sp>
         <p:nvSpPr>
-          <p:cNvPr id="240" name="Google Shape;240;p31"/>
+          <p:cNvPr id="244" name="Google Shape;244;p31"/>
           <p:cNvSpPr txBox="1"/>
           <p:nvPr/>
         </p:nvSpPr>
@@ -20771,7 +20808,7 @@
       </p:sp>
       <p:sp>
         <p:nvSpPr>
-          <p:cNvPr id="241" name="Google Shape;241;p31"/>
+          <p:cNvPr id="245" name="Google Shape;245;p31"/>
           <p:cNvSpPr/>
           <p:nvPr/>
         </p:nvSpPr>
@@ -20817,7 +20854,7 @@
       </p:sp>
       <p:sp>
         <p:nvSpPr>
-          <p:cNvPr id="242" name="Google Shape;242;p31"/>
+          <p:cNvPr id="246" name="Google Shape;246;p31"/>
           <p:cNvSpPr txBox="1"/>
           <p:nvPr/>
         </p:nvSpPr>
@@ -20892,7 +20929,7 @@
       </p:sp>
       <p:sp>
         <p:nvSpPr>
-          <p:cNvPr id="243" name="Google Shape;243;p31"/>
+          <p:cNvPr id="247" name="Google Shape;247;p31"/>
           <p:cNvSpPr/>
           <p:nvPr/>
         </p:nvSpPr>
@@ -20938,7 +20975,7 @@
       </p:sp>
       <p:sp>
         <p:nvSpPr>
-          <p:cNvPr id="244" name="Google Shape;244;p31"/>
+          <p:cNvPr id="248" name="Google Shape;248;p31"/>
           <p:cNvSpPr txBox="1"/>
           <p:nvPr/>
         </p:nvSpPr>
@@ -21013,7 +21050,7 @@
       </p:sp>
       <p:sp>
         <p:nvSpPr>
-          <p:cNvPr id="245" name="Google Shape;245;p31"/>
+          <p:cNvPr id="249" name="Google Shape;249;p31"/>
           <p:cNvSpPr/>
           <p:nvPr/>
         </p:nvSpPr>
@@ -21059,7 +21096,7 @@
       </p:sp>
       <p:sp>
         <p:nvSpPr>
-          <p:cNvPr id="246" name="Google Shape;246;p31"/>
+          <p:cNvPr id="250" name="Google Shape;250;p31"/>
           <p:cNvSpPr/>
           <p:nvPr/>
         </p:nvSpPr>
@@ -21105,7 +21142,7 @@
       </p:sp>
       <p:sp>
         <p:nvSpPr>
-          <p:cNvPr id="247" name="Google Shape;247;p31"/>
+          <p:cNvPr id="251" name="Google Shape;251;p31"/>
           <p:cNvSpPr txBox="1"/>
           <p:nvPr/>
         </p:nvSpPr>
@@ -21180,7 +21217,7 @@
       </p:sp>
       <p:sp>
         <p:nvSpPr>
-          <p:cNvPr id="248" name="Google Shape;248;p31"/>
+          <p:cNvPr id="252" name="Google Shape;252;p31"/>
           <p:cNvSpPr/>
           <p:nvPr/>
         </p:nvSpPr>
@@ -21226,7 +21263,7 @@
       </p:sp>
       <p:sp>
         <p:nvSpPr>
-          <p:cNvPr id="249" name="Google Shape;249;p31"/>
+          <p:cNvPr id="253" name="Google Shape;253;p31"/>
           <p:cNvSpPr/>
           <p:nvPr/>
         </p:nvSpPr>
@@ -21272,7 +21309,7 @@
       </p:sp>
       <p:sp>
         <p:nvSpPr>
-          <p:cNvPr id="250" name="Google Shape;250;p31"/>
+          <p:cNvPr id="254" name="Google Shape;254;p31"/>
           <p:cNvSpPr/>
           <p:nvPr/>
         </p:nvSpPr>
@@ -21318,7 +21355,7 @@
       </p:sp>
       <p:sp>
         <p:nvSpPr>
-          <p:cNvPr id="251" name="Google Shape;251;p31"/>
+          <p:cNvPr id="255" name="Google Shape;255;p31"/>
           <p:cNvSpPr txBox="1"/>
           <p:nvPr/>
         </p:nvSpPr>
@@ -21393,7 +21430,7 @@
       </p:sp>
       <p:sp>
         <p:nvSpPr>
-          <p:cNvPr id="252" name="Google Shape;252;p31"/>
+          <p:cNvPr id="256" name="Google Shape;256;p31"/>
           <p:cNvSpPr/>
           <p:nvPr/>
         </p:nvSpPr>
@@ -21439,7 +21476,7 @@
       </p:sp>
       <p:sp>
         <p:nvSpPr>
-          <p:cNvPr id="253" name="Google Shape;253;p31"/>
+          <p:cNvPr id="257" name="Google Shape;257;p31"/>
           <p:cNvSpPr txBox="1"/>
           <p:nvPr/>
         </p:nvSpPr>
@@ -21510,7 +21547,7 @@
       </p:sp>
       <p:sp>
         <p:nvSpPr>
-          <p:cNvPr id="254" name="Google Shape;254;p31"/>
+          <p:cNvPr id="258" name="Google Shape;258;p31"/>
           <p:cNvSpPr txBox="1"/>
           <p:nvPr/>
         </p:nvSpPr>
@@ -21585,7 +21622,7 @@
       </p:sp>
       <p:sp>
         <p:nvSpPr>
-          <p:cNvPr id="255" name="Google Shape;255;p31"/>
+          <p:cNvPr id="259" name="Google Shape;259;p31"/>
           <p:cNvSpPr txBox="1"/>
           <p:nvPr/>
         </p:nvSpPr>
@@ -21656,7 +21693,7 @@
       </p:sp>
       <p:sp>
         <p:nvSpPr>
-          <p:cNvPr id="256" name="Google Shape;256;p31"/>
+          <p:cNvPr id="260" name="Google Shape;260;p31"/>
           <p:cNvSpPr txBox="1"/>
           <p:nvPr/>
         </p:nvSpPr>
@@ -21731,7 +21768,7 @@
       </p:sp>
       <p:sp>
         <p:nvSpPr>
-          <p:cNvPr id="257" name="Google Shape;257;p31"/>
+          <p:cNvPr id="261" name="Google Shape;261;p31"/>
           <p:cNvSpPr/>
           <p:nvPr/>
         </p:nvSpPr>
@@ -21777,7 +21814,7 @@
       </p:sp>
       <p:sp>
         <p:nvSpPr>
-          <p:cNvPr id="258" name="Google Shape;258;p31"/>
+          <p:cNvPr id="262" name="Google Shape;262;p31"/>
           <p:cNvSpPr txBox="1"/>
           <p:nvPr/>
         </p:nvSpPr>
@@ -21852,7 +21889,7 @@
       </p:sp>
       <p:sp>
         <p:nvSpPr>
-          <p:cNvPr id="259" name="Google Shape;259;p31"/>
+          <p:cNvPr id="263" name="Google Shape;263;p31"/>
           <p:cNvSpPr/>
           <p:nvPr/>
         </p:nvSpPr>
@@ -21898,7 +21935,7 @@
       </p:sp>
       <p:sp>
         <p:nvSpPr>
-          <p:cNvPr id="260" name="Google Shape;260;p31"/>
+          <p:cNvPr id="264" name="Google Shape;264;p31"/>
           <p:cNvSpPr/>
           <p:nvPr/>
         </p:nvSpPr>
@@ -21944,7 +21981,7 @@
       </p:sp>
       <p:sp>
         <p:nvSpPr>
-          <p:cNvPr id="261" name="Google Shape;261;p31"/>
+          <p:cNvPr id="265" name="Google Shape;265;p31"/>
           <p:cNvSpPr/>
           <p:nvPr/>
         </p:nvSpPr>
@@ -21990,7 +22027,7 @@
       </p:sp>
       <p:sp>
         <p:nvSpPr>
-          <p:cNvPr id="262" name="Google Shape;262;p31"/>
+          <p:cNvPr id="266" name="Google Shape;266;p31"/>
           <p:cNvSpPr/>
           <p:nvPr/>
         </p:nvSpPr>
@@ -22036,7 +22073,7 @@
       </p:sp>
       <p:pic>
         <p:nvPicPr>
-          <p:cNvPr id="263" name="Google Shape;263;p31"/>
+          <p:cNvPr id="267" name="Google Shape;267;p31"/>
           <p:cNvPicPr preferRelativeResize="0"/>
           <p:nvPr/>
         </p:nvPicPr>
@@ -22075,7 +22112,7 @@
       </p:pic>
       <p:pic>
         <p:nvPicPr>
-          <p:cNvPr id="264" name="Google Shape;264;p31"/>
+          <p:cNvPr id="268" name="Google Shape;268;p31"/>
           <p:cNvPicPr preferRelativeResize="0"/>
           <p:nvPr/>
         </p:nvPicPr>
@@ -22114,7 +22151,7 @@
       </p:pic>
       <p:sp>
         <p:nvSpPr>
-          <p:cNvPr id="265" name="Google Shape;265;p31"/>
+          <p:cNvPr id="269" name="Google Shape;269;p31"/>
           <p:cNvSpPr/>
           <p:nvPr/>
         </p:nvSpPr>
@@ -22160,7 +22197,7 @@
       </p:sp>
       <p:sp>
         <p:nvSpPr>
-          <p:cNvPr id="266" name="Google Shape;266;p31"/>
+          <p:cNvPr id="270" name="Google Shape;270;p31"/>
           <p:cNvSpPr/>
           <p:nvPr/>
         </p:nvSpPr>
@@ -22206,7 +22243,7 @@
       </p:sp>
       <p:sp>
         <p:nvSpPr>
-          <p:cNvPr id="267" name="Google Shape;267;p31"/>
+          <p:cNvPr id="271" name="Google Shape;271;p31"/>
           <p:cNvSpPr/>
           <p:nvPr/>
         </p:nvSpPr>
@@ -22252,7 +22289,7 @@
       </p:sp>
       <p:sp>
         <p:nvSpPr>
-          <p:cNvPr id="268" name="Google Shape;268;p31"/>
+          <p:cNvPr id="272" name="Google Shape;272;p31"/>
           <p:cNvSpPr/>
           <p:nvPr/>
         </p:nvSpPr>
@@ -22298,7 +22335,7 @@
       </p:sp>
       <p:sp>
         <p:nvSpPr>
-          <p:cNvPr id="269" name="Google Shape;269;p31"/>
+          <p:cNvPr id="273" name="Google Shape;273;p31"/>
           <p:cNvSpPr/>
           <p:nvPr/>
         </p:nvSpPr>
@@ -22344,7 +22381,7 @@
       </p:sp>
       <p:sp>
         <p:nvSpPr>
-          <p:cNvPr id="270" name="Google Shape;270;p31"/>
+          <p:cNvPr id="274" name="Google Shape;274;p31"/>
           <p:cNvSpPr/>
           <p:nvPr/>
         </p:nvSpPr>
@@ -22390,7 +22427,7 @@
       </p:sp>
       <p:sp>
         <p:nvSpPr>
-          <p:cNvPr id="271" name="Google Shape;271;p31"/>
+          <p:cNvPr id="275" name="Google Shape;275;p31"/>
           <p:cNvSpPr/>
           <p:nvPr/>
         </p:nvSpPr>
@@ -22436,7 +22473,7 @@
       </p:sp>
       <p:sp>
         <p:nvSpPr>
-          <p:cNvPr id="272" name="Google Shape;272;p31"/>
+          <p:cNvPr id="276" name="Google Shape;276;p31"/>
           <p:cNvSpPr/>
           <p:nvPr/>
         </p:nvSpPr>
@@ -22482,7 +22519,7 @@
       </p:sp>
       <p:sp>
         <p:nvSpPr>
-          <p:cNvPr id="273" name="Google Shape;273;p31"/>
+          <p:cNvPr id="277" name="Google Shape;277;p31"/>
           <p:cNvSpPr/>
           <p:nvPr/>
         </p:nvSpPr>
@@ -22528,7 +22565,7 @@
       </p:sp>
       <p:sp>
         <p:nvSpPr>
-          <p:cNvPr id="274" name="Google Shape;274;p31"/>
+          <p:cNvPr id="278" name="Google Shape;278;p31"/>
           <p:cNvSpPr txBox="1"/>
           <p:nvPr/>
         </p:nvSpPr>
@@ -22882,7 +22919,7 @@
   <p:cSld>
     <p:spTree>
       <p:nvGrpSpPr>
-        <p:cNvPr id="1" name="Shape 278"/>
+        <p:cNvPr id="1" name="Shape 282"/>
         <p:cNvGrpSpPr/>
         <p:nvPr/>
       </p:nvGrpSpPr>
@@ -22896,7 +22933,7 @@
       </p:grpSpPr>
       <p:sp>
         <p:nvSpPr>
-          <p:cNvPr id="279" name="Google Shape;279;p32"/>
+          <p:cNvPr id="283" name="Google Shape;283;p32"/>
           <p:cNvSpPr txBox="1"/>
           <p:nvPr/>
         </p:nvSpPr>
@@ -22962,7 +22999,7 @@
       </p:sp>
       <p:sp>
         <p:nvSpPr>
-          <p:cNvPr id="280" name="Google Shape;280;p32"/>
+          <p:cNvPr id="284" name="Google Shape;284;p32"/>
           <p:cNvSpPr txBox="1"/>
           <p:nvPr/>
         </p:nvSpPr>
@@ -23038,7 +23075,7 @@
       </p:sp>
       <p:pic>
         <p:nvPicPr>
-          <p:cNvPr id="281" name="Google Shape;281;p32"/>
+          <p:cNvPr id="285" name="Google Shape;285;p32"/>
           <p:cNvPicPr preferRelativeResize="0"/>
           <p:nvPr/>
         </p:nvPicPr>
@@ -23082,7 +23119,7 @@
   <p:cSld>
     <p:spTree>
       <p:nvGrpSpPr>
-        <p:cNvPr id="1" name="Shape 285"/>
+        <p:cNvPr id="1" name="Shape 289"/>
         <p:cNvGrpSpPr/>
         <p:nvPr/>
       </p:nvGrpSpPr>
@@ -23096,7 +23133,7 @@
       </p:grpSpPr>
       <p:sp>
         <p:nvSpPr>
-          <p:cNvPr id="286" name="Google Shape;286;p33"/>
+          <p:cNvPr id="290" name="Google Shape;290;p33"/>
           <p:cNvSpPr txBox="1"/>
           <p:nvPr/>
         </p:nvSpPr>
@@ -23162,7 +23199,7 @@
       </p:sp>
       <p:sp>
         <p:nvSpPr>
-          <p:cNvPr id="287" name="Google Shape;287;p33"/>
+          <p:cNvPr id="291" name="Google Shape;291;p33"/>
           <p:cNvSpPr txBox="1"/>
           <p:nvPr/>
         </p:nvSpPr>
@@ -23431,7 +23468,7 @@
       </p:sp>
       <p:pic>
         <p:nvPicPr>
-          <p:cNvPr id="288" name="Google Shape;288;p33"/>
+          <p:cNvPr id="292" name="Google Shape;292;p33"/>
           <p:cNvPicPr preferRelativeResize="0"/>
           <p:nvPr/>
         </p:nvPicPr>
@@ -23470,7 +23507,7 @@
       </p:pic>
       <p:sp>
         <p:nvSpPr>
-          <p:cNvPr id="289" name="Google Shape;289;p33"/>
+          <p:cNvPr id="293" name="Google Shape;293;p33"/>
           <p:cNvSpPr txBox="1"/>
           <p:nvPr/>
         </p:nvSpPr>
@@ -23580,7 +23617,7 @@
       </p:sp>
       <p:sp>
         <p:nvSpPr>
-          <p:cNvPr id="290" name="Google Shape;290;p33"/>
+          <p:cNvPr id="294" name="Google Shape;294;p33"/>
           <p:cNvSpPr txBox="1"/>
           <p:nvPr/>
         </p:nvSpPr>
@@ -23628,7 +23665,7 @@
       </p:sp>
       <p:sp>
         <p:nvSpPr>
-          <p:cNvPr id="291" name="Google Shape;291;p33"/>
+          <p:cNvPr id="295" name="Google Shape;295;p33"/>
           <p:cNvSpPr txBox="1"/>
           <p:nvPr/>
         </p:nvSpPr>
@@ -24071,7 +24108,7 @@
       </p:sp>
       <p:pic>
         <p:nvPicPr>
-          <p:cNvPr id="292" name="Google Shape;292;p33"/>
+          <p:cNvPr id="296" name="Google Shape;296;p33"/>
           <p:cNvPicPr preferRelativeResize="0"/>
           <p:nvPr/>
         </p:nvPicPr>
@@ -25084,7 +25121,7 @@
   <p:cSld>
     <p:spTree>
       <p:nvGrpSpPr>
-        <p:cNvPr id="1" name="Shape 296"/>
+        <p:cNvPr id="1" name="Shape 300"/>
         <p:cNvGrpSpPr/>
         <p:nvPr/>
       </p:nvGrpSpPr>
@@ -25098,7 +25135,7 @@
       </p:grpSpPr>
       <p:pic>
         <p:nvPicPr>
-          <p:cNvPr id="297" name="Google Shape;297;p34"/>
+          <p:cNvPr id="301" name="Google Shape;301;p34"/>
           <p:cNvPicPr preferRelativeResize="0"/>
           <p:nvPr/>
         </p:nvPicPr>
@@ -25130,7 +25167,7 @@
       </p:pic>
       <p:sp>
         <p:nvSpPr>
-          <p:cNvPr id="298" name="Google Shape;298;p34"/>
+          <p:cNvPr id="302" name="Google Shape;302;p34"/>
           <p:cNvSpPr txBox="1"/>
           <p:nvPr/>
         </p:nvSpPr>
@@ -25196,7 +25233,7 @@
       </p:sp>
       <p:sp>
         <p:nvSpPr>
-          <p:cNvPr id="299" name="Google Shape;299;p34"/>
+          <p:cNvPr id="303" name="Google Shape;303;p34"/>
           <p:cNvSpPr txBox="1"/>
           <p:nvPr/>
         </p:nvSpPr>
@@ -25626,7 +25663,7 @@
       </p:sp>
       <p:pic>
         <p:nvPicPr>
-          <p:cNvPr id="300" name="Google Shape;300;p34"/>
+          <p:cNvPr id="304" name="Google Shape;304;p34"/>
           <p:cNvPicPr preferRelativeResize="0"/>
           <p:nvPr/>
         </p:nvPicPr>
@@ -25658,7 +25695,7 @@
       </p:pic>
       <p:sp>
         <p:nvSpPr>
-          <p:cNvPr id="301" name="Google Shape;301;p34"/>
+          <p:cNvPr id="305" name="Google Shape;305;p34"/>
           <p:cNvSpPr txBox="1"/>
           <p:nvPr/>
         </p:nvSpPr>
@@ -25737,7 +25774,7 @@
       </p:sp>
       <p:sp>
         <p:nvSpPr>
-          <p:cNvPr id="302" name="Google Shape;302;p34"/>
+          <p:cNvPr id="306" name="Google Shape;306;p34"/>
           <p:cNvSpPr txBox="1"/>
           <p:nvPr/>
         </p:nvSpPr>
@@ -25814,7 +25851,7 @@
   <p:cSld>
     <p:spTree>
       <p:nvGrpSpPr>
-        <p:cNvPr id="1" name="Shape 306"/>
+        <p:cNvPr id="1" name="Shape 310"/>
         <p:cNvGrpSpPr/>
         <p:nvPr/>
       </p:nvGrpSpPr>
@@ -25828,7 +25865,7 @@
       </p:grpSpPr>
       <p:sp>
         <p:nvSpPr>
-          <p:cNvPr id="307" name="Google Shape;307;p35"/>
+          <p:cNvPr id="311" name="Google Shape;311;p35"/>
           <p:cNvSpPr txBox="1"/>
           <p:nvPr/>
         </p:nvSpPr>
@@ -26858,7 +26895,7 @@
         </p:nvSpPr>
         <p:spPr>
           <a:xfrm>
-            <a:off x="4306175" y="554200"/>
+            <a:off x="4306175" y="102650"/>
             <a:ext cx="4456200" cy="1403700"/>
           </a:xfrm>
           <a:prstGeom prst="rect">
@@ -27090,8 +27127,8 @@
         </p:nvSpPr>
         <p:spPr>
           <a:xfrm>
-            <a:off x="4306175" y="2128075"/>
-            <a:ext cx="4456200" cy="387900"/>
+            <a:off x="4306175" y="1580975"/>
+            <a:ext cx="4456200" cy="1496100"/>
           </a:xfrm>
           <a:prstGeom prst="rect">
             <a:avLst/>
@@ -27139,11 +27176,11 @@
                 <a:cs typeface="Calibri"/>
                 <a:sym typeface="Calibri"/>
               </a:rPr>
-              <a:t>Tulu-3-405B - .....</a:t>
-            </a:r>
-            <a:endParaRPr sz="1200" b="1">
-              <a:solidFill>
-                <a:srgbClr val="FF0000"/>
+              <a:t>Tulu-3-405B - new open-source LLM</a:t>
+            </a:r>
+            <a:endParaRPr sz="1200">
+              <a:solidFill>
+                <a:schemeClr val="dk1"/>
               </a:solidFill>
               <a:latin typeface="Calibri"/>
               <a:ea typeface="Calibri"/>
@@ -27167,6 +27204,191 @@
               <a:buChar char="●"/>
             </a:pPr>
             <a:r>
+              <a:rPr lang="en" sz="1200">
+                <a:solidFill>
+                  <a:schemeClr val="dk1"/>
+                </a:solidFill>
+                <a:latin typeface="Calibri"/>
+                <a:ea typeface="Calibri"/>
+                <a:cs typeface="Calibri"/>
+                <a:sym typeface="Calibri"/>
+              </a:rPr>
+              <a:t>developed by the Allen Institute for AI (Ai2)</a:t>
+            </a:r>
+            <a:endParaRPr sz="1200">
+              <a:solidFill>
+                <a:schemeClr val="dk1"/>
+              </a:solidFill>
+              <a:latin typeface="Calibri"/>
+              <a:ea typeface="Calibri"/>
+              <a:cs typeface="Calibri"/>
+              <a:sym typeface="Calibri"/>
+            </a:endParaRPr>
+          </a:p>
+          <a:p>
+            <a:pPr marL="171450" lvl="0" indent="-133350" algn="l" rtl="0">
+              <a:spcBef>
+                <a:spcPts val="0"/>
+              </a:spcBef>
+              <a:spcAft>
+                <a:spcPts val="0"/>
+              </a:spcAft>
+              <a:buClr>
+                <a:schemeClr val="dk1"/>
+              </a:buClr>
+              <a:buSzPts val="1200"/>
+              <a:buFont typeface="Calibri"/>
+              <a:buChar char="●"/>
+            </a:pPr>
+            <a:r>
+              <a:rPr lang="en" sz="1200">
+                <a:solidFill>
+                  <a:schemeClr val="dk1"/>
+                </a:solidFill>
+                <a:latin typeface="Calibri"/>
+                <a:ea typeface="Calibri"/>
+                <a:cs typeface="Calibri"/>
+                <a:sym typeface="Calibri"/>
+              </a:rPr>
+              <a:t>fine-tuned from Meta Llama3.1-405B</a:t>
+            </a:r>
+            <a:endParaRPr sz="1200">
+              <a:solidFill>
+                <a:schemeClr val="dk1"/>
+              </a:solidFill>
+              <a:latin typeface="Calibri"/>
+              <a:ea typeface="Calibri"/>
+              <a:cs typeface="Calibri"/>
+              <a:sym typeface="Calibri"/>
+            </a:endParaRPr>
+          </a:p>
+          <a:p>
+            <a:pPr marL="171450" lvl="0" indent="-133350" algn="l" rtl="0">
+              <a:spcBef>
+                <a:spcPts val="0"/>
+              </a:spcBef>
+              <a:spcAft>
+                <a:spcPts val="0"/>
+              </a:spcAft>
+              <a:buClr>
+                <a:schemeClr val="dk1"/>
+              </a:buClr>
+              <a:buSzPts val="1200"/>
+              <a:buFont typeface="Calibri"/>
+              <a:buChar char="●"/>
+            </a:pPr>
+            <a:r>
+              <a:rPr lang="en" sz="1200">
+                <a:solidFill>
+                  <a:schemeClr val="dk1"/>
+                </a:solidFill>
+                <a:latin typeface="Calibri"/>
+                <a:ea typeface="Calibri"/>
+                <a:cs typeface="Calibri"/>
+                <a:sym typeface="Calibri"/>
+              </a:rPr>
+              <a:t>Reinforcement Learning with Verifiable Rewards (RLVR), Direct Preference Optimization (DPO), and supervised fine-tuning</a:t>
+            </a:r>
+            <a:endParaRPr sz="1200">
+              <a:solidFill>
+                <a:schemeClr val="dk1"/>
+              </a:solidFill>
+              <a:latin typeface="Calibri"/>
+              <a:ea typeface="Calibri"/>
+              <a:cs typeface="Calibri"/>
+              <a:sym typeface="Calibri"/>
+            </a:endParaRPr>
+          </a:p>
+          <a:p>
+            <a:pPr marL="171450" lvl="0" indent="-133350" algn="l" rtl="0">
+              <a:spcBef>
+                <a:spcPts val="0"/>
+              </a:spcBef>
+              <a:spcAft>
+                <a:spcPts val="0"/>
+              </a:spcAft>
+              <a:buClr>
+                <a:schemeClr val="dk1"/>
+              </a:buClr>
+              <a:buSzPts val="1200"/>
+              <a:buFont typeface="Calibri"/>
+              <a:buChar char="●"/>
+            </a:pPr>
+            <a:r>
+              <a:rPr lang="en" sz="1200">
+                <a:solidFill>
+                  <a:schemeClr val="dk1"/>
+                </a:solidFill>
+                <a:latin typeface="Calibri"/>
+                <a:ea typeface="Calibri"/>
+                <a:cs typeface="Calibri"/>
+                <a:sym typeface="Calibri"/>
+              </a:rPr>
+              <a:t>Outperforms DeepSeek V3 and OpenAI's GPT-4o</a:t>
+            </a:r>
+            <a:endParaRPr sz="1200">
+              <a:solidFill>
+                <a:schemeClr val="dk1"/>
+              </a:solidFill>
+              <a:latin typeface="Calibri"/>
+              <a:ea typeface="Calibri"/>
+              <a:cs typeface="Calibri"/>
+              <a:sym typeface="Calibri"/>
+            </a:endParaRPr>
+          </a:p>
+          <a:p>
+            <a:pPr marL="171450" lvl="0" indent="-133350" algn="l" rtl="0">
+              <a:spcBef>
+                <a:spcPts val="0"/>
+              </a:spcBef>
+              <a:spcAft>
+                <a:spcPts val="0"/>
+              </a:spcAft>
+              <a:buClr>
+                <a:schemeClr val="dk1"/>
+              </a:buClr>
+              <a:buSzPts val="1200"/>
+              <a:buFont typeface="Calibri"/>
+              <a:buChar char="●"/>
+            </a:pPr>
+            <a:r>
+              <a:rPr lang="en" sz="1200">
+                <a:solidFill>
+                  <a:schemeClr val="dk1"/>
+                </a:solidFill>
+                <a:latin typeface="Calibri"/>
+                <a:ea typeface="Calibri"/>
+                <a:cs typeface="Calibri"/>
+                <a:sym typeface="Calibri"/>
+              </a:rPr>
+              <a:t>Available on Ai2 Playground, GitHub, Hugging Face</a:t>
+            </a:r>
+            <a:endParaRPr sz="1200">
+              <a:solidFill>
+                <a:schemeClr val="dk1"/>
+              </a:solidFill>
+              <a:latin typeface="Calibri"/>
+              <a:ea typeface="Calibri"/>
+              <a:cs typeface="Calibri"/>
+              <a:sym typeface="Calibri"/>
+            </a:endParaRPr>
+          </a:p>
+          <a:p>
+            <a:pPr marL="171450" lvl="0" indent="-133350" algn="l" rtl="0">
+              <a:spcBef>
+                <a:spcPts val="0"/>
+              </a:spcBef>
+              <a:spcAft>
+                <a:spcPts val="0"/>
+              </a:spcAft>
+              <a:buClr>
+                <a:schemeClr val="dk1"/>
+              </a:buClr>
+              <a:buSzPts val="1200"/>
+              <a:buFont typeface="Calibri"/>
+              <a:buChar char="●"/>
+            </a:pPr>
+            <a:r>
               <a:rPr lang="en" sz="1200" u="sng">
                 <a:solidFill>
                   <a:schemeClr val="hlink"/>
@@ -27191,34 +27413,23 @@
           </a:p>
         </p:txBody>
       </p:sp>
-      <p:pic>
-        <p:nvPicPr>
+      <p:sp>
+        <p:nvSpPr>
           <p:cNvPr id="94" name="Google Shape;94;p18"/>
-          <p:cNvPicPr preferRelativeResize="0"/>
+          <p:cNvSpPr txBox="1"/>
           <p:nvPr/>
-        </p:nvPicPr>
-        <p:blipFill>
-          <a:blip r:embed="rId8" cstate="email">
-            <a:alphaModFix/>
-            <a:extLst>
-              <a:ext uri="{28A0092B-C50C-407E-A947-70E740481C1C}">
-                <a14:useLocalDpi xmlns:a14="http://schemas.microsoft.com/office/drawing/2010/main"/>
-              </a:ext>
-            </a:extLst>
-          </a:blip>
-          <a:stretch>
-            <a:fillRect/>
-          </a:stretch>
-        </p:blipFill>
+        </p:nvSpPr>
         <p:spPr>
           <a:xfrm>
-            <a:off x="4426275" y="2593575"/>
-            <a:ext cx="4216012" cy="2137926"/>
+            <a:off x="4306175" y="3197050"/>
+            <a:ext cx="4456200" cy="572700"/>
           </a:xfrm>
           <a:prstGeom prst="rect">
             <a:avLst/>
           </a:prstGeom>
-          <a:noFill/>
+          <a:solidFill>
+            <a:srgbClr val="FFF2CC"/>
+          </a:solidFill>
           <a:ln w="9525" cap="flat" cmpd="sng">
             <a:solidFill>
               <a:srgbClr val="FF0000"/>
@@ -27229,7 +27440,137 @@
             <a:tailEnd type="none" w="sm" len="sm"/>
           </a:ln>
         </p:spPr>
-      </p:pic>
+        <p:txBody>
+          <a:bodyPr spcFirstLastPara="1" wrap="square" lIns="9125" tIns="9125" rIns="9125" bIns="9125" anchor="t" anchorCtr="0">
+            <a:spAutoFit/>
+          </a:bodyPr>
+          <a:lstStyle/>
+          <a:p>
+            <a:pPr marL="171450" lvl="0" indent="-133350" algn="l" rtl="0">
+              <a:spcBef>
+                <a:spcPts val="0"/>
+              </a:spcBef>
+              <a:spcAft>
+                <a:spcPts val="0"/>
+              </a:spcAft>
+              <a:buClr>
+                <a:srgbClr val="FF0000"/>
+              </a:buClr>
+              <a:buSzPts val="1200"/>
+              <a:buFont typeface="Calibri"/>
+              <a:buChar char="●"/>
+            </a:pPr>
+            <a:r>
+              <a:rPr lang="en" sz="1200" b="1">
+                <a:solidFill>
+                  <a:srgbClr val="FF0000"/>
+                </a:solidFill>
+                <a:latin typeface="Calibri"/>
+                <a:ea typeface="Calibri"/>
+                <a:cs typeface="Calibri"/>
+                <a:sym typeface="Calibri"/>
+              </a:rPr>
+              <a:t>Use Claude with Sonar websearch via MCP server</a:t>
+            </a:r>
+            <a:endParaRPr sz="1200">
+              <a:solidFill>
+                <a:schemeClr val="dk1"/>
+              </a:solidFill>
+              <a:latin typeface="Calibri"/>
+              <a:ea typeface="Calibri"/>
+              <a:cs typeface="Calibri"/>
+              <a:sym typeface="Calibri"/>
+            </a:endParaRPr>
+          </a:p>
+          <a:p>
+            <a:pPr marL="171450" lvl="0" indent="-133350" algn="l" rtl="0">
+              <a:spcBef>
+                <a:spcPts val="0"/>
+              </a:spcBef>
+              <a:spcAft>
+                <a:spcPts val="0"/>
+              </a:spcAft>
+              <a:buClr>
+                <a:schemeClr val="dk1"/>
+              </a:buClr>
+              <a:buSzPts val="1200"/>
+              <a:buFont typeface="Calibri"/>
+              <a:buChar char="●"/>
+            </a:pPr>
+            <a:r>
+              <a:rPr lang="en" sz="1200">
+                <a:solidFill>
+                  <a:schemeClr val="dk1"/>
+                </a:solidFill>
+                <a:latin typeface="Calibri"/>
+                <a:ea typeface="Calibri"/>
+                <a:cs typeface="Calibri"/>
+                <a:sym typeface="Calibri"/>
+              </a:rPr>
+              <a:t>Small TypeScript application - can run locally</a:t>
+            </a:r>
+            <a:endParaRPr sz="1200">
+              <a:solidFill>
+                <a:schemeClr val="dk1"/>
+              </a:solidFill>
+              <a:latin typeface="Calibri"/>
+              <a:ea typeface="Calibri"/>
+              <a:cs typeface="Calibri"/>
+              <a:sym typeface="Calibri"/>
+            </a:endParaRPr>
+          </a:p>
+          <a:p>
+            <a:pPr marL="171450" lvl="0" indent="-133350" algn="l" rtl="0">
+              <a:spcBef>
+                <a:spcPts val="0"/>
+              </a:spcBef>
+              <a:spcAft>
+                <a:spcPts val="0"/>
+              </a:spcAft>
+              <a:buClr>
+                <a:schemeClr val="dk1"/>
+              </a:buClr>
+              <a:buSzPts val="1200"/>
+              <a:buFont typeface="Calibri"/>
+              <a:buChar char="●"/>
+            </a:pPr>
+            <a:r>
+              <a:rPr lang="en" sz="1200" u="sng">
+                <a:solidFill>
+                  <a:schemeClr val="hlink"/>
+                </a:solidFill>
+                <a:latin typeface="Calibri"/>
+                <a:ea typeface="Calibri"/>
+                <a:cs typeface="Calibri"/>
+                <a:sym typeface="Calibri"/>
+                <a:hlinkClick r:id="rId8"/>
+              </a:rPr>
+              <a:t>https://github.com/ppl-ai/modelcontextprotocol</a:t>
+            </a:r>
+            <a:r>
+              <a:rPr lang="en" sz="1200">
+                <a:solidFill>
+                  <a:schemeClr val="dk1"/>
+                </a:solidFill>
+                <a:latin typeface="Calibri"/>
+                <a:ea typeface="Calibri"/>
+                <a:cs typeface="Calibri"/>
+                <a:sym typeface="Calibri"/>
+              </a:rPr>
+              <a:t> </a:t>
+            </a:r>
+            <a:endParaRPr sz="900">
+              <a:solidFill>
+                <a:schemeClr val="dk1"/>
+              </a:solidFill>
+              <a:latin typeface="Calibri"/>
+              <a:ea typeface="Calibri"/>
+              <a:cs typeface="Calibri"/>
+              <a:sym typeface="Calibri"/>
+            </a:endParaRPr>
+          </a:p>
+        </p:txBody>
+      </p:sp>
     </p:spTree>
   </p:cSld>
   <p:clrMapOvr>
@@ -27411,14 +27752,389 @@
         <p:spPr>
           <a:xfrm>
             <a:off x="152400" y="909700"/>
-            <a:ext cx="5510463" cy="4081401"/>
+            <a:ext cx="4320000" cy="3199675"/>
           </a:xfrm>
           <a:prstGeom prst="rect">
             <a:avLst/>
           </a:prstGeom>
           <a:noFill/>
-          <a:ln>
-            <a:noFill/>
+          <a:ln w="9525" cap="flat" cmpd="sng">
+            <a:solidFill>
+              <a:srgbClr val="FF0000"/>
+            </a:solidFill>
+            <a:prstDash val="solid"/>
+            <a:round/>
+            <a:headEnd type="none" w="sm" len="sm"/>
+            <a:tailEnd type="none" w="sm" len="sm"/>
+          </a:ln>
+        </p:spPr>
+      </p:pic>
+      <p:sp>
+        <p:nvSpPr>
+          <p:cNvPr id="102" name="Google Shape;102;p19"/>
+          <p:cNvSpPr txBox="1"/>
+          <p:nvPr/>
+        </p:nvSpPr>
+        <p:spPr>
+          <a:xfrm>
+            <a:off x="4670875" y="52750"/>
+            <a:ext cx="4400700" cy="2419500"/>
+          </a:xfrm>
+          <a:prstGeom prst="rect">
+            <a:avLst/>
+          </a:prstGeom>
+          <a:solidFill>
+            <a:srgbClr val="FFF2CC"/>
+          </a:solidFill>
+          <a:ln w="9525" cap="flat" cmpd="sng">
+            <a:solidFill>
+              <a:srgbClr val="FF0000"/>
+            </a:solidFill>
+            <a:prstDash val="solid"/>
+            <a:round/>
+            <a:headEnd type="none" w="sm" len="sm"/>
+            <a:tailEnd type="none" w="sm" len="sm"/>
+          </a:ln>
+        </p:spPr>
+        <p:txBody>
+          <a:bodyPr spcFirstLastPara="1" wrap="square" lIns="9125" tIns="9125" rIns="9125" bIns="9125" anchor="t" anchorCtr="0">
+            <a:spAutoFit/>
+          </a:bodyPr>
+          <a:lstStyle/>
+          <a:p>
+            <a:pPr marL="0" lvl="0" indent="0" algn="l" rtl="0">
+              <a:spcBef>
+                <a:spcPts val="0"/>
+              </a:spcBef>
+              <a:spcAft>
+                <a:spcPts val="0"/>
+              </a:spcAft>
+              <a:buNone/>
+            </a:pPr>
+            <a:r>
+              <a:rPr lang="en" sz="1200" b="1">
+                <a:solidFill>
+                  <a:srgbClr val="FF0000"/>
+                </a:solidFill>
+                <a:latin typeface="Calibri"/>
+                <a:ea typeface="Calibri"/>
+                <a:cs typeface="Calibri"/>
+                <a:sym typeface="Calibri"/>
+              </a:rPr>
+              <a:t>Gemini 2.0 Flash can edit or restore images using your textual descriptions </a:t>
+            </a:r>
+            <a:endParaRPr sz="1200" b="1">
+              <a:solidFill>
+                <a:srgbClr val="FF0000"/>
+              </a:solidFill>
+              <a:latin typeface="Calibri"/>
+              <a:ea typeface="Calibri"/>
+              <a:cs typeface="Calibri"/>
+              <a:sym typeface="Calibri"/>
+            </a:endParaRPr>
+          </a:p>
+          <a:p>
+            <a:pPr marL="0" lvl="0" indent="0" algn="l" rtl="0">
+              <a:spcBef>
+                <a:spcPts val="0"/>
+              </a:spcBef>
+              <a:spcAft>
+                <a:spcPts val="0"/>
+              </a:spcAft>
+              <a:buNone/>
+            </a:pPr>
+            <a:endParaRPr sz="1200">
+              <a:solidFill>
+                <a:schemeClr val="dk1"/>
+              </a:solidFill>
+              <a:latin typeface="Calibri"/>
+              <a:ea typeface="Calibri"/>
+              <a:cs typeface="Calibri"/>
+              <a:sym typeface="Calibri"/>
+            </a:endParaRPr>
+          </a:p>
+          <a:p>
+            <a:pPr marL="171450" lvl="0" indent="-133350" algn="l" rtl="0">
+              <a:spcBef>
+                <a:spcPts val="0"/>
+              </a:spcBef>
+              <a:spcAft>
+                <a:spcPts val="0"/>
+              </a:spcAft>
+              <a:buClr>
+                <a:schemeClr val="dk1"/>
+              </a:buClr>
+              <a:buSzPts val="1200"/>
+              <a:buFont typeface="Calibri"/>
+              <a:buChar char="●"/>
+            </a:pPr>
+            <a:r>
+              <a:rPr lang="en" sz="1200">
+                <a:solidFill>
+                  <a:schemeClr val="dk1"/>
+                </a:solidFill>
+                <a:latin typeface="Calibri"/>
+                <a:ea typeface="Calibri"/>
+                <a:cs typeface="Calibri"/>
+                <a:sym typeface="Calibri"/>
+              </a:rPr>
+              <a:t>You can have a </a:t>
+            </a:r>
+            <a:r>
+              <a:rPr lang="en" sz="1200">
+                <a:solidFill>
+                  <a:srgbClr val="3C78D8"/>
+                </a:solidFill>
+                <a:latin typeface="Calibri"/>
+                <a:ea typeface="Calibri"/>
+                <a:cs typeface="Calibri"/>
+                <a:sym typeface="Calibri"/>
+              </a:rPr>
+              <a:t>dialog</a:t>
+            </a:r>
+            <a:r>
+              <a:rPr lang="en" sz="1200">
+                <a:solidFill>
+                  <a:schemeClr val="dk1"/>
+                </a:solidFill>
+                <a:latin typeface="Calibri"/>
+                <a:ea typeface="Calibri"/>
+                <a:cs typeface="Calibri"/>
+                <a:sym typeface="Calibri"/>
+              </a:rPr>
+              <a:t> with Gemini 2.0 Flash to </a:t>
+            </a:r>
+            <a:r>
+              <a:rPr lang="en" sz="1200">
+                <a:solidFill>
+                  <a:srgbClr val="3C78D8"/>
+                </a:solidFill>
+                <a:latin typeface="Calibri"/>
+                <a:ea typeface="Calibri"/>
+                <a:cs typeface="Calibri"/>
+                <a:sym typeface="Calibri"/>
+              </a:rPr>
+              <a:t>iteratively</a:t>
+            </a:r>
+            <a:r>
+              <a:rPr lang="en" sz="1200">
+                <a:solidFill>
+                  <a:schemeClr val="dk1"/>
+                </a:solidFill>
+                <a:latin typeface="Calibri"/>
+                <a:ea typeface="Calibri"/>
+                <a:cs typeface="Calibri"/>
+                <a:sym typeface="Calibri"/>
+              </a:rPr>
+              <a:t> edit images, refining the desired outcome through </a:t>
+            </a:r>
+            <a:r>
+              <a:rPr lang="en" sz="1200">
+                <a:solidFill>
+                  <a:srgbClr val="3C78D8"/>
+                </a:solidFill>
+                <a:latin typeface="Calibri"/>
+                <a:ea typeface="Calibri"/>
+                <a:cs typeface="Calibri"/>
+                <a:sym typeface="Calibri"/>
+              </a:rPr>
+              <a:t>multiple rounds</a:t>
+            </a:r>
+            <a:r>
+              <a:rPr lang="en" sz="1200">
+                <a:solidFill>
+                  <a:schemeClr val="dk1"/>
+                </a:solidFill>
+                <a:latin typeface="Calibri"/>
+                <a:ea typeface="Calibri"/>
+                <a:cs typeface="Calibri"/>
+                <a:sym typeface="Calibri"/>
+              </a:rPr>
+              <a:t> of text-based instructions</a:t>
+            </a:r>
+            <a:endParaRPr sz="1200">
+              <a:solidFill>
+                <a:schemeClr val="dk1"/>
+              </a:solidFill>
+              <a:latin typeface="Calibri"/>
+              <a:ea typeface="Calibri"/>
+              <a:cs typeface="Calibri"/>
+              <a:sym typeface="Calibri"/>
+            </a:endParaRPr>
+          </a:p>
+          <a:p>
+            <a:pPr marL="171450" lvl="0" indent="-133350" algn="l" rtl="0">
+              <a:spcBef>
+                <a:spcPts val="0"/>
+              </a:spcBef>
+              <a:spcAft>
+                <a:spcPts val="0"/>
+              </a:spcAft>
+              <a:buClr>
+                <a:schemeClr val="dk1"/>
+              </a:buClr>
+              <a:buSzPts val="1200"/>
+              <a:buFont typeface="Calibri"/>
+              <a:buChar char="●"/>
+            </a:pPr>
+            <a:r>
+              <a:rPr lang="en" sz="1200">
+                <a:solidFill>
+                  <a:schemeClr val="dk1"/>
+                </a:solidFill>
+                <a:latin typeface="Calibri"/>
+                <a:ea typeface="Calibri"/>
+                <a:cs typeface="Calibri"/>
+                <a:sym typeface="Calibri"/>
+              </a:rPr>
+              <a:t>Gemini 2.0 Flash can leverage its </a:t>
+            </a:r>
+            <a:r>
+              <a:rPr lang="en" sz="1200">
+                <a:solidFill>
+                  <a:srgbClr val="3C78D8"/>
+                </a:solidFill>
+                <a:latin typeface="Calibri"/>
+                <a:ea typeface="Calibri"/>
+                <a:cs typeface="Calibri"/>
+                <a:sym typeface="Calibri"/>
+              </a:rPr>
+              <a:t>knowledge of the world</a:t>
+            </a:r>
+            <a:r>
+              <a:rPr lang="en" sz="1200">
+                <a:solidFill>
+                  <a:schemeClr val="dk1"/>
+                </a:solidFill>
+                <a:latin typeface="Calibri"/>
+                <a:ea typeface="Calibri"/>
+                <a:cs typeface="Calibri"/>
+                <a:sym typeface="Calibri"/>
+              </a:rPr>
+              <a:t> to create more accurate and realistic images.</a:t>
+            </a:r>
+            <a:endParaRPr sz="1200">
+              <a:solidFill>
+                <a:schemeClr val="dk1"/>
+              </a:solidFill>
+              <a:latin typeface="Calibri"/>
+              <a:ea typeface="Calibri"/>
+              <a:cs typeface="Calibri"/>
+              <a:sym typeface="Calibri"/>
+            </a:endParaRPr>
+          </a:p>
+          <a:p>
+            <a:pPr marL="171450" lvl="0" indent="-133350" algn="l" rtl="0">
+              <a:spcBef>
+                <a:spcPts val="0"/>
+              </a:spcBef>
+              <a:spcAft>
+                <a:spcPts val="0"/>
+              </a:spcAft>
+              <a:buClr>
+                <a:schemeClr val="dk1"/>
+              </a:buClr>
+              <a:buSzPts val="1200"/>
+              <a:buFont typeface="Calibri"/>
+              <a:buChar char="●"/>
+            </a:pPr>
+            <a:r>
+              <a:rPr lang="en" sz="1200">
+                <a:solidFill>
+                  <a:schemeClr val="dk1"/>
+                </a:solidFill>
+                <a:latin typeface="Calibri"/>
+                <a:ea typeface="Calibri"/>
+                <a:cs typeface="Calibri"/>
+                <a:sym typeface="Calibri"/>
+              </a:rPr>
+              <a:t>You can ask Gemini 2.0 Flash to tell a story and have it generate accompanying illustrations, maintaining consistency in characters and settings</a:t>
+            </a:r>
+            <a:endParaRPr sz="1200">
+              <a:solidFill>
+                <a:schemeClr val="dk1"/>
+              </a:solidFill>
+              <a:latin typeface="Calibri"/>
+              <a:ea typeface="Calibri"/>
+              <a:cs typeface="Calibri"/>
+              <a:sym typeface="Calibri"/>
+            </a:endParaRPr>
+          </a:p>
+          <a:p>
+            <a:pPr marL="171450" lvl="0" indent="-133350" algn="l" rtl="0">
+              <a:spcBef>
+                <a:spcPts val="0"/>
+              </a:spcBef>
+              <a:spcAft>
+                <a:spcPts val="0"/>
+              </a:spcAft>
+              <a:buClr>
+                <a:schemeClr val="dk1"/>
+              </a:buClr>
+              <a:buSzPts val="1200"/>
+              <a:buFont typeface="Calibri"/>
+              <a:buChar char="●"/>
+            </a:pPr>
+            <a:r>
+              <a:rPr lang="en" sz="1200">
+                <a:solidFill>
+                  <a:schemeClr val="dk1"/>
+                </a:solidFill>
+                <a:latin typeface="Calibri"/>
+                <a:ea typeface="Calibri"/>
+                <a:cs typeface="Calibri"/>
+                <a:sym typeface="Calibri"/>
+              </a:rPr>
+              <a:t>Gemini 2.0 Flash can render correct text in images (so it can be used in advertising)</a:t>
+            </a:r>
+            <a:endParaRPr sz="1200">
+              <a:solidFill>
+                <a:schemeClr val="dk1"/>
+              </a:solidFill>
+              <a:latin typeface="Calibri"/>
+              <a:ea typeface="Calibri"/>
+              <a:cs typeface="Calibri"/>
+              <a:sym typeface="Calibri"/>
+            </a:endParaRPr>
+          </a:p>
+        </p:txBody>
+      </p:sp>
+      <p:pic>
+        <p:nvPicPr>
+          <p:cNvPr id="103" name="Google Shape;103;p19"/>
+          <p:cNvPicPr preferRelativeResize="0"/>
+          <p:nvPr/>
+        </p:nvPicPr>
+        <p:blipFill>
+          <a:blip r:embed="rId4" cstate="email">
+            <a:alphaModFix/>
+            <a:extLst>
+              <a:ext uri="{28A0092B-C50C-407E-A947-70E740481C1C}">
+                <a14:useLocalDpi xmlns:a14="http://schemas.microsoft.com/office/drawing/2010/main"/>
+              </a:ext>
+            </a:extLst>
+          </a:blip>
+          <a:stretch>
+            <a:fillRect/>
+          </a:stretch>
+        </p:blipFill>
+        <p:spPr>
+          <a:xfrm>
+            <a:off x="4670875" y="2534125"/>
+            <a:ext cx="3756270" cy="2366450"/>
+          </a:xfrm>
+          <a:prstGeom prst="rect">
+            <a:avLst/>
+          </a:prstGeom>
+          <a:noFill/>
+          <a:ln w="9525" cap="flat" cmpd="sng">
+            <a:solidFill>
+              <a:srgbClr val="FF0000"/>
+            </a:solidFill>
+            <a:prstDash val="solid"/>
+            <a:round/>
+            <a:headEnd type="none" w="sm" len="sm"/>
+            <a:tailEnd type="none" w="sm" len="sm"/>
           </a:ln>
         </p:spPr>
       </p:pic>
@@ -27435,7 +28151,7 @@
   <p:cSld>
     <p:spTree>
       <p:nvGrpSpPr>
-        <p:cNvPr id="1" name="Shape 105"/>
+        <p:cNvPr id="1" name="Shape 107"/>
         <p:cNvGrpSpPr/>
         <p:nvPr/>
       </p:nvGrpSpPr>
@@ -27449,7 +28165,7 @@
       </p:grpSpPr>
       <p:sp>
         <p:nvSpPr>
-          <p:cNvPr id="106" name="Google Shape;106;p20"/>
+          <p:cNvPr id="108" name="Google Shape;108;p20"/>
           <p:cNvSpPr txBox="1"/>
           <p:nvPr/>
         </p:nvSpPr>
@@ -27512,7 +28228,7 @@
       </p:sp>
       <p:sp>
         <p:nvSpPr>
-          <p:cNvPr id="107" name="Google Shape;107;p20"/>
+          <p:cNvPr id="109" name="Google Shape;109;p20"/>
           <p:cNvSpPr txBox="1"/>
           <p:nvPr/>
         </p:nvSpPr>
@@ -27781,7 +28497,7 @@
       </p:sp>
       <p:sp>
         <p:nvSpPr>
-          <p:cNvPr id="108" name="Google Shape;108;p20"/>
+          <p:cNvPr id="110" name="Google Shape;110;p20"/>
           <p:cNvSpPr txBox="1"/>
           <p:nvPr/>
         </p:nvSpPr>
@@ -27913,7 +28629,7 @@
       </p:sp>
       <p:sp>
         <p:nvSpPr>
-          <p:cNvPr id="109" name="Google Shape;109;p20"/>
+          <p:cNvPr id="111" name="Google Shape;111;p20"/>
           <p:cNvSpPr txBox="1"/>
           <p:nvPr/>
         </p:nvSpPr>
@@ -28106,13 +28822,320 @@
       </p:sp>
       <p:sp>
         <p:nvSpPr>
-          <p:cNvPr id="110" name="Google Shape;110;p20"/>
+          <p:cNvPr id="112" name="Google Shape;112;p20"/>
           <p:cNvSpPr txBox="1"/>
           <p:nvPr/>
         </p:nvSpPr>
         <p:spPr>
           <a:xfrm>
-            <a:off x="55075" y="4503400"/>
+            <a:off x="4608975" y="583250"/>
+            <a:ext cx="4456200" cy="1357500"/>
+          </a:xfrm>
+          <a:prstGeom prst="rect">
+            <a:avLst/>
+          </a:prstGeom>
+          <a:solidFill>
+            <a:srgbClr val="FFF2CC"/>
+          </a:solidFill>
+          <a:ln w="9525" cap="flat" cmpd="sng">
+            <a:solidFill>
+              <a:srgbClr val="FF0000"/>
+            </a:solidFill>
+            <a:prstDash val="solid"/>
+            <a:round/>
+            <a:headEnd type="none" w="sm" len="sm"/>
+            <a:tailEnd type="none" w="sm" len="sm"/>
+          </a:ln>
+        </p:spPr>
+        <p:txBody>
+          <a:bodyPr spcFirstLastPara="1" wrap="square" lIns="9125" tIns="9125" rIns="9125" bIns="9125" anchor="t" anchorCtr="0">
+            <a:spAutoFit/>
+          </a:bodyPr>
+          <a:lstStyle/>
+          <a:p>
+            <a:pPr marL="171450" lvl="0" indent="-133350" algn="l" rtl="0">
+              <a:spcBef>
+                <a:spcPts val="0"/>
+              </a:spcBef>
+              <a:spcAft>
+                <a:spcPts val="0"/>
+              </a:spcAft>
+              <a:buClr>
+                <a:srgbClr val="FF0000"/>
+              </a:buClr>
+              <a:buSzPts val="1200"/>
+              <a:buFont typeface="Calibri"/>
+              <a:buChar char="●"/>
+            </a:pPr>
+            <a:r>
+              <a:rPr lang="en" sz="1200" b="1">
+                <a:solidFill>
+                  <a:srgbClr val="FF0000"/>
+                </a:solidFill>
+                <a:latin typeface="Calibri"/>
+                <a:ea typeface="Calibri"/>
+                <a:cs typeface="Calibri"/>
+                <a:sym typeface="Calibri"/>
+              </a:rPr>
+              <a:t>Tencent’s Hunyuan-TurboS AI </a:t>
+            </a:r>
+            <a:endParaRPr sz="1200" b="1">
+              <a:solidFill>
+                <a:srgbClr val="FF0000"/>
+              </a:solidFill>
+              <a:latin typeface="Calibri"/>
+              <a:ea typeface="Calibri"/>
+              <a:cs typeface="Calibri"/>
+              <a:sym typeface="Calibri"/>
+            </a:endParaRPr>
+          </a:p>
+          <a:p>
+            <a:pPr marL="171450" lvl="0" indent="-133350" algn="l" rtl="0">
+              <a:spcBef>
+                <a:spcPts val="0"/>
+              </a:spcBef>
+              <a:spcAft>
+                <a:spcPts val="0"/>
+              </a:spcAft>
+              <a:buClr>
+                <a:srgbClr val="FF0000"/>
+              </a:buClr>
+              <a:buSzPts val="1200"/>
+              <a:buFont typeface="Calibri"/>
+              <a:buChar char="●"/>
+            </a:pPr>
+            <a:r>
+              <a:rPr lang="en" sz="1200" b="1">
+                <a:solidFill>
+                  <a:srgbClr val="FF0000"/>
+                </a:solidFill>
+                <a:latin typeface="Calibri"/>
+                <a:ea typeface="Calibri"/>
+                <a:cs typeface="Calibri"/>
+                <a:sym typeface="Calibri"/>
+              </a:rPr>
+              <a:t>first ultra-large Hybrid-Transformer-Mamba MoE model</a:t>
+            </a:r>
+            <a:endParaRPr sz="1200" b="1">
+              <a:solidFill>
+                <a:srgbClr val="FF0000"/>
+              </a:solidFill>
+              <a:latin typeface="Calibri"/>
+              <a:ea typeface="Calibri"/>
+              <a:cs typeface="Calibri"/>
+              <a:sym typeface="Calibri"/>
+            </a:endParaRPr>
+          </a:p>
+          <a:p>
+            <a:pPr marL="171450" lvl="0" indent="-133350" algn="l" rtl="0">
+              <a:spcBef>
+                <a:spcPts val="0"/>
+              </a:spcBef>
+              <a:spcAft>
+                <a:spcPts val="0"/>
+              </a:spcAft>
+              <a:buClr>
+                <a:srgbClr val="FF0000"/>
+              </a:buClr>
+              <a:buSzPts val="1200"/>
+              <a:buFont typeface="Calibri"/>
+              <a:buChar char="●"/>
+            </a:pPr>
+            <a:r>
+              <a:rPr lang="en" sz="1200" b="1">
+                <a:solidFill>
+                  <a:srgbClr val="FF0000"/>
+                </a:solidFill>
+                <a:latin typeface="Calibri"/>
+                <a:ea typeface="Calibri"/>
+                <a:cs typeface="Calibri"/>
+                <a:sym typeface="Calibri"/>
+              </a:rPr>
+              <a:t>combines speed and deep reasoning</a:t>
+            </a:r>
+            <a:endParaRPr sz="1200" b="1">
+              <a:solidFill>
+                <a:srgbClr val="FF0000"/>
+              </a:solidFill>
+              <a:latin typeface="Calibri"/>
+              <a:ea typeface="Calibri"/>
+              <a:cs typeface="Calibri"/>
+              <a:sym typeface="Calibri"/>
+            </a:endParaRPr>
+          </a:p>
+          <a:p>
+            <a:pPr marL="171450" lvl="0" indent="-133350" algn="l" rtl="0">
+              <a:spcBef>
+                <a:spcPts val="0"/>
+              </a:spcBef>
+              <a:spcAft>
+                <a:spcPts val="0"/>
+              </a:spcAft>
+              <a:buClr>
+                <a:srgbClr val="FF0000"/>
+              </a:buClr>
+              <a:buSzPts val="1200"/>
+              <a:buFont typeface="Calibri"/>
+              <a:buChar char="●"/>
+            </a:pPr>
+            <a:r>
+              <a:rPr lang="en" sz="1200" b="1">
+                <a:solidFill>
+                  <a:srgbClr val="FF0000"/>
+                </a:solidFill>
+                <a:latin typeface="Calibri"/>
+                <a:ea typeface="Calibri"/>
+                <a:cs typeface="Calibri"/>
+                <a:sym typeface="Calibri"/>
+              </a:rPr>
+              <a:t>outperforming models like GPT-4o</a:t>
+            </a:r>
+            <a:endParaRPr sz="1200" b="1">
+              <a:solidFill>
+                <a:srgbClr val="FF0000"/>
+              </a:solidFill>
+              <a:latin typeface="Calibri"/>
+              <a:ea typeface="Calibri"/>
+              <a:cs typeface="Calibri"/>
+              <a:sym typeface="Calibri"/>
+            </a:endParaRPr>
+          </a:p>
+          <a:p>
+            <a:pPr marL="171450" lvl="0" indent="-133350" algn="l" rtl="0">
+              <a:spcBef>
+                <a:spcPts val="0"/>
+              </a:spcBef>
+              <a:spcAft>
+                <a:spcPts val="0"/>
+              </a:spcAft>
+              <a:buClr>
+                <a:srgbClr val="FF0000"/>
+              </a:buClr>
+              <a:buSzPts val="1200"/>
+              <a:buFont typeface="Calibri"/>
+              <a:buChar char="●"/>
+            </a:pPr>
+            <a:r>
+              <a:rPr lang="en" sz="1200" b="1">
+                <a:solidFill>
+                  <a:srgbClr val="FF0000"/>
+                </a:solidFill>
+                <a:latin typeface="Calibri"/>
+                <a:ea typeface="Calibri"/>
+                <a:cs typeface="Calibri"/>
+                <a:sym typeface="Calibri"/>
+              </a:rPr>
+              <a:t>low price (approx $0.15 per Mln tokens)</a:t>
+            </a:r>
+            <a:endParaRPr sz="1200" b="1">
+              <a:solidFill>
+                <a:srgbClr val="FF0000"/>
+              </a:solidFill>
+              <a:latin typeface="Calibri"/>
+              <a:ea typeface="Calibri"/>
+              <a:cs typeface="Calibri"/>
+              <a:sym typeface="Calibri"/>
+            </a:endParaRPr>
+          </a:p>
+          <a:p>
+            <a:pPr marL="171450" lvl="0" indent="-114300" algn="l" rtl="0">
+              <a:spcBef>
+                <a:spcPts val="0"/>
+              </a:spcBef>
+              <a:spcAft>
+                <a:spcPts val="0"/>
+              </a:spcAft>
+              <a:buClr>
+                <a:schemeClr val="dk1"/>
+              </a:buClr>
+              <a:buSzPts val="900"/>
+              <a:buFont typeface="Calibri"/>
+              <a:buChar char="●"/>
+            </a:pPr>
+            <a:r>
+              <a:rPr lang="en" sz="900" u="sng">
+                <a:solidFill>
+                  <a:schemeClr val="hlink"/>
+                </a:solidFill>
+                <a:latin typeface="Calibri"/>
+                <a:ea typeface="Calibri"/>
+                <a:cs typeface="Calibri"/>
+                <a:sym typeface="Calibri"/>
+                <a:hlinkClick r:id="rId5"/>
+              </a:rPr>
+              <a:t>https://x.com/TXhunyuan/status/1899105803073958010</a:t>
+            </a:r>
+            <a:endParaRPr sz="900">
+              <a:solidFill>
+                <a:schemeClr val="dk1"/>
+              </a:solidFill>
+              <a:latin typeface="Calibri"/>
+              <a:ea typeface="Calibri"/>
+              <a:cs typeface="Calibri"/>
+              <a:sym typeface="Calibri"/>
+            </a:endParaRPr>
+          </a:p>
+          <a:p>
+            <a:pPr marL="171450" lvl="0" indent="-114300" algn="l" rtl="0">
+              <a:spcBef>
+                <a:spcPts val="0"/>
+              </a:spcBef>
+              <a:spcAft>
+                <a:spcPts val="0"/>
+              </a:spcAft>
+              <a:buClr>
+                <a:schemeClr val="dk1"/>
+              </a:buClr>
+              <a:buSzPts val="900"/>
+              <a:buFont typeface="Calibri"/>
+              <a:buChar char="●"/>
+            </a:pPr>
+            <a:r>
+              <a:rPr lang="en" sz="900" u="sng">
+                <a:solidFill>
+                  <a:schemeClr val="hlink"/>
+                </a:solidFill>
+                <a:latin typeface="Calibri"/>
+                <a:ea typeface="Calibri"/>
+                <a:cs typeface="Calibri"/>
+                <a:sym typeface="Calibri"/>
+                <a:hlinkClick r:id="rId6"/>
+              </a:rPr>
+              <a:t>https://www.news9live.com/technology/artificial-intelligence/tencent-hunyuan-turbos-future-ai-hybrid-architecture-fast-thinking-2831680</a:t>
+            </a:r>
+            <a:r>
+              <a:rPr lang="en" sz="900">
+                <a:solidFill>
+                  <a:schemeClr val="dk1"/>
+                </a:solidFill>
+                <a:latin typeface="Calibri"/>
+                <a:ea typeface="Calibri"/>
+                <a:cs typeface="Calibri"/>
+                <a:sym typeface="Calibri"/>
+              </a:rPr>
+              <a:t> </a:t>
+            </a:r>
+            <a:endParaRPr sz="600">
+              <a:solidFill>
+                <a:schemeClr val="dk1"/>
+              </a:solidFill>
+              <a:latin typeface="Calibri"/>
+              <a:ea typeface="Calibri"/>
+              <a:cs typeface="Calibri"/>
+              <a:sym typeface="Calibri"/>
+            </a:endParaRPr>
+          </a:p>
+        </p:txBody>
+      </p:sp>
+      <p:sp>
+        <p:nvSpPr>
+          <p:cNvPr id="113" name="Google Shape;113;p20"/>
+          <p:cNvSpPr txBox="1"/>
+          <p:nvPr/>
+        </p:nvSpPr>
+        <p:spPr>
+          <a:xfrm>
+            <a:off x="55075" y="4467550"/>
             <a:ext cx="4456200" cy="387900"/>
           </a:xfrm>
           <a:prstGeom prst="rect">
@@ -28197,7 +29220,7 @@
                 <a:ea typeface="Calibri"/>
                 <a:cs typeface="Calibri"/>
                 <a:sym typeface="Calibri"/>
-                <a:hlinkClick r:id="rId5"/>
+                <a:hlinkClick r:id="rId7"/>
               </a:rPr>
               <a:t>https://claudette.answer.ai</a:t>
             </a:r>
@@ -28225,6 +29248,39 @@
           </a:p>
         </p:txBody>
       </p:sp>
+      <p:pic>
+        <p:nvPicPr>
+          <p:cNvPr id="114" name="Google Shape;114;p20"/>
+          <p:cNvPicPr preferRelativeResize="0"/>
+          <p:nvPr/>
+        </p:nvPicPr>
+        <p:blipFill>
+          <a:blip r:embed="rId8" cstate="email">
+            <a:alphaModFix/>
+            <a:extLst>
+              <a:ext uri="{28A0092B-C50C-407E-A947-70E740481C1C}">
+                <a14:useLocalDpi xmlns:a14="http://schemas.microsoft.com/office/drawing/2010/main"/>
+              </a:ext>
+            </a:extLst>
+          </a:blip>
+          <a:stretch>
+            <a:fillRect/>
+          </a:stretch>
+        </p:blipFill>
+        <p:spPr>
+          <a:xfrm>
+            <a:off x="4790425" y="2002625"/>
+            <a:ext cx="4213499" cy="2897951"/>
+          </a:xfrm>
+          <a:prstGeom prst="rect">
+            <a:avLst/>
+          </a:prstGeom>
+          <a:noFill/>
+          <a:ln>
+            <a:noFill/>
+          </a:ln>
+        </p:spPr>
+      </p:pic>
     </p:spTree>
   </p:cSld>
   <p:clrMapOvr>
@@ -28238,7 +29294,7 @@
   <p:cSld>
     <p:spTree>
       <p:nvGrpSpPr>
-        <p:cNvPr id="1" name="Shape 114"/>
+        <p:cNvPr id="1" name="Shape 118"/>
         <p:cNvGrpSpPr/>
         <p:nvPr/>
       </p:nvGrpSpPr>
@@ -28252,7 +29308,7 @@
       </p:grpSpPr>
       <p:sp>
         <p:nvSpPr>
-          <p:cNvPr id="115" name="Google Shape;115;p21"/>
+          <p:cNvPr id="119" name="Google Shape;119;p21"/>
           <p:cNvSpPr txBox="1"/>
           <p:nvPr/>
         </p:nvSpPr>
@@ -28315,7 +29371,7 @@
       </p:sp>
       <p:sp>
         <p:nvSpPr>
-          <p:cNvPr id="116" name="Google Shape;116;p21"/>
+          <p:cNvPr id="120" name="Google Shape;120;p21"/>
           <p:cNvSpPr txBox="1"/>
           <p:nvPr/>
         </p:nvSpPr>
@@ -28473,7 +29529,7 @@
       </p:sp>
       <p:sp>
         <p:nvSpPr>
-          <p:cNvPr id="117" name="Google Shape;117;p21"/>
+          <p:cNvPr id="121" name="Google Shape;121;p21"/>
           <p:cNvSpPr txBox="1"/>
           <p:nvPr/>
         </p:nvSpPr>
@@ -28631,7 +29687,7 @@
       </p:sp>
       <p:sp>
         <p:nvSpPr>
-          <p:cNvPr id="118" name="Google Shape;118;p21"/>
+          <p:cNvPr id="122" name="Google Shape;122;p21"/>
           <p:cNvSpPr txBox="1"/>
           <p:nvPr/>
         </p:nvSpPr>
@@ -28802,7 +29858,7 @@
       </p:sp>
       <p:sp>
         <p:nvSpPr>
-          <p:cNvPr id="119" name="Google Shape;119;p21"/>
+          <p:cNvPr id="123" name="Google Shape;123;p21"/>
           <p:cNvSpPr txBox="1"/>
           <p:nvPr/>
         </p:nvSpPr>
@@ -29169,7 +30225,7 @@
       </p:sp>
       <p:pic>
         <p:nvPicPr>
-          <p:cNvPr id="120" name="Google Shape;120;p21"/>
+          <p:cNvPr id="124" name="Google Shape;124;p21"/>
           <p:cNvPicPr preferRelativeResize="0"/>
           <p:nvPr/>
         </p:nvPicPr>
@@ -29202,7 +30258,7 @@
       </p:pic>
       <p:sp>
         <p:nvSpPr>
-          <p:cNvPr id="121" name="Google Shape;121;p21"/>
+          <p:cNvPr id="125" name="Google Shape;125;p21"/>
           <p:cNvSpPr txBox="1"/>
           <p:nvPr/>
         </p:nvSpPr>
@@ -29336,7 +30392,7 @@
       </p:sp>
       <p:sp>
         <p:nvSpPr>
-          <p:cNvPr id="122" name="Google Shape;122;p21"/>
+          <p:cNvPr id="126" name="Google Shape;126;p21"/>
           <p:cNvSpPr txBox="1"/>
           <p:nvPr/>
         </p:nvSpPr>
@@ -29438,7 +30494,7 @@
       </p:sp>
       <p:sp>
         <p:nvSpPr>
-          <p:cNvPr id="123" name="Google Shape;123;p21"/>
+          <p:cNvPr id="127" name="Google Shape;127;p21"/>
           <p:cNvSpPr txBox="1"/>
           <p:nvPr/>
         </p:nvSpPr>
@@ -29687,7 +30743,7 @@
   <p:cSld>
     <p:spTree>
       <p:nvGrpSpPr>
-        <p:cNvPr id="1" name="Shape 127"/>
+        <p:cNvPr id="1" name="Shape 131"/>
         <p:cNvGrpSpPr/>
         <p:nvPr/>
       </p:nvGrpSpPr>
@@ -29701,7 +30757,7 @@
       </p:grpSpPr>
       <p:sp>
         <p:nvSpPr>
-          <p:cNvPr id="128" name="Google Shape;128;p22"/>
+          <p:cNvPr id="132" name="Google Shape;132;p22"/>
           <p:cNvSpPr txBox="1"/>
           <p:nvPr/>
         </p:nvSpPr>
@@ -29764,7 +30820,7 @@
       </p:sp>
       <p:sp>
         <p:nvSpPr>
-          <p:cNvPr id="129" name="Google Shape;129;p22"/>
+          <p:cNvPr id="133" name="Google Shape;133;p22"/>
           <p:cNvSpPr txBox="1"/>
           <p:nvPr/>
         </p:nvSpPr>
@@ -30470,7 +31526,7 @@
       </p:sp>
       <p:sp>
         <p:nvSpPr>
-          <p:cNvPr id="130" name="Google Shape;130;p22"/>
+          <p:cNvPr id="134" name="Google Shape;134;p22"/>
           <p:cNvSpPr txBox="1"/>
           <p:nvPr/>
         </p:nvSpPr>
@@ -30600,7 +31656,7 @@
       </p:sp>
       <p:sp>
         <p:nvSpPr>
-          <p:cNvPr id="131" name="Google Shape;131;p22"/>
+          <p:cNvPr id="135" name="Google Shape;135;p22"/>
           <p:cNvSpPr txBox="1"/>
           <p:nvPr/>
         </p:nvSpPr>
@@ -30666,7 +31722,7 @@
       </p:sp>
       <p:sp>
         <p:nvSpPr>
-          <p:cNvPr id="132" name="Google Shape;132;p22"/>
+          <p:cNvPr id="136" name="Google Shape;136;p22"/>
           <p:cNvSpPr txBox="1"/>
           <p:nvPr/>
         </p:nvSpPr>
@@ -30732,7 +31788,7 @@
       </p:sp>
       <p:sp>
         <p:nvSpPr>
-          <p:cNvPr id="133" name="Google Shape;133;p22"/>
+          <p:cNvPr id="137" name="Google Shape;137;p22"/>
           <p:cNvSpPr txBox="1"/>
           <p:nvPr/>
         </p:nvSpPr>
@@ -30798,7 +31854,7 @@
       </p:sp>
       <p:sp>
         <p:nvSpPr>
-          <p:cNvPr id="134" name="Google Shape;134;p22"/>
+          <p:cNvPr id="138" name="Google Shape;138;p22"/>
           <p:cNvSpPr txBox="1"/>
           <p:nvPr/>
         </p:nvSpPr>
@@ -30864,7 +31920,7 @@
       </p:sp>
       <p:sp>
         <p:nvSpPr>
-          <p:cNvPr id="135" name="Google Shape;135;p22"/>
+          <p:cNvPr id="139" name="Google Shape;139;p22"/>
           <p:cNvSpPr/>
           <p:nvPr/>
         </p:nvSpPr>
@@ -30913,7 +31969,7 @@
       </p:sp>
       <p:sp>
         <p:nvSpPr>
-          <p:cNvPr id="136" name="Google Shape;136;p22"/>
+          <p:cNvPr id="140" name="Google Shape;140;p22"/>
           <p:cNvSpPr/>
           <p:nvPr/>
         </p:nvSpPr>
@@ -30962,7 +32018,7 @@
       </p:sp>
       <p:sp>
         <p:nvSpPr>
-          <p:cNvPr id="137" name="Google Shape;137;p22"/>
+          <p:cNvPr id="141" name="Google Shape;141;p22"/>
           <p:cNvSpPr txBox="1"/>
           <p:nvPr/>
         </p:nvSpPr>
@@ -31020,7 +32076,7 @@
       </p:sp>
       <p:sp>
         <p:nvSpPr>
-          <p:cNvPr id="138" name="Google Shape;138;p22"/>
+          <p:cNvPr id="142" name="Google Shape;142;p22"/>
           <p:cNvSpPr/>
           <p:nvPr/>
         </p:nvSpPr>
@@ -31069,7 +32125,7 @@
       </p:sp>
       <p:sp>
         <p:nvSpPr>
-          <p:cNvPr id="139" name="Google Shape;139;p22"/>
+          <p:cNvPr id="143" name="Google Shape;143;p22"/>
           <p:cNvSpPr/>
           <p:nvPr/>
         </p:nvSpPr>
@@ -31118,7 +32174,7 @@
       </p:sp>
       <p:sp>
         <p:nvSpPr>
-          <p:cNvPr id="140" name="Google Shape;140;p22"/>
+          <p:cNvPr id="144" name="Google Shape;144;p22"/>
           <p:cNvSpPr txBox="1"/>
           <p:nvPr/>
         </p:nvSpPr>
@@ -31187,7 +32243,7 @@
   <p:cSld>
     <p:spTree>
       <p:nvGrpSpPr>
-        <p:cNvPr id="1" name="Shape 144"/>
+        <p:cNvPr id="1" name="Shape 148"/>
         <p:cNvGrpSpPr/>
         <p:nvPr/>
       </p:nvGrpSpPr>
@@ -31201,7 +32257,7 @@
       </p:grpSpPr>
       <p:sp>
         <p:nvSpPr>
-          <p:cNvPr id="145" name="Google Shape;145;p23"/>
+          <p:cNvPr id="149" name="Google Shape;149;p23"/>
           <p:cNvSpPr txBox="1"/>
           <p:nvPr/>
         </p:nvSpPr>
@@ -31264,7 +32320,7 @@
       </p:sp>
       <p:sp>
         <p:nvSpPr>
-          <p:cNvPr id="146" name="Google Shape;146;p23"/>
+          <p:cNvPr id="150" name="Google Shape;150;p23"/>
           <p:cNvSpPr txBox="1"/>
           <p:nvPr/>
         </p:nvSpPr>
@@ -31570,7 +32626,7 @@
       </p:sp>
       <p:sp>
         <p:nvSpPr>
-          <p:cNvPr id="147" name="Google Shape;147;p23"/>
+          <p:cNvPr id="151" name="Google Shape;151;p23"/>
           <p:cNvSpPr txBox="1"/>
           <p:nvPr/>
         </p:nvSpPr>
@@ -32285,7 +33341,7 @@
       </p:sp>
       <p:sp>
         <p:nvSpPr>
-          <p:cNvPr id="148" name="Google Shape;148;p23"/>
+          <p:cNvPr id="152" name="Google Shape;152;p23"/>
           <p:cNvSpPr txBox="1"/>
           <p:nvPr/>
         </p:nvSpPr>
@@ -33096,7 +34152,7 @@
       </p:sp>
       <p:pic>
         <p:nvPicPr>
-          <p:cNvPr id="149" name="Google Shape;149;p23"/>
+          <p:cNvPr id="153" name="Google Shape;153;p23"/>
           <p:cNvPicPr preferRelativeResize="0"/>
           <p:nvPr/>
         </p:nvPicPr>

--- a/2025/2025-03-14-AI-Updates.pptx
+++ b/2025/2025-03-14-AI-Updates.pptx
@@ -5,7 +5,7 @@
     <p:sldMasterId id="2147483661" r:id="rId1"/>
   </p:sldMasterIdLst>
   <p:notesMasterIdLst>
-    <p:notesMasterId r:id="rId23"/>
+    <p:notesMasterId r:id="rId25"/>
   </p:notesMasterIdLst>
   <p:sldIdLst>
     <p:sldId id="256" r:id="rId2"/>
@@ -29,16 +29,18 @@
     <p:sldId id="274" r:id="rId20"/>
     <p:sldId id="275" r:id="rId21"/>
     <p:sldId id="276" r:id="rId22"/>
+    <p:sldId id="277" r:id="rId23"/>
+    <p:sldId id="278" r:id="rId24"/>
   </p:sldIdLst>
   <p:sldSz cx="9144000" cy="5143500" type="screen16x9"/>
   <p:notesSz cx="6858000" cy="9144000"/>
   <p:embeddedFontLst>
     <p:embeddedFont>
       <p:font typeface="Roboto Mono" pitchFamily="49" charset="0"/>
-      <p:regular r:id="rId24"/>
-      <p:bold r:id="rId25"/>
-      <p:italic r:id="rId26"/>
-      <p:boldItalic r:id="rId27"/>
+      <p:regular r:id="rId26"/>
+      <p:bold r:id="rId27"/>
+      <p:italic r:id="rId28"/>
+      <p:boldItalic r:id="rId29"/>
     </p:embeddedFont>
   </p:embeddedFontLst>
   <p:defaultTextStyle>
@@ -979,7 +981,7 @@
   <p:cSld>
     <p:spTree>
       <p:nvGrpSpPr>
-        <p:cNvPr id="1" name="Shape 154"/>
+        <p:cNvPr id="1" name="Shape 155"/>
         <p:cNvGrpSpPr/>
         <p:nvPr/>
       </p:nvGrpSpPr>
@@ -993,7 +995,7 @@
       </p:grpSpPr>
       <p:sp>
         <p:nvSpPr>
-          <p:cNvPr id="155" name="Google Shape;155;g33e8e6576bb_0_19:notes"/>
+          <p:cNvPr id="156" name="Google Shape;156;g33e8e6576bb_0_19:notes"/>
           <p:cNvSpPr>
             <a:spLocks noGrp="1" noRot="1" noChangeAspect="1"/>
           </p:cNvSpPr>
@@ -1044,7 +1046,7 @@
       </p:sp>
       <p:sp>
         <p:nvSpPr>
-          <p:cNvPr id="156" name="Google Shape;156;g33e8e6576bb_0_19:notes"/>
+          <p:cNvPr id="157" name="Google Shape;157;g33e8e6576bb_0_19:notes"/>
           <p:cNvSpPr txBox="1">
             <a:spLocks noGrp="1"/>
           </p:cNvSpPr>
@@ -1101,7 +1103,7 @@
   <p:cSld>
     <p:spTree>
       <p:nvGrpSpPr>
-        <p:cNvPr id="1" name="Shape 167"/>
+        <p:cNvPr id="1" name="Shape 168"/>
         <p:cNvGrpSpPr/>
         <p:nvPr/>
       </p:nvGrpSpPr>
@@ -1115,7 +1117,7 @@
       </p:grpSpPr>
       <p:sp>
         <p:nvSpPr>
-          <p:cNvPr id="168" name="Google Shape;168;g33ec00a1bdb_1_8:notes"/>
+          <p:cNvPr id="169" name="Google Shape;169;g33ec00a1bdb_1_8:notes"/>
           <p:cNvSpPr>
             <a:spLocks noGrp="1" noRot="1" noChangeAspect="1"/>
           </p:cNvSpPr>
@@ -1166,7 +1168,7 @@
       </p:sp>
       <p:sp>
         <p:nvSpPr>
-          <p:cNvPr id="169" name="Google Shape;169;g33ec00a1bdb_1_8:notes"/>
+          <p:cNvPr id="170" name="Google Shape;170;g33ec00a1bdb_1_8:notes"/>
           <p:cNvSpPr txBox="1">
             <a:spLocks noGrp="1"/>
           </p:cNvSpPr>
@@ -1223,7 +1225,7 @@
   <p:cSld>
     <p:spTree>
       <p:nvGrpSpPr>
-        <p:cNvPr id="1" name="Shape 177"/>
+        <p:cNvPr id="1" name="Shape 178"/>
         <p:cNvGrpSpPr/>
         <p:nvPr/>
       </p:nvGrpSpPr>
@@ -1237,7 +1239,7 @@
       </p:grpSpPr>
       <p:sp>
         <p:nvSpPr>
-          <p:cNvPr id="178" name="Google Shape;178;g33e7e483514_0_0:notes"/>
+          <p:cNvPr id="179" name="Google Shape;179;g33e7e483514_0_0:notes"/>
           <p:cNvSpPr>
             <a:spLocks noGrp="1" noRot="1" noChangeAspect="1"/>
           </p:cNvSpPr>
@@ -1288,7 +1290,7 @@
       </p:sp>
       <p:sp>
         <p:nvSpPr>
-          <p:cNvPr id="179" name="Google Shape;179;g33e7e483514_0_0:notes"/>
+          <p:cNvPr id="180" name="Google Shape;180;g33e7e483514_0_0:notes"/>
           <p:cNvSpPr txBox="1">
             <a:spLocks noGrp="1"/>
           </p:cNvSpPr>
@@ -1345,7 +1347,7 @@
   <p:cSld>
     <p:spTree>
       <p:nvGrpSpPr>
-        <p:cNvPr id="1" name="Shape 184"/>
+        <p:cNvPr id="1" name="Shape 185"/>
         <p:cNvGrpSpPr/>
         <p:nvPr/>
       </p:nvGrpSpPr>
@@ -1359,7 +1361,7 @@
       </p:grpSpPr>
       <p:sp>
         <p:nvSpPr>
-          <p:cNvPr id="185" name="Google Shape;185;g2e3f0866023_0_1:notes"/>
+          <p:cNvPr id="186" name="Google Shape;186;g2e3f0866023_0_1:notes"/>
           <p:cNvSpPr>
             <a:spLocks noGrp="1" noRot="1" noChangeAspect="1"/>
           </p:cNvSpPr>
@@ -1410,7 +1412,7 @@
       </p:sp>
       <p:sp>
         <p:nvSpPr>
-          <p:cNvPr id="186" name="Google Shape;186;g2e3f0866023_0_1:notes"/>
+          <p:cNvPr id="187" name="Google Shape;187;g2e3f0866023_0_1:notes"/>
           <p:cNvSpPr txBox="1">
             <a:spLocks noGrp="1"/>
           </p:cNvSpPr>
@@ -1467,7 +1469,7 @@
   <p:cSld>
     <p:spTree>
       <p:nvGrpSpPr>
-        <p:cNvPr id="1" name="Shape 191"/>
+        <p:cNvPr id="1" name="Shape 192"/>
         <p:cNvGrpSpPr/>
         <p:nvPr/>
       </p:nvGrpSpPr>
@@ -1481,7 +1483,7 @@
       </p:grpSpPr>
       <p:sp>
         <p:nvSpPr>
-          <p:cNvPr id="192" name="Google Shape;192;g33e7e483514_0_8:notes"/>
+          <p:cNvPr id="193" name="Google Shape;193;g33e7e483514_0_8:notes"/>
           <p:cNvSpPr>
             <a:spLocks noGrp="1" noRot="1" noChangeAspect="1"/>
           </p:cNvSpPr>
@@ -1532,7 +1534,7 @@
       </p:sp>
       <p:sp>
         <p:nvSpPr>
-          <p:cNvPr id="193" name="Google Shape;193;g33e7e483514_0_8:notes"/>
+          <p:cNvPr id="194" name="Google Shape;194;g33e7e483514_0_8:notes"/>
           <p:cNvSpPr txBox="1">
             <a:spLocks noGrp="1"/>
           </p:cNvSpPr>
@@ -1589,7 +1591,7 @@
   <p:cSld>
     <p:spTree>
       <p:nvGrpSpPr>
-        <p:cNvPr id="1" name="Shape 202"/>
+        <p:cNvPr id="1" name="Shape 203"/>
         <p:cNvGrpSpPr/>
         <p:nvPr/>
       </p:nvGrpSpPr>
@@ -1603,7 +1605,7 @@
       </p:grpSpPr>
       <p:sp>
         <p:nvSpPr>
-          <p:cNvPr id="203" name="Google Shape;203;g2e400739f2d_0_0:notes"/>
+          <p:cNvPr id="204" name="Google Shape;204;g2e42d0bc6f7_1_0:notes"/>
           <p:cNvSpPr>
             <a:spLocks noGrp="1" noRot="1" noChangeAspect="1"/>
           </p:cNvSpPr>
@@ -1654,7 +1656,7 @@
       </p:sp>
       <p:sp>
         <p:nvSpPr>
-          <p:cNvPr id="204" name="Google Shape;204;g2e400739f2d_0_0:notes"/>
+          <p:cNvPr id="205" name="Google Shape;205;g2e42d0bc6f7_1_0:notes"/>
           <p:cNvSpPr txBox="1">
             <a:spLocks noGrp="1"/>
           </p:cNvSpPr>
@@ -1711,7 +1713,7 @@
   <p:cSld>
     <p:spTree>
       <p:nvGrpSpPr>
-        <p:cNvPr id="1" name="Shape 210"/>
+        <p:cNvPr id="1" name="Shape 212"/>
         <p:cNvGrpSpPr/>
         <p:nvPr/>
       </p:nvGrpSpPr>
@@ -1725,7 +1727,7 @@
       </p:grpSpPr>
       <p:sp>
         <p:nvSpPr>
-          <p:cNvPr id="211" name="Google Shape;211;g2e3e909175a_0_3:notes"/>
+          <p:cNvPr id="213" name="Google Shape;213;g2e400739f2d_0_0:notes"/>
           <p:cNvSpPr>
             <a:spLocks noGrp="1" noRot="1" noChangeAspect="1"/>
           </p:cNvSpPr>
@@ -1776,7 +1778,7 @@
       </p:sp>
       <p:sp>
         <p:nvSpPr>
-          <p:cNvPr id="212" name="Google Shape;212;g2e3e909175a_0_3:notes"/>
+          <p:cNvPr id="214" name="Google Shape;214;g2e400739f2d_0_0:notes"/>
           <p:cNvSpPr txBox="1">
             <a:spLocks noGrp="1"/>
           </p:cNvSpPr>
@@ -1833,7 +1835,7 @@
   <p:cSld>
     <p:spTree>
       <p:nvGrpSpPr>
-        <p:cNvPr id="1" name="Shape 218"/>
+        <p:cNvPr id="1" name="Shape 220"/>
         <p:cNvGrpSpPr/>
         <p:nvPr/>
       </p:nvGrpSpPr>
@@ -1847,7 +1849,251 @@
       </p:grpSpPr>
       <p:sp>
         <p:nvSpPr>
-          <p:cNvPr id="219" name="Google Shape;219;g2f03ac7ac9f_0_5:notes"/>
+          <p:cNvPr id="221" name="Google Shape;221;g2e432c6ef5d_0_0:notes"/>
+          <p:cNvSpPr>
+            <a:spLocks noGrp="1" noRot="1" noChangeAspect="1"/>
+          </p:cNvSpPr>
+          <p:nvPr>
+            <p:ph type="sldImg" idx="2"/>
+          </p:nvPr>
+        </p:nvSpPr>
+        <p:spPr>
+          <a:xfrm>
+            <a:off x="381000" y="685800"/>
+            <a:ext cx="6096000" cy="3429000"/>
+          </a:xfrm>
+          <a:custGeom>
+            <a:avLst/>
+            <a:gdLst/>
+            <a:ahLst/>
+            <a:cxnLst/>
+            <a:rect l="l" t="t" r="r" b="b"/>
+            <a:pathLst>
+              <a:path w="120000" h="120000" extrusionOk="0">
+                <a:moveTo>
+                  <a:pt x="0" y="0"/>
+                </a:moveTo>
+                <a:lnTo>
+                  <a:pt x="120000" y="0"/>
+                </a:lnTo>
+                <a:lnTo>
+                  <a:pt x="120000" y="120000"/>
+                </a:lnTo>
+                <a:lnTo>
+                  <a:pt x="0" y="120000"/>
+                </a:lnTo>
+                <a:close/>
+              </a:path>
+            </a:pathLst>
+          </a:custGeom>
+          <a:noFill/>
+          <a:ln w="9525" cap="flat" cmpd="sng">
+            <a:solidFill>
+              <a:srgbClr val="000000"/>
+            </a:solidFill>
+            <a:prstDash val="solid"/>
+            <a:round/>
+            <a:headEnd type="none" w="sm" len="sm"/>
+            <a:tailEnd type="none" w="sm" len="sm"/>
+          </a:ln>
+        </p:spPr>
+      </p:sp>
+      <p:sp>
+        <p:nvSpPr>
+          <p:cNvPr id="222" name="Google Shape;222;g2e432c6ef5d_0_0:notes"/>
+          <p:cNvSpPr txBox="1">
+            <a:spLocks noGrp="1"/>
+          </p:cNvSpPr>
+          <p:nvPr>
+            <p:ph type="body" idx="1"/>
+          </p:nvPr>
+        </p:nvSpPr>
+        <p:spPr>
+          <a:xfrm>
+            <a:off x="685800" y="4343400"/>
+            <a:ext cx="5486400" cy="4114800"/>
+          </a:xfrm>
+          <a:prstGeom prst="rect">
+            <a:avLst/>
+          </a:prstGeom>
+          <a:noFill/>
+          <a:ln>
+            <a:noFill/>
+          </a:ln>
+        </p:spPr>
+        <p:txBody>
+          <a:bodyPr spcFirstLastPara="1" wrap="square" lIns="91425" tIns="91425" rIns="91425" bIns="91425" anchor="t" anchorCtr="0">
+            <a:noAutofit/>
+          </a:bodyPr>
+          <a:lstStyle/>
+          <a:p>
+            <a:pPr marL="0" lvl="0" indent="0" algn="l" rtl="0">
+              <a:lnSpc>
+                <a:spcPct val="100000"/>
+              </a:lnSpc>
+              <a:spcBef>
+                <a:spcPts val="0"/>
+              </a:spcBef>
+              <a:spcAft>
+                <a:spcPts val="0"/>
+              </a:spcAft>
+              <a:buSzPts val="1100"/>
+              <a:buNone/>
+            </a:pPr>
+            <a:endParaRPr/>
+          </a:p>
+        </p:txBody>
+      </p:sp>
+    </p:spTree>
+  </p:cSld>
+  <p:clrMapOvr>
+    <a:masterClrMapping/>
+  </p:clrMapOvr>
+</p:notes>
+</file>
+
+<file path=ppt/notesSlides/notesSlide18.xml><?xml version="1.0" encoding="utf-8"?>
+<p:notes xmlns:a="http://schemas.openxmlformats.org/drawingml/2006/main" xmlns:r="http://schemas.openxmlformats.org/officeDocument/2006/relationships" xmlns:p="http://schemas.openxmlformats.org/presentationml/2006/main" showMasterSp="0" showMasterPhAnim="0">
+  <p:cSld>
+    <p:spTree>
+      <p:nvGrpSpPr>
+        <p:cNvPr id="1" name="Shape 235"/>
+        <p:cNvGrpSpPr/>
+        <p:nvPr/>
+      </p:nvGrpSpPr>
+      <p:grpSpPr>
+        <a:xfrm>
+          <a:off x="0" y="0"/>
+          <a:ext cx="0" cy="0"/>
+          <a:chOff x="0" y="0"/>
+          <a:chExt cx="0" cy="0"/>
+        </a:xfrm>
+      </p:grpSpPr>
+      <p:sp>
+        <p:nvSpPr>
+          <p:cNvPr id="236" name="Google Shape;236;g2e3e909175a_0_3:notes"/>
+          <p:cNvSpPr>
+            <a:spLocks noGrp="1" noRot="1" noChangeAspect="1"/>
+          </p:cNvSpPr>
+          <p:nvPr>
+            <p:ph type="sldImg" idx="2"/>
+          </p:nvPr>
+        </p:nvSpPr>
+        <p:spPr>
+          <a:xfrm>
+            <a:off x="381000" y="685800"/>
+            <a:ext cx="6096000" cy="3429000"/>
+          </a:xfrm>
+          <a:custGeom>
+            <a:avLst/>
+            <a:gdLst/>
+            <a:ahLst/>
+            <a:cxnLst/>
+            <a:rect l="l" t="t" r="r" b="b"/>
+            <a:pathLst>
+              <a:path w="120000" h="120000" extrusionOk="0">
+                <a:moveTo>
+                  <a:pt x="0" y="0"/>
+                </a:moveTo>
+                <a:lnTo>
+                  <a:pt x="120000" y="0"/>
+                </a:lnTo>
+                <a:lnTo>
+                  <a:pt x="120000" y="120000"/>
+                </a:lnTo>
+                <a:lnTo>
+                  <a:pt x="0" y="120000"/>
+                </a:lnTo>
+                <a:close/>
+              </a:path>
+            </a:pathLst>
+          </a:custGeom>
+          <a:noFill/>
+          <a:ln w="9525" cap="flat" cmpd="sng">
+            <a:solidFill>
+              <a:srgbClr val="000000"/>
+            </a:solidFill>
+            <a:prstDash val="solid"/>
+            <a:round/>
+            <a:headEnd type="none" w="sm" len="sm"/>
+            <a:tailEnd type="none" w="sm" len="sm"/>
+          </a:ln>
+        </p:spPr>
+      </p:sp>
+      <p:sp>
+        <p:nvSpPr>
+          <p:cNvPr id="237" name="Google Shape;237;g2e3e909175a_0_3:notes"/>
+          <p:cNvSpPr txBox="1">
+            <a:spLocks noGrp="1"/>
+          </p:cNvSpPr>
+          <p:nvPr>
+            <p:ph type="body" idx="1"/>
+          </p:nvPr>
+        </p:nvSpPr>
+        <p:spPr>
+          <a:xfrm>
+            <a:off x="685800" y="4343400"/>
+            <a:ext cx="5486400" cy="4114800"/>
+          </a:xfrm>
+          <a:prstGeom prst="rect">
+            <a:avLst/>
+          </a:prstGeom>
+          <a:noFill/>
+          <a:ln>
+            <a:noFill/>
+          </a:ln>
+        </p:spPr>
+        <p:txBody>
+          <a:bodyPr spcFirstLastPara="1" wrap="square" lIns="91425" tIns="91425" rIns="91425" bIns="91425" anchor="t" anchorCtr="0">
+            <a:noAutofit/>
+          </a:bodyPr>
+          <a:lstStyle/>
+          <a:p>
+            <a:pPr marL="0" lvl="0" indent="0" algn="l" rtl="0">
+              <a:lnSpc>
+                <a:spcPct val="100000"/>
+              </a:lnSpc>
+              <a:spcBef>
+                <a:spcPts val="0"/>
+              </a:spcBef>
+              <a:spcAft>
+                <a:spcPts val="0"/>
+              </a:spcAft>
+              <a:buSzPts val="1100"/>
+              <a:buNone/>
+            </a:pPr>
+            <a:endParaRPr/>
+          </a:p>
+        </p:txBody>
+      </p:sp>
+    </p:spTree>
+  </p:cSld>
+  <p:clrMapOvr>
+    <a:masterClrMapping/>
+  </p:clrMapOvr>
+</p:notes>
+</file>
+
+<file path=ppt/notesSlides/notesSlide19.xml><?xml version="1.0" encoding="utf-8"?>
+<p:notes xmlns:a="http://schemas.openxmlformats.org/drawingml/2006/main" xmlns:r="http://schemas.openxmlformats.org/officeDocument/2006/relationships" xmlns:p="http://schemas.openxmlformats.org/presentationml/2006/main" showMasterSp="0" showMasterPhAnim="0">
+  <p:cSld>
+    <p:spTree>
+      <p:nvGrpSpPr>
+        <p:cNvPr id="1" name="Shape 243"/>
+        <p:cNvGrpSpPr/>
+        <p:nvPr/>
+      </p:nvGrpSpPr>
+      <p:grpSpPr>
+        <a:xfrm>
+          <a:off x="0" y="0"/>
+          <a:ext cx="0" cy="0"/>
+          <a:chOff x="0" y="0"/>
+          <a:chExt cx="0" cy="0"/>
+        </a:xfrm>
+      </p:grpSpPr>
+      <p:sp>
+        <p:nvSpPr>
+          <p:cNvPr id="244" name="Google Shape;244;g2f03ac7ac9f_0_5:notes"/>
           <p:cNvSpPr>
             <a:spLocks noGrp="1" noRot="1" noChangeAspect="1"/>
           </p:cNvSpPr>
@@ -1898,251 +2144,7 @@
       </p:sp>
       <p:sp>
         <p:nvSpPr>
-          <p:cNvPr id="220" name="Google Shape;220;g2f03ac7ac9f_0_5:notes"/>
-          <p:cNvSpPr txBox="1">
-            <a:spLocks noGrp="1"/>
-          </p:cNvSpPr>
-          <p:nvPr>
-            <p:ph type="body" idx="1"/>
-          </p:nvPr>
-        </p:nvSpPr>
-        <p:spPr>
-          <a:xfrm>
-            <a:off x="685800" y="4343400"/>
-            <a:ext cx="5486400" cy="4114800"/>
-          </a:xfrm>
-          <a:prstGeom prst="rect">
-            <a:avLst/>
-          </a:prstGeom>
-          <a:noFill/>
-          <a:ln>
-            <a:noFill/>
-          </a:ln>
-        </p:spPr>
-        <p:txBody>
-          <a:bodyPr spcFirstLastPara="1" wrap="square" lIns="91425" tIns="91425" rIns="91425" bIns="91425" anchor="t" anchorCtr="0">
-            <a:noAutofit/>
-          </a:bodyPr>
-          <a:lstStyle/>
-          <a:p>
-            <a:pPr marL="0" lvl="0" indent="0" algn="l" rtl="0">
-              <a:lnSpc>
-                <a:spcPct val="100000"/>
-              </a:lnSpc>
-              <a:spcBef>
-                <a:spcPts val="0"/>
-              </a:spcBef>
-              <a:spcAft>
-                <a:spcPts val="0"/>
-              </a:spcAft>
-              <a:buSzPts val="1100"/>
-              <a:buNone/>
-            </a:pPr>
-            <a:endParaRPr/>
-          </a:p>
-        </p:txBody>
-      </p:sp>
-    </p:spTree>
-  </p:cSld>
-  <p:clrMapOvr>
-    <a:masterClrMapping/>
-  </p:clrMapOvr>
-</p:notes>
-</file>
-
-<file path=ppt/notesSlides/notesSlide18.xml><?xml version="1.0" encoding="utf-8"?>
-<p:notes xmlns:a="http://schemas.openxmlformats.org/drawingml/2006/main" xmlns:r="http://schemas.openxmlformats.org/officeDocument/2006/relationships" xmlns:p="http://schemas.openxmlformats.org/presentationml/2006/main" showMasterSp="0" showMasterPhAnim="0">
-  <p:cSld>
-    <p:spTree>
-      <p:nvGrpSpPr>
-        <p:cNvPr id="1" name="Shape 279"/>
-        <p:cNvGrpSpPr/>
-        <p:nvPr/>
-      </p:nvGrpSpPr>
-      <p:grpSpPr>
-        <a:xfrm>
-          <a:off x="0" y="0"/>
-          <a:ext cx="0" cy="0"/>
-          <a:chOff x="0" y="0"/>
-          <a:chExt cx="0" cy="0"/>
-        </a:xfrm>
-      </p:grpSpPr>
-      <p:sp>
-        <p:nvSpPr>
-          <p:cNvPr id="280" name="Google Shape;280;g2dcea13964c_1_9:notes"/>
-          <p:cNvSpPr>
-            <a:spLocks noGrp="1" noRot="1" noChangeAspect="1"/>
-          </p:cNvSpPr>
-          <p:nvPr>
-            <p:ph type="sldImg" idx="2"/>
-          </p:nvPr>
-        </p:nvSpPr>
-        <p:spPr>
-          <a:xfrm>
-            <a:off x="381300" y="685800"/>
-            <a:ext cx="6096000" cy="3429000"/>
-          </a:xfrm>
-          <a:custGeom>
-            <a:avLst/>
-            <a:gdLst/>
-            <a:ahLst/>
-            <a:cxnLst/>
-            <a:rect l="l" t="t" r="r" b="b"/>
-            <a:pathLst>
-              <a:path w="120000" h="120000" extrusionOk="0">
-                <a:moveTo>
-                  <a:pt x="0" y="0"/>
-                </a:moveTo>
-                <a:lnTo>
-                  <a:pt x="120000" y="0"/>
-                </a:lnTo>
-                <a:lnTo>
-                  <a:pt x="120000" y="120000"/>
-                </a:lnTo>
-                <a:lnTo>
-                  <a:pt x="0" y="120000"/>
-                </a:lnTo>
-                <a:close/>
-              </a:path>
-            </a:pathLst>
-          </a:custGeom>
-          <a:noFill/>
-          <a:ln w="9525" cap="flat" cmpd="sng">
-            <a:solidFill>
-              <a:srgbClr val="000000"/>
-            </a:solidFill>
-            <a:prstDash val="solid"/>
-            <a:round/>
-            <a:headEnd type="none" w="sm" len="sm"/>
-            <a:tailEnd type="none" w="sm" len="sm"/>
-          </a:ln>
-        </p:spPr>
-      </p:sp>
-      <p:sp>
-        <p:nvSpPr>
-          <p:cNvPr id="281" name="Google Shape;281;g2dcea13964c_1_9:notes"/>
-          <p:cNvSpPr txBox="1">
-            <a:spLocks noGrp="1"/>
-          </p:cNvSpPr>
-          <p:nvPr>
-            <p:ph type="body" idx="1"/>
-          </p:nvPr>
-        </p:nvSpPr>
-        <p:spPr>
-          <a:xfrm>
-            <a:off x="685800" y="4343400"/>
-            <a:ext cx="5486400" cy="4114800"/>
-          </a:xfrm>
-          <a:prstGeom prst="rect">
-            <a:avLst/>
-          </a:prstGeom>
-          <a:noFill/>
-          <a:ln>
-            <a:noFill/>
-          </a:ln>
-        </p:spPr>
-        <p:txBody>
-          <a:bodyPr spcFirstLastPara="1" wrap="square" lIns="91425" tIns="91425" rIns="91425" bIns="91425" anchor="t" anchorCtr="0">
-            <a:noAutofit/>
-          </a:bodyPr>
-          <a:lstStyle/>
-          <a:p>
-            <a:pPr marL="0" lvl="0" indent="0" algn="l" rtl="0">
-              <a:lnSpc>
-                <a:spcPct val="100000"/>
-              </a:lnSpc>
-              <a:spcBef>
-                <a:spcPts val="0"/>
-              </a:spcBef>
-              <a:spcAft>
-                <a:spcPts val="0"/>
-              </a:spcAft>
-              <a:buSzPts val="1100"/>
-              <a:buNone/>
-            </a:pPr>
-            <a:endParaRPr/>
-          </a:p>
-        </p:txBody>
-      </p:sp>
-    </p:spTree>
-  </p:cSld>
-  <p:clrMapOvr>
-    <a:masterClrMapping/>
-  </p:clrMapOvr>
-</p:notes>
-</file>
-
-<file path=ppt/notesSlides/notesSlide19.xml><?xml version="1.0" encoding="utf-8"?>
-<p:notes xmlns:a="http://schemas.openxmlformats.org/drawingml/2006/main" xmlns:r="http://schemas.openxmlformats.org/officeDocument/2006/relationships" xmlns:p="http://schemas.openxmlformats.org/presentationml/2006/main" showMasterSp="0" showMasterPhAnim="0">
-  <p:cSld>
-    <p:spTree>
-      <p:nvGrpSpPr>
-        <p:cNvPr id="1" name="Shape 286"/>
-        <p:cNvGrpSpPr/>
-        <p:nvPr/>
-      </p:nvGrpSpPr>
-      <p:grpSpPr>
-        <a:xfrm>
-          <a:off x="0" y="0"/>
-          <a:ext cx="0" cy="0"/>
-          <a:chOff x="0" y="0"/>
-          <a:chExt cx="0" cy="0"/>
-        </a:xfrm>
-      </p:grpSpPr>
-      <p:sp>
-        <p:nvSpPr>
-          <p:cNvPr id="287" name="Google Shape;287;g2e40055f527_1_0:notes"/>
-          <p:cNvSpPr>
-            <a:spLocks noGrp="1" noRot="1" noChangeAspect="1"/>
-          </p:cNvSpPr>
-          <p:nvPr>
-            <p:ph type="sldImg" idx="2"/>
-          </p:nvPr>
-        </p:nvSpPr>
-        <p:spPr>
-          <a:xfrm>
-            <a:off x="381300" y="685800"/>
-            <a:ext cx="6096000" cy="3429000"/>
-          </a:xfrm>
-          <a:custGeom>
-            <a:avLst/>
-            <a:gdLst/>
-            <a:ahLst/>
-            <a:cxnLst/>
-            <a:rect l="l" t="t" r="r" b="b"/>
-            <a:pathLst>
-              <a:path w="120000" h="120000" extrusionOk="0">
-                <a:moveTo>
-                  <a:pt x="0" y="0"/>
-                </a:moveTo>
-                <a:lnTo>
-                  <a:pt x="120000" y="0"/>
-                </a:lnTo>
-                <a:lnTo>
-                  <a:pt x="120000" y="120000"/>
-                </a:lnTo>
-                <a:lnTo>
-                  <a:pt x="0" y="120000"/>
-                </a:lnTo>
-                <a:close/>
-              </a:path>
-            </a:pathLst>
-          </a:custGeom>
-          <a:noFill/>
-          <a:ln w="9525" cap="flat" cmpd="sng">
-            <a:solidFill>
-              <a:srgbClr val="000000"/>
-            </a:solidFill>
-            <a:prstDash val="solid"/>
-            <a:round/>
-            <a:headEnd type="none" w="sm" len="sm"/>
-            <a:tailEnd type="none" w="sm" len="sm"/>
-          </a:ln>
-        </p:spPr>
-      </p:sp>
-      <p:sp>
-        <p:nvSpPr>
-          <p:cNvPr id="288" name="Google Shape;288;g2e40055f527_1_0:notes"/>
+          <p:cNvPr id="245" name="Google Shape;245;g2f03ac7ac9f_0_5:notes"/>
           <p:cNvSpPr txBox="1">
             <a:spLocks noGrp="1"/>
           </p:cNvSpPr>
@@ -2321,7 +2323,7 @@
   <p:cSld>
     <p:spTree>
       <p:nvGrpSpPr>
-        <p:cNvPr id="1" name="Shape 297"/>
+        <p:cNvPr id="1" name="Shape 304"/>
         <p:cNvGrpSpPr/>
         <p:nvPr/>
       </p:nvGrpSpPr>
@@ -2335,7 +2337,251 @@
       </p:grpSpPr>
       <p:sp>
         <p:nvSpPr>
-          <p:cNvPr id="298" name="Google Shape;298;p22:notes"/>
+          <p:cNvPr id="305" name="Google Shape;305;g2dcea13964c_1_9:notes"/>
+          <p:cNvSpPr>
+            <a:spLocks noGrp="1" noRot="1" noChangeAspect="1"/>
+          </p:cNvSpPr>
+          <p:nvPr>
+            <p:ph type="sldImg" idx="2"/>
+          </p:nvPr>
+        </p:nvSpPr>
+        <p:spPr>
+          <a:xfrm>
+            <a:off x="381300" y="685800"/>
+            <a:ext cx="6096000" cy="3429000"/>
+          </a:xfrm>
+          <a:custGeom>
+            <a:avLst/>
+            <a:gdLst/>
+            <a:ahLst/>
+            <a:cxnLst/>
+            <a:rect l="l" t="t" r="r" b="b"/>
+            <a:pathLst>
+              <a:path w="120000" h="120000" extrusionOk="0">
+                <a:moveTo>
+                  <a:pt x="0" y="0"/>
+                </a:moveTo>
+                <a:lnTo>
+                  <a:pt x="120000" y="0"/>
+                </a:lnTo>
+                <a:lnTo>
+                  <a:pt x="120000" y="120000"/>
+                </a:lnTo>
+                <a:lnTo>
+                  <a:pt x="0" y="120000"/>
+                </a:lnTo>
+                <a:close/>
+              </a:path>
+            </a:pathLst>
+          </a:custGeom>
+          <a:noFill/>
+          <a:ln w="9525" cap="flat" cmpd="sng">
+            <a:solidFill>
+              <a:srgbClr val="000000"/>
+            </a:solidFill>
+            <a:prstDash val="solid"/>
+            <a:round/>
+            <a:headEnd type="none" w="sm" len="sm"/>
+            <a:tailEnd type="none" w="sm" len="sm"/>
+          </a:ln>
+        </p:spPr>
+      </p:sp>
+      <p:sp>
+        <p:nvSpPr>
+          <p:cNvPr id="306" name="Google Shape;306;g2dcea13964c_1_9:notes"/>
+          <p:cNvSpPr txBox="1">
+            <a:spLocks noGrp="1"/>
+          </p:cNvSpPr>
+          <p:nvPr>
+            <p:ph type="body" idx="1"/>
+          </p:nvPr>
+        </p:nvSpPr>
+        <p:spPr>
+          <a:xfrm>
+            <a:off x="685800" y="4343400"/>
+            <a:ext cx="5486400" cy="4114800"/>
+          </a:xfrm>
+          <a:prstGeom prst="rect">
+            <a:avLst/>
+          </a:prstGeom>
+          <a:noFill/>
+          <a:ln>
+            <a:noFill/>
+          </a:ln>
+        </p:spPr>
+        <p:txBody>
+          <a:bodyPr spcFirstLastPara="1" wrap="square" lIns="91425" tIns="91425" rIns="91425" bIns="91425" anchor="t" anchorCtr="0">
+            <a:noAutofit/>
+          </a:bodyPr>
+          <a:lstStyle/>
+          <a:p>
+            <a:pPr marL="0" lvl="0" indent="0" algn="l" rtl="0">
+              <a:lnSpc>
+                <a:spcPct val="100000"/>
+              </a:lnSpc>
+              <a:spcBef>
+                <a:spcPts val="0"/>
+              </a:spcBef>
+              <a:spcAft>
+                <a:spcPts val="0"/>
+              </a:spcAft>
+              <a:buSzPts val="1100"/>
+              <a:buNone/>
+            </a:pPr>
+            <a:endParaRPr/>
+          </a:p>
+        </p:txBody>
+      </p:sp>
+    </p:spTree>
+  </p:cSld>
+  <p:clrMapOvr>
+    <a:masterClrMapping/>
+  </p:clrMapOvr>
+</p:notes>
+</file>
+
+<file path=ppt/notesSlides/notesSlide21.xml><?xml version="1.0" encoding="utf-8"?>
+<p:notes xmlns:a="http://schemas.openxmlformats.org/drawingml/2006/main" xmlns:r="http://schemas.openxmlformats.org/officeDocument/2006/relationships" xmlns:p="http://schemas.openxmlformats.org/presentationml/2006/main" showMasterSp="0" showMasterPhAnim="0">
+  <p:cSld>
+    <p:spTree>
+      <p:nvGrpSpPr>
+        <p:cNvPr id="1" name="Shape 311"/>
+        <p:cNvGrpSpPr/>
+        <p:nvPr/>
+      </p:nvGrpSpPr>
+      <p:grpSpPr>
+        <a:xfrm>
+          <a:off x="0" y="0"/>
+          <a:ext cx="0" cy="0"/>
+          <a:chOff x="0" y="0"/>
+          <a:chExt cx="0" cy="0"/>
+        </a:xfrm>
+      </p:grpSpPr>
+      <p:sp>
+        <p:nvSpPr>
+          <p:cNvPr id="312" name="Google Shape;312;g2e40055f527_1_0:notes"/>
+          <p:cNvSpPr>
+            <a:spLocks noGrp="1" noRot="1" noChangeAspect="1"/>
+          </p:cNvSpPr>
+          <p:nvPr>
+            <p:ph type="sldImg" idx="2"/>
+          </p:nvPr>
+        </p:nvSpPr>
+        <p:spPr>
+          <a:xfrm>
+            <a:off x="381300" y="685800"/>
+            <a:ext cx="6096000" cy="3429000"/>
+          </a:xfrm>
+          <a:custGeom>
+            <a:avLst/>
+            <a:gdLst/>
+            <a:ahLst/>
+            <a:cxnLst/>
+            <a:rect l="l" t="t" r="r" b="b"/>
+            <a:pathLst>
+              <a:path w="120000" h="120000" extrusionOk="0">
+                <a:moveTo>
+                  <a:pt x="0" y="0"/>
+                </a:moveTo>
+                <a:lnTo>
+                  <a:pt x="120000" y="0"/>
+                </a:lnTo>
+                <a:lnTo>
+                  <a:pt x="120000" y="120000"/>
+                </a:lnTo>
+                <a:lnTo>
+                  <a:pt x="0" y="120000"/>
+                </a:lnTo>
+                <a:close/>
+              </a:path>
+            </a:pathLst>
+          </a:custGeom>
+          <a:noFill/>
+          <a:ln w="9525" cap="flat" cmpd="sng">
+            <a:solidFill>
+              <a:srgbClr val="000000"/>
+            </a:solidFill>
+            <a:prstDash val="solid"/>
+            <a:round/>
+            <a:headEnd type="none" w="sm" len="sm"/>
+            <a:tailEnd type="none" w="sm" len="sm"/>
+          </a:ln>
+        </p:spPr>
+      </p:sp>
+      <p:sp>
+        <p:nvSpPr>
+          <p:cNvPr id="313" name="Google Shape;313;g2e40055f527_1_0:notes"/>
+          <p:cNvSpPr txBox="1">
+            <a:spLocks noGrp="1"/>
+          </p:cNvSpPr>
+          <p:nvPr>
+            <p:ph type="body" idx="1"/>
+          </p:nvPr>
+        </p:nvSpPr>
+        <p:spPr>
+          <a:xfrm>
+            <a:off x="685800" y="4343400"/>
+            <a:ext cx="5486400" cy="4114800"/>
+          </a:xfrm>
+          <a:prstGeom prst="rect">
+            <a:avLst/>
+          </a:prstGeom>
+          <a:noFill/>
+          <a:ln>
+            <a:noFill/>
+          </a:ln>
+        </p:spPr>
+        <p:txBody>
+          <a:bodyPr spcFirstLastPara="1" wrap="square" lIns="91425" tIns="91425" rIns="91425" bIns="91425" anchor="t" anchorCtr="0">
+            <a:noAutofit/>
+          </a:bodyPr>
+          <a:lstStyle/>
+          <a:p>
+            <a:pPr marL="0" lvl="0" indent="0" algn="l" rtl="0">
+              <a:lnSpc>
+                <a:spcPct val="100000"/>
+              </a:lnSpc>
+              <a:spcBef>
+                <a:spcPts val="0"/>
+              </a:spcBef>
+              <a:spcAft>
+                <a:spcPts val="0"/>
+              </a:spcAft>
+              <a:buSzPts val="1100"/>
+              <a:buNone/>
+            </a:pPr>
+            <a:endParaRPr/>
+          </a:p>
+        </p:txBody>
+      </p:sp>
+    </p:spTree>
+  </p:cSld>
+  <p:clrMapOvr>
+    <a:masterClrMapping/>
+  </p:clrMapOvr>
+</p:notes>
+</file>
+
+<file path=ppt/notesSlides/notesSlide22.xml><?xml version="1.0" encoding="utf-8"?>
+<p:notes xmlns:a="http://schemas.openxmlformats.org/drawingml/2006/main" xmlns:r="http://schemas.openxmlformats.org/officeDocument/2006/relationships" xmlns:p="http://schemas.openxmlformats.org/presentationml/2006/main" showMasterSp="0" showMasterPhAnim="0">
+  <p:cSld>
+    <p:spTree>
+      <p:nvGrpSpPr>
+        <p:cNvPr id="1" name="Shape 324"/>
+        <p:cNvGrpSpPr/>
+        <p:nvPr/>
+      </p:nvGrpSpPr>
+      <p:grpSpPr>
+        <a:xfrm>
+          <a:off x="0" y="0"/>
+          <a:ext cx="0" cy="0"/>
+          <a:chOff x="0" y="0"/>
+          <a:chExt cx="0" cy="0"/>
+        </a:xfrm>
+      </p:grpSpPr>
+      <p:sp>
+        <p:nvSpPr>
+          <p:cNvPr id="325" name="Google Shape;325;p22:notes"/>
           <p:cNvSpPr>
             <a:spLocks noGrp="1" noRot="1" noChangeAspect="1"/>
           </p:cNvSpPr>
@@ -2386,7 +2632,7 @@
       </p:sp>
       <p:sp>
         <p:nvSpPr>
-          <p:cNvPr id="299" name="Google Shape;299;p22:notes"/>
+          <p:cNvPr id="326" name="Google Shape;326;p22:notes"/>
           <p:cNvSpPr txBox="1">
             <a:spLocks noGrp="1"/>
           </p:cNvSpPr>
@@ -2438,12 +2684,12 @@
 </p:notes>
 </file>
 
-<file path=ppt/notesSlides/notesSlide21.xml><?xml version="1.0" encoding="utf-8"?>
+<file path=ppt/notesSlides/notesSlide23.xml><?xml version="1.0" encoding="utf-8"?>
 <p:notes xmlns:a="http://schemas.openxmlformats.org/drawingml/2006/main" xmlns:r="http://schemas.openxmlformats.org/officeDocument/2006/relationships" xmlns:p="http://schemas.openxmlformats.org/presentationml/2006/main" showMasterSp="0" showMasterPhAnim="0">
   <p:cSld>
     <p:spTree>
       <p:nvGrpSpPr>
-        <p:cNvPr id="1" name="Shape 307"/>
+        <p:cNvPr id="1" name="Shape 334"/>
         <p:cNvGrpSpPr/>
         <p:nvPr/>
       </p:nvGrpSpPr>
@@ -2457,7 +2703,7 @@
       </p:grpSpPr>
       <p:sp>
         <p:nvSpPr>
-          <p:cNvPr id="308" name="Google Shape;308;p23:notes"/>
+          <p:cNvPr id="335" name="Google Shape;335;p23:notes"/>
           <p:cNvSpPr>
             <a:spLocks noGrp="1" noRot="1" noChangeAspect="1"/>
           </p:cNvSpPr>
@@ -2508,7 +2754,7 @@
       </p:sp>
       <p:sp>
         <p:nvSpPr>
-          <p:cNvPr id="309" name="Google Shape;309;p23:notes"/>
+          <p:cNvPr id="336" name="Google Shape;336;p23:notes"/>
           <p:cNvSpPr txBox="1">
             <a:spLocks noGrp="1"/>
           </p:cNvSpPr>
@@ -2809,7 +3055,7 @@
   <p:cSld>
     <p:spTree>
       <p:nvGrpSpPr>
-        <p:cNvPr id="1" name="Shape 95"/>
+        <p:cNvPr id="1" name="Shape 96"/>
         <p:cNvGrpSpPr/>
         <p:nvPr/>
       </p:nvGrpSpPr>
@@ -2823,7 +3069,7 @@
       </p:grpSpPr>
       <p:sp>
         <p:nvSpPr>
-          <p:cNvPr id="96" name="Google Shape;96;g33f1d2754bf_3_0:notes"/>
+          <p:cNvPr id="97" name="Google Shape;97;g33f1d2754bf_3_0:notes"/>
           <p:cNvSpPr>
             <a:spLocks noGrp="1" noRot="1" noChangeAspect="1"/>
           </p:cNvSpPr>
@@ -2874,7 +3120,7 @@
       </p:sp>
       <p:sp>
         <p:nvSpPr>
-          <p:cNvPr id="97" name="Google Shape;97;g33f1d2754bf_3_0:notes"/>
+          <p:cNvPr id="98" name="Google Shape;98;g33f1d2754bf_3_0:notes"/>
           <p:cNvSpPr txBox="1">
             <a:spLocks noGrp="1"/>
           </p:cNvSpPr>
@@ -2931,7 +3177,7 @@
   <p:cSld>
     <p:spTree>
       <p:nvGrpSpPr>
-        <p:cNvPr id="1" name="Shape 104"/>
+        <p:cNvPr id="1" name="Shape 105"/>
         <p:cNvGrpSpPr/>
         <p:nvPr/>
       </p:nvGrpSpPr>
@@ -2945,7 +3191,7 @@
       </p:grpSpPr>
       <p:sp>
         <p:nvSpPr>
-          <p:cNvPr id="105" name="Google Shape;105;g2e3eff53667_0_1:notes"/>
+          <p:cNvPr id="106" name="Google Shape;106;g2e3eff53667_0_1:notes"/>
           <p:cNvSpPr>
             <a:spLocks noGrp="1" noRot="1" noChangeAspect="1"/>
           </p:cNvSpPr>
@@ -2996,7 +3242,7 @@
       </p:sp>
       <p:sp>
         <p:nvSpPr>
-          <p:cNvPr id="106" name="Google Shape;106;g2e3eff53667_0_1:notes"/>
+          <p:cNvPr id="107" name="Google Shape;107;g2e3eff53667_0_1:notes"/>
           <p:cNvSpPr txBox="1">
             <a:spLocks noGrp="1"/>
           </p:cNvSpPr>
@@ -3053,7 +3299,7 @@
   <p:cSld>
     <p:spTree>
       <p:nvGrpSpPr>
-        <p:cNvPr id="1" name="Shape 115"/>
+        <p:cNvPr id="1" name="Shape 116"/>
         <p:cNvGrpSpPr/>
         <p:nvPr/>
       </p:nvGrpSpPr>
@@ -3067,7 +3313,7 @@
       </p:grpSpPr>
       <p:sp>
         <p:nvSpPr>
-          <p:cNvPr id="116" name="Google Shape;116;g33ede535684_0_0:notes"/>
+          <p:cNvPr id="117" name="Google Shape;117;g33ede535684_0_0:notes"/>
           <p:cNvSpPr>
             <a:spLocks noGrp="1" noRot="1" noChangeAspect="1"/>
           </p:cNvSpPr>
@@ -3118,7 +3364,7 @@
       </p:sp>
       <p:sp>
         <p:nvSpPr>
-          <p:cNvPr id="117" name="Google Shape;117;g33ede535684_0_0:notes"/>
+          <p:cNvPr id="118" name="Google Shape;118;g33ede535684_0_0:notes"/>
           <p:cNvSpPr txBox="1">
             <a:spLocks noGrp="1"/>
           </p:cNvSpPr>
@@ -3175,7 +3421,7 @@
   <p:cSld>
     <p:spTree>
       <p:nvGrpSpPr>
-        <p:cNvPr id="1" name="Shape 128"/>
+        <p:cNvPr id="1" name="Shape 129"/>
         <p:cNvGrpSpPr/>
         <p:nvPr/>
       </p:nvGrpSpPr>
@@ -3189,7 +3435,7 @@
       </p:grpSpPr>
       <p:sp>
         <p:nvSpPr>
-          <p:cNvPr id="129" name="Google Shape;129;g2e40dfd114a_1_0:notes"/>
+          <p:cNvPr id="130" name="Google Shape;130;g2e40dfd114a_1_0:notes"/>
           <p:cNvSpPr>
             <a:spLocks noGrp="1" noRot="1" noChangeAspect="1"/>
           </p:cNvSpPr>
@@ -3240,7 +3486,7 @@
       </p:sp>
       <p:sp>
         <p:nvSpPr>
-          <p:cNvPr id="130" name="Google Shape;130;g2e40dfd114a_1_0:notes"/>
+          <p:cNvPr id="131" name="Google Shape;131;g2e40dfd114a_1_0:notes"/>
           <p:cNvSpPr txBox="1">
             <a:spLocks noGrp="1"/>
           </p:cNvSpPr>
@@ -3297,7 +3543,7 @@
   <p:cSld>
     <p:spTree>
       <p:nvGrpSpPr>
-        <p:cNvPr id="1" name="Shape 145"/>
+        <p:cNvPr id="1" name="Shape 146"/>
         <p:cNvGrpSpPr/>
         <p:nvPr/>
       </p:nvGrpSpPr>
@@ -3311,7 +3557,7 @@
       </p:grpSpPr>
       <p:sp>
         <p:nvSpPr>
-          <p:cNvPr id="146" name="Google Shape;146;g33e8e6576bb_0_4:notes"/>
+          <p:cNvPr id="147" name="Google Shape;147;g33e8e6576bb_0_4:notes"/>
           <p:cNvSpPr>
             <a:spLocks noGrp="1" noRot="1" noChangeAspect="1"/>
           </p:cNvSpPr>
@@ -3362,7 +3608,7 @@
       </p:sp>
       <p:sp>
         <p:nvSpPr>
-          <p:cNvPr id="147" name="Google Shape;147;g33e8e6576bb_0_4:notes"/>
+          <p:cNvPr id="148" name="Google Shape;148;g33e8e6576bb_0_4:notes"/>
           <p:cNvSpPr txBox="1">
             <a:spLocks noGrp="1"/>
           </p:cNvSpPr>
@@ -12685,8 +12931,8 @@
         </p:nvSpPr>
         <p:spPr>
           <a:xfrm>
-            <a:off x="78651" y="742261"/>
-            <a:ext cx="4420200" cy="1742400"/>
+            <a:off x="78651" y="624729"/>
+            <a:ext cx="4420200" cy="1957800"/>
           </a:xfrm>
           <a:prstGeom prst="rect">
             <a:avLst/>
@@ -12994,6 +13240,43 @@
                 <a:sym typeface="Calibri"/>
               </a:rPr>
               <a:t>Gemini Advanced - 2.0 Models</a:t>
+            </a:r>
+            <a:endParaRPr b="1">
+              <a:solidFill>
+                <a:srgbClr val="3C78D8"/>
+              </a:solidFill>
+              <a:latin typeface="Calibri"/>
+              <a:ea typeface="Calibri"/>
+              <a:cs typeface="Calibri"/>
+              <a:sym typeface="Calibri"/>
+            </a:endParaRPr>
+          </a:p>
+          <a:p>
+            <a:pPr marL="228600" lvl="0" indent="-203200" algn="l" rtl="0">
+              <a:spcBef>
+                <a:spcPts val="0"/>
+              </a:spcBef>
+              <a:spcAft>
+                <a:spcPts val="0"/>
+              </a:spcAft>
+              <a:buClr>
+                <a:srgbClr val="3C78D8"/>
+              </a:buClr>
+              <a:buSzPts val="1400"/>
+              <a:buFont typeface="Calibri"/>
+              <a:buChar char="●"/>
+            </a:pPr>
+            <a:r>
+              <a:rPr lang="en" b="1">
+                <a:solidFill>
+                  <a:srgbClr val="3C78D8"/>
+                </a:solidFill>
+                <a:latin typeface="Calibri"/>
+                <a:ea typeface="Calibri"/>
+                <a:cs typeface="Calibri"/>
+                <a:sym typeface="Calibri"/>
+              </a:rPr>
+              <a:t>Gemini Robotics and Gemini Robotics-ER</a:t>
             </a:r>
             <a:endParaRPr b="1">
               <a:solidFill>
@@ -13290,7 +13573,7 @@
         </p:nvSpPr>
         <p:spPr>
           <a:xfrm>
-            <a:off x="78651" y="2579333"/>
+            <a:off x="78651" y="2672967"/>
             <a:ext cx="4420200" cy="2388900"/>
           </a:xfrm>
           <a:prstGeom prst="rect">
@@ -14039,7 +14322,7 @@
                 <a:cs typeface="Calibri"/>
                 <a:sym typeface="Calibri"/>
               </a:rPr>
-              <a:t>Ilya Sutskever's startup $2Bln at $30 Bln valuation</a:t>
+              <a:t>Ilya Sutskever's Startup $2Bln at $30 Bln Valuation</a:t>
             </a:r>
             <a:endParaRPr b="1">
               <a:solidFill>
@@ -14150,7 +14433,7 @@
                 <a:cs typeface="Calibri"/>
                 <a:sym typeface="Calibri"/>
               </a:rPr>
-              <a:t>Lovable AI</a:t>
+              <a:t>AI Coding Assistants, Lovable.dev, Bolt.new</a:t>
             </a:r>
             <a:endParaRPr b="1">
               <a:solidFill>
@@ -14246,7 +14529,7 @@
         </p:nvSpPr>
         <p:spPr>
           <a:xfrm>
-            <a:off x="49725" y="24590"/>
+            <a:off x="49725" y="-51610"/>
             <a:ext cx="3421500" cy="738900"/>
           </a:xfrm>
           <a:prstGeom prst="rect">
@@ -14373,7 +14656,7 @@
   <p:cSld>
     <p:spTree>
       <p:nvGrpSpPr>
-        <p:cNvPr id="1" name="Shape 157"/>
+        <p:cNvPr id="1" name="Shape 158"/>
         <p:cNvGrpSpPr/>
         <p:nvPr/>
       </p:nvGrpSpPr>
@@ -14387,7 +14670,7 @@
       </p:grpSpPr>
       <p:sp>
         <p:nvSpPr>
-          <p:cNvPr id="158" name="Google Shape;158;p24"/>
+          <p:cNvPr id="159" name="Google Shape;159;p24"/>
           <p:cNvSpPr txBox="1"/>
           <p:nvPr/>
         </p:nvSpPr>
@@ -14450,7 +14733,7 @@
       </p:sp>
       <p:sp>
         <p:nvSpPr>
-          <p:cNvPr id="159" name="Google Shape;159;p24"/>
+          <p:cNvPr id="160" name="Google Shape;160;p24"/>
           <p:cNvSpPr txBox="1"/>
           <p:nvPr/>
         </p:nvSpPr>
@@ -14645,7 +14928,7 @@
       </p:sp>
       <p:sp>
         <p:nvSpPr>
-          <p:cNvPr id="160" name="Google Shape;160;p24"/>
+          <p:cNvPr id="161" name="Google Shape;161;p24"/>
           <p:cNvSpPr txBox="1"/>
           <p:nvPr/>
         </p:nvSpPr>
@@ -14785,7 +15068,7 @@
       </p:sp>
       <p:sp>
         <p:nvSpPr>
-          <p:cNvPr id="161" name="Google Shape;161;p24"/>
+          <p:cNvPr id="162" name="Google Shape;162;p24"/>
           <p:cNvSpPr txBox="1"/>
           <p:nvPr/>
         </p:nvSpPr>
@@ -15073,7 +15356,7 @@
       </p:sp>
       <p:sp>
         <p:nvSpPr>
-          <p:cNvPr id="162" name="Google Shape;162;p24"/>
+          <p:cNvPr id="163" name="Google Shape;163;p24"/>
           <p:cNvSpPr txBox="1"/>
           <p:nvPr/>
         </p:nvSpPr>
@@ -15176,7 +15459,7 @@
       </p:sp>
       <p:sp>
         <p:nvSpPr>
-          <p:cNvPr id="163" name="Google Shape;163;p24"/>
+          <p:cNvPr id="164" name="Google Shape;164;p24"/>
           <p:cNvSpPr txBox="1"/>
           <p:nvPr/>
         </p:nvSpPr>
@@ -15247,7 +15530,7 @@
       </p:sp>
       <p:pic>
         <p:nvPicPr>
-          <p:cNvPr id="164" name="Google Shape;164;p24"/>
+          <p:cNvPr id="165" name="Google Shape;165;p24"/>
           <p:cNvPicPr preferRelativeResize="0"/>
           <p:nvPr/>
         </p:nvPicPr>
@@ -15280,7 +15563,7 @@
       </p:pic>
       <p:pic>
         <p:nvPicPr>
-          <p:cNvPr id="165" name="Google Shape;165;p24"/>
+          <p:cNvPr id="166" name="Google Shape;166;p24"/>
           <p:cNvPicPr preferRelativeResize="0"/>
           <p:nvPr/>
         </p:nvPicPr>
@@ -15313,7 +15596,7 @@
       </p:pic>
       <p:pic>
         <p:nvPicPr>
-          <p:cNvPr id="166" name="Google Shape;166;p24"/>
+          <p:cNvPr id="167" name="Google Shape;167;p24"/>
           <p:cNvPicPr preferRelativeResize="0"/>
           <p:nvPr/>
         </p:nvPicPr>
@@ -15357,7 +15640,7 @@
   <p:cSld>
     <p:spTree>
       <p:nvGrpSpPr>
-        <p:cNvPr id="1" name="Shape 170"/>
+        <p:cNvPr id="1" name="Shape 171"/>
         <p:cNvGrpSpPr/>
         <p:nvPr/>
       </p:nvGrpSpPr>
@@ -15371,7 +15654,7 @@
       </p:grpSpPr>
       <p:sp>
         <p:nvSpPr>
-          <p:cNvPr id="171" name="Google Shape;171;p25"/>
+          <p:cNvPr id="172" name="Google Shape;172;p25"/>
           <p:cNvSpPr txBox="1"/>
           <p:nvPr/>
         </p:nvSpPr>
@@ -15434,7 +15717,7 @@
       </p:sp>
       <p:sp>
         <p:nvSpPr>
-          <p:cNvPr id="172" name="Google Shape;172;p25"/>
+          <p:cNvPr id="173" name="Google Shape;173;p25"/>
           <p:cNvSpPr txBox="1"/>
           <p:nvPr/>
         </p:nvSpPr>
@@ -15557,7 +15840,7 @@
       </p:sp>
       <p:sp>
         <p:nvSpPr>
-          <p:cNvPr id="173" name="Google Shape;173;p25"/>
+          <p:cNvPr id="174" name="Google Shape;174;p25"/>
           <p:cNvSpPr txBox="1"/>
           <p:nvPr/>
         </p:nvSpPr>
@@ -15705,7 +15988,7 @@
       </p:sp>
       <p:pic>
         <p:nvPicPr>
-          <p:cNvPr id="174" name="Google Shape;174;p25"/>
+          <p:cNvPr id="175" name="Google Shape;175;p25"/>
           <p:cNvPicPr preferRelativeResize="0"/>
           <p:nvPr/>
         </p:nvPicPr>
@@ -15744,7 +16027,7 @@
       </p:pic>
       <p:pic>
         <p:nvPicPr>
-          <p:cNvPr id="175" name="Google Shape;175;p25"/>
+          <p:cNvPr id="176" name="Google Shape;176;p25"/>
           <p:cNvPicPr preferRelativeResize="0"/>
           <p:nvPr/>
         </p:nvPicPr>
@@ -15783,7 +16066,7 @@
       </p:pic>
       <p:pic>
         <p:nvPicPr>
-          <p:cNvPr id="176" name="Google Shape;176;p25"/>
+          <p:cNvPr id="177" name="Google Shape;177;p25"/>
           <p:cNvPicPr preferRelativeResize="0"/>
           <p:nvPr/>
         </p:nvPicPr>
@@ -15833,7 +16116,7 @@
   <p:cSld>
     <p:spTree>
       <p:nvGrpSpPr>
-        <p:cNvPr id="1" name="Shape 180"/>
+        <p:cNvPr id="1" name="Shape 181"/>
         <p:cNvGrpSpPr/>
         <p:nvPr/>
       </p:nvGrpSpPr>
@@ -15847,14 +16130,14 @@
       </p:grpSpPr>
       <p:sp>
         <p:nvSpPr>
-          <p:cNvPr id="181" name="Google Shape;181;p26"/>
+          <p:cNvPr id="182" name="Google Shape;182;p26"/>
           <p:cNvSpPr txBox="1"/>
           <p:nvPr/>
         </p:nvSpPr>
         <p:spPr>
           <a:xfrm>
             <a:off x="55075" y="52750"/>
-            <a:ext cx="3874200" cy="326400"/>
+            <a:ext cx="5331000" cy="326400"/>
           </a:xfrm>
           <a:prstGeom prst="rect">
             <a:avLst/>
@@ -15894,7 +16177,7 @@
                 <a:cs typeface="Calibri"/>
                 <a:sym typeface="Calibri"/>
               </a:rPr>
-              <a:t>Nvidia RTX Pro 6000 Blackwell GPU</a:t>
+              <a:t>Ilya Sutskever's Startup $2Bln at $30 Bln Valuation</a:t>
             </a:r>
             <a:endParaRPr sz="2000" b="1">
               <a:solidFill>
@@ -15910,14 +16193,14 @@
       </p:sp>
       <p:sp>
         <p:nvSpPr>
-          <p:cNvPr id="182" name="Google Shape;182;p26"/>
+          <p:cNvPr id="183" name="Google Shape;183;p26"/>
           <p:cNvSpPr txBox="1"/>
           <p:nvPr/>
         </p:nvSpPr>
         <p:spPr>
           <a:xfrm>
             <a:off x="55075" y="657300"/>
-            <a:ext cx="4404000" cy="2604300"/>
+            <a:ext cx="4824000" cy="2973900"/>
           </a:xfrm>
           <a:prstGeom prst="rect">
             <a:avLst/>
@@ -15956,6 +16239,18 @@
               <a:buChar char="●"/>
             </a:pPr>
             <a:r>
+              <a:rPr lang="en" sz="1200" b="1">
+                <a:solidFill>
+                  <a:srgbClr val="FF0000"/>
+                </a:solidFill>
+                <a:latin typeface="Calibri"/>
+                <a:ea typeface="Calibri"/>
+                <a:cs typeface="Calibri"/>
+                <a:sym typeface="Calibri"/>
+              </a:rPr>
+              <a:t>Safe Superintelligence (SSI) - Ilya Sutskever's startup</a:t>
+            </a:r>
+            <a:r>
               <a:rPr lang="en" sz="1200">
                 <a:solidFill>
                   <a:schemeClr val="dk1"/>
@@ -15965,11 +16260,23 @@
                 <a:cs typeface="Calibri"/>
                 <a:sym typeface="Calibri"/>
               </a:rPr>
-              <a:t>Safe Superintelligence (SSI) - Ilya Sutskever's startup received additional $2 Bln at $30 Bln valuation</a:t>
-            </a:r>
-            <a:endParaRPr sz="1200">
-              <a:solidFill>
-                <a:schemeClr val="dk1"/>
+              <a:t> </a:t>
+            </a:r>
+            <a:r>
+              <a:rPr lang="en" sz="1200" b="1">
+                <a:solidFill>
+                  <a:srgbClr val="3C78D8"/>
+                </a:solidFill>
+                <a:latin typeface="Calibri"/>
+                <a:ea typeface="Calibri"/>
+                <a:cs typeface="Calibri"/>
+                <a:sym typeface="Calibri"/>
+              </a:rPr>
+              <a:t>received additional $2 Bln at $30 Bln valuation</a:t>
+            </a:r>
+            <a:endParaRPr sz="1200" b="1">
+              <a:solidFill>
+                <a:srgbClr val="3C78D8"/>
               </a:solidFill>
               <a:latin typeface="Calibri"/>
               <a:ea typeface="Calibri"/>
@@ -16188,6 +16495,93 @@
                 <a:sym typeface="Calibri"/>
               </a:rPr>
               <a:t>Elon Musk, an OpenAI co-founder, described Sutskever as “the linchpin for OpenAI being successful” in a 2023 interview</a:t>
+            </a:r>
+            <a:endParaRPr sz="1200">
+              <a:solidFill>
+                <a:schemeClr val="dk1"/>
+              </a:solidFill>
+              <a:latin typeface="Calibri"/>
+              <a:ea typeface="Calibri"/>
+              <a:cs typeface="Calibri"/>
+              <a:sym typeface="Calibri"/>
+            </a:endParaRPr>
+          </a:p>
+          <a:p>
+            <a:pPr marL="171450" lvl="0" indent="-133350" algn="l" rtl="0">
+              <a:spcBef>
+                <a:spcPts val="0"/>
+              </a:spcBef>
+              <a:spcAft>
+                <a:spcPts val="0"/>
+              </a:spcAft>
+              <a:buClr>
+                <a:schemeClr val="dk1"/>
+              </a:buClr>
+              <a:buSzPts val="1200"/>
+              <a:buFont typeface="Calibri"/>
+              <a:buChar char="●"/>
+            </a:pPr>
+            <a:r>
+              <a:rPr lang="en" sz="1200" u="sng">
+                <a:solidFill>
+                  <a:schemeClr val="hlink"/>
+                </a:solidFill>
+                <a:latin typeface="Calibri"/>
+                <a:ea typeface="Calibri"/>
+                <a:cs typeface="Calibri"/>
+                <a:sym typeface="Calibri"/>
+                <a:hlinkClick r:id="rId3"/>
+              </a:rPr>
+              <a:t>https://ssi.inc</a:t>
+            </a:r>
+            <a:r>
+              <a:rPr lang="en" sz="1200">
+                <a:solidFill>
+                  <a:schemeClr val="dk1"/>
+                </a:solidFill>
+                <a:latin typeface="Calibri"/>
+                <a:ea typeface="Calibri"/>
+                <a:cs typeface="Calibri"/>
+                <a:sym typeface="Calibri"/>
+              </a:rPr>
+              <a:t> </a:t>
+            </a:r>
+            <a:endParaRPr sz="1200">
+              <a:solidFill>
+                <a:schemeClr val="dk1"/>
+              </a:solidFill>
+              <a:latin typeface="Calibri"/>
+              <a:ea typeface="Calibri"/>
+              <a:cs typeface="Calibri"/>
+              <a:sym typeface="Calibri"/>
+            </a:endParaRPr>
+          </a:p>
+          <a:p>
+            <a:pPr marL="171450" lvl="0" indent="-133350" algn="l" rtl="0">
+              <a:spcBef>
+                <a:spcPts val="0"/>
+              </a:spcBef>
+              <a:spcAft>
+                <a:spcPts val="0"/>
+              </a:spcAft>
+              <a:buClr>
+                <a:schemeClr val="dk1"/>
+              </a:buClr>
+              <a:buSzPts val="1200"/>
+              <a:buFont typeface="Calibri"/>
+              <a:buChar char="●"/>
+            </a:pPr>
+            <a:r>
+              <a:rPr lang="en" sz="1200">
+                <a:solidFill>
+                  <a:schemeClr val="dk1"/>
+                </a:solidFill>
+                <a:latin typeface="Calibri"/>
+                <a:ea typeface="Calibri"/>
+                <a:cs typeface="Calibri"/>
+                <a:sym typeface="Calibri"/>
+              </a:rPr>
+              <a:t>SSI has its primary locations in Palo Alto, California, and Tel Aviv, Israel.</a:t>
             </a:r>
             <a:endParaRPr sz="1200">
               <a:solidFill>
@@ -16203,12 +16597,12 @@
       </p:sp>
       <p:pic>
         <p:nvPicPr>
-          <p:cNvPr id="183" name="Google Shape;183;p26"/>
+          <p:cNvPr id="184" name="Google Shape;184;p26"/>
           <p:cNvPicPr preferRelativeResize="0"/>
           <p:nvPr/>
         </p:nvPicPr>
         <p:blipFill rotWithShape="1">
-          <a:blip r:embed="rId3" cstate="email">
+          <a:blip r:embed="rId4" cstate="email">
             <a:alphaModFix/>
             <a:extLst>
               <a:ext uri="{28A0092B-C50C-407E-A947-70E740481C1C}">
@@ -16252,7 +16646,7 @@
   <p:cSld>
     <p:spTree>
       <p:nvGrpSpPr>
-        <p:cNvPr id="1" name="Shape 187"/>
+        <p:cNvPr id="1" name="Shape 188"/>
         <p:cNvGrpSpPr/>
         <p:nvPr/>
       </p:nvGrpSpPr>
@@ -16266,7 +16660,7 @@
       </p:grpSpPr>
       <p:sp>
         <p:nvSpPr>
-          <p:cNvPr id="188" name="Google Shape;188;p27"/>
+          <p:cNvPr id="189" name="Google Shape;189;p27"/>
           <p:cNvSpPr txBox="1"/>
           <p:nvPr/>
         </p:nvSpPr>
@@ -16329,7 +16723,7 @@
       </p:sp>
       <p:sp>
         <p:nvSpPr>
-          <p:cNvPr id="189" name="Google Shape;189;p27"/>
+          <p:cNvPr id="190" name="Google Shape;190;p27"/>
           <p:cNvSpPr txBox="1"/>
           <p:nvPr/>
         </p:nvSpPr>
@@ -16912,7 +17306,7 @@
       </p:sp>
       <p:pic>
         <p:nvPicPr>
-          <p:cNvPr id="190" name="Google Shape;190;p27"/>
+          <p:cNvPr id="191" name="Google Shape;191;p27"/>
           <p:cNvPicPr preferRelativeResize="0"/>
           <p:nvPr/>
         </p:nvPicPr>
@@ -16962,7 +17356,7 @@
   <p:cSld>
     <p:spTree>
       <p:nvGrpSpPr>
-        <p:cNvPr id="1" name="Shape 194"/>
+        <p:cNvPr id="1" name="Shape 195"/>
         <p:cNvGrpSpPr/>
         <p:nvPr/>
       </p:nvGrpSpPr>
@@ -16976,7 +17370,7 @@
       </p:grpSpPr>
       <p:sp>
         <p:nvSpPr>
-          <p:cNvPr id="195" name="Google Shape;195;p28"/>
+          <p:cNvPr id="196" name="Google Shape;196;p28"/>
           <p:cNvSpPr txBox="1"/>
           <p:nvPr/>
         </p:nvSpPr>
@@ -17039,7 +17433,7 @@
       </p:sp>
       <p:sp>
         <p:nvSpPr>
-          <p:cNvPr id="196" name="Google Shape;196;p28"/>
+          <p:cNvPr id="197" name="Google Shape;197;p28"/>
           <p:cNvSpPr txBox="1"/>
           <p:nvPr/>
         </p:nvSpPr>
@@ -17568,7 +17962,7 @@
       </p:sp>
       <p:pic>
         <p:nvPicPr>
-          <p:cNvPr id="197" name="Google Shape;197;p28"/>
+          <p:cNvPr id="198" name="Google Shape;198;p28"/>
           <p:cNvPicPr preferRelativeResize="0"/>
           <p:nvPr/>
         </p:nvPicPr>
@@ -17606,7 +18000,7 @@
       </p:pic>
       <p:sp>
         <p:nvSpPr>
-          <p:cNvPr id="198" name="Google Shape;198;p28"/>
+          <p:cNvPr id="199" name="Google Shape;199;p28"/>
           <p:cNvSpPr txBox="1"/>
           <p:nvPr/>
         </p:nvSpPr>
@@ -17766,7 +18160,7 @@
       </p:sp>
       <p:sp>
         <p:nvSpPr>
-          <p:cNvPr id="199" name="Google Shape;199;p28"/>
+          <p:cNvPr id="200" name="Google Shape;200;p28"/>
           <p:cNvSpPr txBox="1"/>
           <p:nvPr/>
         </p:nvSpPr>
@@ -17955,7 +18349,7 @@
       </p:sp>
       <p:sp>
         <p:nvSpPr>
-          <p:cNvPr id="200" name="Google Shape;200;p28"/>
+          <p:cNvPr id="201" name="Google Shape;201;p28"/>
           <p:cNvSpPr txBox="1"/>
           <p:nvPr/>
         </p:nvSpPr>
@@ -18169,7 +18563,7 @@
       </p:sp>
       <p:pic>
         <p:nvPicPr>
-          <p:cNvPr id="201" name="Google Shape;201;p28"/>
+          <p:cNvPr id="202" name="Google Shape;202;p28"/>
           <p:cNvPicPr preferRelativeResize="0"/>
           <p:nvPr/>
         </p:nvPicPr>
@@ -18219,7 +18613,7 @@
   <p:cSld>
     <p:spTree>
       <p:nvGrpSpPr>
-        <p:cNvPr id="1" name="Shape 205"/>
+        <p:cNvPr id="1" name="Shape 206"/>
         <p:cNvGrpSpPr/>
         <p:nvPr/>
       </p:nvGrpSpPr>
@@ -18233,7 +18627,1971 @@
       </p:grpSpPr>
       <p:sp>
         <p:nvSpPr>
-          <p:cNvPr id="206" name="Google Shape;206;p29"/>
+          <p:cNvPr id="207" name="Google Shape;207;p29"/>
+          <p:cNvSpPr txBox="1"/>
+          <p:nvPr/>
+        </p:nvSpPr>
+        <p:spPr>
+          <a:xfrm>
+            <a:off x="3993425" y="107942"/>
+            <a:ext cx="4785300" cy="4944000"/>
+          </a:xfrm>
+          <a:prstGeom prst="rect">
+            <a:avLst/>
+          </a:prstGeom>
+          <a:solidFill>
+            <a:srgbClr val="FFF2CC"/>
+          </a:solidFill>
+          <a:ln w="9525" cap="flat" cmpd="sng">
+            <a:solidFill>
+              <a:srgbClr val="FF0000"/>
+            </a:solidFill>
+            <a:prstDash val="solid"/>
+            <a:round/>
+            <a:headEnd type="none" w="sm" len="sm"/>
+            <a:tailEnd type="none" w="sm" len="sm"/>
+          </a:ln>
+        </p:spPr>
+        <p:txBody>
+          <a:bodyPr spcFirstLastPara="1" wrap="square" lIns="9125" tIns="9125" rIns="9125" bIns="9125" anchor="t" anchorCtr="0">
+            <a:spAutoFit/>
+          </a:bodyPr>
+          <a:lstStyle/>
+          <a:p>
+            <a:pPr marL="0" lvl="0" indent="0" algn="l" rtl="0">
+              <a:spcBef>
+                <a:spcPts val="0"/>
+              </a:spcBef>
+              <a:spcAft>
+                <a:spcPts val="0"/>
+              </a:spcAft>
+              <a:buNone/>
+            </a:pPr>
+            <a:r>
+              <a:rPr lang="en" sz="1000">
+                <a:solidFill>
+                  <a:schemeClr val="dk1"/>
+                </a:solidFill>
+                <a:latin typeface="Calibri"/>
+                <a:ea typeface="Calibri"/>
+                <a:cs typeface="Calibri"/>
+                <a:sym typeface="Calibri"/>
+              </a:rPr>
+              <a:t>Top AI no-code tools:   Cursor vs. Windsurf vs. Lovable vs. v0 vs. Bolt vs. Replit</a:t>
+            </a:r>
+            <a:endParaRPr sz="1000">
+              <a:solidFill>
+                <a:schemeClr val="dk1"/>
+              </a:solidFill>
+              <a:latin typeface="Calibri"/>
+              <a:ea typeface="Calibri"/>
+              <a:cs typeface="Calibri"/>
+              <a:sym typeface="Calibri"/>
+            </a:endParaRPr>
+          </a:p>
+          <a:p>
+            <a:pPr marL="0" lvl="0" indent="0" algn="l" rtl="0">
+              <a:spcBef>
+                <a:spcPts val="0"/>
+              </a:spcBef>
+              <a:spcAft>
+                <a:spcPts val="0"/>
+              </a:spcAft>
+              <a:buNone/>
+            </a:pPr>
+            <a:r>
+              <a:rPr lang="en" sz="1000">
+                <a:solidFill>
+                  <a:schemeClr val="dk1"/>
+                </a:solidFill>
+                <a:latin typeface="Calibri"/>
+                <a:ea typeface="Calibri"/>
+                <a:cs typeface="Calibri"/>
+                <a:sym typeface="Calibri"/>
+              </a:rPr>
+              <a:t>.. </a:t>
+            </a:r>
+            <a:r>
+              <a:rPr lang="en" sz="1000" u="sng">
+                <a:solidFill>
+                  <a:schemeClr val="hlink"/>
+                </a:solidFill>
+                <a:latin typeface="Calibri"/>
+                <a:ea typeface="Calibri"/>
+                <a:cs typeface="Calibri"/>
+                <a:sym typeface="Calibri"/>
+                <a:hlinkClick r:id="rId3"/>
+              </a:rPr>
+              <a:t>https://substack.com/home/post/p-158033421</a:t>
+            </a:r>
+            <a:br>
+              <a:rPr lang="en" sz="1000">
+                <a:solidFill>
+                  <a:schemeClr val="dk1"/>
+                </a:solidFill>
+                <a:latin typeface="Calibri"/>
+                <a:ea typeface="Calibri"/>
+                <a:cs typeface="Calibri"/>
+                <a:sym typeface="Calibri"/>
+              </a:rPr>
+            </a:br>
+            <a:r>
+              <a:rPr lang="en" sz="1000">
+                <a:solidFill>
+                  <a:schemeClr val="dk1"/>
+                </a:solidFill>
+                <a:latin typeface="Calibri"/>
+                <a:ea typeface="Calibri"/>
+                <a:cs typeface="Calibri"/>
+                <a:sym typeface="Calibri"/>
+              </a:rPr>
+              <a:t>.. </a:t>
+            </a:r>
+            <a:r>
+              <a:rPr lang="en" sz="1000" u="sng">
+                <a:solidFill>
+                  <a:schemeClr val="hlink"/>
+                </a:solidFill>
+                <a:latin typeface="Calibri"/>
+                <a:ea typeface="Calibri"/>
+                <a:cs typeface="Calibri"/>
+                <a:sym typeface="Calibri"/>
+                <a:hlinkClick r:id="rId4"/>
+              </a:rPr>
+              <a:t>https://www.youtube.com/watch?v=HSnJrXWETfM</a:t>
+            </a:r>
+            <a:r>
+              <a:rPr lang="en" sz="1000">
+                <a:solidFill>
+                  <a:schemeClr val="dk1"/>
+                </a:solidFill>
+                <a:latin typeface="Calibri"/>
+                <a:ea typeface="Calibri"/>
+                <a:cs typeface="Calibri"/>
+                <a:sym typeface="Calibri"/>
+              </a:rPr>
+              <a:t> - video testing 6 systems</a:t>
+            </a:r>
+            <a:endParaRPr sz="1000">
+              <a:solidFill>
+                <a:schemeClr val="dk1"/>
+              </a:solidFill>
+              <a:latin typeface="Calibri"/>
+              <a:ea typeface="Calibri"/>
+              <a:cs typeface="Calibri"/>
+              <a:sym typeface="Calibri"/>
+            </a:endParaRPr>
+          </a:p>
+          <a:p>
+            <a:pPr marL="0" lvl="0" indent="0" algn="l" rtl="0">
+              <a:spcBef>
+                <a:spcPts val="0"/>
+              </a:spcBef>
+              <a:spcAft>
+                <a:spcPts val="0"/>
+              </a:spcAft>
+              <a:buNone/>
+            </a:pPr>
+            <a:r>
+              <a:rPr lang="en" sz="1000" b="1">
+                <a:solidFill>
+                  <a:srgbClr val="FF0000"/>
+                </a:solidFill>
+                <a:latin typeface="Calibri"/>
+                <a:ea typeface="Calibri"/>
+                <a:cs typeface="Calibri"/>
+                <a:sym typeface="Calibri"/>
+              </a:rPr>
+              <a:t>Here is a list of AI Assistants (can be easily tripled):</a:t>
+            </a:r>
+            <a:endParaRPr sz="1000" b="1">
+              <a:solidFill>
+                <a:srgbClr val="FF0000"/>
+              </a:solidFill>
+              <a:latin typeface="Calibri"/>
+              <a:ea typeface="Calibri"/>
+              <a:cs typeface="Calibri"/>
+              <a:sym typeface="Calibri"/>
+            </a:endParaRPr>
+          </a:p>
+          <a:p>
+            <a:pPr marL="228600" lvl="0" indent="-120650" algn="l" rtl="0">
+              <a:spcBef>
+                <a:spcPts val="0"/>
+              </a:spcBef>
+              <a:spcAft>
+                <a:spcPts val="0"/>
+              </a:spcAft>
+              <a:buClr>
+                <a:schemeClr val="dk1"/>
+              </a:buClr>
+              <a:buSzPts val="1000"/>
+              <a:buFont typeface="Calibri"/>
+              <a:buChar char="●"/>
+            </a:pPr>
+            <a:r>
+              <a:rPr lang="en" sz="1000" b="1">
+                <a:solidFill>
+                  <a:schemeClr val="dk1"/>
+                </a:solidFill>
+                <a:latin typeface="Calibri"/>
+                <a:ea typeface="Calibri"/>
+                <a:cs typeface="Calibri"/>
+                <a:sym typeface="Calibri"/>
+              </a:rPr>
+              <a:t>Bolt - </a:t>
+            </a:r>
+            <a:r>
+              <a:rPr lang="en" sz="1000" b="1" u="sng">
+                <a:solidFill>
+                  <a:schemeClr val="hlink"/>
+                </a:solidFill>
+                <a:latin typeface="Calibri"/>
+                <a:ea typeface="Calibri"/>
+                <a:cs typeface="Calibri"/>
+                <a:sym typeface="Calibri"/>
+                <a:hlinkClick r:id="rId5"/>
+              </a:rPr>
+              <a:t>https://bolt.new</a:t>
+            </a:r>
+            <a:r>
+              <a:rPr lang="en" sz="1000" b="1">
+                <a:solidFill>
+                  <a:schemeClr val="dk1"/>
+                </a:solidFill>
+                <a:latin typeface="Calibri"/>
+                <a:ea typeface="Calibri"/>
+                <a:cs typeface="Calibri"/>
+                <a:sym typeface="Calibri"/>
+              </a:rPr>
+              <a:t> </a:t>
+            </a:r>
+            <a:endParaRPr sz="1000" b="1">
+              <a:solidFill>
+                <a:schemeClr val="dk1"/>
+              </a:solidFill>
+              <a:latin typeface="Calibri"/>
+              <a:ea typeface="Calibri"/>
+              <a:cs typeface="Calibri"/>
+              <a:sym typeface="Calibri"/>
+            </a:endParaRPr>
+          </a:p>
+          <a:p>
+            <a:pPr marL="228600" lvl="0" indent="-120650" algn="l" rtl="0">
+              <a:spcBef>
+                <a:spcPts val="0"/>
+              </a:spcBef>
+              <a:spcAft>
+                <a:spcPts val="0"/>
+              </a:spcAft>
+              <a:buClr>
+                <a:schemeClr val="dk1"/>
+              </a:buClr>
+              <a:buSzPts val="1000"/>
+              <a:buFont typeface="Calibri"/>
+              <a:buChar char="●"/>
+            </a:pPr>
+            <a:r>
+              <a:rPr lang="en" sz="1000" b="1">
+                <a:solidFill>
+                  <a:schemeClr val="dk1"/>
+                </a:solidFill>
+                <a:latin typeface="Calibri"/>
+                <a:ea typeface="Calibri"/>
+                <a:cs typeface="Calibri"/>
+                <a:sym typeface="Calibri"/>
+              </a:rPr>
+              <a:t>Lovable - </a:t>
+            </a:r>
+            <a:r>
+              <a:rPr lang="en" sz="1000" b="1" u="sng">
+                <a:solidFill>
+                  <a:schemeClr val="accent5"/>
+                </a:solidFill>
+                <a:latin typeface="Calibri"/>
+                <a:ea typeface="Calibri"/>
+                <a:cs typeface="Calibri"/>
+                <a:sym typeface="Calibri"/>
+                <a:hlinkClick r:id="rId6">
+                  <a:extLst>
+                    <a:ext uri="{A12FA001-AC4F-418D-AE19-62706E023703}">
+                      <ahyp:hlinkClr xmlns:ahyp="http://schemas.microsoft.com/office/drawing/2018/hyperlinkcolor" val="tx"/>
+                    </a:ext>
+                  </a:extLst>
+                </a:hlinkClick>
+              </a:rPr>
+              <a:t>https://lovable.dev</a:t>
+            </a:r>
+            <a:endParaRPr sz="1000" b="1">
+              <a:solidFill>
+                <a:schemeClr val="dk1"/>
+              </a:solidFill>
+              <a:latin typeface="Calibri"/>
+              <a:ea typeface="Calibri"/>
+              <a:cs typeface="Calibri"/>
+              <a:sym typeface="Calibri"/>
+            </a:endParaRPr>
+          </a:p>
+          <a:p>
+            <a:pPr marL="228600" lvl="0" indent="-120650" algn="l" rtl="0">
+              <a:spcBef>
+                <a:spcPts val="0"/>
+              </a:spcBef>
+              <a:spcAft>
+                <a:spcPts val="0"/>
+              </a:spcAft>
+              <a:buClr>
+                <a:schemeClr val="dk1"/>
+              </a:buClr>
+              <a:buSzPts val="1000"/>
+              <a:buFont typeface="Calibri"/>
+              <a:buChar char="●"/>
+            </a:pPr>
+            <a:r>
+              <a:rPr lang="en" sz="1000" b="1">
+                <a:solidFill>
+                  <a:schemeClr val="dk1"/>
+                </a:solidFill>
+                <a:latin typeface="Calibri"/>
+                <a:ea typeface="Calibri"/>
+                <a:cs typeface="Calibri"/>
+                <a:sym typeface="Calibri"/>
+              </a:rPr>
+              <a:t>v0 - </a:t>
+            </a:r>
+            <a:r>
+              <a:rPr lang="en" sz="1000" b="1" u="sng">
+                <a:solidFill>
+                  <a:schemeClr val="hlink"/>
+                </a:solidFill>
+                <a:latin typeface="Calibri"/>
+                <a:ea typeface="Calibri"/>
+                <a:cs typeface="Calibri"/>
+                <a:sym typeface="Calibri"/>
+                <a:hlinkClick r:id="rId7"/>
+              </a:rPr>
+              <a:t>https://v0.dev</a:t>
+            </a:r>
+            <a:r>
+              <a:rPr lang="en" sz="1000" b="1">
+                <a:solidFill>
+                  <a:schemeClr val="dk1"/>
+                </a:solidFill>
+                <a:latin typeface="Calibri"/>
+                <a:ea typeface="Calibri"/>
+                <a:cs typeface="Calibri"/>
+                <a:sym typeface="Calibri"/>
+              </a:rPr>
+              <a:t> </a:t>
+            </a:r>
+            <a:endParaRPr sz="1000" b="1">
+              <a:solidFill>
+                <a:schemeClr val="dk1"/>
+              </a:solidFill>
+              <a:latin typeface="Calibri"/>
+              <a:ea typeface="Calibri"/>
+              <a:cs typeface="Calibri"/>
+              <a:sym typeface="Calibri"/>
+            </a:endParaRPr>
+          </a:p>
+          <a:p>
+            <a:pPr marL="228600" lvl="0" indent="-120650" algn="l" rtl="0">
+              <a:spcBef>
+                <a:spcPts val="0"/>
+              </a:spcBef>
+              <a:spcAft>
+                <a:spcPts val="0"/>
+              </a:spcAft>
+              <a:buClr>
+                <a:schemeClr val="dk1"/>
+              </a:buClr>
+              <a:buSzPts val="1000"/>
+              <a:buFont typeface="Calibri"/>
+              <a:buChar char="●"/>
+            </a:pPr>
+            <a:r>
+              <a:rPr lang="en" sz="1000" b="1">
+                <a:solidFill>
+                  <a:schemeClr val="dk1"/>
+                </a:solidFill>
+                <a:latin typeface="Calibri"/>
+                <a:ea typeface="Calibri"/>
+                <a:cs typeface="Calibri"/>
+                <a:sym typeface="Calibri"/>
+              </a:rPr>
+              <a:t>Replit - </a:t>
+            </a:r>
+            <a:r>
+              <a:rPr lang="en" sz="1000" b="1" u="sng">
+                <a:solidFill>
+                  <a:schemeClr val="hlink"/>
+                </a:solidFill>
+                <a:latin typeface="Calibri"/>
+                <a:ea typeface="Calibri"/>
+                <a:cs typeface="Calibri"/>
+                <a:sym typeface="Calibri"/>
+                <a:hlinkClick r:id="rId8"/>
+              </a:rPr>
+              <a:t>https://replit.com</a:t>
+            </a:r>
+            <a:r>
+              <a:rPr lang="en" sz="1000" b="1">
+                <a:solidFill>
+                  <a:schemeClr val="dk1"/>
+                </a:solidFill>
+                <a:latin typeface="Calibri"/>
+                <a:ea typeface="Calibri"/>
+                <a:cs typeface="Calibri"/>
+                <a:sym typeface="Calibri"/>
+              </a:rPr>
+              <a:t> </a:t>
+            </a:r>
+            <a:endParaRPr sz="1000" b="1">
+              <a:solidFill>
+                <a:schemeClr val="dk1"/>
+              </a:solidFill>
+              <a:latin typeface="Calibri"/>
+              <a:ea typeface="Calibri"/>
+              <a:cs typeface="Calibri"/>
+              <a:sym typeface="Calibri"/>
+            </a:endParaRPr>
+          </a:p>
+          <a:p>
+            <a:pPr marL="228600" lvl="0" indent="-120650" algn="l" rtl="0">
+              <a:spcBef>
+                <a:spcPts val="0"/>
+              </a:spcBef>
+              <a:spcAft>
+                <a:spcPts val="0"/>
+              </a:spcAft>
+              <a:buClr>
+                <a:schemeClr val="dk1"/>
+              </a:buClr>
+              <a:buSzPts val="1000"/>
+              <a:buFont typeface="Calibri"/>
+              <a:buChar char="●"/>
+            </a:pPr>
+            <a:r>
+              <a:rPr lang="en" sz="1000" b="1">
+                <a:solidFill>
+                  <a:schemeClr val="dk1"/>
+                </a:solidFill>
+                <a:latin typeface="Calibri"/>
+                <a:ea typeface="Calibri"/>
+                <a:cs typeface="Calibri"/>
+                <a:sym typeface="Calibri"/>
+              </a:rPr>
+              <a:t>Cursor - </a:t>
+            </a:r>
+            <a:r>
+              <a:rPr lang="en" sz="1000" b="1" u="sng">
+                <a:solidFill>
+                  <a:schemeClr val="hlink"/>
+                </a:solidFill>
+                <a:latin typeface="Calibri"/>
+                <a:ea typeface="Calibri"/>
+                <a:cs typeface="Calibri"/>
+                <a:sym typeface="Calibri"/>
+                <a:hlinkClick r:id="rId9"/>
+              </a:rPr>
+              <a:t>https://www.cursor.com</a:t>
+            </a:r>
+            <a:r>
+              <a:rPr lang="en" sz="1000" b="1">
+                <a:solidFill>
+                  <a:schemeClr val="dk1"/>
+                </a:solidFill>
+                <a:latin typeface="Calibri"/>
+                <a:ea typeface="Calibri"/>
+                <a:cs typeface="Calibri"/>
+                <a:sym typeface="Calibri"/>
+              </a:rPr>
+              <a:t> </a:t>
+            </a:r>
+            <a:endParaRPr sz="1000" b="1">
+              <a:solidFill>
+                <a:schemeClr val="dk1"/>
+              </a:solidFill>
+              <a:latin typeface="Calibri"/>
+              <a:ea typeface="Calibri"/>
+              <a:cs typeface="Calibri"/>
+              <a:sym typeface="Calibri"/>
+            </a:endParaRPr>
+          </a:p>
+          <a:p>
+            <a:pPr marL="228600" lvl="0" indent="-120650" algn="l" rtl="0">
+              <a:spcBef>
+                <a:spcPts val="0"/>
+              </a:spcBef>
+              <a:spcAft>
+                <a:spcPts val="0"/>
+              </a:spcAft>
+              <a:buClr>
+                <a:schemeClr val="dk1"/>
+              </a:buClr>
+              <a:buSzPts val="1000"/>
+              <a:buFont typeface="Calibri"/>
+              <a:buChar char="●"/>
+            </a:pPr>
+            <a:r>
+              <a:rPr lang="en" sz="1000" b="1">
+                <a:solidFill>
+                  <a:schemeClr val="dk1"/>
+                </a:solidFill>
+                <a:latin typeface="Calibri"/>
+                <a:ea typeface="Calibri"/>
+                <a:cs typeface="Calibri"/>
+                <a:sym typeface="Calibri"/>
+              </a:rPr>
+              <a:t>Windsurf - </a:t>
+            </a:r>
+            <a:r>
+              <a:rPr lang="en" sz="1000" b="1" u="sng">
+                <a:solidFill>
+                  <a:schemeClr val="hlink"/>
+                </a:solidFill>
+                <a:latin typeface="Calibri"/>
+                <a:ea typeface="Calibri"/>
+                <a:cs typeface="Calibri"/>
+                <a:sym typeface="Calibri"/>
+                <a:hlinkClick r:id="rId10"/>
+              </a:rPr>
+              <a:t>https://codeium.com/windsurf</a:t>
+            </a:r>
+            <a:r>
+              <a:rPr lang="en" sz="1000" b="1">
+                <a:solidFill>
+                  <a:schemeClr val="dk1"/>
+                </a:solidFill>
+                <a:latin typeface="Calibri"/>
+                <a:ea typeface="Calibri"/>
+                <a:cs typeface="Calibri"/>
+                <a:sym typeface="Calibri"/>
+              </a:rPr>
+              <a:t> </a:t>
+            </a:r>
+            <a:endParaRPr sz="1000" b="1">
+              <a:solidFill>
+                <a:schemeClr val="dk1"/>
+              </a:solidFill>
+              <a:latin typeface="Calibri"/>
+              <a:ea typeface="Calibri"/>
+              <a:cs typeface="Calibri"/>
+              <a:sym typeface="Calibri"/>
+            </a:endParaRPr>
+          </a:p>
+          <a:p>
+            <a:pPr marL="228600" lvl="0" indent="-120650" algn="l" rtl="0">
+              <a:spcBef>
+                <a:spcPts val="0"/>
+              </a:spcBef>
+              <a:spcAft>
+                <a:spcPts val="0"/>
+              </a:spcAft>
+              <a:buClr>
+                <a:schemeClr val="dk1"/>
+              </a:buClr>
+              <a:buSzPts val="1000"/>
+              <a:buFont typeface="Calibri"/>
+              <a:buChar char="●"/>
+            </a:pPr>
+            <a:r>
+              <a:rPr lang="en" sz="1000" b="1">
+                <a:solidFill>
+                  <a:schemeClr val="dk1"/>
+                </a:solidFill>
+                <a:latin typeface="Calibri"/>
+                <a:ea typeface="Calibri"/>
+                <a:cs typeface="Calibri"/>
+                <a:sym typeface="Calibri"/>
+              </a:rPr>
+              <a:t>Qodo - </a:t>
+            </a:r>
+            <a:r>
+              <a:rPr lang="en" sz="1000" b="1" u="sng">
+                <a:solidFill>
+                  <a:schemeClr val="hlink"/>
+                </a:solidFill>
+                <a:latin typeface="Calibri"/>
+                <a:ea typeface="Calibri"/>
+                <a:cs typeface="Calibri"/>
+                <a:sym typeface="Calibri"/>
+                <a:hlinkClick r:id="rId11"/>
+              </a:rPr>
+              <a:t>https://www.qodo.ai</a:t>
+            </a:r>
+            <a:r>
+              <a:rPr lang="en" sz="1000" b="1">
+                <a:solidFill>
+                  <a:schemeClr val="dk1"/>
+                </a:solidFill>
+                <a:latin typeface="Calibri"/>
+                <a:ea typeface="Calibri"/>
+                <a:cs typeface="Calibri"/>
+                <a:sym typeface="Calibri"/>
+              </a:rPr>
+              <a:t> - new name for Codeium</a:t>
+            </a:r>
+            <a:endParaRPr sz="1000" b="1">
+              <a:solidFill>
+                <a:schemeClr val="dk1"/>
+              </a:solidFill>
+              <a:latin typeface="Calibri"/>
+              <a:ea typeface="Calibri"/>
+              <a:cs typeface="Calibri"/>
+              <a:sym typeface="Calibri"/>
+            </a:endParaRPr>
+          </a:p>
+          <a:p>
+            <a:pPr marL="228600" lvl="0" indent="-120650" algn="l" rtl="0">
+              <a:spcBef>
+                <a:spcPts val="0"/>
+              </a:spcBef>
+              <a:spcAft>
+                <a:spcPts val="0"/>
+              </a:spcAft>
+              <a:buClr>
+                <a:schemeClr val="dk1"/>
+              </a:buClr>
+              <a:buSzPts val="1000"/>
+              <a:buFont typeface="Calibri"/>
+              <a:buChar char="●"/>
+            </a:pPr>
+            <a:r>
+              <a:rPr lang="en" sz="1000">
+                <a:solidFill>
+                  <a:schemeClr val="dk1"/>
+                </a:solidFill>
+                <a:latin typeface="Calibri"/>
+                <a:ea typeface="Calibri"/>
+                <a:cs typeface="Calibri"/>
+                <a:sym typeface="Calibri"/>
+              </a:rPr>
+              <a:t>GitHub Copilot</a:t>
+            </a:r>
+            <a:endParaRPr sz="1000">
+              <a:solidFill>
+                <a:schemeClr val="dk1"/>
+              </a:solidFill>
+              <a:latin typeface="Calibri"/>
+              <a:ea typeface="Calibri"/>
+              <a:cs typeface="Calibri"/>
+              <a:sym typeface="Calibri"/>
+            </a:endParaRPr>
+          </a:p>
+          <a:p>
+            <a:pPr marL="228600" lvl="0" indent="-120650" algn="l" rtl="0">
+              <a:spcBef>
+                <a:spcPts val="0"/>
+              </a:spcBef>
+              <a:spcAft>
+                <a:spcPts val="0"/>
+              </a:spcAft>
+              <a:buClr>
+                <a:schemeClr val="dk1"/>
+              </a:buClr>
+              <a:buSzPts val="1000"/>
+              <a:buFont typeface="Calibri"/>
+              <a:buChar char="●"/>
+            </a:pPr>
+            <a:r>
+              <a:rPr lang="en" sz="1000">
+                <a:solidFill>
+                  <a:schemeClr val="dk1"/>
+                </a:solidFill>
+                <a:latin typeface="Calibri"/>
+                <a:ea typeface="Calibri"/>
+                <a:cs typeface="Calibri"/>
+                <a:sym typeface="Calibri"/>
+              </a:rPr>
+              <a:t>Replit Ghostwriter</a:t>
+            </a:r>
+            <a:endParaRPr sz="1000">
+              <a:solidFill>
+                <a:schemeClr val="dk1"/>
+              </a:solidFill>
+              <a:latin typeface="Calibri"/>
+              <a:ea typeface="Calibri"/>
+              <a:cs typeface="Calibri"/>
+              <a:sym typeface="Calibri"/>
+            </a:endParaRPr>
+          </a:p>
+          <a:p>
+            <a:pPr marL="228600" lvl="0" indent="-120650" algn="l" rtl="0">
+              <a:spcBef>
+                <a:spcPts val="0"/>
+              </a:spcBef>
+              <a:spcAft>
+                <a:spcPts val="0"/>
+              </a:spcAft>
+              <a:buClr>
+                <a:schemeClr val="dk1"/>
+              </a:buClr>
+              <a:buSzPts val="1000"/>
+              <a:buFont typeface="Calibri"/>
+              <a:buChar char="●"/>
+            </a:pPr>
+            <a:r>
+              <a:rPr lang="en" sz="1000">
+                <a:solidFill>
+                  <a:schemeClr val="dk1"/>
+                </a:solidFill>
+                <a:latin typeface="Calibri"/>
+                <a:ea typeface="Calibri"/>
+                <a:cs typeface="Calibri"/>
+                <a:sym typeface="Calibri"/>
+              </a:rPr>
+              <a:t>base44 - </a:t>
+            </a:r>
+            <a:r>
+              <a:rPr lang="en" sz="1000" u="sng">
+                <a:solidFill>
+                  <a:schemeClr val="hlink"/>
+                </a:solidFill>
+                <a:latin typeface="Calibri"/>
+                <a:ea typeface="Calibri"/>
+                <a:cs typeface="Calibri"/>
+                <a:sym typeface="Calibri"/>
+                <a:hlinkClick r:id="rId12"/>
+              </a:rPr>
+              <a:t>https://base44.com</a:t>
+            </a:r>
+            <a:r>
+              <a:rPr lang="en" sz="1000">
+                <a:solidFill>
+                  <a:schemeClr val="dk1"/>
+                </a:solidFill>
+                <a:latin typeface="Calibri"/>
+                <a:ea typeface="Calibri"/>
+                <a:cs typeface="Calibri"/>
+                <a:sym typeface="Calibri"/>
+              </a:rPr>
+              <a:t> </a:t>
+            </a:r>
+            <a:endParaRPr sz="1000">
+              <a:solidFill>
+                <a:schemeClr val="dk1"/>
+              </a:solidFill>
+              <a:latin typeface="Calibri"/>
+              <a:ea typeface="Calibri"/>
+              <a:cs typeface="Calibri"/>
+              <a:sym typeface="Calibri"/>
+            </a:endParaRPr>
+          </a:p>
+          <a:p>
+            <a:pPr marL="228600" lvl="0" indent="-120650" algn="l" rtl="0">
+              <a:spcBef>
+                <a:spcPts val="0"/>
+              </a:spcBef>
+              <a:spcAft>
+                <a:spcPts val="0"/>
+              </a:spcAft>
+              <a:buClr>
+                <a:schemeClr val="dk1"/>
+              </a:buClr>
+              <a:buSzPts val="1000"/>
+              <a:buFont typeface="Calibri"/>
+              <a:buChar char="●"/>
+            </a:pPr>
+            <a:r>
+              <a:rPr lang="en" sz="1000">
+                <a:solidFill>
+                  <a:schemeClr val="dk1"/>
+                </a:solidFill>
+                <a:latin typeface="Calibri"/>
+                <a:ea typeface="Calibri"/>
+                <a:cs typeface="Calibri"/>
+                <a:sym typeface="Calibri"/>
+              </a:rPr>
+              <a:t>AskCodi - </a:t>
+            </a:r>
+            <a:r>
+              <a:rPr lang="en" sz="1000" u="sng">
+                <a:solidFill>
+                  <a:schemeClr val="hlink"/>
+                </a:solidFill>
+                <a:latin typeface="Calibri"/>
+                <a:ea typeface="Calibri"/>
+                <a:cs typeface="Calibri"/>
+                <a:sym typeface="Calibri"/>
+                <a:hlinkClick r:id="rId13"/>
+              </a:rPr>
+              <a:t>https://askcodi.com</a:t>
+            </a:r>
+            <a:r>
+              <a:rPr lang="en" sz="1000">
+                <a:solidFill>
+                  <a:schemeClr val="dk1"/>
+                </a:solidFill>
+                <a:latin typeface="Calibri"/>
+                <a:ea typeface="Calibri"/>
+                <a:cs typeface="Calibri"/>
+                <a:sym typeface="Calibri"/>
+              </a:rPr>
+              <a:t> </a:t>
+            </a:r>
+            <a:endParaRPr sz="1000">
+              <a:solidFill>
+                <a:schemeClr val="dk1"/>
+              </a:solidFill>
+              <a:latin typeface="Calibri"/>
+              <a:ea typeface="Calibri"/>
+              <a:cs typeface="Calibri"/>
+              <a:sym typeface="Calibri"/>
+            </a:endParaRPr>
+          </a:p>
+          <a:p>
+            <a:pPr marL="228600" lvl="0" indent="-120650" algn="l" rtl="0">
+              <a:spcBef>
+                <a:spcPts val="0"/>
+              </a:spcBef>
+              <a:spcAft>
+                <a:spcPts val="0"/>
+              </a:spcAft>
+              <a:buClr>
+                <a:schemeClr val="dk1"/>
+              </a:buClr>
+              <a:buSzPts val="1000"/>
+              <a:buFont typeface="Calibri"/>
+              <a:buChar char="●"/>
+            </a:pPr>
+            <a:r>
+              <a:rPr lang="en" sz="1000">
+                <a:solidFill>
+                  <a:schemeClr val="dk1"/>
+                </a:solidFill>
+                <a:latin typeface="Calibri"/>
+                <a:ea typeface="Calibri"/>
+                <a:cs typeface="Calibri"/>
+                <a:sym typeface="Calibri"/>
+              </a:rPr>
+              <a:t>AugmentCode - </a:t>
+            </a:r>
+            <a:r>
+              <a:rPr lang="en" sz="1000" u="sng">
+                <a:solidFill>
+                  <a:schemeClr val="hlink"/>
+                </a:solidFill>
+                <a:latin typeface="Calibri"/>
+                <a:ea typeface="Calibri"/>
+                <a:cs typeface="Calibri"/>
+                <a:sym typeface="Calibri"/>
+                <a:hlinkClick r:id="rId14"/>
+              </a:rPr>
+              <a:t>https://www.augmentcode.com</a:t>
+            </a:r>
+            <a:r>
+              <a:rPr lang="en" sz="1000">
+                <a:solidFill>
+                  <a:schemeClr val="dk1"/>
+                </a:solidFill>
+                <a:latin typeface="Calibri"/>
+                <a:ea typeface="Calibri"/>
+                <a:cs typeface="Calibri"/>
+                <a:sym typeface="Calibri"/>
+              </a:rPr>
+              <a:t> </a:t>
+            </a:r>
+            <a:endParaRPr sz="1000">
+              <a:solidFill>
+                <a:schemeClr val="dk1"/>
+              </a:solidFill>
+              <a:latin typeface="Calibri"/>
+              <a:ea typeface="Calibri"/>
+              <a:cs typeface="Calibri"/>
+              <a:sym typeface="Calibri"/>
+            </a:endParaRPr>
+          </a:p>
+          <a:p>
+            <a:pPr marL="228600" lvl="0" indent="-120650" algn="l" rtl="0">
+              <a:spcBef>
+                <a:spcPts val="0"/>
+              </a:spcBef>
+              <a:spcAft>
+                <a:spcPts val="0"/>
+              </a:spcAft>
+              <a:buClr>
+                <a:schemeClr val="dk1"/>
+              </a:buClr>
+              <a:buSzPts val="1000"/>
+              <a:buFont typeface="Calibri"/>
+              <a:buChar char="●"/>
+            </a:pPr>
+            <a:r>
+              <a:rPr lang="en" sz="1000">
+                <a:solidFill>
+                  <a:schemeClr val="dk1"/>
+                </a:solidFill>
+                <a:latin typeface="Calibri"/>
+                <a:ea typeface="Calibri"/>
+                <a:cs typeface="Calibri"/>
+                <a:sym typeface="Calibri"/>
+              </a:rPr>
+              <a:t>Snyk - </a:t>
+            </a:r>
+            <a:r>
+              <a:rPr lang="en" sz="1000" u="sng">
+                <a:solidFill>
+                  <a:schemeClr val="hlink"/>
+                </a:solidFill>
+                <a:latin typeface="Calibri"/>
+                <a:ea typeface="Calibri"/>
+                <a:cs typeface="Calibri"/>
+                <a:sym typeface="Calibri"/>
+                <a:hlinkClick r:id="rId15"/>
+              </a:rPr>
+              <a:t>https://snyk.io</a:t>
+            </a:r>
+            <a:r>
+              <a:rPr lang="en" sz="1000">
+                <a:solidFill>
+                  <a:schemeClr val="dk1"/>
+                </a:solidFill>
+                <a:latin typeface="Calibri"/>
+                <a:ea typeface="Calibri"/>
+                <a:cs typeface="Calibri"/>
+                <a:sym typeface="Calibri"/>
+              </a:rPr>
+              <a:t> -  AI-powered security analysis</a:t>
+            </a:r>
+            <a:endParaRPr sz="1000">
+              <a:solidFill>
+                <a:schemeClr val="dk1"/>
+              </a:solidFill>
+              <a:latin typeface="Calibri"/>
+              <a:ea typeface="Calibri"/>
+              <a:cs typeface="Calibri"/>
+              <a:sym typeface="Calibri"/>
+            </a:endParaRPr>
+          </a:p>
+          <a:p>
+            <a:pPr marL="228600" lvl="0" indent="-120650" algn="l" rtl="0">
+              <a:spcBef>
+                <a:spcPts val="0"/>
+              </a:spcBef>
+              <a:spcAft>
+                <a:spcPts val="0"/>
+              </a:spcAft>
+              <a:buClr>
+                <a:schemeClr val="dk1"/>
+              </a:buClr>
+              <a:buSzPts val="1000"/>
+              <a:buFont typeface="Calibri"/>
+              <a:buChar char="●"/>
+            </a:pPr>
+            <a:r>
+              <a:rPr lang="en" sz="1000">
+                <a:solidFill>
+                  <a:schemeClr val="dk1"/>
+                </a:solidFill>
+                <a:latin typeface="Calibri"/>
+                <a:ea typeface="Calibri"/>
+                <a:cs typeface="Calibri"/>
+                <a:sym typeface="Calibri"/>
+              </a:rPr>
+              <a:t>Aider - </a:t>
+            </a:r>
+            <a:r>
+              <a:rPr lang="en" sz="1000" u="sng">
+                <a:solidFill>
+                  <a:schemeClr val="hlink"/>
+                </a:solidFill>
+                <a:latin typeface="Calibri"/>
+                <a:ea typeface="Calibri"/>
+                <a:cs typeface="Calibri"/>
+                <a:sym typeface="Calibri"/>
+                <a:hlinkClick r:id="rId16"/>
+              </a:rPr>
+              <a:t>https://aider.chat</a:t>
+            </a:r>
+            <a:r>
+              <a:rPr lang="en" sz="1000">
+                <a:solidFill>
+                  <a:schemeClr val="dk1"/>
+                </a:solidFill>
+                <a:latin typeface="Calibri"/>
+                <a:ea typeface="Calibri"/>
+                <a:cs typeface="Calibri"/>
+                <a:sym typeface="Calibri"/>
+              </a:rPr>
+              <a:t> - command-line code assistant</a:t>
+            </a:r>
+            <a:endParaRPr sz="1000">
+              <a:solidFill>
+                <a:schemeClr val="dk1"/>
+              </a:solidFill>
+              <a:latin typeface="Calibri"/>
+              <a:ea typeface="Calibri"/>
+              <a:cs typeface="Calibri"/>
+              <a:sym typeface="Calibri"/>
+            </a:endParaRPr>
+          </a:p>
+          <a:p>
+            <a:pPr marL="228600" lvl="0" indent="-120650" algn="l" rtl="0">
+              <a:spcBef>
+                <a:spcPts val="0"/>
+              </a:spcBef>
+              <a:spcAft>
+                <a:spcPts val="0"/>
+              </a:spcAft>
+              <a:buClr>
+                <a:schemeClr val="dk1"/>
+              </a:buClr>
+              <a:buSzPts val="1000"/>
+              <a:buFont typeface="Calibri"/>
+              <a:buChar char="●"/>
+            </a:pPr>
+            <a:r>
+              <a:rPr lang="en" sz="1000">
+                <a:solidFill>
+                  <a:schemeClr val="dk1"/>
+                </a:solidFill>
+                <a:latin typeface="Calibri"/>
+                <a:ea typeface="Calibri"/>
+                <a:cs typeface="Calibri"/>
+                <a:sym typeface="Calibri"/>
+              </a:rPr>
+              <a:t>Cline - </a:t>
+            </a:r>
+            <a:r>
+              <a:rPr lang="en" sz="1000" u="sng">
+                <a:solidFill>
+                  <a:schemeClr val="hlink"/>
+                </a:solidFill>
+                <a:latin typeface="Calibri"/>
+                <a:ea typeface="Calibri"/>
+                <a:cs typeface="Calibri"/>
+                <a:sym typeface="Calibri"/>
+                <a:hlinkClick r:id="rId17"/>
+              </a:rPr>
+              <a:t>https://cline.bot</a:t>
+            </a:r>
+            <a:r>
+              <a:rPr lang="en" sz="1000">
+                <a:solidFill>
+                  <a:schemeClr val="dk1"/>
+                </a:solidFill>
+                <a:latin typeface="Calibri"/>
+                <a:ea typeface="Calibri"/>
+                <a:cs typeface="Calibri"/>
+                <a:sym typeface="Calibri"/>
+              </a:rPr>
+              <a:t> - for VS Code (former Claude Dev)</a:t>
+            </a:r>
+            <a:endParaRPr sz="1000">
+              <a:solidFill>
+                <a:schemeClr val="dk1"/>
+              </a:solidFill>
+              <a:latin typeface="Calibri"/>
+              <a:ea typeface="Calibri"/>
+              <a:cs typeface="Calibri"/>
+              <a:sym typeface="Calibri"/>
+            </a:endParaRPr>
+          </a:p>
+          <a:p>
+            <a:pPr marL="228600" lvl="0" indent="-120650" algn="l" rtl="0">
+              <a:spcBef>
+                <a:spcPts val="0"/>
+              </a:spcBef>
+              <a:spcAft>
+                <a:spcPts val="0"/>
+              </a:spcAft>
+              <a:buClr>
+                <a:schemeClr val="dk1"/>
+              </a:buClr>
+              <a:buSzPts val="1000"/>
+              <a:buFont typeface="Calibri"/>
+              <a:buChar char="●"/>
+            </a:pPr>
+            <a:r>
+              <a:rPr lang="en" sz="1000">
+                <a:solidFill>
+                  <a:schemeClr val="dk1"/>
+                </a:solidFill>
+                <a:latin typeface="Calibri"/>
+                <a:ea typeface="Calibri"/>
+                <a:cs typeface="Calibri"/>
+                <a:sym typeface="Calibri"/>
+              </a:rPr>
+              <a:t>Devin - </a:t>
+            </a:r>
+            <a:r>
+              <a:rPr lang="en" sz="1000" u="sng">
+                <a:solidFill>
+                  <a:schemeClr val="hlink"/>
+                </a:solidFill>
+                <a:latin typeface="Calibri"/>
+                <a:ea typeface="Calibri"/>
+                <a:cs typeface="Calibri"/>
+                <a:sym typeface="Calibri"/>
+                <a:hlinkClick r:id="rId18"/>
+              </a:rPr>
+              <a:t>https://devin.ai</a:t>
+            </a:r>
+            <a:r>
+              <a:rPr lang="en" sz="1000">
+                <a:solidFill>
+                  <a:schemeClr val="dk1"/>
+                </a:solidFill>
+                <a:latin typeface="Calibri"/>
+                <a:ea typeface="Calibri"/>
+                <a:cs typeface="Calibri"/>
+                <a:sym typeface="Calibri"/>
+              </a:rPr>
+              <a:t> - by Cognition Labs, $500/month</a:t>
+            </a:r>
+            <a:endParaRPr sz="1000">
+              <a:solidFill>
+                <a:schemeClr val="dk1"/>
+              </a:solidFill>
+              <a:latin typeface="Calibri"/>
+              <a:ea typeface="Calibri"/>
+              <a:cs typeface="Calibri"/>
+              <a:sym typeface="Calibri"/>
+            </a:endParaRPr>
+          </a:p>
+          <a:p>
+            <a:pPr marL="228600" lvl="0" indent="-120650" algn="l" rtl="0">
+              <a:spcBef>
+                <a:spcPts val="0"/>
+              </a:spcBef>
+              <a:spcAft>
+                <a:spcPts val="0"/>
+              </a:spcAft>
+              <a:buClr>
+                <a:schemeClr val="dk1"/>
+              </a:buClr>
+              <a:buSzPts val="1000"/>
+              <a:buFont typeface="Calibri"/>
+              <a:buChar char="●"/>
+            </a:pPr>
+            <a:r>
+              <a:rPr lang="en" sz="1000">
+                <a:solidFill>
+                  <a:schemeClr val="dk1"/>
+                </a:solidFill>
+                <a:latin typeface="Calibri"/>
+                <a:ea typeface="Calibri"/>
+                <a:cs typeface="Calibri"/>
+                <a:sym typeface="Calibri"/>
+              </a:rPr>
+              <a:t>Tabnine - AI code completion </a:t>
+            </a:r>
+            <a:endParaRPr sz="1000">
+              <a:solidFill>
+                <a:schemeClr val="dk1"/>
+              </a:solidFill>
+              <a:latin typeface="Calibri"/>
+              <a:ea typeface="Calibri"/>
+              <a:cs typeface="Calibri"/>
+              <a:sym typeface="Calibri"/>
+            </a:endParaRPr>
+          </a:p>
+          <a:p>
+            <a:pPr marL="228600" lvl="0" indent="-120650" algn="l" rtl="0">
+              <a:spcBef>
+                <a:spcPts val="0"/>
+              </a:spcBef>
+              <a:spcAft>
+                <a:spcPts val="0"/>
+              </a:spcAft>
+              <a:buClr>
+                <a:schemeClr val="dk1"/>
+              </a:buClr>
+              <a:buSzPts val="1000"/>
+              <a:buFont typeface="Calibri"/>
+              <a:buChar char="●"/>
+            </a:pPr>
+            <a:r>
+              <a:rPr lang="en" sz="1000">
+                <a:solidFill>
+                  <a:schemeClr val="dk1"/>
+                </a:solidFill>
+                <a:latin typeface="Calibri"/>
+                <a:ea typeface="Calibri"/>
+                <a:cs typeface="Calibri"/>
+                <a:sym typeface="Calibri"/>
+              </a:rPr>
+              <a:t>Amazon CodeWhisperer - </a:t>
+            </a:r>
+            <a:r>
+              <a:rPr lang="en" sz="1000" u="sng">
+                <a:solidFill>
+                  <a:schemeClr val="hlink"/>
+                </a:solidFill>
+                <a:latin typeface="Calibri"/>
+                <a:ea typeface="Calibri"/>
+                <a:cs typeface="Calibri"/>
+                <a:sym typeface="Calibri"/>
+                <a:hlinkClick r:id="rId19"/>
+              </a:rPr>
+              <a:t>https://docs.aws.amazon.com/codewhisperer</a:t>
+            </a:r>
+            <a:r>
+              <a:rPr lang="en" sz="1000">
+                <a:solidFill>
+                  <a:schemeClr val="dk1"/>
+                </a:solidFill>
+                <a:latin typeface="Calibri"/>
+                <a:ea typeface="Calibri"/>
+                <a:cs typeface="Calibri"/>
+                <a:sym typeface="Calibri"/>
+              </a:rPr>
+              <a:t> </a:t>
+            </a:r>
+            <a:endParaRPr sz="1000">
+              <a:solidFill>
+                <a:schemeClr val="dk1"/>
+              </a:solidFill>
+              <a:latin typeface="Calibri"/>
+              <a:ea typeface="Calibri"/>
+              <a:cs typeface="Calibri"/>
+              <a:sym typeface="Calibri"/>
+            </a:endParaRPr>
+          </a:p>
+          <a:p>
+            <a:pPr marL="228600" lvl="0" indent="-120650" algn="l" rtl="0">
+              <a:spcBef>
+                <a:spcPts val="0"/>
+              </a:spcBef>
+              <a:spcAft>
+                <a:spcPts val="0"/>
+              </a:spcAft>
+              <a:buClr>
+                <a:schemeClr val="dk1"/>
+              </a:buClr>
+              <a:buSzPts val="1000"/>
+              <a:buFont typeface="Calibri"/>
+              <a:buChar char="●"/>
+            </a:pPr>
+            <a:r>
+              <a:rPr lang="en" sz="1000">
+                <a:solidFill>
+                  <a:schemeClr val="dk1"/>
+                </a:solidFill>
+                <a:latin typeface="Calibri"/>
+                <a:ea typeface="Calibri"/>
+                <a:cs typeface="Calibri"/>
+                <a:sym typeface="Calibri"/>
+              </a:rPr>
+              <a:t>Amazon Q Developer - </a:t>
+            </a:r>
+            <a:r>
+              <a:rPr lang="en" sz="1000" u="sng">
+                <a:solidFill>
+                  <a:schemeClr val="hlink"/>
+                </a:solidFill>
+                <a:latin typeface="Calibri"/>
+                <a:ea typeface="Calibri"/>
+                <a:cs typeface="Calibri"/>
+                <a:sym typeface="Calibri"/>
+                <a:hlinkClick r:id="rId20"/>
+              </a:rPr>
+              <a:t>https://aws.amazon.com/q/developer/</a:t>
+            </a:r>
+            <a:r>
+              <a:rPr lang="en" sz="1000">
+                <a:solidFill>
+                  <a:schemeClr val="dk1"/>
+                </a:solidFill>
+                <a:latin typeface="Calibri"/>
+                <a:ea typeface="Calibri"/>
+                <a:cs typeface="Calibri"/>
+                <a:sym typeface="Calibri"/>
+              </a:rPr>
+              <a:t> </a:t>
+            </a:r>
+            <a:endParaRPr sz="1000">
+              <a:solidFill>
+                <a:schemeClr val="dk1"/>
+              </a:solidFill>
+              <a:latin typeface="Calibri"/>
+              <a:ea typeface="Calibri"/>
+              <a:cs typeface="Calibri"/>
+              <a:sym typeface="Calibri"/>
+            </a:endParaRPr>
+          </a:p>
+          <a:p>
+            <a:pPr marL="228600" lvl="0" indent="-120650" algn="l" rtl="0">
+              <a:spcBef>
+                <a:spcPts val="0"/>
+              </a:spcBef>
+              <a:spcAft>
+                <a:spcPts val="0"/>
+              </a:spcAft>
+              <a:buClr>
+                <a:schemeClr val="dk1"/>
+              </a:buClr>
+              <a:buSzPts val="1000"/>
+              <a:buFont typeface="Calibri"/>
+              <a:buChar char="●"/>
+            </a:pPr>
+            <a:r>
+              <a:rPr lang="en" sz="1000">
+                <a:solidFill>
+                  <a:schemeClr val="dk1"/>
+                </a:solidFill>
+                <a:latin typeface="Calibri"/>
+                <a:ea typeface="Calibri"/>
+                <a:cs typeface="Calibri"/>
+                <a:sym typeface="Calibri"/>
+              </a:rPr>
+              <a:t>Google Gemini Code Assist - </a:t>
+            </a:r>
+            <a:r>
+              <a:rPr lang="en" sz="1000" u="sng">
+                <a:solidFill>
+                  <a:schemeClr val="hlink"/>
+                </a:solidFill>
+                <a:latin typeface="Calibri"/>
+                <a:ea typeface="Calibri"/>
+                <a:cs typeface="Calibri"/>
+                <a:sym typeface="Calibri"/>
+                <a:hlinkClick r:id="rId21"/>
+              </a:rPr>
+              <a:t>https://codeassist.google</a:t>
+            </a:r>
+            <a:r>
+              <a:rPr lang="en" sz="1000">
+                <a:solidFill>
+                  <a:schemeClr val="dk1"/>
+                </a:solidFill>
+                <a:latin typeface="Calibri"/>
+                <a:ea typeface="Calibri"/>
+                <a:cs typeface="Calibri"/>
+                <a:sym typeface="Calibri"/>
+              </a:rPr>
+              <a:t> </a:t>
+            </a:r>
+            <a:endParaRPr sz="1000">
+              <a:solidFill>
+                <a:schemeClr val="dk1"/>
+              </a:solidFill>
+              <a:latin typeface="Calibri"/>
+              <a:ea typeface="Calibri"/>
+              <a:cs typeface="Calibri"/>
+              <a:sym typeface="Calibri"/>
+            </a:endParaRPr>
+          </a:p>
+          <a:p>
+            <a:pPr marL="228600" lvl="0" indent="-120650" algn="l" rtl="0">
+              <a:spcBef>
+                <a:spcPts val="0"/>
+              </a:spcBef>
+              <a:spcAft>
+                <a:spcPts val="0"/>
+              </a:spcAft>
+              <a:buClr>
+                <a:schemeClr val="dk1"/>
+              </a:buClr>
+              <a:buSzPts val="1000"/>
+              <a:buFont typeface="Calibri"/>
+              <a:buChar char="●"/>
+            </a:pPr>
+            <a:r>
+              <a:rPr lang="en" sz="1000">
+                <a:solidFill>
+                  <a:schemeClr val="dk1"/>
+                </a:solidFill>
+                <a:latin typeface="Calibri"/>
+                <a:ea typeface="Calibri"/>
+                <a:cs typeface="Calibri"/>
+                <a:sym typeface="Calibri"/>
+              </a:rPr>
+              <a:t>Visual Studio IntelliCode - </a:t>
+            </a:r>
+            <a:r>
+              <a:rPr lang="en" sz="1000" u="sng">
+                <a:solidFill>
+                  <a:schemeClr val="hlink"/>
+                </a:solidFill>
+                <a:latin typeface="Calibri"/>
+                <a:ea typeface="Calibri"/>
+                <a:cs typeface="Calibri"/>
+                <a:sym typeface="Calibri"/>
+                <a:hlinkClick r:id="rId22"/>
+              </a:rPr>
+              <a:t>https://visualstudio.microsoft.com/services/intellicode</a:t>
+            </a:r>
+            <a:endParaRPr sz="1000">
+              <a:solidFill>
+                <a:schemeClr val="dk1"/>
+              </a:solidFill>
+              <a:latin typeface="Calibri"/>
+              <a:ea typeface="Calibri"/>
+              <a:cs typeface="Calibri"/>
+              <a:sym typeface="Calibri"/>
+            </a:endParaRPr>
+          </a:p>
+          <a:p>
+            <a:pPr marL="228600" lvl="0" indent="-120650" algn="l" rtl="0">
+              <a:spcBef>
+                <a:spcPts val="0"/>
+              </a:spcBef>
+              <a:spcAft>
+                <a:spcPts val="0"/>
+              </a:spcAft>
+              <a:buClr>
+                <a:schemeClr val="dk1"/>
+              </a:buClr>
+              <a:buSzPts val="1000"/>
+              <a:buFont typeface="Calibri"/>
+              <a:buChar char="●"/>
+            </a:pPr>
+            <a:r>
+              <a:rPr lang="en" sz="1000">
+                <a:solidFill>
+                  <a:schemeClr val="dk1"/>
+                </a:solidFill>
+                <a:latin typeface="Calibri"/>
+                <a:ea typeface="Calibri"/>
+                <a:cs typeface="Calibri"/>
+                <a:sym typeface="Calibri"/>
+              </a:rPr>
+              <a:t>JetBrains AI Assistant - </a:t>
+            </a:r>
+            <a:r>
+              <a:rPr lang="en" sz="1000" u="sng">
+                <a:solidFill>
+                  <a:schemeClr val="hlink"/>
+                </a:solidFill>
+                <a:latin typeface="Calibri"/>
+                <a:ea typeface="Calibri"/>
+                <a:cs typeface="Calibri"/>
+                <a:sym typeface="Calibri"/>
+                <a:hlinkClick r:id="rId23"/>
+              </a:rPr>
+              <a:t>https://www.jetbrains.com/ai/</a:t>
+            </a:r>
+            <a:r>
+              <a:rPr lang="en" sz="1000">
+                <a:solidFill>
+                  <a:schemeClr val="dk1"/>
+                </a:solidFill>
+                <a:latin typeface="Calibri"/>
+                <a:ea typeface="Calibri"/>
+                <a:cs typeface="Calibri"/>
+                <a:sym typeface="Calibri"/>
+              </a:rPr>
+              <a:t> </a:t>
+            </a:r>
+            <a:endParaRPr sz="1000">
+              <a:solidFill>
+                <a:schemeClr val="dk1"/>
+              </a:solidFill>
+              <a:latin typeface="Calibri"/>
+              <a:ea typeface="Calibri"/>
+              <a:cs typeface="Calibri"/>
+              <a:sym typeface="Calibri"/>
+            </a:endParaRPr>
+          </a:p>
+          <a:p>
+            <a:pPr marL="228600" lvl="0" indent="-120650" algn="l" rtl="0">
+              <a:spcBef>
+                <a:spcPts val="0"/>
+              </a:spcBef>
+              <a:spcAft>
+                <a:spcPts val="0"/>
+              </a:spcAft>
+              <a:buClr>
+                <a:schemeClr val="dk1"/>
+              </a:buClr>
+              <a:buSzPts val="1000"/>
+              <a:buFont typeface="Calibri"/>
+              <a:buChar char="●"/>
+            </a:pPr>
+            <a:r>
+              <a:rPr lang="en" sz="1000">
+                <a:solidFill>
+                  <a:schemeClr val="dk1"/>
+                </a:solidFill>
+                <a:latin typeface="Calibri"/>
+                <a:ea typeface="Calibri"/>
+                <a:cs typeface="Calibri"/>
+                <a:sym typeface="Calibri"/>
+              </a:rPr>
+              <a:t>CodeRabbit - </a:t>
+            </a:r>
+            <a:r>
+              <a:rPr lang="en" sz="1000" u="sng">
+                <a:solidFill>
+                  <a:schemeClr val="hlink"/>
+                </a:solidFill>
+                <a:latin typeface="Calibri"/>
+                <a:ea typeface="Calibri"/>
+                <a:cs typeface="Calibri"/>
+                <a:sym typeface="Calibri"/>
+                <a:hlinkClick r:id="rId24"/>
+              </a:rPr>
+              <a:t>https://www.coderabbit.ai</a:t>
+            </a:r>
+            <a:r>
+              <a:rPr lang="en" sz="1000">
+                <a:solidFill>
+                  <a:schemeClr val="dk1"/>
+                </a:solidFill>
+                <a:latin typeface="Calibri"/>
+                <a:ea typeface="Calibri"/>
+                <a:cs typeface="Calibri"/>
+                <a:sym typeface="Calibri"/>
+              </a:rPr>
+              <a:t> - code review</a:t>
+            </a:r>
+            <a:endParaRPr sz="1000">
+              <a:solidFill>
+                <a:schemeClr val="dk1"/>
+              </a:solidFill>
+              <a:latin typeface="Calibri"/>
+              <a:ea typeface="Calibri"/>
+              <a:cs typeface="Calibri"/>
+              <a:sym typeface="Calibri"/>
+            </a:endParaRPr>
+          </a:p>
+          <a:p>
+            <a:pPr marL="228600" lvl="0" indent="-120650" algn="l" rtl="0">
+              <a:spcBef>
+                <a:spcPts val="0"/>
+              </a:spcBef>
+              <a:spcAft>
+                <a:spcPts val="0"/>
+              </a:spcAft>
+              <a:buClr>
+                <a:schemeClr val="dk1"/>
+              </a:buClr>
+              <a:buSzPts val="1000"/>
+              <a:buFont typeface="Calibri"/>
+              <a:buChar char="●"/>
+            </a:pPr>
+            <a:r>
+              <a:rPr lang="en" sz="1000">
+                <a:solidFill>
+                  <a:schemeClr val="dk1"/>
+                </a:solidFill>
+                <a:latin typeface="Calibri"/>
+                <a:ea typeface="Calibri"/>
+                <a:cs typeface="Calibri"/>
+                <a:sym typeface="Calibri"/>
+              </a:rPr>
+              <a:t>Codiga - </a:t>
+            </a:r>
+            <a:r>
+              <a:rPr lang="en" sz="1000" u="sng">
+                <a:solidFill>
+                  <a:schemeClr val="hlink"/>
+                </a:solidFill>
+                <a:latin typeface="Calibri"/>
+                <a:ea typeface="Calibri"/>
+                <a:cs typeface="Calibri"/>
+                <a:sym typeface="Calibri"/>
+                <a:hlinkClick r:id="rId25"/>
+              </a:rPr>
+              <a:t>https://www.codiga.io</a:t>
+            </a:r>
+            <a:r>
+              <a:rPr lang="en" sz="1000">
+                <a:solidFill>
+                  <a:schemeClr val="dk1"/>
+                </a:solidFill>
+                <a:latin typeface="Calibri"/>
+                <a:ea typeface="Calibri"/>
+                <a:cs typeface="Calibri"/>
+                <a:sym typeface="Calibri"/>
+              </a:rPr>
+              <a:t> - code analysis, completion, review</a:t>
+            </a:r>
+            <a:endParaRPr sz="1000">
+              <a:solidFill>
+                <a:schemeClr val="dk1"/>
+              </a:solidFill>
+              <a:latin typeface="Calibri"/>
+              <a:ea typeface="Calibri"/>
+              <a:cs typeface="Calibri"/>
+              <a:sym typeface="Calibri"/>
+            </a:endParaRPr>
+          </a:p>
+          <a:p>
+            <a:pPr marL="228600" lvl="0" indent="-120650" algn="l" rtl="0">
+              <a:spcBef>
+                <a:spcPts val="0"/>
+              </a:spcBef>
+              <a:spcAft>
+                <a:spcPts val="0"/>
+              </a:spcAft>
+              <a:buClr>
+                <a:schemeClr val="dk1"/>
+              </a:buClr>
+              <a:buSzPts val="1000"/>
+              <a:buFont typeface="Calibri"/>
+              <a:buChar char="●"/>
+            </a:pPr>
+            <a:r>
+              <a:rPr lang="en" sz="1000">
+                <a:solidFill>
+                  <a:schemeClr val="dk1"/>
+                </a:solidFill>
+                <a:latin typeface="Calibri"/>
+                <a:ea typeface="Calibri"/>
+                <a:cs typeface="Calibri"/>
+                <a:sym typeface="Calibri"/>
+              </a:rPr>
+              <a:t>Pixee - </a:t>
+            </a:r>
+            <a:r>
+              <a:rPr lang="en" sz="1000" u="sng">
+                <a:solidFill>
+                  <a:schemeClr val="hlink"/>
+                </a:solidFill>
+                <a:latin typeface="Calibri"/>
+                <a:ea typeface="Calibri"/>
+                <a:cs typeface="Calibri"/>
+                <a:sym typeface="Calibri"/>
+                <a:hlinkClick r:id="rId26"/>
+              </a:rPr>
+              <a:t>https://www.pixee.ai</a:t>
+            </a:r>
+            <a:r>
+              <a:rPr lang="en" sz="1000">
+                <a:solidFill>
+                  <a:schemeClr val="dk1"/>
+                </a:solidFill>
+                <a:latin typeface="Calibri"/>
+                <a:ea typeface="Calibri"/>
+                <a:cs typeface="Calibri"/>
+                <a:sym typeface="Calibri"/>
+              </a:rPr>
+              <a:t> - code quality/security</a:t>
+            </a:r>
+            <a:endParaRPr sz="1000">
+              <a:solidFill>
+                <a:schemeClr val="dk1"/>
+              </a:solidFill>
+              <a:latin typeface="Calibri"/>
+              <a:ea typeface="Calibri"/>
+              <a:cs typeface="Calibri"/>
+              <a:sym typeface="Calibri"/>
+            </a:endParaRPr>
+          </a:p>
+          <a:p>
+            <a:pPr marL="228600" lvl="0" indent="-120650" algn="l" rtl="0">
+              <a:spcBef>
+                <a:spcPts val="0"/>
+              </a:spcBef>
+              <a:spcAft>
+                <a:spcPts val="0"/>
+              </a:spcAft>
+              <a:buClr>
+                <a:schemeClr val="dk1"/>
+              </a:buClr>
+              <a:buSzPts val="1000"/>
+              <a:buFont typeface="Calibri"/>
+              <a:buChar char="●"/>
+            </a:pPr>
+            <a:r>
+              <a:rPr lang="en" sz="1000">
+                <a:solidFill>
+                  <a:schemeClr val="dk1"/>
+                </a:solidFill>
+                <a:latin typeface="Calibri"/>
+                <a:ea typeface="Calibri"/>
+                <a:cs typeface="Calibri"/>
+                <a:sym typeface="Calibri"/>
+              </a:rPr>
+              <a:t>Sourcery - </a:t>
+            </a:r>
+            <a:r>
+              <a:rPr lang="en" sz="1000" u="sng">
+                <a:solidFill>
+                  <a:schemeClr val="hlink"/>
+                </a:solidFill>
+                <a:latin typeface="Calibri"/>
+                <a:ea typeface="Calibri"/>
+                <a:cs typeface="Calibri"/>
+                <a:sym typeface="Calibri"/>
+                <a:hlinkClick r:id="rId27"/>
+              </a:rPr>
+              <a:t>https://sourcery.ai</a:t>
+            </a:r>
+            <a:r>
+              <a:rPr lang="en" sz="1000">
+                <a:solidFill>
+                  <a:schemeClr val="dk1"/>
+                </a:solidFill>
+                <a:latin typeface="Calibri"/>
+                <a:ea typeface="Calibri"/>
+                <a:cs typeface="Calibri"/>
+                <a:sym typeface="Calibri"/>
+              </a:rPr>
+              <a:t> - real time refactoring</a:t>
+            </a:r>
+            <a:endParaRPr sz="1000">
+              <a:solidFill>
+                <a:schemeClr val="dk1"/>
+              </a:solidFill>
+              <a:latin typeface="Calibri"/>
+              <a:ea typeface="Calibri"/>
+              <a:cs typeface="Calibri"/>
+              <a:sym typeface="Calibri"/>
+            </a:endParaRPr>
+          </a:p>
+          <a:p>
+            <a:pPr marL="228600" lvl="0" indent="-120650" algn="l" rtl="0">
+              <a:spcBef>
+                <a:spcPts val="0"/>
+              </a:spcBef>
+              <a:spcAft>
+                <a:spcPts val="0"/>
+              </a:spcAft>
+              <a:buClr>
+                <a:schemeClr val="dk1"/>
+              </a:buClr>
+              <a:buSzPts val="1000"/>
+              <a:buFont typeface="Calibri"/>
+              <a:buChar char="●"/>
+            </a:pPr>
+            <a:r>
+              <a:rPr lang="en" sz="1000">
+                <a:solidFill>
+                  <a:schemeClr val="dk1"/>
+                </a:solidFill>
+                <a:latin typeface="Calibri"/>
+                <a:ea typeface="Calibri"/>
+                <a:cs typeface="Calibri"/>
+                <a:sym typeface="Calibri"/>
+              </a:rPr>
+              <a:t>FauxPilot - </a:t>
+            </a:r>
+            <a:r>
+              <a:rPr lang="en" sz="1000" u="sng">
+                <a:solidFill>
+                  <a:schemeClr val="hlink"/>
+                </a:solidFill>
+                <a:latin typeface="Calibri"/>
+                <a:ea typeface="Calibri"/>
+                <a:cs typeface="Calibri"/>
+                <a:sym typeface="Calibri"/>
+                <a:hlinkClick r:id="rId28"/>
+              </a:rPr>
+              <a:t>https://github.com/fauxpilot/fauxpilot</a:t>
+            </a:r>
+            <a:r>
+              <a:rPr lang="en" sz="1000">
+                <a:solidFill>
+                  <a:schemeClr val="dk1"/>
+                </a:solidFill>
+                <a:latin typeface="Calibri"/>
+                <a:ea typeface="Calibri"/>
+                <a:cs typeface="Calibri"/>
+                <a:sym typeface="Calibri"/>
+              </a:rPr>
+              <a:t> - open-source copilot alternative</a:t>
+            </a:r>
+            <a:endParaRPr sz="1000">
+              <a:solidFill>
+                <a:schemeClr val="dk1"/>
+              </a:solidFill>
+              <a:latin typeface="Calibri"/>
+              <a:ea typeface="Calibri"/>
+              <a:cs typeface="Calibri"/>
+              <a:sym typeface="Calibri"/>
+            </a:endParaRPr>
+          </a:p>
+          <a:p>
+            <a:pPr marL="228600" lvl="0" indent="-120650" algn="l" rtl="0">
+              <a:spcBef>
+                <a:spcPts val="0"/>
+              </a:spcBef>
+              <a:spcAft>
+                <a:spcPts val="0"/>
+              </a:spcAft>
+              <a:buClr>
+                <a:schemeClr val="dk1"/>
+              </a:buClr>
+              <a:buSzPts val="1000"/>
+              <a:buFont typeface="Calibri"/>
+              <a:buChar char="●"/>
+            </a:pPr>
+            <a:r>
+              <a:rPr lang="en" sz="1000">
+                <a:solidFill>
+                  <a:schemeClr val="dk1"/>
+                </a:solidFill>
+                <a:latin typeface="Calibri"/>
+                <a:ea typeface="Calibri"/>
+                <a:cs typeface="Calibri"/>
+                <a:sym typeface="Calibri"/>
+              </a:rPr>
+              <a:t>Tabby - </a:t>
+            </a:r>
+            <a:r>
+              <a:rPr lang="en" sz="1000" u="sng">
+                <a:solidFill>
+                  <a:schemeClr val="hlink"/>
+                </a:solidFill>
+                <a:latin typeface="Calibri"/>
+                <a:ea typeface="Calibri"/>
+                <a:cs typeface="Calibri"/>
+                <a:sym typeface="Calibri"/>
+                <a:hlinkClick r:id="rId29"/>
+              </a:rPr>
+              <a:t>https://github.com/TabbyML/tabby</a:t>
+            </a:r>
+            <a:r>
+              <a:rPr lang="en" sz="1000">
+                <a:solidFill>
+                  <a:schemeClr val="dk1"/>
+                </a:solidFill>
+                <a:latin typeface="Calibri"/>
+                <a:ea typeface="Calibri"/>
+                <a:cs typeface="Calibri"/>
+                <a:sym typeface="Calibri"/>
+              </a:rPr>
+              <a:t> - open-source</a:t>
+            </a:r>
+            <a:endParaRPr sz="1000">
+              <a:solidFill>
+                <a:schemeClr val="dk1"/>
+              </a:solidFill>
+              <a:latin typeface="Calibri"/>
+              <a:ea typeface="Calibri"/>
+              <a:cs typeface="Calibri"/>
+              <a:sym typeface="Calibri"/>
+            </a:endParaRPr>
+          </a:p>
+        </p:txBody>
+      </p:sp>
+      <p:sp>
+        <p:nvSpPr>
+          <p:cNvPr id="208" name="Google Shape;208;p29"/>
+          <p:cNvSpPr txBox="1"/>
+          <p:nvPr/>
+        </p:nvSpPr>
+        <p:spPr>
+          <a:xfrm>
+            <a:off x="95550" y="587325"/>
+            <a:ext cx="2733300" cy="480300"/>
+          </a:xfrm>
+          <a:prstGeom prst="rect">
+            <a:avLst/>
+          </a:prstGeom>
+          <a:solidFill>
+            <a:srgbClr val="FCE5CD"/>
+          </a:solidFill>
+          <a:ln w="9525" cap="flat" cmpd="sng">
+            <a:solidFill>
+              <a:srgbClr val="FF0000"/>
+            </a:solidFill>
+            <a:prstDash val="solid"/>
+            <a:round/>
+            <a:headEnd type="none" w="sm" len="sm"/>
+            <a:tailEnd type="none" w="sm" len="sm"/>
+          </a:ln>
+        </p:spPr>
+        <p:txBody>
+          <a:bodyPr spcFirstLastPara="1" wrap="square" lIns="9125" tIns="9125" rIns="9125" bIns="9125" anchor="t" anchorCtr="0">
+            <a:spAutoFit/>
+          </a:bodyPr>
+          <a:lstStyle/>
+          <a:p>
+            <a:pPr marL="0" lvl="0" indent="0" algn="l" rtl="0">
+              <a:spcBef>
+                <a:spcPts val="0"/>
+              </a:spcBef>
+              <a:spcAft>
+                <a:spcPts val="0"/>
+              </a:spcAft>
+              <a:buNone/>
+            </a:pPr>
+            <a:r>
+              <a:rPr lang="en" sz="1000" b="1">
+                <a:solidFill>
+                  <a:srgbClr val="FF0000"/>
+                </a:solidFill>
+                <a:latin typeface="Calibri"/>
+                <a:ea typeface="Calibri"/>
+                <a:cs typeface="Calibri"/>
+                <a:sym typeface="Calibri"/>
+              </a:rPr>
+              <a:t>90% of Code will be written by AI in 3-6 months</a:t>
+            </a:r>
+            <a:endParaRPr sz="1000" b="1">
+              <a:solidFill>
+                <a:srgbClr val="FF0000"/>
+              </a:solidFill>
+              <a:latin typeface="Calibri"/>
+              <a:ea typeface="Calibri"/>
+              <a:cs typeface="Calibri"/>
+              <a:sym typeface="Calibri"/>
+            </a:endParaRPr>
+          </a:p>
+          <a:p>
+            <a:pPr marL="0" lvl="0" indent="0" algn="l" rtl="0">
+              <a:spcBef>
+                <a:spcPts val="0"/>
+              </a:spcBef>
+              <a:spcAft>
+                <a:spcPts val="0"/>
+              </a:spcAft>
+              <a:buNone/>
+            </a:pPr>
+            <a:r>
+              <a:rPr lang="en" sz="1000" b="1">
+                <a:solidFill>
+                  <a:srgbClr val="FF0000"/>
+                </a:solidFill>
+                <a:latin typeface="Calibri"/>
+                <a:ea typeface="Calibri"/>
+                <a:cs typeface="Calibri"/>
+                <a:sym typeface="Calibri"/>
+              </a:rPr>
+              <a:t>100% in 12 months</a:t>
+            </a:r>
+            <a:endParaRPr sz="1000" b="1">
+              <a:solidFill>
+                <a:srgbClr val="FF0000"/>
+              </a:solidFill>
+              <a:latin typeface="Calibri"/>
+              <a:ea typeface="Calibri"/>
+              <a:cs typeface="Calibri"/>
+              <a:sym typeface="Calibri"/>
+            </a:endParaRPr>
+          </a:p>
+          <a:p>
+            <a:pPr marL="0" lvl="0" indent="0" algn="l" rtl="0">
+              <a:spcBef>
+                <a:spcPts val="0"/>
+              </a:spcBef>
+              <a:spcAft>
+                <a:spcPts val="0"/>
+              </a:spcAft>
+              <a:buNone/>
+            </a:pPr>
+            <a:r>
+              <a:rPr lang="en" sz="1000" b="1">
+                <a:solidFill>
+                  <a:srgbClr val="FF0000"/>
+                </a:solidFill>
+                <a:latin typeface="Calibri"/>
+                <a:ea typeface="Calibri"/>
+                <a:cs typeface="Calibri"/>
+                <a:sym typeface="Calibri"/>
+              </a:rPr>
+              <a:t>  - Dario Amodei, Anthropic CEO</a:t>
+            </a:r>
+            <a:endParaRPr sz="1000" b="1">
+              <a:solidFill>
+                <a:srgbClr val="FF0000"/>
+              </a:solidFill>
+              <a:latin typeface="Calibri"/>
+              <a:ea typeface="Calibri"/>
+              <a:cs typeface="Calibri"/>
+              <a:sym typeface="Calibri"/>
+            </a:endParaRPr>
+          </a:p>
+        </p:txBody>
+      </p:sp>
+      <p:sp>
+        <p:nvSpPr>
+          <p:cNvPr id="209" name="Google Shape;209;p29"/>
           <p:cNvSpPr txBox="1"/>
           <p:nvPr/>
         </p:nvSpPr>
@@ -18280,7 +20638,7 @@
                 <a:cs typeface="Calibri"/>
                 <a:sym typeface="Calibri"/>
               </a:rPr>
-              <a:t>Lovable AI</a:t>
+              <a:t>AI Coding Assistants</a:t>
             </a:r>
             <a:endParaRPr sz="2000" b="1">
               <a:solidFill>
@@ -18296,7 +20654,279 @@
       </p:sp>
       <p:sp>
         <p:nvSpPr>
-          <p:cNvPr id="207" name="Google Shape;207;p29"/>
+          <p:cNvPr id="210" name="Google Shape;210;p29"/>
+          <p:cNvSpPr txBox="1"/>
+          <p:nvPr/>
+        </p:nvSpPr>
+        <p:spPr>
+          <a:xfrm>
+            <a:off x="95550" y="3559475"/>
+            <a:ext cx="3225600" cy="480300"/>
+          </a:xfrm>
+          <a:prstGeom prst="rect">
+            <a:avLst/>
+          </a:prstGeom>
+          <a:solidFill>
+            <a:srgbClr val="FCE5CD"/>
+          </a:solidFill>
+          <a:ln w="9525" cap="flat" cmpd="sng">
+            <a:solidFill>
+              <a:srgbClr val="FF0000"/>
+            </a:solidFill>
+            <a:prstDash val="solid"/>
+            <a:round/>
+            <a:headEnd type="none" w="sm" len="sm"/>
+            <a:tailEnd type="none" w="sm" len="sm"/>
+          </a:ln>
+        </p:spPr>
+        <p:txBody>
+          <a:bodyPr spcFirstLastPara="1" wrap="square" lIns="9125" tIns="9125" rIns="9125" bIns="9125" anchor="t" anchorCtr="0">
+            <a:spAutoFit/>
+          </a:bodyPr>
+          <a:lstStyle/>
+          <a:p>
+            <a:pPr marL="228600" lvl="0" indent="-120650" algn="l" rtl="0">
+              <a:spcBef>
+                <a:spcPts val="0"/>
+              </a:spcBef>
+              <a:spcAft>
+                <a:spcPts val="0"/>
+              </a:spcAft>
+              <a:buClr>
+                <a:schemeClr val="dk1"/>
+              </a:buClr>
+              <a:buSzPts val="1000"/>
+              <a:buFont typeface="Calibri"/>
+              <a:buAutoNum type="arabicPeriod"/>
+            </a:pPr>
+            <a:r>
+              <a:rPr lang="en" sz="1000">
+                <a:solidFill>
+                  <a:schemeClr val="dk1"/>
+                </a:solidFill>
+                <a:latin typeface="Calibri"/>
+                <a:ea typeface="Calibri"/>
+                <a:cs typeface="Calibri"/>
+                <a:sym typeface="Calibri"/>
+              </a:rPr>
+              <a:t>Human Coding</a:t>
+            </a:r>
+            <a:endParaRPr sz="1000">
+              <a:solidFill>
+                <a:schemeClr val="dk1"/>
+              </a:solidFill>
+              <a:latin typeface="Calibri"/>
+              <a:ea typeface="Calibri"/>
+              <a:cs typeface="Calibri"/>
+              <a:sym typeface="Calibri"/>
+            </a:endParaRPr>
+          </a:p>
+          <a:p>
+            <a:pPr marL="228600" lvl="0" indent="-120650" algn="l" rtl="0">
+              <a:spcBef>
+                <a:spcPts val="0"/>
+              </a:spcBef>
+              <a:spcAft>
+                <a:spcPts val="0"/>
+              </a:spcAft>
+              <a:buClr>
+                <a:schemeClr val="dk1"/>
+              </a:buClr>
+              <a:buSzPts val="1000"/>
+              <a:buFont typeface="Calibri"/>
+              <a:buAutoNum type="arabicPeriod"/>
+            </a:pPr>
+            <a:r>
+              <a:rPr lang="en" sz="1000">
+                <a:solidFill>
+                  <a:schemeClr val="dk1"/>
+                </a:solidFill>
+                <a:latin typeface="Calibri"/>
+                <a:ea typeface="Calibri"/>
+                <a:cs typeface="Calibri"/>
+                <a:sym typeface="Calibri"/>
+              </a:rPr>
+              <a:t>AI Assisted Coding (Copilot)</a:t>
+            </a:r>
+            <a:endParaRPr sz="1000">
+              <a:solidFill>
+                <a:schemeClr val="dk1"/>
+              </a:solidFill>
+              <a:latin typeface="Calibri"/>
+              <a:ea typeface="Calibri"/>
+              <a:cs typeface="Calibri"/>
+              <a:sym typeface="Calibri"/>
+            </a:endParaRPr>
+          </a:p>
+          <a:p>
+            <a:pPr marL="228600" lvl="0" indent="-120650" algn="l" rtl="0">
+              <a:spcBef>
+                <a:spcPts val="0"/>
+              </a:spcBef>
+              <a:spcAft>
+                <a:spcPts val="0"/>
+              </a:spcAft>
+              <a:buClr>
+                <a:schemeClr val="dk1"/>
+              </a:buClr>
+              <a:buSzPts val="1000"/>
+              <a:buFont typeface="Calibri"/>
+              <a:buAutoNum type="arabicPeriod"/>
+            </a:pPr>
+            <a:r>
+              <a:rPr lang="en" sz="1000">
+                <a:solidFill>
+                  <a:schemeClr val="dk1"/>
+                </a:solidFill>
+                <a:latin typeface="Calibri"/>
+                <a:ea typeface="Calibri"/>
+                <a:cs typeface="Calibri"/>
+                <a:sym typeface="Calibri"/>
+              </a:rPr>
+              <a:t>Vibe Coding (AI writes the whole app from description)</a:t>
+            </a:r>
+            <a:endParaRPr sz="1000">
+              <a:solidFill>
+                <a:schemeClr val="dk1"/>
+              </a:solidFill>
+              <a:latin typeface="Calibri"/>
+              <a:ea typeface="Calibri"/>
+              <a:cs typeface="Calibri"/>
+              <a:sym typeface="Calibri"/>
+            </a:endParaRPr>
+          </a:p>
+        </p:txBody>
+      </p:sp>
+      <p:pic>
+        <p:nvPicPr>
+          <p:cNvPr id="211" name="Google Shape;211;p29"/>
+          <p:cNvPicPr preferRelativeResize="0"/>
+          <p:nvPr/>
+        </p:nvPicPr>
+        <p:blipFill>
+          <a:blip r:embed="rId30" cstate="email">
+            <a:alphaModFix/>
+            <a:extLst>
+              <a:ext uri="{28A0092B-C50C-407E-A947-70E740481C1C}">
+                <a14:useLocalDpi xmlns:a14="http://schemas.microsoft.com/office/drawing/2010/main"/>
+              </a:ext>
+            </a:extLst>
+          </a:blip>
+          <a:stretch>
+            <a:fillRect/>
+          </a:stretch>
+        </p:blipFill>
+        <p:spPr>
+          <a:xfrm>
+            <a:off x="444825" y="1175025"/>
+            <a:ext cx="1811197" cy="1767175"/>
+          </a:xfrm>
+          <a:prstGeom prst="rect">
+            <a:avLst/>
+          </a:prstGeom>
+          <a:noFill/>
+          <a:ln w="9525" cap="flat" cmpd="sng">
+            <a:solidFill>
+              <a:srgbClr val="FF0000"/>
+            </a:solidFill>
+            <a:prstDash val="solid"/>
+            <a:round/>
+            <a:headEnd type="none" w="sm" len="sm"/>
+            <a:tailEnd type="none" w="sm" len="sm"/>
+          </a:ln>
+        </p:spPr>
+      </p:pic>
+    </p:spTree>
+  </p:cSld>
+  <p:clrMapOvr>
+    <a:masterClrMapping/>
+  </p:clrMapOvr>
+</p:sld>
+</file>
+
+<file path=ppt/slides/slide16.xml><?xml version="1.0" encoding="utf-8"?>
+<p:sld xmlns:a="http://schemas.openxmlformats.org/drawingml/2006/main" xmlns:r="http://schemas.openxmlformats.org/officeDocument/2006/relationships" xmlns:p="http://schemas.openxmlformats.org/presentationml/2006/main">
+  <p:cSld>
+    <p:spTree>
+      <p:nvGrpSpPr>
+        <p:cNvPr id="1" name="Shape 215"/>
+        <p:cNvGrpSpPr/>
+        <p:nvPr/>
+      </p:nvGrpSpPr>
+      <p:grpSpPr>
+        <a:xfrm>
+          <a:off x="0" y="0"/>
+          <a:ext cx="0" cy="0"/>
+          <a:chOff x="0" y="0"/>
+          <a:chExt cx="0" cy="0"/>
+        </a:xfrm>
+      </p:grpSpPr>
+      <p:sp>
+        <p:nvSpPr>
+          <p:cNvPr id="216" name="Google Shape;216;p30"/>
+          <p:cNvSpPr txBox="1"/>
+          <p:nvPr/>
+        </p:nvSpPr>
+        <p:spPr>
+          <a:xfrm>
+            <a:off x="55075" y="52750"/>
+            <a:ext cx="2448300" cy="326400"/>
+          </a:xfrm>
+          <a:prstGeom prst="rect">
+            <a:avLst/>
+          </a:prstGeom>
+          <a:noFill/>
+          <a:ln>
+            <a:noFill/>
+          </a:ln>
+        </p:spPr>
+        <p:txBody>
+          <a:bodyPr spcFirstLastPara="1" wrap="square" lIns="9125" tIns="9125" rIns="9125" bIns="9125" anchor="t" anchorCtr="0">
+            <a:spAutoFit/>
+          </a:bodyPr>
+          <a:lstStyle/>
+          <a:p>
+            <a:pPr marL="0" lvl="0" indent="0" algn="l" rtl="0">
+              <a:spcBef>
+                <a:spcPts val="0"/>
+              </a:spcBef>
+              <a:spcAft>
+                <a:spcPts val="0"/>
+              </a:spcAft>
+              <a:buClr>
+                <a:schemeClr val="dk1"/>
+              </a:buClr>
+              <a:buSzPts val="1100"/>
+              <a:buFont typeface="Arial"/>
+              <a:buNone/>
+            </a:pPr>
+            <a:r>
+              <a:rPr lang="en" sz="2000" b="1">
+                <a:solidFill>
+                  <a:schemeClr val="dk1"/>
+                </a:solidFill>
+                <a:latin typeface="Calibri"/>
+                <a:ea typeface="Calibri"/>
+                <a:cs typeface="Calibri"/>
+                <a:sym typeface="Calibri"/>
+              </a:rPr>
+              <a:t>Lovable AI</a:t>
+            </a:r>
+            <a:endParaRPr sz="2000" b="1">
+              <a:solidFill>
+                <a:schemeClr val="dk1"/>
+              </a:solidFill>
+              <a:latin typeface="Calibri"/>
+              <a:ea typeface="Calibri"/>
+              <a:cs typeface="Calibri"/>
+              <a:sym typeface="Calibri"/>
+            </a:endParaRPr>
+          </a:p>
+        </p:txBody>
+      </p:sp>
+      <p:sp>
+        <p:nvSpPr>
+          <p:cNvPr id="217" name="Google Shape;217;p30"/>
           <p:cNvSpPr txBox="1"/>
           <p:nvPr/>
         </p:nvSpPr>
@@ -18788,13 +21418,18 @@
       </p:sp>
       <p:pic>
         <p:nvPicPr>
-          <p:cNvPr id="208" name="Google Shape;208;p29"/>
+          <p:cNvPr id="218" name="Google Shape;218;p30"/>
           <p:cNvPicPr preferRelativeResize="0"/>
           <p:nvPr/>
         </p:nvPicPr>
         <p:blipFill>
-          <a:blip r:embed="rId8">
+          <a:blip r:embed="rId8" cstate="email">
             <a:alphaModFix/>
+            <a:extLst>
+              <a:ext uri="{28A0092B-C50C-407E-A947-70E740481C1C}">
+                <a14:useLocalDpi xmlns:a14="http://schemas.microsoft.com/office/drawing/2010/main"/>
+              </a:ext>
+            </a:extLst>
           </a:blip>
           <a:stretch>
             <a:fillRect/>
@@ -18802,8 +21437,8 @@
         </p:blipFill>
         <p:spPr>
           <a:xfrm>
-            <a:off x="4592200" y="112750"/>
-            <a:ext cx="2857500" cy="1600200"/>
+            <a:off x="4599548" y="98054"/>
+            <a:ext cx="2204575" cy="1234550"/>
           </a:xfrm>
           <a:prstGeom prst="rect">
             <a:avLst/>
@@ -18822,7 +21457,7 @@
       </p:pic>
       <p:pic>
         <p:nvPicPr>
-          <p:cNvPr id="209" name="Google Shape;209;p29"/>
+          <p:cNvPr id="219" name="Google Shape;219;p30"/>
           <p:cNvPicPr preferRelativeResize="0"/>
           <p:nvPr/>
         </p:nvPicPr>
@@ -18841,8 +21476,8 @@
         </p:blipFill>
         <p:spPr>
           <a:xfrm>
-            <a:off x="4605695" y="1804300"/>
-            <a:ext cx="3642051" cy="3186799"/>
+            <a:off x="4605701" y="1396082"/>
+            <a:ext cx="4083400" cy="3572975"/>
           </a:xfrm>
           <a:prstGeom prst="rect">
             <a:avLst/>
@@ -18867,12 +21502,12 @@
 </p:sld>
 </file>
 
-<file path=ppt/slides/slide16.xml><?xml version="1.0" encoding="utf-8"?>
+<file path=ppt/slides/slide17.xml><?xml version="1.0" encoding="utf-8"?>
 <p:sld xmlns:a="http://schemas.openxmlformats.org/drawingml/2006/main" xmlns:r="http://schemas.openxmlformats.org/officeDocument/2006/relationships" xmlns:p="http://schemas.openxmlformats.org/presentationml/2006/main">
   <p:cSld>
     <p:spTree>
       <p:nvGrpSpPr>
-        <p:cNvPr id="1" name="Shape 213"/>
+        <p:cNvPr id="1" name="Shape 223"/>
         <p:cNvGrpSpPr/>
         <p:nvPr/>
       </p:nvGrpSpPr>
@@ -18886,7 +21521,1378 @@
       </p:grpSpPr>
       <p:sp>
         <p:nvSpPr>
-          <p:cNvPr id="214" name="Google Shape;214;p30"/>
+          <p:cNvPr id="224" name="Google Shape;224;p31"/>
+          <p:cNvSpPr txBox="1"/>
+          <p:nvPr/>
+        </p:nvSpPr>
+        <p:spPr>
+          <a:xfrm>
+            <a:off x="55075" y="52750"/>
+            <a:ext cx="1289700" cy="326400"/>
+          </a:xfrm>
+          <a:prstGeom prst="rect">
+            <a:avLst/>
+          </a:prstGeom>
+          <a:noFill/>
+          <a:ln>
+            <a:noFill/>
+          </a:ln>
+        </p:spPr>
+        <p:txBody>
+          <a:bodyPr spcFirstLastPara="1" wrap="square" lIns="9125" tIns="9125" rIns="9125" bIns="9125" anchor="t" anchorCtr="0">
+            <a:spAutoFit/>
+          </a:bodyPr>
+          <a:lstStyle/>
+          <a:p>
+            <a:pPr marL="0" lvl="0" indent="0" algn="l" rtl="0">
+              <a:spcBef>
+                <a:spcPts val="0"/>
+              </a:spcBef>
+              <a:spcAft>
+                <a:spcPts val="0"/>
+              </a:spcAft>
+              <a:buClr>
+                <a:schemeClr val="dk1"/>
+              </a:buClr>
+              <a:buSzPts val="1100"/>
+              <a:buFont typeface="Arial"/>
+              <a:buNone/>
+            </a:pPr>
+            <a:r>
+              <a:rPr lang="en" sz="2000" b="1">
+                <a:solidFill>
+                  <a:schemeClr val="dk1"/>
+                </a:solidFill>
+                <a:latin typeface="Calibri"/>
+                <a:ea typeface="Calibri"/>
+                <a:cs typeface="Calibri"/>
+                <a:sym typeface="Calibri"/>
+              </a:rPr>
+              <a:t>Bolt.new</a:t>
+            </a:r>
+            <a:endParaRPr sz="2000" b="1">
+              <a:solidFill>
+                <a:schemeClr val="dk1"/>
+              </a:solidFill>
+              <a:latin typeface="Calibri"/>
+              <a:ea typeface="Calibri"/>
+              <a:cs typeface="Calibri"/>
+              <a:sym typeface="Calibri"/>
+            </a:endParaRPr>
+          </a:p>
+        </p:txBody>
+      </p:sp>
+      <p:sp>
+        <p:nvSpPr>
+          <p:cNvPr id="225" name="Google Shape;225;p31"/>
+          <p:cNvSpPr txBox="1"/>
+          <p:nvPr/>
+        </p:nvSpPr>
+        <p:spPr>
+          <a:xfrm>
+            <a:off x="55075" y="400750"/>
+            <a:ext cx="4530000" cy="4590000"/>
+          </a:xfrm>
+          <a:prstGeom prst="rect">
+            <a:avLst/>
+          </a:prstGeom>
+          <a:solidFill>
+            <a:srgbClr val="FFF2CC"/>
+          </a:solidFill>
+          <a:ln w="9525" cap="flat" cmpd="sng">
+            <a:solidFill>
+              <a:srgbClr val="FF0000"/>
+            </a:solidFill>
+            <a:prstDash val="solid"/>
+            <a:round/>
+            <a:headEnd type="none" w="sm" len="sm"/>
+            <a:tailEnd type="none" w="sm" len="sm"/>
+          </a:ln>
+        </p:spPr>
+        <p:txBody>
+          <a:bodyPr spcFirstLastPara="1" wrap="square" lIns="9125" tIns="9125" rIns="9125" bIns="9125" anchor="t" anchorCtr="0">
+            <a:spAutoFit/>
+          </a:bodyPr>
+          <a:lstStyle/>
+          <a:p>
+            <a:pPr marL="171450" lvl="0" indent="-127000" algn="l" rtl="0">
+              <a:spcBef>
+                <a:spcPts val="0"/>
+              </a:spcBef>
+              <a:spcAft>
+                <a:spcPts val="0"/>
+              </a:spcAft>
+              <a:buSzPts val="1100"/>
+              <a:buFont typeface="Calibri"/>
+              <a:buChar char="●"/>
+            </a:pPr>
+            <a:r>
+              <a:rPr lang="en" sz="1100">
+                <a:solidFill>
+                  <a:schemeClr val="dk1"/>
+                </a:solidFill>
+                <a:latin typeface="Calibri"/>
+                <a:ea typeface="Calibri"/>
+                <a:cs typeface="Calibri"/>
+                <a:sym typeface="Calibri"/>
+              </a:rPr>
+              <a:t>Bolt (Bolt.new) is developed by the StackBlitz team - </a:t>
+            </a:r>
+            <a:r>
+              <a:rPr lang="en" sz="1100" u="sng">
+                <a:solidFill>
+                  <a:schemeClr val="hlink"/>
+                </a:solidFill>
+                <a:latin typeface="Calibri"/>
+                <a:ea typeface="Calibri"/>
+                <a:cs typeface="Calibri"/>
+                <a:sym typeface="Calibri"/>
+                <a:hlinkClick r:id="rId3"/>
+              </a:rPr>
+              <a:t>https://stackblitz.com</a:t>
+            </a:r>
+            <a:r>
+              <a:rPr lang="en" sz="1100">
+                <a:solidFill>
+                  <a:schemeClr val="dk1"/>
+                </a:solidFill>
+                <a:latin typeface="Calibri"/>
+                <a:ea typeface="Calibri"/>
+                <a:cs typeface="Calibri"/>
+                <a:sym typeface="Calibri"/>
+              </a:rPr>
+              <a:t>  </a:t>
+            </a:r>
+            <a:endParaRPr sz="1100">
+              <a:solidFill>
+                <a:schemeClr val="dk1"/>
+              </a:solidFill>
+              <a:latin typeface="Calibri"/>
+              <a:ea typeface="Calibri"/>
+              <a:cs typeface="Calibri"/>
+              <a:sym typeface="Calibri"/>
+            </a:endParaRPr>
+          </a:p>
+          <a:p>
+            <a:pPr marL="171450" lvl="0" indent="-127000" algn="l" rtl="0">
+              <a:spcBef>
+                <a:spcPts val="0"/>
+              </a:spcBef>
+              <a:spcAft>
+                <a:spcPts val="0"/>
+              </a:spcAft>
+              <a:buSzPts val="1100"/>
+              <a:buFont typeface="Calibri"/>
+              <a:buChar char="●"/>
+            </a:pPr>
+            <a:r>
+              <a:rPr lang="en" sz="1100">
+                <a:solidFill>
+                  <a:schemeClr val="dk1"/>
+                </a:solidFill>
+                <a:latin typeface="Calibri"/>
+                <a:ea typeface="Calibri"/>
+                <a:cs typeface="Calibri"/>
+                <a:sym typeface="Calibri"/>
+              </a:rPr>
+              <a:t>Bolt provides Javascript development platform running in browser WASM (Web Assembly), and use AI (Anthropic Claude) to create Javascript apps</a:t>
+            </a:r>
+            <a:endParaRPr sz="1100">
+              <a:solidFill>
+                <a:schemeClr val="dk1"/>
+              </a:solidFill>
+              <a:latin typeface="Calibri"/>
+              <a:ea typeface="Calibri"/>
+              <a:cs typeface="Calibri"/>
+              <a:sym typeface="Calibri"/>
+            </a:endParaRPr>
+          </a:p>
+          <a:p>
+            <a:pPr marL="171450" lvl="0" indent="-127000" algn="l" rtl="0">
+              <a:spcBef>
+                <a:spcPts val="0"/>
+              </a:spcBef>
+              <a:spcAft>
+                <a:spcPts val="0"/>
+              </a:spcAft>
+              <a:buSzPts val="1100"/>
+              <a:buFont typeface="Calibri"/>
+              <a:buChar char="●"/>
+            </a:pPr>
+            <a:r>
+              <a:rPr lang="en" sz="1100">
+                <a:solidFill>
+                  <a:schemeClr val="dk1"/>
+                </a:solidFill>
+                <a:latin typeface="Calibri"/>
+                <a:ea typeface="Calibri"/>
+                <a:cs typeface="Calibri"/>
+                <a:sym typeface="Calibri"/>
+              </a:rPr>
+              <a:t>StackBlitz developed "WebContainer" objects to run in WASM in browser. When you spin-off a WebContainer in WASM, you get a virtual environment in the browser where you have a virtual file system, node.js, npm, network access - all you need to develop, test, and run web apps in a browser in a safe isolated sandbox (container). No local setup required.</a:t>
+            </a:r>
+            <a:endParaRPr sz="1100">
+              <a:solidFill>
+                <a:schemeClr val="dk1"/>
+              </a:solidFill>
+              <a:latin typeface="Calibri"/>
+              <a:ea typeface="Calibri"/>
+              <a:cs typeface="Calibri"/>
+              <a:sym typeface="Calibri"/>
+            </a:endParaRPr>
+          </a:p>
+          <a:p>
+            <a:pPr marL="171450" lvl="0" indent="-127000" algn="l" rtl="0">
+              <a:spcBef>
+                <a:spcPts val="0"/>
+              </a:spcBef>
+              <a:spcAft>
+                <a:spcPts val="0"/>
+              </a:spcAft>
+              <a:buClr>
+                <a:schemeClr val="dk1"/>
+              </a:buClr>
+              <a:buSzPts val="1100"/>
+              <a:buFont typeface="Calibri"/>
+              <a:buChar char="●"/>
+            </a:pPr>
+            <a:r>
+              <a:rPr lang="en" sz="1100">
+                <a:solidFill>
+                  <a:schemeClr val="dk1"/>
+                </a:solidFill>
+                <a:latin typeface="Calibri"/>
+                <a:ea typeface="Calibri"/>
+                <a:cs typeface="Calibri"/>
+                <a:sym typeface="Calibri"/>
+              </a:rPr>
+              <a:t>The WebContainer is probably written in Rust and is NOT open-source</a:t>
+            </a:r>
+            <a:endParaRPr sz="1100">
+              <a:solidFill>
+                <a:schemeClr val="dk1"/>
+              </a:solidFill>
+              <a:latin typeface="Calibri"/>
+              <a:ea typeface="Calibri"/>
+              <a:cs typeface="Calibri"/>
+              <a:sym typeface="Calibri"/>
+            </a:endParaRPr>
+          </a:p>
+          <a:p>
+            <a:pPr marL="171450" lvl="0" indent="-127000" algn="l" rtl="0">
+              <a:spcBef>
+                <a:spcPts val="0"/>
+              </a:spcBef>
+              <a:spcAft>
+                <a:spcPts val="0"/>
+              </a:spcAft>
+              <a:buClr>
+                <a:schemeClr val="dk1"/>
+              </a:buClr>
+              <a:buSzPts val="1100"/>
+              <a:buFont typeface="Calibri"/>
+              <a:buChar char="●"/>
+            </a:pPr>
+            <a:r>
+              <a:rPr lang="en" sz="1100" u="sng">
+                <a:solidFill>
+                  <a:schemeClr val="accent5"/>
+                </a:solidFill>
+                <a:latin typeface="Calibri"/>
+                <a:ea typeface="Calibri"/>
+                <a:cs typeface="Calibri"/>
+                <a:sym typeface="Calibri"/>
+                <a:hlinkClick r:id="rId4">
+                  <a:extLst>
+                    <a:ext uri="{A12FA001-AC4F-418D-AE19-62706E023703}">
+                      <ahyp:hlinkClr xmlns:ahyp="http://schemas.microsoft.com/office/drawing/2018/hyperlinkcolor" val="tx"/>
+                    </a:ext>
+                  </a:extLst>
+                </a:hlinkClick>
+              </a:rPr>
+              <a:t>https://bolt.new</a:t>
+            </a:r>
+            <a:r>
+              <a:rPr lang="en" sz="1100">
+                <a:solidFill>
+                  <a:schemeClr val="dk1"/>
+                </a:solidFill>
+                <a:latin typeface="Calibri"/>
+                <a:ea typeface="Calibri"/>
+                <a:cs typeface="Calibri"/>
+                <a:sym typeface="Calibri"/>
+              </a:rPr>
+              <a:t> </a:t>
+            </a:r>
+            <a:endParaRPr sz="1100">
+              <a:solidFill>
+                <a:schemeClr val="dk1"/>
+              </a:solidFill>
+              <a:latin typeface="Calibri"/>
+              <a:ea typeface="Calibri"/>
+              <a:cs typeface="Calibri"/>
+              <a:sym typeface="Calibri"/>
+            </a:endParaRPr>
+          </a:p>
+          <a:p>
+            <a:pPr marL="171450" lvl="0" indent="-127000" algn="l" rtl="0">
+              <a:spcBef>
+                <a:spcPts val="0"/>
+              </a:spcBef>
+              <a:spcAft>
+                <a:spcPts val="0"/>
+              </a:spcAft>
+              <a:buClr>
+                <a:schemeClr val="dk1"/>
+              </a:buClr>
+              <a:buSzPts val="1100"/>
+              <a:buFont typeface="Calibri"/>
+              <a:buChar char="●"/>
+            </a:pPr>
+            <a:r>
+              <a:rPr lang="en" sz="1100" u="sng">
+                <a:solidFill>
+                  <a:schemeClr val="accent5"/>
+                </a:solidFill>
+                <a:latin typeface="Calibri"/>
+                <a:ea typeface="Calibri"/>
+                <a:cs typeface="Calibri"/>
+                <a:sym typeface="Calibri"/>
+                <a:hlinkClick r:id="rId5">
+                  <a:extLst>
+                    <a:ext uri="{A12FA001-AC4F-418D-AE19-62706E023703}">
+                      <ahyp:hlinkClr xmlns:ahyp="http://schemas.microsoft.com/office/drawing/2018/hyperlinkcolor" val="tx"/>
+                    </a:ext>
+                  </a:extLst>
+                </a:hlinkClick>
+              </a:rPr>
+              <a:t>https://support.bolt.new/docs/getting-started</a:t>
+            </a:r>
+            <a:r>
+              <a:rPr lang="en" sz="1100">
+                <a:solidFill>
+                  <a:schemeClr val="dk1"/>
+                </a:solidFill>
+                <a:latin typeface="Calibri"/>
+                <a:ea typeface="Calibri"/>
+                <a:cs typeface="Calibri"/>
+                <a:sym typeface="Calibri"/>
+              </a:rPr>
+              <a:t> </a:t>
+            </a:r>
+            <a:endParaRPr sz="1100">
+              <a:solidFill>
+                <a:schemeClr val="dk1"/>
+              </a:solidFill>
+              <a:latin typeface="Calibri"/>
+              <a:ea typeface="Calibri"/>
+              <a:cs typeface="Calibri"/>
+              <a:sym typeface="Calibri"/>
+            </a:endParaRPr>
+          </a:p>
+          <a:p>
+            <a:pPr marL="171450" lvl="0" indent="-127000" algn="l" rtl="0">
+              <a:spcBef>
+                <a:spcPts val="0"/>
+              </a:spcBef>
+              <a:spcAft>
+                <a:spcPts val="0"/>
+              </a:spcAft>
+              <a:buSzPts val="1100"/>
+              <a:buFont typeface="Calibri"/>
+              <a:buChar char="●"/>
+            </a:pPr>
+            <a:r>
+              <a:rPr lang="en" sz="1100" u="sng">
+                <a:solidFill>
+                  <a:schemeClr val="hlink"/>
+                </a:solidFill>
+                <a:latin typeface="Calibri"/>
+                <a:ea typeface="Calibri"/>
+                <a:cs typeface="Calibri"/>
+                <a:sym typeface="Calibri"/>
+                <a:hlinkClick r:id="rId6"/>
+              </a:rPr>
+              <a:t>https://github.com/stackblitz/bolt.new</a:t>
+            </a:r>
+            <a:r>
+              <a:rPr lang="en" sz="1100">
+                <a:solidFill>
+                  <a:schemeClr val="dk1"/>
+                </a:solidFill>
+                <a:latin typeface="Calibri"/>
+                <a:ea typeface="Calibri"/>
+                <a:cs typeface="Calibri"/>
+                <a:sym typeface="Calibri"/>
+              </a:rPr>
+              <a:t> </a:t>
+            </a:r>
+            <a:endParaRPr sz="1100">
+              <a:solidFill>
+                <a:schemeClr val="dk1"/>
+              </a:solidFill>
+              <a:latin typeface="Calibri"/>
+              <a:ea typeface="Calibri"/>
+              <a:cs typeface="Calibri"/>
+              <a:sym typeface="Calibri"/>
+            </a:endParaRPr>
+          </a:p>
+          <a:p>
+            <a:pPr marL="171450" lvl="0" indent="-127000" algn="l" rtl="0">
+              <a:spcBef>
+                <a:spcPts val="0"/>
+              </a:spcBef>
+              <a:spcAft>
+                <a:spcPts val="0"/>
+              </a:spcAft>
+              <a:buClr>
+                <a:schemeClr val="dk1"/>
+              </a:buClr>
+              <a:buSzPts val="1100"/>
+              <a:buFont typeface="Calibri"/>
+              <a:buChar char="●"/>
+            </a:pPr>
+            <a:r>
+              <a:rPr lang="en" sz="1100" u="sng">
+                <a:solidFill>
+                  <a:schemeClr val="hlink"/>
+                </a:solidFill>
+                <a:latin typeface="Calibri"/>
+                <a:ea typeface="Calibri"/>
+                <a:cs typeface="Calibri"/>
+                <a:sym typeface="Calibri"/>
+                <a:hlinkClick r:id="rId7"/>
+              </a:rPr>
+              <a:t>https://webcontainers.io</a:t>
+            </a:r>
+            <a:r>
+              <a:rPr lang="en" sz="1100">
+                <a:solidFill>
+                  <a:schemeClr val="dk1"/>
+                </a:solidFill>
+                <a:latin typeface="Calibri"/>
+                <a:ea typeface="Calibri"/>
+                <a:cs typeface="Calibri"/>
+                <a:sym typeface="Calibri"/>
+              </a:rPr>
+              <a:t> </a:t>
+            </a:r>
+            <a:endParaRPr sz="1100">
+              <a:solidFill>
+                <a:schemeClr val="dk1"/>
+              </a:solidFill>
+              <a:latin typeface="Calibri"/>
+              <a:ea typeface="Calibri"/>
+              <a:cs typeface="Calibri"/>
+              <a:sym typeface="Calibri"/>
+            </a:endParaRPr>
+          </a:p>
+          <a:p>
+            <a:pPr marL="171450" lvl="0" indent="-127000" algn="l" rtl="0">
+              <a:spcBef>
+                <a:spcPts val="0"/>
+              </a:spcBef>
+              <a:spcAft>
+                <a:spcPts val="0"/>
+              </a:spcAft>
+              <a:buClr>
+                <a:schemeClr val="dk1"/>
+              </a:buClr>
+              <a:buSzPts val="1100"/>
+              <a:buFont typeface="Calibri"/>
+              <a:buChar char="●"/>
+            </a:pPr>
+            <a:r>
+              <a:rPr lang="en" sz="1100" u="sng">
+                <a:solidFill>
+                  <a:schemeClr val="hlink"/>
+                </a:solidFill>
+                <a:latin typeface="Calibri"/>
+                <a:ea typeface="Calibri"/>
+                <a:cs typeface="Calibri"/>
+                <a:sym typeface="Calibri"/>
+                <a:hlinkClick r:id="rId8"/>
+              </a:rPr>
+              <a:t>https://github.com/stackblitz/webcontainer-core</a:t>
+            </a:r>
+            <a:r>
+              <a:rPr lang="en" sz="1100">
+                <a:solidFill>
+                  <a:schemeClr val="dk1"/>
+                </a:solidFill>
+                <a:latin typeface="Calibri"/>
+                <a:ea typeface="Calibri"/>
+                <a:cs typeface="Calibri"/>
+                <a:sym typeface="Calibri"/>
+              </a:rPr>
+              <a:t> </a:t>
+            </a:r>
+            <a:endParaRPr sz="1100">
+              <a:solidFill>
+                <a:schemeClr val="dk1"/>
+              </a:solidFill>
+              <a:latin typeface="Calibri"/>
+              <a:ea typeface="Calibri"/>
+              <a:cs typeface="Calibri"/>
+              <a:sym typeface="Calibri"/>
+            </a:endParaRPr>
+          </a:p>
+          <a:p>
+            <a:pPr marL="171450" lvl="0" indent="-127000" algn="l" rtl="0">
+              <a:spcBef>
+                <a:spcPts val="0"/>
+              </a:spcBef>
+              <a:spcAft>
+                <a:spcPts val="0"/>
+              </a:spcAft>
+              <a:buClr>
+                <a:schemeClr val="dk1"/>
+              </a:buClr>
+              <a:buSzPts val="1100"/>
+              <a:buFont typeface="Calibri"/>
+              <a:buChar char="●"/>
+            </a:pPr>
+            <a:r>
+              <a:rPr lang="en" sz="1100">
+                <a:solidFill>
+                  <a:schemeClr val="dk1"/>
+                </a:solidFill>
+                <a:latin typeface="Calibri"/>
+                <a:ea typeface="Calibri"/>
+                <a:cs typeface="Calibri"/>
+                <a:sym typeface="Calibri"/>
+              </a:rPr>
+              <a:t>Bolt.new provides IDE interface in browser. You can also download the whole GitHub repo, and run everything locally</a:t>
+            </a:r>
+            <a:endParaRPr sz="1100">
+              <a:solidFill>
+                <a:schemeClr val="dk1"/>
+              </a:solidFill>
+              <a:latin typeface="Calibri"/>
+              <a:ea typeface="Calibri"/>
+              <a:cs typeface="Calibri"/>
+              <a:sym typeface="Calibri"/>
+            </a:endParaRPr>
+          </a:p>
+          <a:p>
+            <a:pPr marL="171450" lvl="0" indent="-127000" algn="l" rtl="0">
+              <a:spcBef>
+                <a:spcPts val="0"/>
+              </a:spcBef>
+              <a:spcAft>
+                <a:spcPts val="0"/>
+              </a:spcAft>
+              <a:buClr>
+                <a:schemeClr val="dk1"/>
+              </a:buClr>
+              <a:buSzPts val="1100"/>
+              <a:buFont typeface="Calibri"/>
+              <a:buChar char="●"/>
+            </a:pPr>
+            <a:r>
+              <a:rPr lang="en" sz="1100">
+                <a:solidFill>
+                  <a:schemeClr val="dk1"/>
+                </a:solidFill>
+                <a:latin typeface="Calibri"/>
+                <a:ea typeface="Calibri"/>
+                <a:cs typeface="Calibri"/>
+                <a:sym typeface="Calibri"/>
+              </a:rPr>
+              <a:t>How you work with Bolt: You chat with AI, give it descriptions and images, go back and forth to refine the plan for the app. Then Bolt creates code, installs dependencies, deploys, tests, runs the app - all within the browser. </a:t>
+            </a:r>
+            <a:endParaRPr sz="1100">
+              <a:solidFill>
+                <a:schemeClr val="dk1"/>
+              </a:solidFill>
+              <a:latin typeface="Calibri"/>
+              <a:ea typeface="Calibri"/>
+              <a:cs typeface="Calibri"/>
+              <a:sym typeface="Calibri"/>
+            </a:endParaRPr>
+          </a:p>
+          <a:p>
+            <a:pPr marL="171450" lvl="0" indent="-127000" algn="l" rtl="0">
+              <a:spcBef>
+                <a:spcPts val="0"/>
+              </a:spcBef>
+              <a:spcAft>
+                <a:spcPts val="0"/>
+              </a:spcAft>
+              <a:buClr>
+                <a:schemeClr val="dk1"/>
+              </a:buClr>
+              <a:buSzPts val="1100"/>
+              <a:buFont typeface="Calibri"/>
+              <a:buChar char="●"/>
+            </a:pPr>
+            <a:r>
+              <a:rPr lang="en" sz="1100">
+                <a:solidFill>
+                  <a:schemeClr val="dk1"/>
+                </a:solidFill>
+                <a:latin typeface="Calibri"/>
+                <a:ea typeface="Calibri"/>
+                <a:cs typeface="Calibri"/>
+                <a:sym typeface="Calibri"/>
+              </a:rPr>
+              <a:t>Bolt is fast and very useful for fast prototyping and demos.</a:t>
+            </a:r>
+            <a:endParaRPr sz="1100">
+              <a:solidFill>
+                <a:schemeClr val="dk1"/>
+              </a:solidFill>
+              <a:latin typeface="Calibri"/>
+              <a:ea typeface="Calibri"/>
+              <a:cs typeface="Calibri"/>
+              <a:sym typeface="Calibri"/>
+            </a:endParaRPr>
+          </a:p>
+          <a:p>
+            <a:pPr marL="171450" lvl="0" indent="-127000" algn="l" rtl="0">
+              <a:spcBef>
+                <a:spcPts val="0"/>
+              </a:spcBef>
+              <a:spcAft>
+                <a:spcPts val="0"/>
+              </a:spcAft>
+              <a:buClr>
+                <a:schemeClr val="dk1"/>
+              </a:buClr>
+              <a:buSzPts val="1100"/>
+              <a:buFont typeface="Calibri"/>
+              <a:buChar char="●"/>
+            </a:pPr>
+            <a:r>
+              <a:rPr lang="en" sz="1100">
+                <a:solidFill>
+                  <a:schemeClr val="dk1"/>
+                </a:solidFill>
+                <a:latin typeface="Calibri"/>
+                <a:ea typeface="Calibri"/>
+                <a:cs typeface="Calibri"/>
+                <a:sym typeface="Calibri"/>
+              </a:rPr>
+              <a:t>Bolt writes code in JavaScript (React, Vue, and Astro frameworks)</a:t>
+            </a:r>
+            <a:endParaRPr sz="1100">
+              <a:solidFill>
+                <a:schemeClr val="dk1"/>
+              </a:solidFill>
+              <a:latin typeface="Calibri"/>
+              <a:ea typeface="Calibri"/>
+              <a:cs typeface="Calibri"/>
+              <a:sym typeface="Calibri"/>
+            </a:endParaRPr>
+          </a:p>
+          <a:p>
+            <a:pPr marL="171450" lvl="0" indent="-127000" algn="l" rtl="0">
+              <a:spcBef>
+                <a:spcPts val="0"/>
+              </a:spcBef>
+              <a:spcAft>
+                <a:spcPts val="0"/>
+              </a:spcAft>
+              <a:buClr>
+                <a:schemeClr val="dk1"/>
+              </a:buClr>
+              <a:buSzPts val="1100"/>
+              <a:buFont typeface="Calibri"/>
+              <a:buChar char="●"/>
+            </a:pPr>
+            <a:r>
+              <a:rPr lang="en" sz="1100" u="sng">
+                <a:solidFill>
+                  <a:schemeClr val="hlink"/>
+                </a:solidFill>
+                <a:latin typeface="Calibri"/>
+                <a:ea typeface="Calibri"/>
+                <a:cs typeface="Calibri"/>
+                <a:sym typeface="Calibri"/>
+                <a:hlinkClick r:id="rId9"/>
+              </a:rPr>
+              <a:t>https://stackblitz.com/pricing</a:t>
+            </a:r>
+            <a:r>
+              <a:rPr lang="en" sz="1100">
+                <a:solidFill>
+                  <a:schemeClr val="dk1"/>
+                </a:solidFill>
+                <a:latin typeface="Calibri"/>
+                <a:ea typeface="Calibri"/>
+                <a:cs typeface="Calibri"/>
+                <a:sym typeface="Calibri"/>
+              </a:rPr>
+              <a:t> - free, $18/mo, ..., token reloads as needed</a:t>
+            </a:r>
+            <a:endParaRPr sz="1100">
+              <a:solidFill>
+                <a:schemeClr val="dk1"/>
+              </a:solidFill>
+              <a:latin typeface="Calibri"/>
+              <a:ea typeface="Calibri"/>
+              <a:cs typeface="Calibri"/>
+              <a:sym typeface="Calibri"/>
+            </a:endParaRPr>
+          </a:p>
+          <a:p>
+            <a:pPr marL="171450" lvl="0" indent="-127000" algn="l" rtl="0">
+              <a:spcBef>
+                <a:spcPts val="0"/>
+              </a:spcBef>
+              <a:spcAft>
+                <a:spcPts val="0"/>
+              </a:spcAft>
+              <a:buClr>
+                <a:schemeClr val="dk1"/>
+              </a:buClr>
+              <a:buSzPts val="1100"/>
+              <a:buFont typeface="Calibri"/>
+              <a:buChar char="●"/>
+            </a:pPr>
+            <a:r>
+              <a:rPr lang="en" sz="1100">
+                <a:solidFill>
+                  <a:schemeClr val="dk1"/>
+                </a:solidFill>
+                <a:latin typeface="Calibri"/>
+                <a:ea typeface="Calibri"/>
+                <a:cs typeface="Calibri"/>
+                <a:sym typeface="Calibri"/>
+              </a:rPr>
+              <a:t>StackBlitz is in San Francisco, CA, since 2016</a:t>
+            </a:r>
+            <a:endParaRPr sz="1100">
+              <a:solidFill>
+                <a:schemeClr val="dk1"/>
+              </a:solidFill>
+              <a:latin typeface="Calibri"/>
+              <a:ea typeface="Calibri"/>
+              <a:cs typeface="Calibri"/>
+              <a:sym typeface="Calibri"/>
+            </a:endParaRPr>
+          </a:p>
+          <a:p>
+            <a:pPr marL="171450" lvl="0" indent="-127000" algn="l" rtl="0">
+              <a:spcBef>
+                <a:spcPts val="0"/>
+              </a:spcBef>
+              <a:spcAft>
+                <a:spcPts val="0"/>
+              </a:spcAft>
+              <a:buClr>
+                <a:schemeClr val="dk1"/>
+              </a:buClr>
+              <a:buSzPts val="1100"/>
+              <a:buFont typeface="Calibri"/>
+              <a:buChar char="●"/>
+            </a:pPr>
+            <a:r>
+              <a:rPr lang="en" sz="1100">
+                <a:solidFill>
+                  <a:schemeClr val="dk1"/>
+                </a:solidFill>
+                <a:latin typeface="Calibri"/>
+                <a:ea typeface="Calibri"/>
+                <a:cs typeface="Calibri"/>
+                <a:sym typeface="Calibri"/>
+              </a:rPr>
+              <a:t>The "WebContainer" technology: "TypeScript, Rust, and WebAssembly"</a:t>
+            </a:r>
+            <a:endParaRPr sz="1100">
+              <a:solidFill>
+                <a:schemeClr val="dk1"/>
+              </a:solidFill>
+              <a:latin typeface="Calibri"/>
+              <a:ea typeface="Calibri"/>
+              <a:cs typeface="Calibri"/>
+              <a:sym typeface="Calibri"/>
+            </a:endParaRPr>
+          </a:p>
+          <a:p>
+            <a:pPr marL="171450" lvl="0" indent="-127000" algn="l" rtl="0">
+              <a:spcBef>
+                <a:spcPts val="0"/>
+              </a:spcBef>
+              <a:spcAft>
+                <a:spcPts val="0"/>
+              </a:spcAft>
+              <a:buClr>
+                <a:schemeClr val="dk1"/>
+              </a:buClr>
+              <a:buSzPts val="1100"/>
+              <a:buFont typeface="Calibri"/>
+              <a:buChar char="●"/>
+            </a:pPr>
+            <a:r>
+              <a:rPr lang="en" sz="1100">
+                <a:solidFill>
+                  <a:schemeClr val="dk1"/>
+                </a:solidFill>
+                <a:latin typeface="Calibri"/>
+                <a:ea typeface="Calibri"/>
+                <a:cs typeface="Calibri"/>
+                <a:sym typeface="Calibri"/>
+              </a:rPr>
+              <a:t>Alternative open-source "OpenWebContainer" written completely in TypeScript: </a:t>
+            </a:r>
+            <a:r>
+              <a:rPr lang="en" sz="1100" u="sng">
+                <a:solidFill>
+                  <a:schemeClr val="hlink"/>
+                </a:solidFill>
+                <a:latin typeface="Calibri"/>
+                <a:ea typeface="Calibri"/>
+                <a:cs typeface="Calibri"/>
+                <a:sym typeface="Calibri"/>
+                <a:hlinkClick r:id="rId10"/>
+              </a:rPr>
+              <a:t>https://github.com/thecodacus/OpenWebContainer</a:t>
+            </a:r>
+            <a:r>
+              <a:rPr lang="en" sz="1100">
+                <a:solidFill>
+                  <a:schemeClr val="dk1"/>
+                </a:solidFill>
+                <a:latin typeface="Calibri"/>
+                <a:ea typeface="Calibri"/>
+                <a:cs typeface="Calibri"/>
+                <a:sym typeface="Calibri"/>
+              </a:rPr>
+              <a:t> </a:t>
+            </a:r>
+            <a:endParaRPr sz="1100">
+              <a:solidFill>
+                <a:schemeClr val="dk1"/>
+              </a:solidFill>
+              <a:latin typeface="Calibri"/>
+              <a:ea typeface="Calibri"/>
+              <a:cs typeface="Calibri"/>
+              <a:sym typeface="Calibri"/>
+            </a:endParaRPr>
+          </a:p>
+          <a:p>
+            <a:pPr marL="171450" lvl="0" indent="-127000" algn="l" rtl="0">
+              <a:spcBef>
+                <a:spcPts val="0"/>
+              </a:spcBef>
+              <a:spcAft>
+                <a:spcPts val="0"/>
+              </a:spcAft>
+              <a:buClr>
+                <a:schemeClr val="dk1"/>
+              </a:buClr>
+              <a:buSzPts val="1100"/>
+              <a:buFont typeface="Calibri"/>
+              <a:buChar char="●"/>
+            </a:pPr>
+            <a:r>
+              <a:rPr lang="en" sz="1100">
+                <a:solidFill>
+                  <a:schemeClr val="dk1"/>
+                </a:solidFill>
+                <a:latin typeface="Calibri"/>
+                <a:ea typeface="Calibri"/>
+                <a:cs typeface="Calibri"/>
+                <a:sym typeface="Calibri"/>
+              </a:rPr>
+              <a:t>Also: </a:t>
+            </a:r>
+            <a:r>
+              <a:rPr lang="en" sz="1100" u="sng">
+                <a:solidFill>
+                  <a:schemeClr val="hlink"/>
+                </a:solidFill>
+                <a:latin typeface="Calibri"/>
+                <a:ea typeface="Calibri"/>
+                <a:cs typeface="Calibri"/>
+                <a:sym typeface="Calibri"/>
+                <a:hlinkClick r:id="rId11"/>
+              </a:rPr>
+              <a:t>https://github.com/WebContainer/Chrome-WebContainer</a:t>
+            </a:r>
+            <a:r>
+              <a:rPr lang="en" sz="1100">
+                <a:solidFill>
+                  <a:schemeClr val="dk1"/>
+                </a:solidFill>
+                <a:latin typeface="Calibri"/>
+                <a:ea typeface="Calibri"/>
+                <a:cs typeface="Calibri"/>
+                <a:sym typeface="Calibri"/>
+              </a:rPr>
+              <a:t> </a:t>
+            </a:r>
+            <a:endParaRPr sz="1100">
+              <a:solidFill>
+                <a:schemeClr val="dk1"/>
+              </a:solidFill>
+              <a:latin typeface="Calibri"/>
+              <a:ea typeface="Calibri"/>
+              <a:cs typeface="Calibri"/>
+              <a:sym typeface="Calibri"/>
+            </a:endParaRPr>
+          </a:p>
+        </p:txBody>
+      </p:sp>
+      <p:pic>
+        <p:nvPicPr>
+          <p:cNvPr id="226" name="Google Shape;226;p31"/>
+          <p:cNvPicPr preferRelativeResize="0"/>
+          <p:nvPr/>
+        </p:nvPicPr>
+        <p:blipFill>
+          <a:blip r:embed="rId12" cstate="email">
+            <a:alphaModFix/>
+            <a:extLst>
+              <a:ext uri="{28A0092B-C50C-407E-A947-70E740481C1C}">
+                <a14:useLocalDpi xmlns:a14="http://schemas.microsoft.com/office/drawing/2010/main"/>
+              </a:ext>
+            </a:extLst>
+          </a:blip>
+          <a:stretch>
+            <a:fillRect/>
+          </a:stretch>
+        </p:blipFill>
+        <p:spPr>
+          <a:xfrm>
+            <a:off x="7377125" y="333201"/>
+            <a:ext cx="792900" cy="527648"/>
+          </a:xfrm>
+          <a:prstGeom prst="rect">
+            <a:avLst/>
+          </a:prstGeom>
+          <a:noFill/>
+          <a:ln w="9525" cap="flat" cmpd="sng">
+            <a:solidFill>
+              <a:srgbClr val="FF0000"/>
+            </a:solidFill>
+            <a:prstDash val="solid"/>
+            <a:round/>
+            <a:headEnd type="none" w="sm" len="sm"/>
+            <a:tailEnd type="none" w="sm" len="sm"/>
+          </a:ln>
+        </p:spPr>
+      </p:pic>
+      <p:pic>
+        <p:nvPicPr>
+          <p:cNvPr id="227" name="Google Shape;227;p31"/>
+          <p:cNvPicPr preferRelativeResize="0"/>
+          <p:nvPr/>
+        </p:nvPicPr>
+        <p:blipFill>
+          <a:blip r:embed="rId13" cstate="email">
+            <a:alphaModFix/>
+            <a:extLst>
+              <a:ext uri="{28A0092B-C50C-407E-A947-70E740481C1C}">
+                <a14:useLocalDpi xmlns:a14="http://schemas.microsoft.com/office/drawing/2010/main"/>
+              </a:ext>
+            </a:extLst>
+          </a:blip>
+          <a:stretch>
+            <a:fillRect/>
+          </a:stretch>
+        </p:blipFill>
+        <p:spPr>
+          <a:xfrm>
+            <a:off x="5232964" y="947050"/>
+            <a:ext cx="792900" cy="792900"/>
+          </a:xfrm>
+          <a:prstGeom prst="rect">
+            <a:avLst/>
+          </a:prstGeom>
+          <a:noFill/>
+          <a:ln w="9525" cap="flat" cmpd="sng">
+            <a:solidFill>
+              <a:srgbClr val="FF0000"/>
+            </a:solidFill>
+            <a:prstDash val="solid"/>
+            <a:round/>
+            <a:headEnd type="none" w="sm" len="sm"/>
+            <a:tailEnd type="none" w="sm" len="sm"/>
+          </a:ln>
+        </p:spPr>
+      </p:pic>
+      <p:pic>
+        <p:nvPicPr>
+          <p:cNvPr id="228" name="Google Shape;228;p31"/>
+          <p:cNvPicPr preferRelativeResize="0"/>
+          <p:nvPr/>
+        </p:nvPicPr>
+        <p:blipFill rotWithShape="1">
+          <a:blip r:embed="rId14" cstate="email">
+            <a:alphaModFix/>
+            <a:extLst>
+              <a:ext uri="{28A0092B-C50C-407E-A947-70E740481C1C}">
+                <a14:useLocalDpi xmlns:a14="http://schemas.microsoft.com/office/drawing/2010/main"/>
+              </a:ext>
+            </a:extLst>
+          </a:blip>
+          <a:srcRect/>
+          <a:stretch/>
+        </p:blipFill>
+        <p:spPr>
+          <a:xfrm>
+            <a:off x="6315087" y="947050"/>
+            <a:ext cx="722834" cy="792900"/>
+          </a:xfrm>
+          <a:prstGeom prst="rect">
+            <a:avLst/>
+          </a:prstGeom>
+          <a:noFill/>
+          <a:ln w="9525" cap="flat" cmpd="sng">
+            <a:solidFill>
+              <a:srgbClr val="FF0000"/>
+            </a:solidFill>
+            <a:prstDash val="solid"/>
+            <a:round/>
+            <a:headEnd type="none" w="sm" len="sm"/>
+            <a:tailEnd type="none" w="sm" len="sm"/>
+          </a:ln>
+        </p:spPr>
+      </p:pic>
+      <p:pic>
+        <p:nvPicPr>
+          <p:cNvPr id="229" name="Google Shape;229;p31"/>
+          <p:cNvPicPr preferRelativeResize="0"/>
+          <p:nvPr/>
+        </p:nvPicPr>
+        <p:blipFill rotWithShape="1">
+          <a:blip r:embed="rId15" cstate="email">
+            <a:alphaModFix/>
+            <a:extLst>
+              <a:ext uri="{28A0092B-C50C-407E-A947-70E740481C1C}">
+                <a14:useLocalDpi xmlns:a14="http://schemas.microsoft.com/office/drawing/2010/main"/>
+              </a:ext>
+            </a:extLst>
+          </a:blip>
+          <a:srcRect/>
+          <a:stretch/>
+        </p:blipFill>
+        <p:spPr>
+          <a:xfrm>
+            <a:off x="7453901" y="947050"/>
+            <a:ext cx="691200" cy="824827"/>
+          </a:xfrm>
+          <a:prstGeom prst="rect">
+            <a:avLst/>
+          </a:prstGeom>
+          <a:noFill/>
+          <a:ln w="9525" cap="flat" cmpd="sng">
+            <a:solidFill>
+              <a:srgbClr val="FF0000"/>
+            </a:solidFill>
+            <a:prstDash val="solid"/>
+            <a:round/>
+            <a:headEnd type="none" w="sm" len="sm"/>
+            <a:tailEnd type="none" w="sm" len="sm"/>
+          </a:ln>
+        </p:spPr>
+      </p:pic>
+      <p:sp>
+        <p:nvSpPr>
+          <p:cNvPr id="230" name="Google Shape;230;p31"/>
+          <p:cNvSpPr txBox="1"/>
+          <p:nvPr/>
+        </p:nvSpPr>
+        <p:spPr>
+          <a:xfrm>
+            <a:off x="5226407" y="1812600"/>
+            <a:ext cx="792900" cy="203100"/>
+          </a:xfrm>
+          <a:prstGeom prst="rect">
+            <a:avLst/>
+          </a:prstGeom>
+          <a:solidFill>
+            <a:srgbClr val="FFF2CC"/>
+          </a:solidFill>
+          <a:ln w="9525" cap="flat" cmpd="sng">
+            <a:solidFill>
+              <a:srgbClr val="FF0000"/>
+            </a:solidFill>
+            <a:prstDash val="solid"/>
+            <a:round/>
+            <a:headEnd type="none" w="sm" len="sm"/>
+            <a:tailEnd type="none" w="sm" len="sm"/>
+          </a:ln>
+        </p:spPr>
+        <p:txBody>
+          <a:bodyPr spcFirstLastPara="1" wrap="square" lIns="9125" tIns="9125" rIns="9125" bIns="9125" anchor="t" anchorCtr="0">
+            <a:spAutoFit/>
+          </a:bodyPr>
+          <a:lstStyle/>
+          <a:p>
+            <a:pPr marL="0" lvl="0" indent="0" algn="ctr" rtl="0">
+              <a:spcBef>
+                <a:spcPts val="0"/>
+              </a:spcBef>
+              <a:spcAft>
+                <a:spcPts val="0"/>
+              </a:spcAft>
+              <a:buNone/>
+            </a:pPr>
+            <a:r>
+              <a:rPr lang="en" sz="1200">
+                <a:solidFill>
+                  <a:schemeClr val="dk1"/>
+                </a:solidFill>
+                <a:latin typeface="Calibri"/>
+                <a:ea typeface="Calibri"/>
+                <a:cs typeface="Calibri"/>
+                <a:sym typeface="Calibri"/>
+              </a:rPr>
+              <a:t>Eric Simons</a:t>
+            </a:r>
+            <a:endParaRPr sz="1200">
+              <a:solidFill>
+                <a:schemeClr val="dk1"/>
+              </a:solidFill>
+              <a:latin typeface="Calibri"/>
+              <a:ea typeface="Calibri"/>
+              <a:cs typeface="Calibri"/>
+              <a:sym typeface="Calibri"/>
+            </a:endParaRPr>
+          </a:p>
+        </p:txBody>
+      </p:sp>
+      <p:sp>
+        <p:nvSpPr>
+          <p:cNvPr id="231" name="Google Shape;231;p31"/>
+          <p:cNvSpPr txBox="1"/>
+          <p:nvPr/>
+        </p:nvSpPr>
+        <p:spPr>
+          <a:xfrm>
+            <a:off x="6332804" y="1812600"/>
+            <a:ext cx="691200" cy="203100"/>
+          </a:xfrm>
+          <a:prstGeom prst="rect">
+            <a:avLst/>
+          </a:prstGeom>
+          <a:solidFill>
+            <a:srgbClr val="FFF2CC"/>
+          </a:solidFill>
+          <a:ln w="9525" cap="flat" cmpd="sng">
+            <a:solidFill>
+              <a:srgbClr val="FF0000"/>
+            </a:solidFill>
+            <a:prstDash val="solid"/>
+            <a:round/>
+            <a:headEnd type="none" w="sm" len="sm"/>
+            <a:tailEnd type="none" w="sm" len="sm"/>
+          </a:ln>
+        </p:spPr>
+        <p:txBody>
+          <a:bodyPr spcFirstLastPara="1" wrap="square" lIns="9125" tIns="9125" rIns="9125" bIns="9125" anchor="t" anchorCtr="0">
+            <a:spAutoFit/>
+          </a:bodyPr>
+          <a:lstStyle/>
+          <a:p>
+            <a:pPr marL="0" lvl="0" indent="0" algn="ctr" rtl="0">
+              <a:spcBef>
+                <a:spcPts val="0"/>
+              </a:spcBef>
+              <a:spcAft>
+                <a:spcPts val="0"/>
+              </a:spcAft>
+              <a:buNone/>
+            </a:pPr>
+            <a:r>
+              <a:rPr lang="en" sz="1200">
+                <a:solidFill>
+                  <a:schemeClr val="dk1"/>
+                </a:solidFill>
+                <a:latin typeface="Calibri"/>
+                <a:ea typeface="Calibri"/>
+                <a:cs typeface="Calibri"/>
+                <a:sym typeface="Calibri"/>
+              </a:rPr>
+              <a:t>Albert Pai</a:t>
+            </a:r>
+            <a:endParaRPr sz="1200">
+              <a:solidFill>
+                <a:schemeClr val="dk1"/>
+              </a:solidFill>
+              <a:latin typeface="Calibri"/>
+              <a:ea typeface="Calibri"/>
+              <a:cs typeface="Calibri"/>
+              <a:sym typeface="Calibri"/>
+            </a:endParaRPr>
+          </a:p>
+        </p:txBody>
+      </p:sp>
+      <p:sp>
+        <p:nvSpPr>
+          <p:cNvPr id="232" name="Google Shape;232;p31"/>
+          <p:cNvSpPr txBox="1"/>
+          <p:nvPr/>
+        </p:nvSpPr>
+        <p:spPr>
+          <a:xfrm>
+            <a:off x="7262101" y="1812600"/>
+            <a:ext cx="1104900" cy="203100"/>
+          </a:xfrm>
+          <a:prstGeom prst="rect">
+            <a:avLst/>
+          </a:prstGeom>
+          <a:solidFill>
+            <a:srgbClr val="FFF2CC"/>
+          </a:solidFill>
+          <a:ln w="9525" cap="flat" cmpd="sng">
+            <a:solidFill>
+              <a:srgbClr val="FF0000"/>
+            </a:solidFill>
+            <a:prstDash val="solid"/>
+            <a:round/>
+            <a:headEnd type="none" w="sm" len="sm"/>
+            <a:tailEnd type="none" w="sm" len="sm"/>
+          </a:ln>
+        </p:spPr>
+        <p:txBody>
+          <a:bodyPr spcFirstLastPara="1" wrap="square" lIns="9125" tIns="9125" rIns="9125" bIns="9125" anchor="t" anchorCtr="0">
+            <a:spAutoFit/>
+          </a:bodyPr>
+          <a:lstStyle/>
+          <a:p>
+            <a:pPr marL="0" lvl="0" indent="0" algn="ctr" rtl="0">
+              <a:spcBef>
+                <a:spcPts val="0"/>
+              </a:spcBef>
+              <a:spcAft>
+                <a:spcPts val="0"/>
+              </a:spcAft>
+              <a:buNone/>
+            </a:pPr>
+            <a:r>
+              <a:rPr lang="en" sz="1200">
+                <a:solidFill>
+                  <a:schemeClr val="dk1"/>
+                </a:solidFill>
+                <a:latin typeface="Calibri"/>
+                <a:ea typeface="Calibri"/>
+                <a:cs typeface="Calibri"/>
+                <a:sym typeface="Calibri"/>
+              </a:rPr>
+              <a:t>Matthew Savino</a:t>
+            </a:r>
+            <a:endParaRPr sz="1200">
+              <a:solidFill>
+                <a:schemeClr val="dk1"/>
+              </a:solidFill>
+              <a:latin typeface="Calibri"/>
+              <a:ea typeface="Calibri"/>
+              <a:cs typeface="Calibri"/>
+              <a:sym typeface="Calibri"/>
+            </a:endParaRPr>
+          </a:p>
+        </p:txBody>
+      </p:sp>
+      <p:pic>
+        <p:nvPicPr>
+          <p:cNvPr id="233" name="Google Shape;233;p31"/>
+          <p:cNvPicPr preferRelativeResize="0"/>
+          <p:nvPr/>
+        </p:nvPicPr>
+        <p:blipFill>
+          <a:blip r:embed="rId16" cstate="email">
+            <a:alphaModFix/>
+            <a:extLst>
+              <a:ext uri="{28A0092B-C50C-407E-A947-70E740481C1C}">
+                <a14:useLocalDpi xmlns:a14="http://schemas.microsoft.com/office/drawing/2010/main"/>
+              </a:ext>
+            </a:extLst>
+          </a:blip>
+          <a:stretch>
+            <a:fillRect/>
+          </a:stretch>
+        </p:blipFill>
+        <p:spPr>
+          <a:xfrm>
+            <a:off x="5226403" y="333200"/>
+            <a:ext cx="1843450" cy="521675"/>
+          </a:xfrm>
+          <a:prstGeom prst="rect">
+            <a:avLst/>
+          </a:prstGeom>
+          <a:noFill/>
+          <a:ln w="9525" cap="flat" cmpd="sng">
+            <a:solidFill>
+              <a:srgbClr val="FF0000"/>
+            </a:solidFill>
+            <a:prstDash val="solid"/>
+            <a:round/>
+            <a:headEnd type="none" w="sm" len="sm"/>
+            <a:tailEnd type="none" w="sm" len="sm"/>
+          </a:ln>
+        </p:spPr>
+      </p:pic>
+      <p:pic>
+        <p:nvPicPr>
+          <p:cNvPr id="234" name="Google Shape;234;p31"/>
+          <p:cNvPicPr preferRelativeResize="0"/>
+          <p:nvPr/>
+        </p:nvPicPr>
+        <p:blipFill>
+          <a:blip r:embed="rId17" cstate="email">
+            <a:alphaModFix/>
+            <a:extLst>
+              <a:ext uri="{28A0092B-C50C-407E-A947-70E740481C1C}">
+                <a14:useLocalDpi xmlns:a14="http://schemas.microsoft.com/office/drawing/2010/main"/>
+              </a:ext>
+            </a:extLst>
+          </a:blip>
+          <a:stretch>
+            <a:fillRect/>
+          </a:stretch>
+        </p:blipFill>
+        <p:spPr>
+          <a:xfrm>
+            <a:off x="4684175" y="2564400"/>
+            <a:ext cx="4311402" cy="2426699"/>
+          </a:xfrm>
+          <a:prstGeom prst="rect">
+            <a:avLst/>
+          </a:prstGeom>
+          <a:noFill/>
+          <a:ln w="9525" cap="flat" cmpd="sng">
+            <a:solidFill>
+              <a:srgbClr val="FF0000"/>
+            </a:solidFill>
+            <a:prstDash val="solid"/>
+            <a:round/>
+            <a:headEnd type="none" w="sm" len="sm"/>
+            <a:tailEnd type="none" w="sm" len="sm"/>
+          </a:ln>
+        </p:spPr>
+      </p:pic>
+    </p:spTree>
+  </p:cSld>
+  <p:clrMapOvr>
+    <a:masterClrMapping/>
+  </p:clrMapOvr>
+</p:sld>
+</file>
+
+<file path=ppt/slides/slide18.xml><?xml version="1.0" encoding="utf-8"?>
+<p:sld xmlns:a="http://schemas.openxmlformats.org/drawingml/2006/main" xmlns:r="http://schemas.openxmlformats.org/officeDocument/2006/relationships" xmlns:p="http://schemas.openxmlformats.org/presentationml/2006/main">
+  <p:cSld>
+    <p:spTree>
+      <p:nvGrpSpPr>
+        <p:cNvPr id="1" name="Shape 238"/>
+        <p:cNvGrpSpPr/>
+        <p:nvPr/>
+      </p:nvGrpSpPr>
+      <p:grpSpPr>
+        <a:xfrm>
+          <a:off x="0" y="0"/>
+          <a:ext cx="0" cy="0"/>
+          <a:chOff x="0" y="0"/>
+          <a:chExt cx="0" cy="0"/>
+        </a:xfrm>
+      </p:grpSpPr>
+      <p:sp>
+        <p:nvSpPr>
+          <p:cNvPr id="239" name="Google Shape;239;p32"/>
           <p:cNvSpPr txBox="1"/>
           <p:nvPr/>
         </p:nvSpPr>
@@ -18949,7 +22955,7 @@
       </p:sp>
       <p:sp>
         <p:nvSpPr>
-          <p:cNvPr id="215" name="Google Shape;215;p30"/>
+          <p:cNvPr id="240" name="Google Shape;240;p32"/>
           <p:cNvSpPr txBox="1"/>
           <p:nvPr/>
         </p:nvSpPr>
@@ -19139,7 +23145,7 @@
       </p:sp>
       <p:pic>
         <p:nvPicPr>
-          <p:cNvPr id="216" name="Google Shape;216;p30"/>
+          <p:cNvPr id="241" name="Google Shape;241;p32"/>
           <p:cNvPicPr preferRelativeResize="0"/>
           <p:nvPr/>
         </p:nvPicPr>
@@ -19178,7 +23184,7 @@
       </p:pic>
       <p:pic>
         <p:nvPicPr>
-          <p:cNvPr id="217" name="Google Shape;217;p30"/>
+          <p:cNvPr id="242" name="Google Shape;242;p32"/>
           <p:cNvPicPr preferRelativeResize="0"/>
           <p:nvPr/>
         </p:nvPicPr>
@@ -19223,12 +23229,12 @@
 </p:sld>
 </file>
 
-<file path=ppt/slides/slide17.xml><?xml version="1.0" encoding="utf-8"?>
+<file path=ppt/slides/slide19.xml><?xml version="1.0" encoding="utf-8"?>
 <p:sld xmlns:a="http://schemas.openxmlformats.org/drawingml/2006/main" xmlns:r="http://schemas.openxmlformats.org/officeDocument/2006/relationships" xmlns:p="http://schemas.openxmlformats.org/presentationml/2006/main">
   <p:cSld>
     <p:spTree>
       <p:nvGrpSpPr>
-        <p:cNvPr id="1" name="Shape 221"/>
+        <p:cNvPr id="1" name="Shape 246"/>
         <p:cNvGrpSpPr/>
         <p:nvPr/>
       </p:nvGrpSpPr>
@@ -19242,7 +23248,7 @@
       </p:grpSpPr>
       <p:sp>
         <p:nvSpPr>
-          <p:cNvPr id="222" name="Google Shape;222;p31"/>
+          <p:cNvPr id="247" name="Google Shape;247;p33"/>
           <p:cNvSpPr txBox="1"/>
           <p:nvPr/>
         </p:nvSpPr>
@@ -19409,7 +23415,7 @@
       </p:sp>
       <p:sp>
         <p:nvSpPr>
-          <p:cNvPr id="223" name="Google Shape;223;p31"/>
+          <p:cNvPr id="248" name="Google Shape;248;p33"/>
           <p:cNvSpPr txBox="1"/>
           <p:nvPr/>
         </p:nvSpPr>
@@ -19475,7 +23481,7 @@
       </p:sp>
       <p:sp>
         <p:nvSpPr>
-          <p:cNvPr id="224" name="Google Shape;224;p31"/>
+          <p:cNvPr id="249" name="Google Shape;249;p33"/>
           <p:cNvSpPr txBox="1"/>
           <p:nvPr/>
         </p:nvSpPr>
@@ -19601,7 +23607,7 @@
       </p:sp>
       <p:sp>
         <p:nvSpPr>
-          <p:cNvPr id="225" name="Google Shape;225;p31"/>
+          <p:cNvPr id="250" name="Google Shape;250;p33"/>
           <p:cNvSpPr txBox="1"/>
           <p:nvPr/>
         </p:nvSpPr>
@@ -19675,7 +23681,7 @@
       </p:sp>
       <p:sp>
         <p:nvSpPr>
-          <p:cNvPr id="226" name="Google Shape;226;p31"/>
+          <p:cNvPr id="251" name="Google Shape;251;p33"/>
           <p:cNvSpPr txBox="1"/>
           <p:nvPr/>
         </p:nvSpPr>
@@ -19836,7 +23842,7 @@
       </p:sp>
       <p:sp>
         <p:nvSpPr>
-          <p:cNvPr id="227" name="Google Shape;227;p31"/>
+          <p:cNvPr id="252" name="Google Shape;252;p33"/>
           <p:cNvSpPr txBox="1"/>
           <p:nvPr/>
         </p:nvSpPr>
@@ -19910,7 +23916,7 @@
       </p:sp>
       <p:sp>
         <p:nvSpPr>
-          <p:cNvPr id="228" name="Google Shape;228;p31"/>
+          <p:cNvPr id="253" name="Google Shape;253;p33"/>
           <p:cNvSpPr txBox="1"/>
           <p:nvPr/>
         </p:nvSpPr>
@@ -19985,7 +23991,7 @@
       </p:sp>
       <p:sp>
         <p:nvSpPr>
-          <p:cNvPr id="229" name="Google Shape;229;p31"/>
+          <p:cNvPr id="254" name="Google Shape;254;p33"/>
           <p:cNvSpPr/>
           <p:nvPr/>
         </p:nvSpPr>
@@ -20031,7 +24037,7 @@
       </p:sp>
       <p:sp>
         <p:nvSpPr>
-          <p:cNvPr id="230" name="Google Shape;230;p31"/>
+          <p:cNvPr id="255" name="Google Shape;255;p33"/>
           <p:cNvSpPr/>
           <p:nvPr/>
         </p:nvSpPr>
@@ -20077,7 +24083,7 @@
       </p:sp>
       <p:sp>
         <p:nvSpPr>
-          <p:cNvPr id="231" name="Google Shape;231;p31"/>
+          <p:cNvPr id="256" name="Google Shape;256;p33"/>
           <p:cNvSpPr txBox="1"/>
           <p:nvPr/>
         </p:nvSpPr>
@@ -20152,7 +24158,7 @@
       </p:sp>
       <p:sp>
         <p:nvSpPr>
-          <p:cNvPr id="232" name="Google Shape;232;p31"/>
+          <p:cNvPr id="257" name="Google Shape;257;p33"/>
           <p:cNvSpPr/>
           <p:nvPr/>
         </p:nvSpPr>
@@ -20198,7 +24204,7 @@
       </p:sp>
       <p:sp>
         <p:nvSpPr>
-          <p:cNvPr id="233" name="Google Shape;233;p31"/>
+          <p:cNvPr id="258" name="Google Shape;258;p33"/>
           <p:cNvSpPr/>
           <p:nvPr/>
         </p:nvSpPr>
@@ -20244,7 +24250,7 @@
       </p:sp>
       <p:sp>
         <p:nvSpPr>
-          <p:cNvPr id="234" name="Google Shape;234;p31"/>
+          <p:cNvPr id="259" name="Google Shape;259;p33"/>
           <p:cNvSpPr/>
           <p:nvPr/>
         </p:nvSpPr>
@@ -20290,7 +24296,7 @@
       </p:sp>
       <p:sp>
         <p:nvSpPr>
-          <p:cNvPr id="235" name="Google Shape;235;p31"/>
+          <p:cNvPr id="260" name="Google Shape;260;p33"/>
           <p:cNvSpPr txBox="1"/>
           <p:nvPr/>
         </p:nvSpPr>
@@ -20365,7 +24371,7 @@
       </p:sp>
       <p:sp>
         <p:nvSpPr>
-          <p:cNvPr id="236" name="Google Shape;236;p31"/>
+          <p:cNvPr id="261" name="Google Shape;261;p33"/>
           <p:cNvSpPr/>
           <p:nvPr/>
         </p:nvSpPr>
@@ -20411,7 +24417,7 @@
       </p:sp>
       <p:sp>
         <p:nvSpPr>
-          <p:cNvPr id="237" name="Google Shape;237;p31"/>
+          <p:cNvPr id="262" name="Google Shape;262;p33"/>
           <p:cNvSpPr/>
           <p:nvPr/>
         </p:nvSpPr>
@@ -20457,7 +24463,7 @@
       </p:sp>
       <p:sp>
         <p:nvSpPr>
-          <p:cNvPr id="238" name="Google Shape;238;p31"/>
+          <p:cNvPr id="263" name="Google Shape;263;p33"/>
           <p:cNvSpPr/>
           <p:nvPr/>
         </p:nvSpPr>
@@ -20503,7 +24509,7 @@
       </p:sp>
       <p:sp>
         <p:nvSpPr>
-          <p:cNvPr id="239" name="Google Shape;239;p31"/>
+          <p:cNvPr id="264" name="Google Shape;264;p33"/>
           <p:cNvSpPr/>
           <p:nvPr/>
         </p:nvSpPr>
@@ -20549,7 +24555,7 @@
       </p:sp>
       <p:sp>
         <p:nvSpPr>
-          <p:cNvPr id="240" name="Google Shape;240;p31"/>
+          <p:cNvPr id="265" name="Google Shape;265;p33"/>
           <p:cNvSpPr/>
           <p:nvPr/>
         </p:nvSpPr>
@@ -20595,7 +24601,7 @@
       </p:sp>
       <p:sp>
         <p:nvSpPr>
-          <p:cNvPr id="241" name="Google Shape;241;p31"/>
+          <p:cNvPr id="266" name="Google Shape;266;p33"/>
           <p:cNvSpPr/>
           <p:nvPr/>
         </p:nvSpPr>
@@ -20641,7 +24647,7 @@
       </p:sp>
       <p:sp>
         <p:nvSpPr>
-          <p:cNvPr id="242" name="Google Shape;242;p31"/>
+          <p:cNvPr id="267" name="Google Shape;267;p33"/>
           <p:cNvSpPr/>
           <p:nvPr/>
         </p:nvSpPr>
@@ -20687,7 +24693,7 @@
       </p:sp>
       <p:sp>
         <p:nvSpPr>
-          <p:cNvPr id="243" name="Google Shape;243;p31"/>
+          <p:cNvPr id="268" name="Google Shape;268;p33"/>
           <p:cNvSpPr/>
           <p:nvPr/>
         </p:nvSpPr>
@@ -20733,7 +24739,7 @@
       </p:sp>
       <p:sp>
         <p:nvSpPr>
-          <p:cNvPr id="244" name="Google Shape;244;p31"/>
+          <p:cNvPr id="269" name="Google Shape;269;p33"/>
           <p:cNvSpPr txBox="1"/>
           <p:nvPr/>
         </p:nvSpPr>
@@ -20808,7 +24814,7 @@
       </p:sp>
       <p:sp>
         <p:nvSpPr>
-          <p:cNvPr id="245" name="Google Shape;245;p31"/>
+          <p:cNvPr id="270" name="Google Shape;270;p33"/>
           <p:cNvSpPr/>
           <p:nvPr/>
         </p:nvSpPr>
@@ -20854,7 +24860,7 @@
       </p:sp>
       <p:sp>
         <p:nvSpPr>
-          <p:cNvPr id="246" name="Google Shape;246;p31"/>
+          <p:cNvPr id="271" name="Google Shape;271;p33"/>
           <p:cNvSpPr txBox="1"/>
           <p:nvPr/>
         </p:nvSpPr>
@@ -20929,7 +24935,7 @@
       </p:sp>
       <p:sp>
         <p:nvSpPr>
-          <p:cNvPr id="247" name="Google Shape;247;p31"/>
+          <p:cNvPr id="272" name="Google Shape;272;p33"/>
           <p:cNvSpPr/>
           <p:nvPr/>
         </p:nvSpPr>
@@ -20975,7 +24981,7 @@
       </p:sp>
       <p:sp>
         <p:nvSpPr>
-          <p:cNvPr id="248" name="Google Shape;248;p31"/>
+          <p:cNvPr id="273" name="Google Shape;273;p33"/>
           <p:cNvSpPr txBox="1"/>
           <p:nvPr/>
         </p:nvSpPr>
@@ -21050,7 +25056,7 @@
       </p:sp>
       <p:sp>
         <p:nvSpPr>
-          <p:cNvPr id="249" name="Google Shape;249;p31"/>
+          <p:cNvPr id="274" name="Google Shape;274;p33"/>
           <p:cNvSpPr/>
           <p:nvPr/>
         </p:nvSpPr>
@@ -21096,7 +25102,7 @@
       </p:sp>
       <p:sp>
         <p:nvSpPr>
-          <p:cNvPr id="250" name="Google Shape;250;p31"/>
+          <p:cNvPr id="275" name="Google Shape;275;p33"/>
           <p:cNvSpPr/>
           <p:nvPr/>
         </p:nvSpPr>
@@ -21142,7 +25148,7 @@
       </p:sp>
       <p:sp>
         <p:nvSpPr>
-          <p:cNvPr id="251" name="Google Shape;251;p31"/>
+          <p:cNvPr id="276" name="Google Shape;276;p33"/>
           <p:cNvSpPr txBox="1"/>
           <p:nvPr/>
         </p:nvSpPr>
@@ -21217,7 +25223,7 @@
       </p:sp>
       <p:sp>
         <p:nvSpPr>
-          <p:cNvPr id="252" name="Google Shape;252;p31"/>
+          <p:cNvPr id="277" name="Google Shape;277;p33"/>
           <p:cNvSpPr/>
           <p:nvPr/>
         </p:nvSpPr>
@@ -21263,7 +25269,7 @@
       </p:sp>
       <p:sp>
         <p:nvSpPr>
-          <p:cNvPr id="253" name="Google Shape;253;p31"/>
+          <p:cNvPr id="278" name="Google Shape;278;p33"/>
           <p:cNvSpPr/>
           <p:nvPr/>
         </p:nvSpPr>
@@ -21309,7 +25315,7 @@
       </p:sp>
       <p:sp>
         <p:nvSpPr>
-          <p:cNvPr id="254" name="Google Shape;254;p31"/>
+          <p:cNvPr id="279" name="Google Shape;279;p33"/>
           <p:cNvSpPr/>
           <p:nvPr/>
         </p:nvSpPr>
@@ -21355,7 +25361,7 @@
       </p:sp>
       <p:sp>
         <p:nvSpPr>
-          <p:cNvPr id="255" name="Google Shape;255;p31"/>
+          <p:cNvPr id="280" name="Google Shape;280;p33"/>
           <p:cNvSpPr txBox="1"/>
           <p:nvPr/>
         </p:nvSpPr>
@@ -21430,7 +25436,7 @@
       </p:sp>
       <p:sp>
         <p:nvSpPr>
-          <p:cNvPr id="256" name="Google Shape;256;p31"/>
+          <p:cNvPr id="281" name="Google Shape;281;p33"/>
           <p:cNvSpPr/>
           <p:nvPr/>
         </p:nvSpPr>
@@ -21476,7 +25482,7 @@
       </p:sp>
       <p:sp>
         <p:nvSpPr>
-          <p:cNvPr id="257" name="Google Shape;257;p31"/>
+          <p:cNvPr id="282" name="Google Shape;282;p33"/>
           <p:cNvSpPr txBox="1"/>
           <p:nvPr/>
         </p:nvSpPr>
@@ -21547,7 +25553,7 @@
       </p:sp>
       <p:sp>
         <p:nvSpPr>
-          <p:cNvPr id="258" name="Google Shape;258;p31"/>
+          <p:cNvPr id="283" name="Google Shape;283;p33"/>
           <p:cNvSpPr txBox="1"/>
           <p:nvPr/>
         </p:nvSpPr>
@@ -21622,7 +25628,7 @@
       </p:sp>
       <p:sp>
         <p:nvSpPr>
-          <p:cNvPr id="259" name="Google Shape;259;p31"/>
+          <p:cNvPr id="284" name="Google Shape;284;p33"/>
           <p:cNvSpPr txBox="1"/>
           <p:nvPr/>
         </p:nvSpPr>
@@ -21693,7 +25699,7 @@
       </p:sp>
       <p:sp>
         <p:nvSpPr>
-          <p:cNvPr id="260" name="Google Shape;260;p31"/>
+          <p:cNvPr id="285" name="Google Shape;285;p33"/>
           <p:cNvSpPr txBox="1"/>
           <p:nvPr/>
         </p:nvSpPr>
@@ -21768,7 +25774,7 @@
       </p:sp>
       <p:sp>
         <p:nvSpPr>
-          <p:cNvPr id="261" name="Google Shape;261;p31"/>
+          <p:cNvPr id="286" name="Google Shape;286;p33"/>
           <p:cNvSpPr/>
           <p:nvPr/>
         </p:nvSpPr>
@@ -21814,7 +25820,7 @@
       </p:sp>
       <p:sp>
         <p:nvSpPr>
-          <p:cNvPr id="262" name="Google Shape;262;p31"/>
+          <p:cNvPr id="287" name="Google Shape;287;p33"/>
           <p:cNvSpPr txBox="1"/>
           <p:nvPr/>
         </p:nvSpPr>
@@ -21889,7 +25895,7 @@
       </p:sp>
       <p:sp>
         <p:nvSpPr>
-          <p:cNvPr id="263" name="Google Shape;263;p31"/>
+          <p:cNvPr id="288" name="Google Shape;288;p33"/>
           <p:cNvSpPr/>
           <p:nvPr/>
         </p:nvSpPr>
@@ -21935,7 +25941,7 @@
       </p:sp>
       <p:sp>
         <p:nvSpPr>
-          <p:cNvPr id="264" name="Google Shape;264;p31"/>
+          <p:cNvPr id="289" name="Google Shape;289;p33"/>
           <p:cNvSpPr/>
           <p:nvPr/>
         </p:nvSpPr>
@@ -21981,7 +25987,7 @@
       </p:sp>
       <p:sp>
         <p:nvSpPr>
-          <p:cNvPr id="265" name="Google Shape;265;p31"/>
+          <p:cNvPr id="290" name="Google Shape;290;p33"/>
           <p:cNvSpPr/>
           <p:nvPr/>
         </p:nvSpPr>
@@ -22027,7 +26033,7 @@
       </p:sp>
       <p:sp>
         <p:nvSpPr>
-          <p:cNvPr id="266" name="Google Shape;266;p31"/>
+          <p:cNvPr id="291" name="Google Shape;291;p33"/>
           <p:cNvSpPr/>
           <p:nvPr/>
         </p:nvSpPr>
@@ -22073,7 +26079,7 @@
       </p:sp>
       <p:pic>
         <p:nvPicPr>
-          <p:cNvPr id="267" name="Google Shape;267;p31"/>
+          <p:cNvPr id="292" name="Google Shape;292;p33"/>
           <p:cNvPicPr preferRelativeResize="0"/>
           <p:nvPr/>
         </p:nvPicPr>
@@ -22112,7 +26118,7 @@
       </p:pic>
       <p:pic>
         <p:nvPicPr>
-          <p:cNvPr id="268" name="Google Shape;268;p31"/>
+          <p:cNvPr id="293" name="Google Shape;293;p33"/>
           <p:cNvPicPr preferRelativeResize="0"/>
           <p:nvPr/>
         </p:nvPicPr>
@@ -22151,7 +26157,7 @@
       </p:pic>
       <p:sp>
         <p:nvSpPr>
-          <p:cNvPr id="269" name="Google Shape;269;p31"/>
+          <p:cNvPr id="294" name="Google Shape;294;p33"/>
           <p:cNvSpPr/>
           <p:nvPr/>
         </p:nvSpPr>
@@ -22197,7 +26203,7 @@
       </p:sp>
       <p:sp>
         <p:nvSpPr>
-          <p:cNvPr id="270" name="Google Shape;270;p31"/>
+          <p:cNvPr id="295" name="Google Shape;295;p33"/>
           <p:cNvSpPr/>
           <p:nvPr/>
         </p:nvSpPr>
@@ -22243,7 +26249,7 @@
       </p:sp>
       <p:sp>
         <p:nvSpPr>
-          <p:cNvPr id="271" name="Google Shape;271;p31"/>
+          <p:cNvPr id="296" name="Google Shape;296;p33"/>
           <p:cNvSpPr/>
           <p:nvPr/>
         </p:nvSpPr>
@@ -22289,7 +26295,7 @@
       </p:sp>
       <p:sp>
         <p:nvSpPr>
-          <p:cNvPr id="272" name="Google Shape;272;p31"/>
+          <p:cNvPr id="297" name="Google Shape;297;p33"/>
           <p:cNvSpPr/>
           <p:nvPr/>
         </p:nvSpPr>
@@ -22335,7 +26341,7 @@
       </p:sp>
       <p:sp>
         <p:nvSpPr>
-          <p:cNvPr id="273" name="Google Shape;273;p31"/>
+          <p:cNvPr id="298" name="Google Shape;298;p33"/>
           <p:cNvSpPr/>
           <p:nvPr/>
         </p:nvSpPr>
@@ -22381,7 +26387,7 @@
       </p:sp>
       <p:sp>
         <p:nvSpPr>
-          <p:cNvPr id="274" name="Google Shape;274;p31"/>
+          <p:cNvPr id="299" name="Google Shape;299;p33"/>
           <p:cNvSpPr/>
           <p:nvPr/>
         </p:nvSpPr>
@@ -22427,7 +26433,7 @@
       </p:sp>
       <p:sp>
         <p:nvSpPr>
-          <p:cNvPr id="275" name="Google Shape;275;p31"/>
+          <p:cNvPr id="300" name="Google Shape;300;p33"/>
           <p:cNvSpPr/>
           <p:nvPr/>
         </p:nvSpPr>
@@ -22473,7 +26479,7 @@
       </p:sp>
       <p:sp>
         <p:nvSpPr>
-          <p:cNvPr id="276" name="Google Shape;276;p31"/>
+          <p:cNvPr id="301" name="Google Shape;301;p33"/>
           <p:cNvSpPr/>
           <p:nvPr/>
         </p:nvSpPr>
@@ -22519,7 +26525,7 @@
       </p:sp>
       <p:sp>
         <p:nvSpPr>
-          <p:cNvPr id="277" name="Google Shape;277;p31"/>
+          <p:cNvPr id="302" name="Google Shape;302;p33"/>
           <p:cNvSpPr/>
           <p:nvPr/>
         </p:nvSpPr>
@@ -22565,7 +26571,7 @@
       </p:sp>
       <p:sp>
         <p:nvSpPr>
-          <p:cNvPr id="278" name="Google Shape;278;p31"/>
+          <p:cNvPr id="303" name="Google Shape;303;p33"/>
           <p:cNvSpPr txBox="1"/>
           <p:nvPr/>
         </p:nvSpPr>
@@ -22906,1245 +26912,6 @@
           </a:p>
         </p:txBody>
       </p:sp>
-    </p:spTree>
-  </p:cSld>
-  <p:clrMapOvr>
-    <a:masterClrMapping/>
-  </p:clrMapOvr>
-</p:sld>
-</file>
-
-<file path=ppt/slides/slide18.xml><?xml version="1.0" encoding="utf-8"?>
-<p:sld xmlns:a="http://schemas.openxmlformats.org/drawingml/2006/main" xmlns:r="http://schemas.openxmlformats.org/officeDocument/2006/relationships" xmlns:p="http://schemas.openxmlformats.org/presentationml/2006/main">
-  <p:cSld>
-    <p:spTree>
-      <p:nvGrpSpPr>
-        <p:cNvPr id="1" name="Shape 282"/>
-        <p:cNvGrpSpPr/>
-        <p:nvPr/>
-      </p:nvGrpSpPr>
-      <p:grpSpPr>
-        <a:xfrm>
-          <a:off x="0" y="0"/>
-          <a:ext cx="0" cy="0"/>
-          <a:chOff x="0" y="0"/>
-          <a:chExt cx="0" cy="0"/>
-        </a:xfrm>
-      </p:grpSpPr>
-      <p:sp>
-        <p:nvSpPr>
-          <p:cNvPr id="283" name="Google Shape;283;p32"/>
-          <p:cNvSpPr txBox="1"/>
-          <p:nvPr/>
-        </p:nvSpPr>
-        <p:spPr>
-          <a:xfrm>
-            <a:off x="-38050" y="-108050"/>
-            <a:ext cx="4557000" cy="492600"/>
-          </a:xfrm>
-          <a:prstGeom prst="rect">
-            <a:avLst/>
-          </a:prstGeom>
-          <a:noFill/>
-          <a:ln>
-            <a:noFill/>
-          </a:ln>
-        </p:spPr>
-        <p:txBody>
-          <a:bodyPr spcFirstLastPara="1" wrap="square" lIns="91425" tIns="91425" rIns="91425" bIns="91425" anchor="t" anchorCtr="0">
-            <a:spAutoFit/>
-          </a:bodyPr>
-          <a:lstStyle/>
-          <a:p>
-            <a:pPr marL="0" marR="0" lvl="0" indent="0" algn="l" rtl="0">
-              <a:lnSpc>
-                <a:spcPct val="100000"/>
-              </a:lnSpc>
-              <a:spcBef>
-                <a:spcPts val="0"/>
-              </a:spcBef>
-              <a:spcAft>
-                <a:spcPts val="0"/>
-              </a:spcAft>
-              <a:buClr>
-                <a:srgbClr val="000000"/>
-              </a:buClr>
-              <a:buSzPts val="2000"/>
-              <a:buFont typeface="Arial"/>
-              <a:buNone/>
-            </a:pPr>
-            <a:r>
-              <a:rPr lang="en" sz="2000" b="1">
-                <a:solidFill>
-                  <a:schemeClr val="dk1"/>
-                </a:solidFill>
-                <a:latin typeface="Calibri"/>
-                <a:ea typeface="Calibri"/>
-                <a:cs typeface="Calibri"/>
-                <a:sym typeface="Calibri"/>
-              </a:rPr>
-              <a:t>WebDev Arena Leaderboard</a:t>
-            </a:r>
-            <a:endParaRPr sz="2000" b="1" i="0" u="none" strike="noStrike" cap="none">
-              <a:solidFill>
-                <a:srgbClr val="000000"/>
-              </a:solidFill>
-              <a:latin typeface="Calibri"/>
-              <a:ea typeface="Calibri"/>
-              <a:cs typeface="Calibri"/>
-              <a:sym typeface="Calibri"/>
-            </a:endParaRPr>
-          </a:p>
-        </p:txBody>
-      </p:sp>
-      <p:sp>
-        <p:nvSpPr>
-          <p:cNvPr id="284" name="Google Shape;284;p32"/>
-          <p:cNvSpPr txBox="1"/>
-          <p:nvPr/>
-        </p:nvSpPr>
-        <p:spPr>
-          <a:xfrm>
-            <a:off x="1917800" y="282725"/>
-            <a:ext cx="2178300" cy="338700"/>
-          </a:xfrm>
-          <a:prstGeom prst="rect">
-            <a:avLst/>
-          </a:prstGeom>
-          <a:noFill/>
-          <a:ln>
-            <a:noFill/>
-          </a:ln>
-        </p:spPr>
-        <p:txBody>
-          <a:bodyPr spcFirstLastPara="1" wrap="square" lIns="91425" tIns="91425" rIns="91425" bIns="91425" anchor="t" anchorCtr="0">
-            <a:spAutoFit/>
-          </a:bodyPr>
-          <a:lstStyle/>
-          <a:p>
-            <a:pPr marL="57150" marR="0" lvl="0" indent="-63500" algn="l" rtl="0">
-              <a:lnSpc>
-                <a:spcPct val="100000"/>
-              </a:lnSpc>
-              <a:spcBef>
-                <a:spcPts val="0"/>
-              </a:spcBef>
-              <a:spcAft>
-                <a:spcPts val="0"/>
-              </a:spcAft>
-              <a:buSzPts val="1000"/>
-              <a:buFont typeface="Calibri"/>
-              <a:buChar char="●"/>
-            </a:pPr>
-            <a:r>
-              <a:rPr lang="en" sz="1000" u="sng">
-                <a:solidFill>
-                  <a:schemeClr val="hlink"/>
-                </a:solidFill>
-                <a:latin typeface="Calibri"/>
-                <a:ea typeface="Calibri"/>
-                <a:cs typeface="Calibri"/>
-                <a:sym typeface="Calibri"/>
-                <a:hlinkClick r:id="rId3"/>
-              </a:rPr>
-              <a:t>https://web.lmarena.ai/leaderboard</a:t>
-            </a:r>
-            <a:r>
-              <a:rPr lang="en" sz="1000">
-                <a:solidFill>
-                  <a:schemeClr val="dk1"/>
-                </a:solidFill>
-                <a:latin typeface="Calibri"/>
-                <a:ea typeface="Calibri"/>
-                <a:cs typeface="Calibri"/>
-                <a:sym typeface="Calibri"/>
-              </a:rPr>
-              <a:t> </a:t>
-            </a:r>
-            <a:endParaRPr sz="1000" b="0" i="0" u="none" strike="noStrike" cap="none">
-              <a:solidFill>
-                <a:schemeClr val="dk1"/>
-              </a:solidFill>
-              <a:latin typeface="Calibri"/>
-              <a:ea typeface="Calibri"/>
-              <a:cs typeface="Calibri"/>
-              <a:sym typeface="Calibri"/>
-            </a:endParaRPr>
-          </a:p>
-        </p:txBody>
-      </p:sp>
-      <p:pic>
-        <p:nvPicPr>
-          <p:cNvPr id="285" name="Google Shape;285;p32"/>
-          <p:cNvPicPr preferRelativeResize="0"/>
-          <p:nvPr/>
-        </p:nvPicPr>
-        <p:blipFill>
-          <a:blip r:embed="rId4" cstate="email">
-            <a:alphaModFix/>
-            <a:extLst>
-              <a:ext uri="{28A0092B-C50C-407E-A947-70E740481C1C}">
-                <a14:useLocalDpi xmlns:a14="http://schemas.microsoft.com/office/drawing/2010/main"/>
-              </a:ext>
-            </a:extLst>
-          </a:blip>
-          <a:stretch>
-            <a:fillRect/>
-          </a:stretch>
-        </p:blipFill>
-        <p:spPr>
-          <a:xfrm>
-            <a:off x="1543613" y="818250"/>
-            <a:ext cx="6056786" cy="4217274"/>
-          </a:xfrm>
-          <a:prstGeom prst="rect">
-            <a:avLst/>
-          </a:prstGeom>
-          <a:noFill/>
-          <a:ln>
-            <a:noFill/>
-          </a:ln>
-        </p:spPr>
-      </p:pic>
-    </p:spTree>
-  </p:cSld>
-  <p:clrMapOvr>
-    <a:masterClrMapping/>
-  </p:clrMapOvr>
-</p:sld>
-</file>
-
-<file path=ppt/slides/slide19.xml><?xml version="1.0" encoding="utf-8"?>
-<p:sld xmlns:a="http://schemas.openxmlformats.org/drawingml/2006/main" xmlns:r="http://schemas.openxmlformats.org/officeDocument/2006/relationships" xmlns:p="http://schemas.openxmlformats.org/presentationml/2006/main">
-  <p:cSld>
-    <p:spTree>
-      <p:nvGrpSpPr>
-        <p:cNvPr id="1" name="Shape 289"/>
-        <p:cNvGrpSpPr/>
-        <p:nvPr/>
-      </p:nvGrpSpPr>
-      <p:grpSpPr>
-        <a:xfrm>
-          <a:off x="0" y="0"/>
-          <a:ext cx="0" cy="0"/>
-          <a:chOff x="0" y="0"/>
-          <a:chExt cx="0" cy="0"/>
-        </a:xfrm>
-      </p:grpSpPr>
-      <p:sp>
-        <p:nvSpPr>
-          <p:cNvPr id="290" name="Google Shape;290;p33"/>
-          <p:cNvSpPr txBox="1"/>
-          <p:nvPr/>
-        </p:nvSpPr>
-        <p:spPr>
-          <a:xfrm>
-            <a:off x="-38048" y="-108050"/>
-            <a:ext cx="4151700" cy="492600"/>
-          </a:xfrm>
-          <a:prstGeom prst="rect">
-            <a:avLst/>
-          </a:prstGeom>
-          <a:noFill/>
-          <a:ln>
-            <a:noFill/>
-          </a:ln>
-        </p:spPr>
-        <p:txBody>
-          <a:bodyPr spcFirstLastPara="1" wrap="square" lIns="91425" tIns="91425" rIns="91425" bIns="91425" anchor="t" anchorCtr="0">
-            <a:spAutoFit/>
-          </a:bodyPr>
-          <a:lstStyle/>
-          <a:p>
-            <a:pPr marL="0" marR="0" lvl="0" indent="0" algn="l" rtl="0">
-              <a:lnSpc>
-                <a:spcPct val="100000"/>
-              </a:lnSpc>
-              <a:spcBef>
-                <a:spcPts val="0"/>
-              </a:spcBef>
-              <a:spcAft>
-                <a:spcPts val="0"/>
-              </a:spcAft>
-              <a:buClr>
-                <a:srgbClr val="000000"/>
-              </a:buClr>
-              <a:buSzPts val="2000"/>
-              <a:buFont typeface="Arial"/>
-              <a:buNone/>
-            </a:pPr>
-            <a:r>
-              <a:rPr lang="en" sz="2000" b="1">
-                <a:solidFill>
-                  <a:schemeClr val="dk1"/>
-                </a:solidFill>
-                <a:latin typeface="Calibri"/>
-                <a:ea typeface="Calibri"/>
-                <a:cs typeface="Calibri"/>
-                <a:sym typeface="Calibri"/>
-              </a:rPr>
-              <a:t>Jobs </a:t>
-            </a:r>
-            <a:endParaRPr sz="2000" b="1" i="0" u="none" strike="noStrike" cap="none">
-              <a:solidFill>
-                <a:srgbClr val="000000"/>
-              </a:solidFill>
-              <a:latin typeface="Calibri"/>
-              <a:ea typeface="Calibri"/>
-              <a:cs typeface="Calibri"/>
-              <a:sym typeface="Calibri"/>
-            </a:endParaRPr>
-          </a:p>
-        </p:txBody>
-      </p:sp>
-      <p:sp>
-        <p:nvSpPr>
-          <p:cNvPr id="291" name="Google Shape;291;p33"/>
-          <p:cNvSpPr txBox="1"/>
-          <p:nvPr/>
-        </p:nvSpPr>
-        <p:spPr>
-          <a:xfrm>
-            <a:off x="970200" y="77700"/>
-            <a:ext cx="3831900" cy="923400"/>
-          </a:xfrm>
-          <a:prstGeom prst="rect">
-            <a:avLst/>
-          </a:prstGeom>
-          <a:noFill/>
-          <a:ln w="9525" cap="flat" cmpd="sng">
-            <a:solidFill>
-              <a:srgbClr val="FF0000"/>
-            </a:solidFill>
-            <a:prstDash val="solid"/>
-            <a:round/>
-            <a:headEnd type="none" w="sm" len="sm"/>
-            <a:tailEnd type="none" w="sm" len="sm"/>
-          </a:ln>
-        </p:spPr>
-        <p:txBody>
-          <a:bodyPr spcFirstLastPara="1" wrap="square" lIns="91425" tIns="91425" rIns="91425" bIns="91425" anchor="t" anchorCtr="0">
-            <a:spAutoFit/>
-          </a:bodyPr>
-          <a:lstStyle/>
-          <a:p>
-            <a:pPr marL="0" marR="0" lvl="0" indent="0" algn="l" rtl="0">
-              <a:lnSpc>
-                <a:spcPct val="100000"/>
-              </a:lnSpc>
-              <a:spcBef>
-                <a:spcPts val="0"/>
-              </a:spcBef>
-              <a:spcAft>
-                <a:spcPts val="0"/>
-              </a:spcAft>
-              <a:buClr>
-                <a:srgbClr val="000000"/>
-              </a:buClr>
-              <a:buSzPts val="1300"/>
-              <a:buFont typeface="Arial"/>
-              <a:buNone/>
-            </a:pPr>
-            <a:r>
-              <a:rPr lang="en" sz="1200" b="0" i="0" u="none" strike="noStrike" cap="none">
-                <a:solidFill>
-                  <a:srgbClr val="0F0F0F"/>
-                </a:solidFill>
-                <a:latin typeface="Calibri"/>
-                <a:ea typeface="Calibri"/>
-                <a:cs typeface="Calibri"/>
-                <a:sym typeface="Calibri"/>
-              </a:rPr>
-              <a:t>Layoffs, Jobs:</a:t>
-            </a:r>
-            <a:endParaRPr sz="1200" b="0" i="0" u="none" strike="noStrike" cap="none">
-              <a:solidFill>
-                <a:srgbClr val="0F0F0F"/>
-              </a:solidFill>
-              <a:latin typeface="Calibri"/>
-              <a:ea typeface="Calibri"/>
-              <a:cs typeface="Calibri"/>
-              <a:sym typeface="Calibri"/>
-            </a:endParaRPr>
-          </a:p>
-          <a:p>
-            <a:pPr marL="57150" marR="0" lvl="0" indent="-114300" algn="l" rtl="0">
-              <a:lnSpc>
-                <a:spcPct val="100000"/>
-              </a:lnSpc>
-              <a:spcBef>
-                <a:spcPts val="0"/>
-              </a:spcBef>
-              <a:spcAft>
-                <a:spcPts val="0"/>
-              </a:spcAft>
-              <a:buSzPts val="900"/>
-              <a:buFont typeface="Calibri"/>
-              <a:buChar char="●"/>
-            </a:pPr>
-            <a:r>
-              <a:rPr lang="en" sz="900" b="0" i="0" u="sng" strike="noStrike" cap="none">
-                <a:solidFill>
-                  <a:srgbClr val="0097A7"/>
-                </a:solidFill>
-                <a:latin typeface="Calibri"/>
-                <a:ea typeface="Calibri"/>
-                <a:cs typeface="Calibri"/>
-                <a:sym typeface="Calibri"/>
-                <a:hlinkClick r:id="rId3">
-                  <a:extLst>
-                    <a:ext uri="{A12FA001-AC4F-418D-AE19-62706E023703}">
-                      <ahyp:hlinkClr xmlns:ahyp="http://schemas.microsoft.com/office/drawing/2018/hyperlinkcolor" val="tx"/>
-                    </a:ext>
-                  </a:extLst>
-                </a:hlinkClick>
-              </a:rPr>
-              <a:t>https://layoffs.fyi</a:t>
-            </a:r>
-            <a:r>
-              <a:rPr lang="en" sz="900" b="0" i="0" u="none" strike="noStrike" cap="none">
-                <a:solidFill>
-                  <a:srgbClr val="0F0F0F"/>
-                </a:solidFill>
-                <a:latin typeface="Calibri"/>
-                <a:ea typeface="Calibri"/>
-                <a:cs typeface="Calibri"/>
-                <a:sym typeface="Calibri"/>
-              </a:rPr>
-              <a:t> </a:t>
-            </a:r>
-            <a:endParaRPr sz="900" b="0" i="0" u="none" strike="noStrike" cap="none">
-              <a:solidFill>
-                <a:srgbClr val="0F0F0F"/>
-              </a:solidFill>
-              <a:latin typeface="Calibri"/>
-              <a:ea typeface="Calibri"/>
-              <a:cs typeface="Calibri"/>
-              <a:sym typeface="Calibri"/>
-            </a:endParaRPr>
-          </a:p>
-          <a:p>
-            <a:pPr marL="57150" marR="0" lvl="0" indent="-114300" algn="l" rtl="0">
-              <a:lnSpc>
-                <a:spcPct val="100000"/>
-              </a:lnSpc>
-              <a:spcBef>
-                <a:spcPts val="0"/>
-              </a:spcBef>
-              <a:spcAft>
-                <a:spcPts val="0"/>
-              </a:spcAft>
-              <a:buSzPts val="900"/>
-              <a:buFont typeface="Calibri"/>
-              <a:buChar char="●"/>
-            </a:pPr>
-            <a:r>
-              <a:rPr lang="en" sz="900" u="sng">
-                <a:solidFill>
-                  <a:schemeClr val="hlink"/>
-                </a:solidFill>
-                <a:latin typeface="Calibri"/>
-                <a:ea typeface="Calibri"/>
-                <a:cs typeface="Calibri"/>
-                <a:sym typeface="Calibri"/>
-                <a:hlinkClick r:id="rId4"/>
-              </a:rPr>
-              <a:t>https://techcrunch.com/2025/02/13/tech-layoffs-2024-list/</a:t>
-            </a:r>
-            <a:endParaRPr sz="900">
-              <a:solidFill>
-                <a:srgbClr val="0F0F0F"/>
-              </a:solidFill>
-              <a:latin typeface="Calibri"/>
-              <a:ea typeface="Calibri"/>
-              <a:cs typeface="Calibri"/>
-              <a:sym typeface="Calibri"/>
-            </a:endParaRPr>
-          </a:p>
-          <a:p>
-            <a:pPr marL="57150" marR="0" lvl="0" indent="-114300" algn="l" rtl="0">
-              <a:lnSpc>
-                <a:spcPct val="100000"/>
-              </a:lnSpc>
-              <a:spcBef>
-                <a:spcPts val="0"/>
-              </a:spcBef>
-              <a:spcAft>
-                <a:spcPts val="0"/>
-              </a:spcAft>
-              <a:buSzPts val="900"/>
-              <a:buFont typeface="Calibri"/>
-              <a:buChar char="●"/>
-            </a:pPr>
-            <a:r>
-              <a:rPr lang="en" sz="900" u="sng">
-                <a:solidFill>
-                  <a:schemeClr val="hlink"/>
-                </a:solidFill>
-                <a:latin typeface="Calibri"/>
-                <a:ea typeface="Calibri"/>
-                <a:cs typeface="Calibri"/>
-                <a:sym typeface="Calibri"/>
-                <a:hlinkClick r:id="rId5"/>
-              </a:rPr>
-              <a:t>https://blog.pragmaticengineer.com/software-engineer-jobs-five-year-low/</a:t>
-            </a:r>
-            <a:r>
-              <a:rPr lang="en" sz="900">
-                <a:solidFill>
-                  <a:srgbClr val="0F0F0F"/>
-                </a:solidFill>
-                <a:latin typeface="Calibri"/>
-                <a:ea typeface="Calibri"/>
-                <a:cs typeface="Calibri"/>
-                <a:sym typeface="Calibri"/>
-              </a:rPr>
-              <a:t>  </a:t>
-            </a:r>
-            <a:endParaRPr sz="900">
-              <a:solidFill>
-                <a:srgbClr val="0F0F0F"/>
-              </a:solidFill>
-              <a:latin typeface="Calibri"/>
-              <a:ea typeface="Calibri"/>
-              <a:cs typeface="Calibri"/>
-              <a:sym typeface="Calibri"/>
-            </a:endParaRPr>
-          </a:p>
-          <a:p>
-            <a:pPr marL="57150" marR="0" lvl="0" indent="-114300" algn="l" rtl="0">
-              <a:lnSpc>
-                <a:spcPct val="100000"/>
-              </a:lnSpc>
-              <a:spcBef>
-                <a:spcPts val="0"/>
-              </a:spcBef>
-              <a:spcAft>
-                <a:spcPts val="0"/>
-              </a:spcAft>
-              <a:buClr>
-                <a:srgbClr val="0F0F0F"/>
-              </a:buClr>
-              <a:buSzPts val="900"/>
-              <a:buFont typeface="Calibri"/>
-              <a:buChar char="●"/>
-            </a:pPr>
-            <a:r>
-              <a:rPr lang="en" sz="900" u="sng">
-                <a:solidFill>
-                  <a:schemeClr val="hlink"/>
-                </a:solidFill>
-                <a:latin typeface="Calibri"/>
-                <a:ea typeface="Calibri"/>
-                <a:cs typeface="Calibri"/>
-                <a:sym typeface="Calibri"/>
-                <a:hlinkClick r:id="rId6"/>
-              </a:rPr>
-              <a:t>https://fred.stlouisfed.org/series/IHLIDXUS</a:t>
-            </a:r>
-            <a:r>
-              <a:rPr lang="en" sz="900">
-                <a:solidFill>
-                  <a:srgbClr val="0F0F0F"/>
-                </a:solidFill>
-                <a:latin typeface="Calibri"/>
-                <a:ea typeface="Calibri"/>
-                <a:cs typeface="Calibri"/>
-                <a:sym typeface="Calibri"/>
-              </a:rPr>
-              <a:t> </a:t>
-            </a:r>
-            <a:endParaRPr sz="900">
-              <a:solidFill>
-                <a:srgbClr val="0F0F0F"/>
-              </a:solidFill>
-              <a:latin typeface="Calibri"/>
-              <a:ea typeface="Calibri"/>
-              <a:cs typeface="Calibri"/>
-              <a:sym typeface="Calibri"/>
-            </a:endParaRPr>
-          </a:p>
-        </p:txBody>
-      </p:sp>
-      <p:pic>
-        <p:nvPicPr>
-          <p:cNvPr id="292" name="Google Shape;292;p33"/>
-          <p:cNvPicPr preferRelativeResize="0"/>
-          <p:nvPr/>
-        </p:nvPicPr>
-        <p:blipFill>
-          <a:blip r:embed="rId7" cstate="email">
-            <a:alphaModFix/>
-            <a:extLst>
-              <a:ext uri="{28A0092B-C50C-407E-A947-70E740481C1C}">
-                <a14:useLocalDpi xmlns:a14="http://schemas.microsoft.com/office/drawing/2010/main"/>
-              </a:ext>
-            </a:extLst>
-          </a:blip>
-          <a:stretch>
-            <a:fillRect/>
-          </a:stretch>
-        </p:blipFill>
-        <p:spPr>
-          <a:xfrm>
-            <a:off x="4923450" y="77700"/>
-            <a:ext cx="4151700" cy="1916168"/>
-          </a:xfrm>
-          <a:prstGeom prst="rect">
-            <a:avLst/>
-          </a:prstGeom>
-          <a:noFill/>
-          <a:ln w="9525" cap="flat" cmpd="sng">
-            <a:solidFill>
-              <a:srgbClr val="FF0000"/>
-            </a:solidFill>
-            <a:prstDash val="solid"/>
-            <a:round/>
-            <a:headEnd type="none" w="sm" len="sm"/>
-            <a:tailEnd type="none" w="sm" len="sm"/>
-          </a:ln>
-        </p:spPr>
-      </p:pic>
-      <p:sp>
-        <p:nvSpPr>
-          <p:cNvPr id="293" name="Google Shape;293;p33"/>
-          <p:cNvSpPr txBox="1"/>
-          <p:nvPr/>
-        </p:nvSpPr>
-        <p:spPr>
-          <a:xfrm>
-            <a:off x="121850" y="1374075"/>
-            <a:ext cx="2323800" cy="738900"/>
-          </a:xfrm>
-          <a:prstGeom prst="rect">
-            <a:avLst/>
-          </a:prstGeom>
-          <a:noFill/>
-          <a:ln>
-            <a:noFill/>
-          </a:ln>
-        </p:spPr>
-        <p:txBody>
-          <a:bodyPr spcFirstLastPara="1" wrap="square" lIns="91425" tIns="91425" rIns="91425" bIns="91425" anchor="t" anchorCtr="0">
-            <a:spAutoFit/>
-          </a:bodyPr>
-          <a:lstStyle/>
-          <a:p>
-            <a:pPr marL="0" marR="0" lvl="0" indent="0" algn="l" rtl="0">
-              <a:lnSpc>
-                <a:spcPct val="100000"/>
-              </a:lnSpc>
-              <a:spcBef>
-                <a:spcPts val="0"/>
-              </a:spcBef>
-              <a:spcAft>
-                <a:spcPts val="0"/>
-              </a:spcAft>
-              <a:buClr>
-                <a:srgbClr val="000000"/>
-              </a:buClr>
-              <a:buSzPts val="1300"/>
-              <a:buFont typeface="Arial"/>
-              <a:buNone/>
-            </a:pPr>
-            <a:endParaRPr sz="1200">
-              <a:solidFill>
-                <a:schemeClr val="dk1"/>
-              </a:solidFill>
-              <a:latin typeface="Calibri"/>
-              <a:ea typeface="Calibri"/>
-              <a:cs typeface="Calibri"/>
-              <a:sym typeface="Calibri"/>
-            </a:endParaRPr>
-          </a:p>
-          <a:p>
-            <a:pPr marL="0" marR="0" lvl="0" indent="0" algn="l" rtl="0">
-              <a:lnSpc>
-                <a:spcPct val="100000"/>
-              </a:lnSpc>
-              <a:spcBef>
-                <a:spcPts val="0"/>
-              </a:spcBef>
-              <a:spcAft>
-                <a:spcPts val="0"/>
-              </a:spcAft>
-              <a:buClr>
-                <a:srgbClr val="000000"/>
-              </a:buClr>
-              <a:buSzPts val="1300"/>
-              <a:buFont typeface="Arial"/>
-              <a:buNone/>
-            </a:pPr>
-            <a:endParaRPr sz="1200">
-              <a:solidFill>
-                <a:srgbClr val="0F0F0F"/>
-              </a:solidFill>
-              <a:latin typeface="Calibri"/>
-              <a:ea typeface="Calibri"/>
-              <a:cs typeface="Calibri"/>
-              <a:sym typeface="Calibri"/>
-            </a:endParaRPr>
-          </a:p>
-          <a:p>
-            <a:pPr marL="0" marR="0" lvl="0" indent="0" algn="l" rtl="0">
-              <a:lnSpc>
-                <a:spcPct val="100000"/>
-              </a:lnSpc>
-              <a:spcBef>
-                <a:spcPts val="0"/>
-              </a:spcBef>
-              <a:spcAft>
-                <a:spcPts val="0"/>
-              </a:spcAft>
-              <a:buClr>
-                <a:srgbClr val="000000"/>
-              </a:buClr>
-              <a:buSzPts val="1300"/>
-              <a:buFont typeface="Arial"/>
-              <a:buNone/>
-            </a:pPr>
-            <a:endParaRPr sz="1200">
-              <a:solidFill>
-                <a:srgbClr val="0F0F0F"/>
-              </a:solidFill>
-              <a:latin typeface="Calibri"/>
-              <a:ea typeface="Calibri"/>
-              <a:cs typeface="Calibri"/>
-              <a:sym typeface="Calibri"/>
-            </a:endParaRPr>
-          </a:p>
-        </p:txBody>
-      </p:sp>
-      <p:sp>
-        <p:nvSpPr>
-          <p:cNvPr id="294" name="Google Shape;294;p33"/>
-          <p:cNvSpPr txBox="1"/>
-          <p:nvPr/>
-        </p:nvSpPr>
-        <p:spPr>
-          <a:xfrm>
-            <a:off x="295050" y="981463"/>
-            <a:ext cx="2950500" cy="415500"/>
-          </a:xfrm>
-          <a:prstGeom prst="rect">
-            <a:avLst/>
-          </a:prstGeom>
-          <a:noFill/>
-          <a:ln>
-            <a:noFill/>
-          </a:ln>
-        </p:spPr>
-        <p:txBody>
-          <a:bodyPr spcFirstLastPara="1" wrap="square" lIns="91425" tIns="91425" rIns="91425" bIns="91425" anchor="t" anchorCtr="0">
-            <a:spAutoFit/>
-          </a:bodyPr>
-          <a:lstStyle/>
-          <a:p>
-            <a:pPr marL="0" lvl="0" indent="0" algn="l" rtl="0">
-              <a:lnSpc>
-                <a:spcPct val="115000"/>
-              </a:lnSpc>
-              <a:spcBef>
-                <a:spcPts val="0"/>
-              </a:spcBef>
-              <a:spcAft>
-                <a:spcPts val="1800"/>
-              </a:spcAft>
-              <a:buNone/>
-            </a:pPr>
-            <a:endParaRPr sz="1500">
-              <a:solidFill>
-                <a:srgbClr val="4F4F4F"/>
-              </a:solidFill>
-              <a:highlight>
-                <a:srgbClr val="FFFFFF"/>
-              </a:highlight>
-            </a:endParaRPr>
-          </a:p>
-        </p:txBody>
-      </p:sp>
-      <p:sp>
-        <p:nvSpPr>
-          <p:cNvPr id="295" name="Google Shape;295;p33"/>
-          <p:cNvSpPr txBox="1"/>
-          <p:nvPr/>
-        </p:nvSpPr>
-        <p:spPr>
-          <a:xfrm>
-            <a:off x="121850" y="1249000"/>
-            <a:ext cx="4221900" cy="2142600"/>
-          </a:xfrm>
-          <a:prstGeom prst="rect">
-            <a:avLst/>
-          </a:prstGeom>
-          <a:solidFill>
-            <a:srgbClr val="FFF2CC"/>
-          </a:solidFill>
-          <a:ln w="9525" cap="flat" cmpd="sng">
-            <a:solidFill>
-              <a:srgbClr val="FF0000"/>
-            </a:solidFill>
-            <a:prstDash val="solid"/>
-            <a:round/>
-            <a:headEnd type="none" w="sm" len="sm"/>
-            <a:tailEnd type="none" w="sm" len="sm"/>
-          </a:ln>
-        </p:spPr>
-        <p:txBody>
-          <a:bodyPr spcFirstLastPara="1" wrap="square" lIns="9125" tIns="9125" rIns="9125" bIns="9125" anchor="t" anchorCtr="0">
-            <a:spAutoFit/>
-          </a:bodyPr>
-          <a:lstStyle/>
-          <a:p>
-            <a:pPr marL="57150" lvl="0" indent="0" algn="l" rtl="0">
-              <a:spcBef>
-                <a:spcPts val="0"/>
-              </a:spcBef>
-              <a:spcAft>
-                <a:spcPts val="0"/>
-              </a:spcAft>
-              <a:buNone/>
-            </a:pPr>
-            <a:r>
-              <a:rPr lang="en" sz="1200">
-                <a:solidFill>
-                  <a:srgbClr val="0F0F0F"/>
-                </a:solidFill>
-                <a:latin typeface="Calibri"/>
-                <a:ea typeface="Calibri"/>
-                <a:cs typeface="Calibri"/>
-                <a:sym typeface="Calibri"/>
-              </a:rPr>
-              <a:t>The latest layoffs across US tech companies</a:t>
-            </a:r>
-            <a:endParaRPr sz="1200">
-              <a:solidFill>
-                <a:srgbClr val="0F0F0F"/>
-              </a:solidFill>
-              <a:latin typeface="Calibri"/>
-              <a:ea typeface="Calibri"/>
-              <a:cs typeface="Calibri"/>
-              <a:sym typeface="Calibri"/>
-            </a:endParaRPr>
-          </a:p>
-          <a:p>
-            <a:pPr marL="228600" lvl="0" indent="-114300" algn="l" rtl="0">
-              <a:spcBef>
-                <a:spcPts val="0"/>
-              </a:spcBef>
-              <a:spcAft>
-                <a:spcPts val="0"/>
-              </a:spcAft>
-              <a:buSzPts val="900"/>
-              <a:buFont typeface="Calibri"/>
-              <a:buChar char="●"/>
-            </a:pPr>
-            <a:r>
-              <a:rPr lang="en" sz="900" u="sng">
-                <a:solidFill>
-                  <a:schemeClr val="hlink"/>
-                </a:solidFill>
-                <a:latin typeface="Calibri"/>
-                <a:ea typeface="Calibri"/>
-                <a:cs typeface="Calibri"/>
-                <a:sym typeface="Calibri"/>
-                <a:hlinkClick r:id="rId8"/>
-              </a:rPr>
-              <a:t>https://news.crunchbase.com/startups/tech-layoffs/</a:t>
-            </a:r>
-            <a:endParaRPr sz="900">
-              <a:solidFill>
-                <a:schemeClr val="dk1"/>
-              </a:solidFill>
-              <a:latin typeface="Calibri"/>
-              <a:ea typeface="Calibri"/>
-              <a:cs typeface="Calibri"/>
-              <a:sym typeface="Calibri"/>
-            </a:endParaRPr>
-          </a:p>
-          <a:p>
-            <a:pPr marL="228600" lvl="0" indent="-114300" algn="l" rtl="0">
-              <a:spcBef>
-                <a:spcPts val="0"/>
-              </a:spcBef>
-              <a:spcAft>
-                <a:spcPts val="0"/>
-              </a:spcAft>
-              <a:buSzPts val="900"/>
-              <a:buFont typeface="Calibri"/>
-              <a:buChar char="●"/>
-            </a:pPr>
-            <a:r>
-              <a:rPr lang="en" sz="900" u="sng">
-                <a:solidFill>
-                  <a:schemeClr val="hlink"/>
-                </a:solidFill>
-                <a:latin typeface="Calibri"/>
-                <a:ea typeface="Calibri"/>
-                <a:cs typeface="Calibri"/>
-                <a:sym typeface="Calibri"/>
-                <a:hlinkClick r:id="rId9"/>
-              </a:rPr>
-              <a:t>https://www.trueup.io/layoffs</a:t>
-            </a:r>
-            <a:endParaRPr sz="900">
-              <a:solidFill>
-                <a:srgbClr val="0F0F0F"/>
-              </a:solidFill>
-              <a:latin typeface="Calibri"/>
-              <a:ea typeface="Calibri"/>
-              <a:cs typeface="Calibri"/>
-              <a:sym typeface="Calibri"/>
-            </a:endParaRPr>
-          </a:p>
-          <a:p>
-            <a:pPr marL="0" lvl="0" indent="0" algn="l" rtl="0">
-              <a:spcBef>
-                <a:spcPts val="0"/>
-              </a:spcBef>
-              <a:spcAft>
-                <a:spcPts val="0"/>
-              </a:spcAft>
-              <a:buClr>
-                <a:schemeClr val="dk1"/>
-              </a:buClr>
-              <a:buSzPts val="1100"/>
-              <a:buFont typeface="Arial"/>
-              <a:buNone/>
-            </a:pPr>
-            <a:endParaRPr sz="1200">
-              <a:solidFill>
-                <a:srgbClr val="0F0F0F"/>
-              </a:solidFill>
-              <a:latin typeface="Calibri"/>
-              <a:ea typeface="Calibri"/>
-              <a:cs typeface="Calibri"/>
-              <a:sym typeface="Calibri"/>
-            </a:endParaRPr>
-          </a:p>
-          <a:p>
-            <a:pPr marL="171450" lvl="0" indent="-133350" algn="l" rtl="0">
-              <a:spcBef>
-                <a:spcPts val="0"/>
-              </a:spcBef>
-              <a:spcAft>
-                <a:spcPts val="0"/>
-              </a:spcAft>
-              <a:buClr>
-                <a:schemeClr val="dk1"/>
-              </a:buClr>
-              <a:buSzPts val="1200"/>
-              <a:buFont typeface="Calibri"/>
-              <a:buChar char="●"/>
-            </a:pPr>
-            <a:r>
-              <a:rPr lang="en" sz="1200">
-                <a:solidFill>
-                  <a:srgbClr val="0F0F0F"/>
-                </a:solidFill>
-                <a:latin typeface="Calibri"/>
-                <a:ea typeface="Calibri"/>
-                <a:cs typeface="Calibri"/>
-                <a:sym typeface="Calibri"/>
-              </a:rPr>
-              <a:t>in 2025: so far 34,803 workers (167 layoffs, 535 people per day).</a:t>
-            </a:r>
-            <a:br>
-              <a:rPr lang="en" sz="1200">
-                <a:solidFill>
-                  <a:srgbClr val="0F0F0F"/>
-                </a:solidFill>
-                <a:latin typeface="Calibri"/>
-                <a:ea typeface="Calibri"/>
-                <a:cs typeface="Calibri"/>
-                <a:sym typeface="Calibri"/>
-              </a:rPr>
-            </a:br>
-            <a:r>
-              <a:rPr lang="en" sz="1200">
-                <a:solidFill>
-                  <a:schemeClr val="dk1"/>
-                </a:solidFill>
-                <a:latin typeface="Calibri"/>
-                <a:ea typeface="Calibri"/>
-                <a:cs typeface="Calibri"/>
-                <a:sym typeface="Calibri"/>
-              </a:rPr>
-              <a:t>for week ending Feb. 28, 2025: at least 6,071, including:</a:t>
-            </a:r>
-            <a:endParaRPr sz="1200">
-              <a:solidFill>
-                <a:schemeClr val="dk1"/>
-              </a:solidFill>
-              <a:latin typeface="Calibri"/>
-              <a:ea typeface="Calibri"/>
-              <a:cs typeface="Calibri"/>
-              <a:sym typeface="Calibri"/>
-            </a:endParaRPr>
-          </a:p>
-          <a:p>
-            <a:pPr marL="457200" lvl="0" indent="0" algn="l" rtl="0">
-              <a:spcBef>
-                <a:spcPts val="0"/>
-              </a:spcBef>
-              <a:spcAft>
-                <a:spcPts val="0"/>
-              </a:spcAft>
-              <a:buClr>
-                <a:schemeClr val="dk1"/>
-              </a:buClr>
-              <a:buSzPts val="1300"/>
-              <a:buFont typeface="Arial"/>
-              <a:buNone/>
-            </a:pPr>
-            <a:r>
-              <a:rPr lang="en" sz="1200">
-                <a:solidFill>
-                  <a:srgbClr val="0F0F0F"/>
-                </a:solidFill>
-                <a:latin typeface="Calibri"/>
-                <a:ea typeface="Calibri"/>
-                <a:cs typeface="Calibri"/>
-                <a:sym typeface="Calibri"/>
-              </a:rPr>
-              <a:t>Autodesk - 1,350 people</a:t>
-            </a:r>
-            <a:endParaRPr sz="1200">
-              <a:solidFill>
-                <a:srgbClr val="0F0F0F"/>
-              </a:solidFill>
-              <a:latin typeface="Calibri"/>
-              <a:ea typeface="Calibri"/>
-              <a:cs typeface="Calibri"/>
-              <a:sym typeface="Calibri"/>
-            </a:endParaRPr>
-          </a:p>
-          <a:p>
-            <a:pPr marL="457200" lvl="0" indent="0" algn="l" rtl="0">
-              <a:spcBef>
-                <a:spcPts val="0"/>
-              </a:spcBef>
-              <a:spcAft>
-                <a:spcPts val="0"/>
-              </a:spcAft>
-              <a:buClr>
-                <a:schemeClr val="dk1"/>
-              </a:buClr>
-              <a:buSzPts val="1300"/>
-              <a:buFont typeface="Arial"/>
-              <a:buNone/>
-            </a:pPr>
-            <a:r>
-              <a:rPr lang="en" sz="1200">
-                <a:solidFill>
-                  <a:srgbClr val="0F0F0F"/>
-                </a:solidFill>
-                <a:latin typeface="Calibri"/>
-                <a:ea typeface="Calibri"/>
-                <a:cs typeface="Calibri"/>
-                <a:sym typeface="Calibri"/>
-              </a:rPr>
-              <a:t>Hewlett-Packard - 2,000 people</a:t>
-            </a:r>
-            <a:endParaRPr sz="1200">
-              <a:solidFill>
-                <a:srgbClr val="0F0F0F"/>
-              </a:solidFill>
-              <a:latin typeface="Calibri"/>
-              <a:ea typeface="Calibri"/>
-              <a:cs typeface="Calibri"/>
-              <a:sym typeface="Calibri"/>
-            </a:endParaRPr>
-          </a:p>
-          <a:p>
-            <a:pPr marL="457200" lvl="0" indent="0" algn="l" rtl="0">
-              <a:spcBef>
-                <a:spcPts val="0"/>
-              </a:spcBef>
-              <a:spcAft>
-                <a:spcPts val="0"/>
-              </a:spcAft>
-              <a:buClr>
-                <a:schemeClr val="dk1"/>
-              </a:buClr>
-              <a:buSzPts val="1300"/>
-              <a:buFont typeface="Arial"/>
-              <a:buNone/>
-            </a:pPr>
-            <a:r>
-              <a:rPr lang="en" sz="1200">
-                <a:solidFill>
-                  <a:srgbClr val="0F0F0F"/>
-                </a:solidFill>
-                <a:latin typeface="Calibri"/>
-                <a:ea typeface="Calibri"/>
-                <a:cs typeface="Calibri"/>
-                <a:sym typeface="Calibri"/>
-              </a:rPr>
-              <a:t>Onsemi - 2,400 people</a:t>
-            </a:r>
-            <a:endParaRPr sz="1200">
-              <a:solidFill>
-                <a:schemeClr val="dk1"/>
-              </a:solidFill>
-              <a:latin typeface="Calibri"/>
-              <a:ea typeface="Calibri"/>
-              <a:cs typeface="Calibri"/>
-              <a:sym typeface="Calibri"/>
-            </a:endParaRPr>
-          </a:p>
-          <a:p>
-            <a:pPr marL="171450" lvl="0" indent="-133350" algn="l" rtl="0">
-              <a:spcBef>
-                <a:spcPts val="0"/>
-              </a:spcBef>
-              <a:spcAft>
-                <a:spcPts val="0"/>
-              </a:spcAft>
-              <a:buClr>
-                <a:schemeClr val="dk1"/>
-              </a:buClr>
-              <a:buSzPts val="1200"/>
-              <a:buFont typeface="Calibri"/>
-              <a:buChar char="●"/>
-            </a:pPr>
-            <a:r>
-              <a:rPr lang="en" sz="1200">
-                <a:solidFill>
-                  <a:schemeClr val="dk1"/>
-                </a:solidFill>
-                <a:latin typeface="Calibri"/>
-                <a:ea typeface="Calibri"/>
-                <a:cs typeface="Calibri"/>
-                <a:sym typeface="Calibri"/>
-              </a:rPr>
-              <a:t>In 2024: At least 95,667 workers</a:t>
-            </a:r>
-            <a:endParaRPr sz="1200">
-              <a:solidFill>
-                <a:schemeClr val="dk1"/>
-              </a:solidFill>
-              <a:latin typeface="Calibri"/>
-              <a:ea typeface="Calibri"/>
-              <a:cs typeface="Calibri"/>
-              <a:sym typeface="Calibri"/>
-            </a:endParaRPr>
-          </a:p>
-          <a:p>
-            <a:pPr marL="171450" lvl="0" indent="-133350" algn="l" rtl="0">
-              <a:spcBef>
-                <a:spcPts val="0"/>
-              </a:spcBef>
-              <a:spcAft>
-                <a:spcPts val="0"/>
-              </a:spcAft>
-              <a:buClr>
-                <a:schemeClr val="dk1"/>
-              </a:buClr>
-              <a:buSzPts val="1200"/>
-              <a:buFont typeface="Calibri"/>
-              <a:buChar char="●"/>
-            </a:pPr>
-            <a:r>
-              <a:rPr lang="en" sz="1200">
-                <a:solidFill>
-                  <a:schemeClr val="dk1"/>
-                </a:solidFill>
-                <a:latin typeface="Calibri"/>
-                <a:ea typeface="Calibri"/>
-                <a:cs typeface="Calibri"/>
-                <a:sym typeface="Calibri"/>
-              </a:rPr>
-              <a:t>In 2023: More than 191,000 workers </a:t>
-            </a:r>
-            <a:endParaRPr sz="1200">
-              <a:solidFill>
-                <a:schemeClr val="dk1"/>
-              </a:solidFill>
-              <a:latin typeface="Calibri"/>
-              <a:ea typeface="Calibri"/>
-              <a:cs typeface="Calibri"/>
-              <a:sym typeface="Calibri"/>
-            </a:endParaRPr>
-          </a:p>
-          <a:p>
-            <a:pPr marL="171450" lvl="0" indent="-133350" algn="l" rtl="0">
-              <a:spcBef>
-                <a:spcPts val="0"/>
-              </a:spcBef>
-              <a:spcAft>
-                <a:spcPts val="0"/>
-              </a:spcAft>
-              <a:buClr>
-                <a:schemeClr val="dk1"/>
-              </a:buClr>
-              <a:buSzPts val="1200"/>
-              <a:buFont typeface="Calibri"/>
-              <a:buChar char="●"/>
-            </a:pPr>
-            <a:r>
-              <a:rPr lang="en" sz="1200">
-                <a:solidFill>
-                  <a:schemeClr val="dk1"/>
-                </a:solidFill>
-                <a:latin typeface="Calibri"/>
-                <a:ea typeface="Calibri"/>
-                <a:cs typeface="Calibri"/>
-                <a:sym typeface="Calibri"/>
-              </a:rPr>
-              <a:t>In 2022: More than 93,000 workers</a:t>
-            </a:r>
-            <a:endParaRPr sz="1200">
-              <a:solidFill>
-                <a:schemeClr val="dk1"/>
-              </a:solidFill>
-              <a:latin typeface="Calibri"/>
-              <a:ea typeface="Calibri"/>
-              <a:cs typeface="Calibri"/>
-              <a:sym typeface="Calibri"/>
-            </a:endParaRPr>
-          </a:p>
-        </p:txBody>
-      </p:sp>
-      <p:pic>
-        <p:nvPicPr>
-          <p:cNvPr id="296" name="Google Shape;296;p33"/>
-          <p:cNvPicPr preferRelativeResize="0"/>
-          <p:nvPr/>
-        </p:nvPicPr>
-        <p:blipFill>
-          <a:blip r:embed="rId10" cstate="email">
-            <a:alphaModFix/>
-            <a:extLst>
-              <a:ext uri="{28A0092B-C50C-407E-A947-70E740481C1C}">
-                <a14:useLocalDpi xmlns:a14="http://schemas.microsoft.com/office/drawing/2010/main"/>
-              </a:ext>
-            </a:extLst>
-          </a:blip>
-          <a:stretch>
-            <a:fillRect/>
-          </a:stretch>
-        </p:blipFill>
-        <p:spPr>
-          <a:xfrm>
-            <a:off x="4505350" y="2301326"/>
-            <a:ext cx="4569798" cy="2579725"/>
-          </a:xfrm>
-          <a:prstGeom prst="rect">
-            <a:avLst/>
-          </a:prstGeom>
-          <a:noFill/>
-          <a:ln w="9525" cap="flat" cmpd="sng">
-            <a:solidFill>
-              <a:srgbClr val="FF0000"/>
-            </a:solidFill>
-            <a:prstDash val="solid"/>
-            <a:round/>
-            <a:headEnd type="none" w="sm" len="sm"/>
-            <a:tailEnd type="none" w="sm" len="sm"/>
-          </a:ln>
-        </p:spPr>
-      </p:pic>
     </p:spTree>
   </p:cSld>
   <p:clrMapOvr>
@@ -24241,8 +27008,8 @@
         </p:nvSpPr>
         <p:spPr>
           <a:xfrm>
-            <a:off x="55075" y="449200"/>
-            <a:ext cx="4456200" cy="3712500"/>
+            <a:off x="359875" y="601600"/>
+            <a:ext cx="4456200" cy="4266600"/>
           </a:xfrm>
           <a:prstGeom prst="rect">
             <a:avLst/>
@@ -24276,9 +27043,9 @@
               <a:buNone/>
             </a:pPr>
             <a:r>
-              <a:rPr lang="en" sz="1200">
-                <a:solidFill>
-                  <a:srgbClr val="131313"/>
+              <a:rPr lang="en" sz="1200" b="1">
+                <a:solidFill>
+                  <a:srgbClr val="FF0000"/>
                 </a:solidFill>
                 <a:latin typeface="Calibri"/>
                 <a:ea typeface="Calibri"/>
@@ -24287,9 +27054,9 @@
               </a:rPr>
               <a:t>Google Gemma-3 - open source, major improvements</a:t>
             </a:r>
-            <a:endParaRPr sz="1200">
-              <a:solidFill>
-                <a:srgbClr val="131313"/>
+            <a:endParaRPr sz="1200" b="1">
+              <a:solidFill>
+                <a:srgbClr val="FF0000"/>
               </a:solidFill>
               <a:latin typeface="Calibri"/>
               <a:ea typeface="Calibri"/>
@@ -25025,7 +27792,71 @@
             </a:r>
             <a:endParaRPr sz="1200">
               <a:solidFill>
-                <a:srgbClr val="131313"/>
+                <a:schemeClr val="dk1"/>
+              </a:solidFill>
+              <a:latin typeface="Calibri"/>
+              <a:ea typeface="Calibri"/>
+              <a:cs typeface="Calibri"/>
+              <a:sym typeface="Calibri"/>
+            </a:endParaRPr>
+          </a:p>
+          <a:p>
+            <a:pPr marL="171450" marR="0" lvl="0" indent="-133350" algn="l" rtl="0">
+              <a:lnSpc>
+                <a:spcPct val="100000"/>
+              </a:lnSpc>
+              <a:spcBef>
+                <a:spcPts val="0"/>
+              </a:spcBef>
+              <a:spcAft>
+                <a:spcPts val="0"/>
+              </a:spcAft>
+              <a:buClr>
+                <a:schemeClr val="dk1"/>
+              </a:buClr>
+              <a:buSzPts val="1200"/>
+              <a:buFont typeface="Calibri"/>
+              <a:buChar char="●"/>
+            </a:pPr>
+            <a:r>
+              <a:rPr lang="en" sz="1200" b="1">
+                <a:solidFill>
+                  <a:srgbClr val="3C78D8"/>
+                </a:solidFill>
+                <a:latin typeface="Calibri"/>
+                <a:ea typeface="Calibri"/>
+                <a:cs typeface="Calibri"/>
+                <a:sym typeface="Calibri"/>
+              </a:rPr>
+              <a:t>gemma3</a:t>
+            </a:r>
+            <a:r>
+              <a:rPr lang="en" sz="1200">
+                <a:solidFill>
+                  <a:schemeClr val="dk1"/>
+                </a:solidFill>
+                <a:latin typeface="Calibri"/>
+                <a:ea typeface="Calibri"/>
+                <a:cs typeface="Calibri"/>
+                <a:sym typeface="Calibri"/>
+              </a:rPr>
+              <a:t> receives mixed reviews on Reddit. Some are praising its creative and world-building capabilities, others criticizing its frequent mistakes, suggesting it is less effective than </a:t>
+            </a:r>
+            <a:r>
+              <a:rPr lang="en" sz="1200" b="1">
+                <a:solidFill>
+                  <a:srgbClr val="3C78D8"/>
+                </a:solidFill>
+                <a:latin typeface="Calibri"/>
+                <a:ea typeface="Calibri"/>
+                <a:cs typeface="Calibri"/>
+                <a:sym typeface="Calibri"/>
+              </a:rPr>
+              <a:t>phi4-14b</a:t>
+            </a:r>
+            <a:endParaRPr sz="1200" b="1">
+              <a:solidFill>
+                <a:srgbClr val="3C78D8"/>
               </a:solidFill>
               <a:latin typeface="Calibri"/>
               <a:ea typeface="Calibri"/>
@@ -25056,8 +27887,8 @@
         </p:blipFill>
         <p:spPr>
           <a:xfrm>
-            <a:off x="5236175" y="2408525"/>
-            <a:ext cx="3476475" cy="2330207"/>
+            <a:off x="5484225" y="2676100"/>
+            <a:ext cx="3270423" cy="2192099"/>
           </a:xfrm>
           <a:prstGeom prst="rect">
             <a:avLst/>
@@ -25090,8 +27921,8 @@
         </p:blipFill>
         <p:spPr>
           <a:xfrm>
-            <a:off x="5236175" y="186350"/>
-            <a:ext cx="3476475" cy="1946825"/>
+            <a:off x="5484225" y="601600"/>
+            <a:ext cx="3270425" cy="1831437"/>
           </a:xfrm>
           <a:prstGeom prst="rect">
             <a:avLst/>
@@ -25121,7 +27952,1579 @@
   <p:cSld>
     <p:spTree>
       <p:nvGrpSpPr>
-        <p:cNvPr id="1" name="Shape 300"/>
+        <p:cNvPr id="1" name="Shape 307"/>
+        <p:cNvGrpSpPr/>
+        <p:nvPr/>
+      </p:nvGrpSpPr>
+      <p:grpSpPr>
+        <a:xfrm>
+          <a:off x="0" y="0"/>
+          <a:ext cx="0" cy="0"/>
+          <a:chOff x="0" y="0"/>
+          <a:chExt cx="0" cy="0"/>
+        </a:xfrm>
+      </p:grpSpPr>
+      <p:sp>
+        <p:nvSpPr>
+          <p:cNvPr id="308" name="Google Shape;308;p34"/>
+          <p:cNvSpPr txBox="1"/>
+          <p:nvPr/>
+        </p:nvSpPr>
+        <p:spPr>
+          <a:xfrm>
+            <a:off x="-38050" y="-108050"/>
+            <a:ext cx="4557000" cy="492600"/>
+          </a:xfrm>
+          <a:prstGeom prst="rect">
+            <a:avLst/>
+          </a:prstGeom>
+          <a:noFill/>
+          <a:ln>
+            <a:noFill/>
+          </a:ln>
+        </p:spPr>
+        <p:txBody>
+          <a:bodyPr spcFirstLastPara="1" wrap="square" lIns="91425" tIns="91425" rIns="91425" bIns="91425" anchor="t" anchorCtr="0">
+            <a:spAutoFit/>
+          </a:bodyPr>
+          <a:lstStyle/>
+          <a:p>
+            <a:pPr marL="0" marR="0" lvl="0" indent="0" algn="l" rtl="0">
+              <a:lnSpc>
+                <a:spcPct val="100000"/>
+              </a:lnSpc>
+              <a:spcBef>
+                <a:spcPts val="0"/>
+              </a:spcBef>
+              <a:spcAft>
+                <a:spcPts val="0"/>
+              </a:spcAft>
+              <a:buClr>
+                <a:srgbClr val="000000"/>
+              </a:buClr>
+              <a:buSzPts val="2000"/>
+              <a:buFont typeface="Arial"/>
+              <a:buNone/>
+            </a:pPr>
+            <a:r>
+              <a:rPr lang="en" sz="2000" b="1">
+                <a:solidFill>
+                  <a:schemeClr val="dk1"/>
+                </a:solidFill>
+                <a:latin typeface="Calibri"/>
+                <a:ea typeface="Calibri"/>
+                <a:cs typeface="Calibri"/>
+                <a:sym typeface="Calibri"/>
+              </a:rPr>
+              <a:t>WebDev Arena Leaderboard</a:t>
+            </a:r>
+            <a:endParaRPr sz="2000" b="1" i="0" u="none" strike="noStrike" cap="none">
+              <a:solidFill>
+                <a:srgbClr val="000000"/>
+              </a:solidFill>
+              <a:latin typeface="Calibri"/>
+              <a:ea typeface="Calibri"/>
+              <a:cs typeface="Calibri"/>
+              <a:sym typeface="Calibri"/>
+            </a:endParaRPr>
+          </a:p>
+        </p:txBody>
+      </p:sp>
+      <p:sp>
+        <p:nvSpPr>
+          <p:cNvPr id="309" name="Google Shape;309;p34"/>
+          <p:cNvSpPr txBox="1"/>
+          <p:nvPr/>
+        </p:nvSpPr>
+        <p:spPr>
+          <a:xfrm>
+            <a:off x="1917800" y="282725"/>
+            <a:ext cx="2178300" cy="338700"/>
+          </a:xfrm>
+          <a:prstGeom prst="rect">
+            <a:avLst/>
+          </a:prstGeom>
+          <a:noFill/>
+          <a:ln>
+            <a:noFill/>
+          </a:ln>
+        </p:spPr>
+        <p:txBody>
+          <a:bodyPr spcFirstLastPara="1" wrap="square" lIns="91425" tIns="91425" rIns="91425" bIns="91425" anchor="t" anchorCtr="0">
+            <a:spAutoFit/>
+          </a:bodyPr>
+          <a:lstStyle/>
+          <a:p>
+            <a:pPr marL="57150" marR="0" lvl="0" indent="-63500" algn="l" rtl="0">
+              <a:lnSpc>
+                <a:spcPct val="100000"/>
+              </a:lnSpc>
+              <a:spcBef>
+                <a:spcPts val="0"/>
+              </a:spcBef>
+              <a:spcAft>
+                <a:spcPts val="0"/>
+              </a:spcAft>
+              <a:buSzPts val="1000"/>
+              <a:buFont typeface="Calibri"/>
+              <a:buChar char="●"/>
+            </a:pPr>
+            <a:r>
+              <a:rPr lang="en" sz="1000" u="sng">
+                <a:solidFill>
+                  <a:schemeClr val="hlink"/>
+                </a:solidFill>
+                <a:latin typeface="Calibri"/>
+                <a:ea typeface="Calibri"/>
+                <a:cs typeface="Calibri"/>
+                <a:sym typeface="Calibri"/>
+                <a:hlinkClick r:id="rId3"/>
+              </a:rPr>
+              <a:t>https://web.lmarena.ai/leaderboard</a:t>
+            </a:r>
+            <a:r>
+              <a:rPr lang="en" sz="1000">
+                <a:solidFill>
+                  <a:schemeClr val="dk1"/>
+                </a:solidFill>
+                <a:latin typeface="Calibri"/>
+                <a:ea typeface="Calibri"/>
+                <a:cs typeface="Calibri"/>
+                <a:sym typeface="Calibri"/>
+              </a:rPr>
+              <a:t> </a:t>
+            </a:r>
+            <a:endParaRPr sz="1000" b="0" i="0" u="none" strike="noStrike" cap="none">
+              <a:solidFill>
+                <a:schemeClr val="dk1"/>
+              </a:solidFill>
+              <a:latin typeface="Calibri"/>
+              <a:ea typeface="Calibri"/>
+              <a:cs typeface="Calibri"/>
+              <a:sym typeface="Calibri"/>
+            </a:endParaRPr>
+          </a:p>
+        </p:txBody>
+      </p:sp>
+      <p:pic>
+        <p:nvPicPr>
+          <p:cNvPr id="310" name="Google Shape;310;p34"/>
+          <p:cNvPicPr preferRelativeResize="0"/>
+          <p:nvPr/>
+        </p:nvPicPr>
+        <p:blipFill>
+          <a:blip r:embed="rId4" cstate="email">
+            <a:alphaModFix/>
+            <a:extLst>
+              <a:ext uri="{28A0092B-C50C-407E-A947-70E740481C1C}">
+                <a14:useLocalDpi xmlns:a14="http://schemas.microsoft.com/office/drawing/2010/main"/>
+              </a:ext>
+            </a:extLst>
+          </a:blip>
+          <a:stretch>
+            <a:fillRect/>
+          </a:stretch>
+        </p:blipFill>
+        <p:spPr>
+          <a:xfrm>
+            <a:off x="1543613" y="818250"/>
+            <a:ext cx="6056786" cy="4217274"/>
+          </a:xfrm>
+          <a:prstGeom prst="rect">
+            <a:avLst/>
+          </a:prstGeom>
+          <a:noFill/>
+          <a:ln>
+            <a:noFill/>
+          </a:ln>
+        </p:spPr>
+      </p:pic>
+    </p:spTree>
+  </p:cSld>
+  <p:clrMapOvr>
+    <a:masterClrMapping/>
+  </p:clrMapOvr>
+</p:sld>
+</file>
+
+<file path=ppt/slides/slide21.xml><?xml version="1.0" encoding="utf-8"?>
+<p:sld xmlns:a="http://schemas.openxmlformats.org/drawingml/2006/main" xmlns:r="http://schemas.openxmlformats.org/officeDocument/2006/relationships" xmlns:p="http://schemas.openxmlformats.org/presentationml/2006/main">
+  <p:cSld>
+    <p:spTree>
+      <p:nvGrpSpPr>
+        <p:cNvPr id="1" name="Shape 314"/>
+        <p:cNvGrpSpPr/>
+        <p:nvPr/>
+      </p:nvGrpSpPr>
+      <p:grpSpPr>
+        <a:xfrm>
+          <a:off x="0" y="0"/>
+          <a:ext cx="0" cy="0"/>
+          <a:chOff x="0" y="0"/>
+          <a:chExt cx="0" cy="0"/>
+        </a:xfrm>
+      </p:grpSpPr>
+      <p:sp>
+        <p:nvSpPr>
+          <p:cNvPr id="315" name="Google Shape;315;p35"/>
+          <p:cNvSpPr txBox="1"/>
+          <p:nvPr/>
+        </p:nvSpPr>
+        <p:spPr>
+          <a:xfrm>
+            <a:off x="-38048" y="-108050"/>
+            <a:ext cx="4151700" cy="492600"/>
+          </a:xfrm>
+          <a:prstGeom prst="rect">
+            <a:avLst/>
+          </a:prstGeom>
+          <a:noFill/>
+          <a:ln>
+            <a:noFill/>
+          </a:ln>
+        </p:spPr>
+        <p:txBody>
+          <a:bodyPr spcFirstLastPara="1" wrap="square" lIns="91425" tIns="91425" rIns="91425" bIns="91425" anchor="t" anchorCtr="0">
+            <a:spAutoFit/>
+          </a:bodyPr>
+          <a:lstStyle/>
+          <a:p>
+            <a:pPr marL="0" marR="0" lvl="0" indent="0" algn="l" rtl="0">
+              <a:lnSpc>
+                <a:spcPct val="100000"/>
+              </a:lnSpc>
+              <a:spcBef>
+                <a:spcPts val="0"/>
+              </a:spcBef>
+              <a:spcAft>
+                <a:spcPts val="0"/>
+              </a:spcAft>
+              <a:buClr>
+                <a:srgbClr val="000000"/>
+              </a:buClr>
+              <a:buSzPts val="2000"/>
+              <a:buFont typeface="Arial"/>
+              <a:buNone/>
+            </a:pPr>
+            <a:r>
+              <a:rPr lang="en" sz="2000" b="1">
+                <a:solidFill>
+                  <a:schemeClr val="dk1"/>
+                </a:solidFill>
+                <a:latin typeface="Calibri"/>
+                <a:ea typeface="Calibri"/>
+                <a:cs typeface="Calibri"/>
+                <a:sym typeface="Calibri"/>
+              </a:rPr>
+              <a:t>Jobs </a:t>
+            </a:r>
+            <a:endParaRPr sz="2000" b="1" i="0" u="none" strike="noStrike" cap="none">
+              <a:solidFill>
+                <a:srgbClr val="000000"/>
+              </a:solidFill>
+              <a:latin typeface="Calibri"/>
+              <a:ea typeface="Calibri"/>
+              <a:cs typeface="Calibri"/>
+              <a:sym typeface="Calibri"/>
+            </a:endParaRPr>
+          </a:p>
+        </p:txBody>
+      </p:sp>
+      <p:sp>
+        <p:nvSpPr>
+          <p:cNvPr id="316" name="Google Shape;316;p35"/>
+          <p:cNvSpPr txBox="1"/>
+          <p:nvPr/>
+        </p:nvSpPr>
+        <p:spPr>
+          <a:xfrm>
+            <a:off x="676675" y="189013"/>
+            <a:ext cx="4064100" cy="923400"/>
+          </a:xfrm>
+          <a:prstGeom prst="rect">
+            <a:avLst/>
+          </a:prstGeom>
+          <a:noFill/>
+          <a:ln w="9525" cap="flat" cmpd="sng">
+            <a:solidFill>
+              <a:srgbClr val="FF0000"/>
+            </a:solidFill>
+            <a:prstDash val="solid"/>
+            <a:round/>
+            <a:headEnd type="none" w="sm" len="sm"/>
+            <a:tailEnd type="none" w="sm" len="sm"/>
+          </a:ln>
+        </p:spPr>
+        <p:txBody>
+          <a:bodyPr spcFirstLastPara="1" wrap="square" lIns="91425" tIns="91425" rIns="91425" bIns="91425" anchor="t" anchorCtr="0">
+            <a:spAutoFit/>
+          </a:bodyPr>
+          <a:lstStyle/>
+          <a:p>
+            <a:pPr marL="0" marR="0" lvl="0" indent="0" algn="l" rtl="0">
+              <a:lnSpc>
+                <a:spcPct val="100000"/>
+              </a:lnSpc>
+              <a:spcBef>
+                <a:spcPts val="0"/>
+              </a:spcBef>
+              <a:spcAft>
+                <a:spcPts val="0"/>
+              </a:spcAft>
+              <a:buClr>
+                <a:srgbClr val="000000"/>
+              </a:buClr>
+              <a:buSzPts val="1300"/>
+              <a:buFont typeface="Arial"/>
+              <a:buNone/>
+            </a:pPr>
+            <a:r>
+              <a:rPr lang="en" sz="1200" b="0" i="0" u="none" strike="noStrike" cap="none">
+                <a:solidFill>
+                  <a:srgbClr val="0F0F0F"/>
+                </a:solidFill>
+                <a:latin typeface="Calibri"/>
+                <a:ea typeface="Calibri"/>
+                <a:cs typeface="Calibri"/>
+                <a:sym typeface="Calibri"/>
+              </a:rPr>
+              <a:t>Layoffs, Jobs:</a:t>
+            </a:r>
+            <a:endParaRPr sz="1200" b="0" i="0" u="none" strike="noStrike" cap="none">
+              <a:solidFill>
+                <a:srgbClr val="0F0F0F"/>
+              </a:solidFill>
+              <a:latin typeface="Calibri"/>
+              <a:ea typeface="Calibri"/>
+              <a:cs typeface="Calibri"/>
+              <a:sym typeface="Calibri"/>
+            </a:endParaRPr>
+          </a:p>
+          <a:p>
+            <a:pPr marL="57150" marR="0" lvl="0" indent="-114300" algn="l" rtl="0">
+              <a:lnSpc>
+                <a:spcPct val="100000"/>
+              </a:lnSpc>
+              <a:spcBef>
+                <a:spcPts val="0"/>
+              </a:spcBef>
+              <a:spcAft>
+                <a:spcPts val="0"/>
+              </a:spcAft>
+              <a:buSzPts val="900"/>
+              <a:buFont typeface="Calibri"/>
+              <a:buChar char="●"/>
+            </a:pPr>
+            <a:r>
+              <a:rPr lang="en" sz="900" b="0" i="0" u="sng" strike="noStrike" cap="none">
+                <a:solidFill>
+                  <a:srgbClr val="0097A7"/>
+                </a:solidFill>
+                <a:latin typeface="Calibri"/>
+                <a:ea typeface="Calibri"/>
+                <a:cs typeface="Calibri"/>
+                <a:sym typeface="Calibri"/>
+                <a:hlinkClick r:id="rId3">
+                  <a:extLst>
+                    <a:ext uri="{A12FA001-AC4F-418D-AE19-62706E023703}">
+                      <ahyp:hlinkClr xmlns:ahyp="http://schemas.microsoft.com/office/drawing/2018/hyperlinkcolor" val="tx"/>
+                    </a:ext>
+                  </a:extLst>
+                </a:hlinkClick>
+              </a:rPr>
+              <a:t>https://layoffs.fyi</a:t>
+            </a:r>
+            <a:r>
+              <a:rPr lang="en" sz="900" b="0" i="0" u="none" strike="noStrike" cap="none">
+                <a:solidFill>
+                  <a:srgbClr val="0F0F0F"/>
+                </a:solidFill>
+                <a:latin typeface="Calibri"/>
+                <a:ea typeface="Calibri"/>
+                <a:cs typeface="Calibri"/>
+                <a:sym typeface="Calibri"/>
+              </a:rPr>
+              <a:t> </a:t>
+            </a:r>
+            <a:endParaRPr sz="900" b="0" i="0" u="none" strike="noStrike" cap="none">
+              <a:solidFill>
+                <a:srgbClr val="0F0F0F"/>
+              </a:solidFill>
+              <a:latin typeface="Calibri"/>
+              <a:ea typeface="Calibri"/>
+              <a:cs typeface="Calibri"/>
+              <a:sym typeface="Calibri"/>
+            </a:endParaRPr>
+          </a:p>
+          <a:p>
+            <a:pPr marL="57150" marR="0" lvl="0" indent="-114300" algn="l" rtl="0">
+              <a:lnSpc>
+                <a:spcPct val="100000"/>
+              </a:lnSpc>
+              <a:spcBef>
+                <a:spcPts val="0"/>
+              </a:spcBef>
+              <a:spcAft>
+                <a:spcPts val="0"/>
+              </a:spcAft>
+              <a:buSzPts val="900"/>
+              <a:buFont typeface="Calibri"/>
+              <a:buChar char="●"/>
+            </a:pPr>
+            <a:r>
+              <a:rPr lang="en" sz="900" u="sng">
+                <a:solidFill>
+                  <a:schemeClr val="hlink"/>
+                </a:solidFill>
+                <a:latin typeface="Calibri"/>
+                <a:ea typeface="Calibri"/>
+                <a:cs typeface="Calibri"/>
+                <a:sym typeface="Calibri"/>
+                <a:hlinkClick r:id="rId4"/>
+              </a:rPr>
+              <a:t>https://techcrunch.com/2025/02/13/tech-layoffs-2024-list/</a:t>
+            </a:r>
+            <a:endParaRPr sz="900">
+              <a:solidFill>
+                <a:srgbClr val="0F0F0F"/>
+              </a:solidFill>
+              <a:latin typeface="Calibri"/>
+              <a:ea typeface="Calibri"/>
+              <a:cs typeface="Calibri"/>
+              <a:sym typeface="Calibri"/>
+            </a:endParaRPr>
+          </a:p>
+          <a:p>
+            <a:pPr marL="57150" marR="0" lvl="0" indent="-114300" algn="l" rtl="0">
+              <a:lnSpc>
+                <a:spcPct val="100000"/>
+              </a:lnSpc>
+              <a:spcBef>
+                <a:spcPts val="0"/>
+              </a:spcBef>
+              <a:spcAft>
+                <a:spcPts val="0"/>
+              </a:spcAft>
+              <a:buSzPts val="900"/>
+              <a:buFont typeface="Calibri"/>
+              <a:buChar char="●"/>
+            </a:pPr>
+            <a:r>
+              <a:rPr lang="en" sz="900" u="sng">
+                <a:solidFill>
+                  <a:schemeClr val="hlink"/>
+                </a:solidFill>
+                <a:latin typeface="Calibri"/>
+                <a:ea typeface="Calibri"/>
+                <a:cs typeface="Calibri"/>
+                <a:sym typeface="Calibri"/>
+                <a:hlinkClick r:id="rId5"/>
+              </a:rPr>
+              <a:t>https://blog.pragmaticengineer.com/software-engineer-jobs-five-year-low/</a:t>
+            </a:r>
+            <a:r>
+              <a:rPr lang="en" sz="900">
+                <a:solidFill>
+                  <a:srgbClr val="0F0F0F"/>
+                </a:solidFill>
+                <a:latin typeface="Calibri"/>
+                <a:ea typeface="Calibri"/>
+                <a:cs typeface="Calibri"/>
+                <a:sym typeface="Calibri"/>
+              </a:rPr>
+              <a:t>  </a:t>
+            </a:r>
+            <a:endParaRPr sz="900">
+              <a:solidFill>
+                <a:srgbClr val="0F0F0F"/>
+              </a:solidFill>
+              <a:latin typeface="Calibri"/>
+              <a:ea typeface="Calibri"/>
+              <a:cs typeface="Calibri"/>
+              <a:sym typeface="Calibri"/>
+            </a:endParaRPr>
+          </a:p>
+          <a:p>
+            <a:pPr marL="57150" marR="0" lvl="0" indent="-114300" algn="l" rtl="0">
+              <a:lnSpc>
+                <a:spcPct val="100000"/>
+              </a:lnSpc>
+              <a:spcBef>
+                <a:spcPts val="0"/>
+              </a:spcBef>
+              <a:spcAft>
+                <a:spcPts val="0"/>
+              </a:spcAft>
+              <a:buClr>
+                <a:srgbClr val="0F0F0F"/>
+              </a:buClr>
+              <a:buSzPts val="900"/>
+              <a:buFont typeface="Calibri"/>
+              <a:buChar char="●"/>
+            </a:pPr>
+            <a:r>
+              <a:rPr lang="en" sz="900" u="sng">
+                <a:solidFill>
+                  <a:schemeClr val="hlink"/>
+                </a:solidFill>
+                <a:latin typeface="Calibri"/>
+                <a:ea typeface="Calibri"/>
+                <a:cs typeface="Calibri"/>
+                <a:sym typeface="Calibri"/>
+                <a:hlinkClick r:id="rId6"/>
+              </a:rPr>
+              <a:t>https://fred.stlouisfed.org/series/IHLIDXUS</a:t>
+            </a:r>
+            <a:r>
+              <a:rPr lang="en" sz="900">
+                <a:solidFill>
+                  <a:srgbClr val="0F0F0F"/>
+                </a:solidFill>
+                <a:latin typeface="Calibri"/>
+                <a:ea typeface="Calibri"/>
+                <a:cs typeface="Calibri"/>
+                <a:sym typeface="Calibri"/>
+              </a:rPr>
+              <a:t> </a:t>
+            </a:r>
+            <a:endParaRPr sz="900">
+              <a:solidFill>
+                <a:srgbClr val="0F0F0F"/>
+              </a:solidFill>
+              <a:latin typeface="Calibri"/>
+              <a:ea typeface="Calibri"/>
+              <a:cs typeface="Calibri"/>
+              <a:sym typeface="Calibri"/>
+            </a:endParaRPr>
+          </a:p>
+        </p:txBody>
+      </p:sp>
+      <p:pic>
+        <p:nvPicPr>
+          <p:cNvPr id="317" name="Google Shape;317;p35"/>
+          <p:cNvPicPr preferRelativeResize="0"/>
+          <p:nvPr/>
+        </p:nvPicPr>
+        <p:blipFill>
+          <a:blip r:embed="rId7" cstate="email">
+            <a:alphaModFix/>
+            <a:extLst>
+              <a:ext uri="{28A0092B-C50C-407E-A947-70E740481C1C}">
+                <a14:useLocalDpi xmlns:a14="http://schemas.microsoft.com/office/drawing/2010/main"/>
+              </a:ext>
+            </a:extLst>
+          </a:blip>
+          <a:stretch>
+            <a:fillRect/>
+          </a:stretch>
+        </p:blipFill>
+        <p:spPr>
+          <a:xfrm>
+            <a:off x="4870950" y="140800"/>
+            <a:ext cx="4273051" cy="1972176"/>
+          </a:xfrm>
+          <a:prstGeom prst="rect">
+            <a:avLst/>
+          </a:prstGeom>
+          <a:noFill/>
+          <a:ln w="9525" cap="flat" cmpd="sng">
+            <a:solidFill>
+              <a:srgbClr val="FF0000"/>
+            </a:solidFill>
+            <a:prstDash val="solid"/>
+            <a:round/>
+            <a:headEnd type="none" w="sm" len="sm"/>
+            <a:tailEnd type="none" w="sm" len="sm"/>
+          </a:ln>
+        </p:spPr>
+      </p:pic>
+      <p:sp>
+        <p:nvSpPr>
+          <p:cNvPr id="318" name="Google Shape;318;p35"/>
+          <p:cNvSpPr txBox="1"/>
+          <p:nvPr/>
+        </p:nvSpPr>
+        <p:spPr>
+          <a:xfrm>
+            <a:off x="121850" y="1374075"/>
+            <a:ext cx="2323800" cy="738900"/>
+          </a:xfrm>
+          <a:prstGeom prst="rect">
+            <a:avLst/>
+          </a:prstGeom>
+          <a:noFill/>
+          <a:ln>
+            <a:noFill/>
+          </a:ln>
+        </p:spPr>
+        <p:txBody>
+          <a:bodyPr spcFirstLastPara="1" wrap="square" lIns="91425" tIns="91425" rIns="91425" bIns="91425" anchor="t" anchorCtr="0">
+            <a:spAutoFit/>
+          </a:bodyPr>
+          <a:lstStyle/>
+          <a:p>
+            <a:pPr marL="0" marR="0" lvl="0" indent="0" algn="l" rtl="0">
+              <a:lnSpc>
+                <a:spcPct val="100000"/>
+              </a:lnSpc>
+              <a:spcBef>
+                <a:spcPts val="0"/>
+              </a:spcBef>
+              <a:spcAft>
+                <a:spcPts val="0"/>
+              </a:spcAft>
+              <a:buClr>
+                <a:srgbClr val="000000"/>
+              </a:buClr>
+              <a:buSzPts val="1300"/>
+              <a:buFont typeface="Arial"/>
+              <a:buNone/>
+            </a:pPr>
+            <a:endParaRPr sz="1200">
+              <a:solidFill>
+                <a:schemeClr val="dk1"/>
+              </a:solidFill>
+              <a:latin typeface="Calibri"/>
+              <a:ea typeface="Calibri"/>
+              <a:cs typeface="Calibri"/>
+              <a:sym typeface="Calibri"/>
+            </a:endParaRPr>
+          </a:p>
+          <a:p>
+            <a:pPr marL="0" marR="0" lvl="0" indent="0" algn="l" rtl="0">
+              <a:lnSpc>
+                <a:spcPct val="100000"/>
+              </a:lnSpc>
+              <a:spcBef>
+                <a:spcPts val="0"/>
+              </a:spcBef>
+              <a:spcAft>
+                <a:spcPts val="0"/>
+              </a:spcAft>
+              <a:buClr>
+                <a:srgbClr val="000000"/>
+              </a:buClr>
+              <a:buSzPts val="1300"/>
+              <a:buFont typeface="Arial"/>
+              <a:buNone/>
+            </a:pPr>
+            <a:endParaRPr sz="1200">
+              <a:solidFill>
+                <a:srgbClr val="0F0F0F"/>
+              </a:solidFill>
+              <a:latin typeface="Calibri"/>
+              <a:ea typeface="Calibri"/>
+              <a:cs typeface="Calibri"/>
+              <a:sym typeface="Calibri"/>
+            </a:endParaRPr>
+          </a:p>
+          <a:p>
+            <a:pPr marL="0" marR="0" lvl="0" indent="0" algn="l" rtl="0">
+              <a:lnSpc>
+                <a:spcPct val="100000"/>
+              </a:lnSpc>
+              <a:spcBef>
+                <a:spcPts val="0"/>
+              </a:spcBef>
+              <a:spcAft>
+                <a:spcPts val="0"/>
+              </a:spcAft>
+              <a:buClr>
+                <a:srgbClr val="000000"/>
+              </a:buClr>
+              <a:buSzPts val="1300"/>
+              <a:buFont typeface="Arial"/>
+              <a:buNone/>
+            </a:pPr>
+            <a:endParaRPr sz="1200">
+              <a:solidFill>
+                <a:srgbClr val="0F0F0F"/>
+              </a:solidFill>
+              <a:latin typeface="Calibri"/>
+              <a:ea typeface="Calibri"/>
+              <a:cs typeface="Calibri"/>
+              <a:sym typeface="Calibri"/>
+            </a:endParaRPr>
+          </a:p>
+        </p:txBody>
+      </p:sp>
+      <p:sp>
+        <p:nvSpPr>
+          <p:cNvPr id="319" name="Google Shape;319;p35"/>
+          <p:cNvSpPr txBox="1"/>
+          <p:nvPr/>
+        </p:nvSpPr>
+        <p:spPr>
+          <a:xfrm>
+            <a:off x="295050" y="981463"/>
+            <a:ext cx="2950500" cy="415500"/>
+          </a:xfrm>
+          <a:prstGeom prst="rect">
+            <a:avLst/>
+          </a:prstGeom>
+          <a:noFill/>
+          <a:ln>
+            <a:noFill/>
+          </a:ln>
+        </p:spPr>
+        <p:txBody>
+          <a:bodyPr spcFirstLastPara="1" wrap="square" lIns="91425" tIns="91425" rIns="91425" bIns="91425" anchor="t" anchorCtr="0">
+            <a:spAutoFit/>
+          </a:bodyPr>
+          <a:lstStyle/>
+          <a:p>
+            <a:pPr marL="0" lvl="0" indent="0" algn="l" rtl="0">
+              <a:lnSpc>
+                <a:spcPct val="115000"/>
+              </a:lnSpc>
+              <a:spcBef>
+                <a:spcPts val="0"/>
+              </a:spcBef>
+              <a:spcAft>
+                <a:spcPts val="1800"/>
+              </a:spcAft>
+              <a:buNone/>
+            </a:pPr>
+            <a:endParaRPr sz="1500">
+              <a:solidFill>
+                <a:srgbClr val="4F4F4F"/>
+              </a:solidFill>
+              <a:highlight>
+                <a:srgbClr val="FFFFFF"/>
+              </a:highlight>
+            </a:endParaRPr>
+          </a:p>
+        </p:txBody>
+      </p:sp>
+      <p:sp>
+        <p:nvSpPr>
+          <p:cNvPr id="320" name="Google Shape;320;p35"/>
+          <p:cNvSpPr txBox="1"/>
+          <p:nvPr/>
+        </p:nvSpPr>
+        <p:spPr>
+          <a:xfrm>
+            <a:off x="121850" y="1319125"/>
+            <a:ext cx="3991800" cy="1403700"/>
+          </a:xfrm>
+          <a:prstGeom prst="rect">
+            <a:avLst/>
+          </a:prstGeom>
+          <a:solidFill>
+            <a:srgbClr val="FFF2CC"/>
+          </a:solidFill>
+          <a:ln w="9525" cap="flat" cmpd="sng">
+            <a:solidFill>
+              <a:srgbClr val="FF0000"/>
+            </a:solidFill>
+            <a:prstDash val="solid"/>
+            <a:round/>
+            <a:headEnd type="none" w="sm" len="sm"/>
+            <a:tailEnd type="none" w="sm" len="sm"/>
+          </a:ln>
+        </p:spPr>
+        <p:txBody>
+          <a:bodyPr spcFirstLastPara="1" wrap="square" lIns="9125" tIns="9125" rIns="9125" bIns="9125" anchor="t" anchorCtr="0">
+            <a:spAutoFit/>
+          </a:bodyPr>
+          <a:lstStyle/>
+          <a:p>
+            <a:pPr marL="0" lvl="0" indent="0" algn="ctr" rtl="0">
+              <a:spcBef>
+                <a:spcPts val="0"/>
+              </a:spcBef>
+              <a:spcAft>
+                <a:spcPts val="0"/>
+              </a:spcAft>
+              <a:buNone/>
+            </a:pPr>
+            <a:r>
+              <a:rPr lang="en" sz="1200">
+                <a:solidFill>
+                  <a:srgbClr val="0F0F0F"/>
+                </a:solidFill>
+                <a:latin typeface="Calibri"/>
+                <a:ea typeface="Calibri"/>
+                <a:cs typeface="Calibri"/>
+                <a:sym typeface="Calibri"/>
+              </a:rPr>
+              <a:t>The Tech Layoff Tracker (as of March 13, 2025)</a:t>
+            </a:r>
+            <a:endParaRPr sz="1200">
+              <a:solidFill>
+                <a:srgbClr val="0F0F0F"/>
+              </a:solidFill>
+              <a:latin typeface="Calibri"/>
+              <a:ea typeface="Calibri"/>
+              <a:cs typeface="Calibri"/>
+              <a:sym typeface="Calibri"/>
+            </a:endParaRPr>
+          </a:p>
+          <a:p>
+            <a:pPr marL="457200" lvl="0" indent="457200" algn="l" rtl="0">
+              <a:spcBef>
+                <a:spcPts val="0"/>
+              </a:spcBef>
+              <a:spcAft>
+                <a:spcPts val="0"/>
+              </a:spcAft>
+              <a:buNone/>
+            </a:pPr>
+            <a:r>
+              <a:rPr lang="en" sz="900" u="sng">
+                <a:solidFill>
+                  <a:schemeClr val="accent5"/>
+                </a:solidFill>
+                <a:latin typeface="Calibri"/>
+                <a:ea typeface="Calibri"/>
+                <a:cs typeface="Calibri"/>
+                <a:sym typeface="Calibri"/>
+                <a:hlinkClick r:id="rId8">
+                  <a:extLst>
+                    <a:ext uri="{A12FA001-AC4F-418D-AE19-62706E023703}">
+                      <ahyp:hlinkClr xmlns:ahyp="http://schemas.microsoft.com/office/drawing/2018/hyperlinkcolor" val="tx"/>
+                    </a:ext>
+                  </a:extLst>
+                </a:hlinkClick>
+              </a:rPr>
+              <a:t>https://www.trueup.io/layoffs</a:t>
+            </a:r>
+            <a:endParaRPr sz="1200">
+              <a:solidFill>
+                <a:srgbClr val="0F0F0F"/>
+              </a:solidFill>
+              <a:latin typeface="Calibri"/>
+              <a:ea typeface="Calibri"/>
+              <a:cs typeface="Calibri"/>
+              <a:sym typeface="Calibri"/>
+            </a:endParaRPr>
+          </a:p>
+          <a:p>
+            <a:pPr marL="457200" lvl="0" indent="0" algn="l" rtl="0">
+              <a:spcBef>
+                <a:spcPts val="0"/>
+              </a:spcBef>
+              <a:spcAft>
+                <a:spcPts val="0"/>
+              </a:spcAft>
+              <a:buNone/>
+            </a:pPr>
+            <a:endParaRPr sz="1200">
+              <a:solidFill>
+                <a:srgbClr val="0F0F0F"/>
+              </a:solidFill>
+              <a:latin typeface="Calibri"/>
+              <a:ea typeface="Calibri"/>
+              <a:cs typeface="Calibri"/>
+              <a:sym typeface="Calibri"/>
+            </a:endParaRPr>
+          </a:p>
+          <a:p>
+            <a:pPr marL="228600" lvl="0" indent="-133350" algn="l" rtl="0">
+              <a:spcBef>
+                <a:spcPts val="0"/>
+              </a:spcBef>
+              <a:spcAft>
+                <a:spcPts val="0"/>
+              </a:spcAft>
+              <a:buClr>
+                <a:srgbClr val="0F0F0F"/>
+              </a:buClr>
+              <a:buSzPts val="1200"/>
+              <a:buFont typeface="Calibri"/>
+              <a:buChar char="●"/>
+            </a:pPr>
+            <a:r>
+              <a:rPr lang="en" sz="1200">
+                <a:solidFill>
+                  <a:srgbClr val="0F0F0F"/>
+                </a:solidFill>
+                <a:latin typeface="Calibri"/>
+                <a:ea typeface="Calibri"/>
+                <a:cs typeface="Calibri"/>
+                <a:sym typeface="Calibri"/>
+              </a:rPr>
+              <a:t>So far in 2025 - 531 people per day, total of 38,252 people </a:t>
+            </a:r>
+            <a:endParaRPr sz="1200">
+              <a:solidFill>
+                <a:srgbClr val="0F0F0F"/>
+              </a:solidFill>
+              <a:latin typeface="Calibri"/>
+              <a:ea typeface="Calibri"/>
+              <a:cs typeface="Calibri"/>
+              <a:sym typeface="Calibri"/>
+            </a:endParaRPr>
+          </a:p>
+          <a:p>
+            <a:pPr marL="228600" lvl="0" indent="-133350" algn="l" rtl="0">
+              <a:spcBef>
+                <a:spcPts val="0"/>
+              </a:spcBef>
+              <a:spcAft>
+                <a:spcPts val="0"/>
+              </a:spcAft>
+              <a:buClr>
+                <a:srgbClr val="0F0F0F"/>
+              </a:buClr>
+              <a:buSzPts val="1200"/>
+              <a:buFont typeface="Calibri"/>
+              <a:buChar char="●"/>
+            </a:pPr>
+            <a:r>
+              <a:rPr lang="en" sz="1200">
+                <a:solidFill>
+                  <a:srgbClr val="0F0F0F"/>
+                </a:solidFill>
+                <a:latin typeface="Calibri"/>
+                <a:ea typeface="Calibri"/>
+                <a:cs typeface="Calibri"/>
+                <a:sym typeface="Calibri"/>
+              </a:rPr>
+              <a:t>In 2024 - 653 people per day, total of 238,461 people </a:t>
+            </a:r>
+            <a:endParaRPr sz="1200">
+              <a:solidFill>
+                <a:srgbClr val="0F0F0F"/>
+              </a:solidFill>
+              <a:latin typeface="Calibri"/>
+              <a:ea typeface="Calibri"/>
+              <a:cs typeface="Calibri"/>
+              <a:sym typeface="Calibri"/>
+            </a:endParaRPr>
+          </a:p>
+          <a:p>
+            <a:pPr marL="228600" lvl="0" indent="-133350" algn="l" rtl="0">
+              <a:spcBef>
+                <a:spcPts val="0"/>
+              </a:spcBef>
+              <a:spcAft>
+                <a:spcPts val="0"/>
+              </a:spcAft>
+              <a:buClr>
+                <a:srgbClr val="0F0F0F"/>
+              </a:buClr>
+              <a:buSzPts val="1200"/>
+              <a:buFont typeface="Calibri"/>
+              <a:buChar char="●"/>
+            </a:pPr>
+            <a:r>
+              <a:rPr lang="en" sz="1200">
+                <a:solidFill>
+                  <a:schemeClr val="dk1"/>
+                </a:solidFill>
+                <a:latin typeface="Calibri"/>
+                <a:ea typeface="Calibri"/>
+                <a:cs typeface="Calibri"/>
+                <a:sym typeface="Calibri"/>
+              </a:rPr>
+              <a:t>In 2023: More than 191,000 people </a:t>
+            </a:r>
+            <a:endParaRPr sz="1200">
+              <a:solidFill>
+                <a:schemeClr val="dk1"/>
+              </a:solidFill>
+              <a:latin typeface="Calibri"/>
+              <a:ea typeface="Calibri"/>
+              <a:cs typeface="Calibri"/>
+              <a:sym typeface="Calibri"/>
+            </a:endParaRPr>
+          </a:p>
+          <a:p>
+            <a:pPr marL="228600" lvl="0" indent="-133350" algn="l" rtl="0">
+              <a:spcBef>
+                <a:spcPts val="0"/>
+              </a:spcBef>
+              <a:spcAft>
+                <a:spcPts val="0"/>
+              </a:spcAft>
+              <a:buClr>
+                <a:schemeClr val="dk1"/>
+              </a:buClr>
+              <a:buSzPts val="1200"/>
+              <a:buFont typeface="Calibri"/>
+              <a:buChar char="●"/>
+            </a:pPr>
+            <a:r>
+              <a:rPr lang="en" sz="1200">
+                <a:solidFill>
+                  <a:schemeClr val="dk1"/>
+                </a:solidFill>
+                <a:latin typeface="Calibri"/>
+                <a:ea typeface="Calibri"/>
+                <a:cs typeface="Calibri"/>
+                <a:sym typeface="Calibri"/>
+              </a:rPr>
+              <a:t>In 2022: More than 93,000 workers </a:t>
+            </a:r>
+            <a:r>
+              <a:rPr lang="en" sz="1200">
+                <a:solidFill>
+                  <a:srgbClr val="0F0F0F"/>
+                </a:solidFill>
+                <a:latin typeface="Calibri"/>
+                <a:ea typeface="Calibri"/>
+                <a:cs typeface="Calibri"/>
+                <a:sym typeface="Calibri"/>
+              </a:rPr>
+              <a:t>laid off</a:t>
+            </a:r>
+            <a:endParaRPr sz="1200">
+              <a:solidFill>
+                <a:schemeClr val="dk1"/>
+              </a:solidFill>
+              <a:latin typeface="Calibri"/>
+              <a:ea typeface="Calibri"/>
+              <a:cs typeface="Calibri"/>
+              <a:sym typeface="Calibri"/>
+            </a:endParaRPr>
+          </a:p>
+          <a:p>
+            <a:pPr marL="914400" lvl="0" indent="457200" algn="l" rtl="0">
+              <a:spcBef>
+                <a:spcPts val="0"/>
+              </a:spcBef>
+              <a:spcAft>
+                <a:spcPts val="0"/>
+              </a:spcAft>
+              <a:buNone/>
+            </a:pPr>
+            <a:r>
+              <a:rPr lang="en" sz="900" u="sng">
+                <a:solidFill>
+                  <a:schemeClr val="accent5"/>
+                </a:solidFill>
+                <a:latin typeface="Calibri"/>
+                <a:ea typeface="Calibri"/>
+                <a:cs typeface="Calibri"/>
+                <a:sym typeface="Calibri"/>
+                <a:hlinkClick r:id="rId9">
+                  <a:extLst>
+                    <a:ext uri="{A12FA001-AC4F-418D-AE19-62706E023703}">
+                      <ahyp:hlinkClr xmlns:ahyp="http://schemas.microsoft.com/office/drawing/2018/hyperlinkcolor" val="tx"/>
+                    </a:ext>
+                  </a:extLst>
+                </a:hlinkClick>
+              </a:rPr>
+              <a:t>https://news.crunchbase.com/startups/tech-layoffs/</a:t>
+            </a:r>
+            <a:endParaRPr sz="1200">
+              <a:solidFill>
+                <a:schemeClr val="dk1"/>
+              </a:solidFill>
+              <a:latin typeface="Calibri"/>
+              <a:ea typeface="Calibri"/>
+              <a:cs typeface="Calibri"/>
+              <a:sym typeface="Calibri"/>
+            </a:endParaRPr>
+          </a:p>
+        </p:txBody>
+      </p:sp>
+      <p:pic>
+        <p:nvPicPr>
+          <p:cNvPr id="321" name="Google Shape;321;p35"/>
+          <p:cNvPicPr preferRelativeResize="0"/>
+          <p:nvPr/>
+        </p:nvPicPr>
+        <p:blipFill>
+          <a:blip r:embed="rId10" cstate="email">
+            <a:alphaModFix/>
+            <a:extLst>
+              <a:ext uri="{28A0092B-C50C-407E-A947-70E740481C1C}">
+                <a14:useLocalDpi xmlns:a14="http://schemas.microsoft.com/office/drawing/2010/main"/>
+              </a:ext>
+            </a:extLst>
+          </a:blip>
+          <a:stretch>
+            <a:fillRect/>
+          </a:stretch>
+        </p:blipFill>
+        <p:spPr>
+          <a:xfrm>
+            <a:off x="121850" y="2859048"/>
+            <a:ext cx="3991802" cy="2243852"/>
+          </a:xfrm>
+          <a:prstGeom prst="rect">
+            <a:avLst/>
+          </a:prstGeom>
+          <a:noFill/>
+          <a:ln w="9525" cap="flat" cmpd="sng">
+            <a:solidFill>
+              <a:srgbClr val="FF0000"/>
+            </a:solidFill>
+            <a:prstDash val="solid"/>
+            <a:round/>
+            <a:headEnd type="none" w="sm" len="sm"/>
+            <a:tailEnd type="none" w="sm" len="sm"/>
+          </a:ln>
+        </p:spPr>
+      </p:pic>
+      <p:sp>
+        <p:nvSpPr>
+          <p:cNvPr id="322" name="Google Shape;322;p35"/>
+          <p:cNvSpPr txBox="1"/>
+          <p:nvPr/>
+        </p:nvSpPr>
+        <p:spPr>
+          <a:xfrm>
+            <a:off x="4870950" y="2261850"/>
+            <a:ext cx="3991800" cy="942000"/>
+          </a:xfrm>
+          <a:prstGeom prst="rect">
+            <a:avLst/>
+          </a:prstGeom>
+          <a:solidFill>
+            <a:srgbClr val="FFF2CC"/>
+          </a:solidFill>
+          <a:ln w="9525" cap="flat" cmpd="sng">
+            <a:solidFill>
+              <a:srgbClr val="FF0000"/>
+            </a:solidFill>
+            <a:prstDash val="solid"/>
+            <a:round/>
+            <a:headEnd type="none" w="sm" len="sm"/>
+            <a:tailEnd type="none" w="sm" len="sm"/>
+          </a:ln>
+        </p:spPr>
+        <p:txBody>
+          <a:bodyPr spcFirstLastPara="1" wrap="square" lIns="9125" tIns="9125" rIns="9125" bIns="9125" anchor="t" anchorCtr="0">
+            <a:spAutoFit/>
+          </a:bodyPr>
+          <a:lstStyle/>
+          <a:p>
+            <a:pPr marL="57150" lvl="0" indent="0" algn="l" rtl="0">
+              <a:spcBef>
+                <a:spcPts val="0"/>
+              </a:spcBef>
+              <a:spcAft>
+                <a:spcPts val="0"/>
+              </a:spcAft>
+              <a:buNone/>
+            </a:pPr>
+            <a:r>
+              <a:rPr lang="en" sz="1200">
+                <a:solidFill>
+                  <a:srgbClr val="0F0F0F"/>
+                </a:solidFill>
+                <a:latin typeface="Calibri"/>
+                <a:ea typeface="Calibri"/>
+                <a:cs typeface="Calibri"/>
+                <a:sym typeface="Calibri"/>
+              </a:rPr>
+              <a:t>AI jobs percentage:</a:t>
+            </a:r>
+            <a:endParaRPr sz="1200">
+              <a:solidFill>
+                <a:srgbClr val="0F0F0F"/>
+              </a:solidFill>
+              <a:latin typeface="Calibri"/>
+              <a:ea typeface="Calibri"/>
+              <a:cs typeface="Calibri"/>
+              <a:sym typeface="Calibri"/>
+            </a:endParaRPr>
+          </a:p>
+          <a:p>
+            <a:pPr marL="57150" lvl="0" indent="0" algn="l" rtl="0">
+              <a:spcBef>
+                <a:spcPts val="0"/>
+              </a:spcBef>
+              <a:spcAft>
+                <a:spcPts val="0"/>
+              </a:spcAft>
+              <a:buNone/>
+            </a:pPr>
+            <a:r>
+              <a:rPr lang="en" sz="1200">
+                <a:solidFill>
+                  <a:srgbClr val="0F0F0F"/>
+                </a:solidFill>
+                <a:latin typeface="Calibri"/>
+                <a:ea typeface="Calibri"/>
+                <a:cs typeface="Calibri"/>
+                <a:sym typeface="Calibri"/>
+              </a:rPr>
+              <a:t>2022 - 3.3%</a:t>
+            </a:r>
+            <a:endParaRPr sz="1200">
+              <a:solidFill>
+                <a:srgbClr val="0F0F0F"/>
+              </a:solidFill>
+              <a:latin typeface="Calibri"/>
+              <a:ea typeface="Calibri"/>
+              <a:cs typeface="Calibri"/>
+              <a:sym typeface="Calibri"/>
+            </a:endParaRPr>
+          </a:p>
+          <a:p>
+            <a:pPr marL="57150" lvl="0" indent="0" algn="l" rtl="0">
+              <a:spcBef>
+                <a:spcPts val="0"/>
+              </a:spcBef>
+              <a:spcAft>
+                <a:spcPts val="0"/>
+              </a:spcAft>
+              <a:buNone/>
+            </a:pPr>
+            <a:r>
+              <a:rPr lang="en" sz="1200">
+                <a:solidFill>
+                  <a:srgbClr val="0F0F0F"/>
+                </a:solidFill>
+                <a:latin typeface="Calibri"/>
+                <a:ea typeface="Calibri"/>
+                <a:cs typeface="Calibri"/>
+                <a:sym typeface="Calibri"/>
+              </a:rPr>
+              <a:t>2024 - 14.3%</a:t>
+            </a:r>
+            <a:endParaRPr sz="1200">
+              <a:solidFill>
+                <a:srgbClr val="0F0F0F"/>
+              </a:solidFill>
+              <a:latin typeface="Calibri"/>
+              <a:ea typeface="Calibri"/>
+              <a:cs typeface="Calibri"/>
+              <a:sym typeface="Calibri"/>
+            </a:endParaRPr>
+          </a:p>
+          <a:p>
+            <a:pPr marL="57150" lvl="0" indent="0" algn="l" rtl="0">
+              <a:spcBef>
+                <a:spcPts val="0"/>
+              </a:spcBef>
+              <a:spcAft>
+                <a:spcPts val="0"/>
+              </a:spcAft>
+              <a:buNone/>
+            </a:pPr>
+            <a:r>
+              <a:rPr lang="en" sz="1200">
+                <a:solidFill>
+                  <a:srgbClr val="0F0F0F"/>
+                </a:solidFill>
+                <a:latin typeface="Calibri"/>
+                <a:ea typeface="Calibri"/>
+                <a:cs typeface="Calibri"/>
+                <a:sym typeface="Calibri"/>
+              </a:rPr>
+              <a:t>2025 - 25% of all new tech job openings require AI skills</a:t>
+            </a:r>
+            <a:endParaRPr sz="1200">
+              <a:solidFill>
+                <a:srgbClr val="0F0F0F"/>
+              </a:solidFill>
+              <a:latin typeface="Calibri"/>
+              <a:ea typeface="Calibri"/>
+              <a:cs typeface="Calibri"/>
+              <a:sym typeface="Calibri"/>
+            </a:endParaRPr>
+          </a:p>
+          <a:p>
+            <a:pPr marL="57150" lvl="0" indent="0" algn="l" rtl="0">
+              <a:spcBef>
+                <a:spcPts val="0"/>
+              </a:spcBef>
+              <a:spcAft>
+                <a:spcPts val="0"/>
+              </a:spcAft>
+              <a:buNone/>
+            </a:pPr>
+            <a:r>
+              <a:rPr lang="en" sz="1200">
+                <a:solidFill>
+                  <a:srgbClr val="0F0F0F"/>
+                </a:solidFill>
+                <a:latin typeface="Calibri"/>
+                <a:ea typeface="Calibri"/>
+                <a:cs typeface="Calibri"/>
+                <a:sym typeface="Calibri"/>
+              </a:rPr>
+              <a:t>            36% of IT job postings tied to AI needs</a:t>
+            </a:r>
+            <a:endParaRPr sz="1200">
+              <a:solidFill>
+                <a:srgbClr val="0F0F0F"/>
+              </a:solidFill>
+              <a:latin typeface="Calibri"/>
+              <a:ea typeface="Calibri"/>
+              <a:cs typeface="Calibri"/>
+              <a:sym typeface="Calibri"/>
+            </a:endParaRPr>
+          </a:p>
+        </p:txBody>
+      </p:sp>
+      <p:sp>
+        <p:nvSpPr>
+          <p:cNvPr id="323" name="Google Shape;323;p35"/>
+          <p:cNvSpPr txBox="1"/>
+          <p:nvPr/>
+        </p:nvSpPr>
+        <p:spPr>
+          <a:xfrm>
+            <a:off x="4870950" y="3509975"/>
+            <a:ext cx="2467200" cy="1126800"/>
+          </a:xfrm>
+          <a:prstGeom prst="rect">
+            <a:avLst/>
+          </a:prstGeom>
+          <a:solidFill>
+            <a:srgbClr val="FFF2CC"/>
+          </a:solidFill>
+          <a:ln w="9525" cap="flat" cmpd="sng">
+            <a:solidFill>
+              <a:srgbClr val="FF0000"/>
+            </a:solidFill>
+            <a:prstDash val="solid"/>
+            <a:round/>
+            <a:headEnd type="none" w="sm" len="sm"/>
+            <a:tailEnd type="none" w="sm" len="sm"/>
+          </a:ln>
+        </p:spPr>
+        <p:txBody>
+          <a:bodyPr spcFirstLastPara="1" wrap="square" lIns="9125" tIns="9125" rIns="9125" bIns="9125" anchor="t" anchorCtr="0">
+            <a:spAutoFit/>
+          </a:bodyPr>
+          <a:lstStyle/>
+          <a:p>
+            <a:pPr marL="57150" lvl="0" indent="0" algn="l" rtl="0">
+              <a:spcBef>
+                <a:spcPts val="0"/>
+              </a:spcBef>
+              <a:spcAft>
+                <a:spcPts val="0"/>
+              </a:spcAft>
+              <a:buNone/>
+            </a:pPr>
+            <a:r>
+              <a:rPr lang="en" sz="1200">
+                <a:solidFill>
+                  <a:srgbClr val="0F0F0F"/>
+                </a:solidFill>
+                <a:latin typeface="Calibri"/>
+                <a:ea typeface="Calibri"/>
+                <a:cs typeface="Calibri"/>
+                <a:sym typeface="Calibri"/>
+              </a:rPr>
+              <a:t>Number of AI Job postings by year</a:t>
+            </a:r>
+            <a:endParaRPr sz="1200">
+              <a:solidFill>
+                <a:srgbClr val="0F0F0F"/>
+              </a:solidFill>
+              <a:latin typeface="Calibri"/>
+              <a:ea typeface="Calibri"/>
+              <a:cs typeface="Calibri"/>
+              <a:sym typeface="Calibri"/>
+            </a:endParaRPr>
+          </a:p>
+          <a:p>
+            <a:pPr marL="57150" lvl="0" indent="0" algn="l" rtl="0">
+              <a:spcBef>
+                <a:spcPts val="0"/>
+              </a:spcBef>
+              <a:spcAft>
+                <a:spcPts val="0"/>
+              </a:spcAft>
+              <a:buNone/>
+            </a:pPr>
+            <a:r>
+              <a:rPr lang="en" sz="1000">
+                <a:solidFill>
+                  <a:srgbClr val="3C78D8"/>
+                </a:solidFill>
+                <a:latin typeface="Roboto Mono"/>
+                <a:ea typeface="Roboto Mono"/>
+                <a:cs typeface="Roboto Mono"/>
+                <a:sym typeface="Roboto Mono"/>
+              </a:rPr>
+              <a:t>2020	27K</a:t>
+            </a:r>
+            <a:endParaRPr sz="1000">
+              <a:solidFill>
+                <a:srgbClr val="3C78D8"/>
+              </a:solidFill>
+              <a:latin typeface="Roboto Mono"/>
+              <a:ea typeface="Roboto Mono"/>
+              <a:cs typeface="Roboto Mono"/>
+              <a:sym typeface="Roboto Mono"/>
+            </a:endParaRPr>
+          </a:p>
+          <a:p>
+            <a:pPr marL="57150" lvl="0" indent="0" algn="l" rtl="0">
+              <a:spcBef>
+                <a:spcPts val="0"/>
+              </a:spcBef>
+              <a:spcAft>
+                <a:spcPts val="0"/>
+              </a:spcAft>
+              <a:buNone/>
+            </a:pPr>
+            <a:r>
+              <a:rPr lang="en" sz="1000">
+                <a:solidFill>
+                  <a:srgbClr val="3C78D8"/>
+                </a:solidFill>
+                <a:latin typeface="Roboto Mono"/>
+                <a:ea typeface="Roboto Mono"/>
+                <a:cs typeface="Roboto Mono"/>
+                <a:sym typeface="Roboto Mono"/>
+              </a:rPr>
+              <a:t>2021	38K</a:t>
+            </a:r>
+            <a:endParaRPr sz="1000">
+              <a:solidFill>
+                <a:srgbClr val="3C78D8"/>
+              </a:solidFill>
+              <a:latin typeface="Roboto Mono"/>
+              <a:ea typeface="Roboto Mono"/>
+              <a:cs typeface="Roboto Mono"/>
+              <a:sym typeface="Roboto Mono"/>
+            </a:endParaRPr>
+          </a:p>
+          <a:p>
+            <a:pPr marL="57150" lvl="0" indent="0" algn="l" rtl="0">
+              <a:spcBef>
+                <a:spcPts val="0"/>
+              </a:spcBef>
+              <a:spcAft>
+                <a:spcPts val="0"/>
+              </a:spcAft>
+              <a:buNone/>
+            </a:pPr>
+            <a:r>
+              <a:rPr lang="en" sz="1000">
+                <a:solidFill>
+                  <a:srgbClr val="3C78D8"/>
+                </a:solidFill>
+                <a:latin typeface="Roboto Mono"/>
+                <a:ea typeface="Roboto Mono"/>
+                <a:cs typeface="Roboto Mono"/>
+                <a:sym typeface="Roboto Mono"/>
+              </a:rPr>
+              <a:t>2022	52K</a:t>
+            </a:r>
+            <a:endParaRPr sz="1000">
+              <a:solidFill>
+                <a:srgbClr val="3C78D8"/>
+              </a:solidFill>
+              <a:latin typeface="Roboto Mono"/>
+              <a:ea typeface="Roboto Mono"/>
+              <a:cs typeface="Roboto Mono"/>
+              <a:sym typeface="Roboto Mono"/>
+            </a:endParaRPr>
+          </a:p>
+          <a:p>
+            <a:pPr marL="57150" lvl="0" indent="0" algn="l" rtl="0">
+              <a:spcBef>
+                <a:spcPts val="0"/>
+              </a:spcBef>
+              <a:spcAft>
+                <a:spcPts val="0"/>
+              </a:spcAft>
+              <a:buNone/>
+            </a:pPr>
+            <a:r>
+              <a:rPr lang="en" sz="1000">
+                <a:solidFill>
+                  <a:srgbClr val="3C78D8"/>
+                </a:solidFill>
+                <a:latin typeface="Roboto Mono"/>
+                <a:ea typeface="Roboto Mono"/>
+                <a:cs typeface="Roboto Mono"/>
+                <a:sym typeface="Roboto Mono"/>
+              </a:rPr>
+              <a:t>2023	65K</a:t>
+            </a:r>
+            <a:endParaRPr sz="1000">
+              <a:solidFill>
+                <a:srgbClr val="3C78D8"/>
+              </a:solidFill>
+              <a:latin typeface="Roboto Mono"/>
+              <a:ea typeface="Roboto Mono"/>
+              <a:cs typeface="Roboto Mono"/>
+              <a:sym typeface="Roboto Mono"/>
+            </a:endParaRPr>
+          </a:p>
+          <a:p>
+            <a:pPr marL="57150" lvl="0" indent="0" algn="l" rtl="0">
+              <a:spcBef>
+                <a:spcPts val="0"/>
+              </a:spcBef>
+              <a:spcAft>
+                <a:spcPts val="0"/>
+              </a:spcAft>
+              <a:buNone/>
+            </a:pPr>
+            <a:r>
+              <a:rPr lang="en" sz="1000">
+                <a:solidFill>
+                  <a:srgbClr val="3C78D8"/>
+                </a:solidFill>
+                <a:latin typeface="Roboto Mono"/>
+                <a:ea typeface="Roboto Mono"/>
+                <a:cs typeface="Roboto Mono"/>
+                <a:sym typeface="Roboto Mono"/>
+              </a:rPr>
+              <a:t>2024	81K</a:t>
+            </a:r>
+            <a:endParaRPr sz="1000">
+              <a:solidFill>
+                <a:srgbClr val="3C78D8"/>
+              </a:solidFill>
+              <a:latin typeface="Roboto Mono"/>
+              <a:ea typeface="Roboto Mono"/>
+              <a:cs typeface="Roboto Mono"/>
+              <a:sym typeface="Roboto Mono"/>
+            </a:endParaRPr>
+          </a:p>
+          <a:p>
+            <a:pPr marL="57150" lvl="0" indent="0" algn="l" rtl="0">
+              <a:spcBef>
+                <a:spcPts val="0"/>
+              </a:spcBef>
+              <a:spcAft>
+                <a:spcPts val="0"/>
+              </a:spcAft>
+              <a:buNone/>
+            </a:pPr>
+            <a:r>
+              <a:rPr lang="en" sz="1000">
+                <a:solidFill>
+                  <a:srgbClr val="3C78D8"/>
+                </a:solidFill>
+                <a:latin typeface="Roboto Mono"/>
+                <a:ea typeface="Roboto Mono"/>
+                <a:cs typeface="Roboto Mono"/>
+                <a:sym typeface="Roboto Mono"/>
+              </a:rPr>
+              <a:t>2025	105 - 200K (projected)</a:t>
+            </a:r>
+            <a:endParaRPr sz="1000">
+              <a:solidFill>
+                <a:srgbClr val="3C78D8"/>
+              </a:solidFill>
+              <a:latin typeface="Roboto Mono"/>
+              <a:ea typeface="Roboto Mono"/>
+              <a:cs typeface="Roboto Mono"/>
+              <a:sym typeface="Roboto Mono"/>
+            </a:endParaRPr>
+          </a:p>
+        </p:txBody>
+      </p:sp>
+    </p:spTree>
+  </p:cSld>
+  <p:clrMapOvr>
+    <a:masterClrMapping/>
+  </p:clrMapOvr>
+</p:sld>
+</file>
+
+<file path=ppt/slides/slide22.xml><?xml version="1.0" encoding="utf-8"?>
+<p:sld xmlns:a="http://schemas.openxmlformats.org/drawingml/2006/main" xmlns:r="http://schemas.openxmlformats.org/officeDocument/2006/relationships" xmlns:p="http://schemas.openxmlformats.org/presentationml/2006/main">
+  <p:cSld>
+    <p:spTree>
+      <p:nvGrpSpPr>
+        <p:cNvPr id="1" name="Shape 327"/>
         <p:cNvGrpSpPr/>
         <p:nvPr/>
       </p:nvGrpSpPr>
@@ -25135,7 +29538,7 @@
       </p:grpSpPr>
       <p:pic>
         <p:nvPicPr>
-          <p:cNvPr id="301" name="Google Shape;301;p34"/>
+          <p:cNvPr id="328" name="Google Shape;328;p36"/>
           <p:cNvPicPr preferRelativeResize="0"/>
           <p:nvPr/>
         </p:nvPicPr>
@@ -25167,7 +29570,7 @@
       </p:pic>
       <p:sp>
         <p:nvSpPr>
-          <p:cNvPr id="302" name="Google Shape;302;p34"/>
+          <p:cNvPr id="329" name="Google Shape;329;p36"/>
           <p:cNvSpPr txBox="1"/>
           <p:nvPr/>
         </p:nvSpPr>
@@ -25233,7 +29636,7 @@
       </p:sp>
       <p:sp>
         <p:nvSpPr>
-          <p:cNvPr id="303" name="Google Shape;303;p34"/>
+          <p:cNvPr id="330" name="Google Shape;330;p36"/>
           <p:cNvSpPr txBox="1"/>
           <p:nvPr/>
         </p:nvSpPr>
@@ -25663,7 +30066,7 @@
       </p:sp>
       <p:pic>
         <p:nvPicPr>
-          <p:cNvPr id="304" name="Google Shape;304;p34"/>
+          <p:cNvPr id="331" name="Google Shape;331;p36"/>
           <p:cNvPicPr preferRelativeResize="0"/>
           <p:nvPr/>
         </p:nvPicPr>
@@ -25695,7 +30098,7 @@
       </p:pic>
       <p:sp>
         <p:nvSpPr>
-          <p:cNvPr id="305" name="Google Shape;305;p34"/>
+          <p:cNvPr id="332" name="Google Shape;332;p36"/>
           <p:cNvSpPr txBox="1"/>
           <p:nvPr/>
         </p:nvSpPr>
@@ -25774,7 +30177,7 @@
       </p:sp>
       <p:sp>
         <p:nvSpPr>
-          <p:cNvPr id="306" name="Google Shape;306;p34"/>
+          <p:cNvPr id="333" name="Google Shape;333;p36"/>
           <p:cNvSpPr txBox="1"/>
           <p:nvPr/>
         </p:nvSpPr>
@@ -25846,12 +30249,12 @@
 </p:sld>
 </file>
 
-<file path=ppt/slides/slide21.xml><?xml version="1.0" encoding="utf-8"?>
+<file path=ppt/slides/slide23.xml><?xml version="1.0" encoding="utf-8"?>
 <p:sld xmlns:a="http://schemas.openxmlformats.org/drawingml/2006/main" xmlns:r="http://schemas.openxmlformats.org/officeDocument/2006/relationships" xmlns:p="http://schemas.openxmlformats.org/presentationml/2006/main">
   <p:cSld>
     <p:spTree>
       <p:nvGrpSpPr>
-        <p:cNvPr id="1" name="Shape 310"/>
+        <p:cNvPr id="1" name="Shape 337"/>
         <p:cNvGrpSpPr/>
         <p:nvPr/>
       </p:nvGrpSpPr>
@@ -25865,7 +30268,7 @@
       </p:grpSpPr>
       <p:sp>
         <p:nvSpPr>
-          <p:cNvPr id="311" name="Google Shape;311;p35"/>
+          <p:cNvPr id="338" name="Google Shape;338;p37"/>
           <p:cNvSpPr txBox="1"/>
           <p:nvPr/>
         </p:nvSpPr>
@@ -27421,7 +31824,239 @@
         </p:nvSpPr>
         <p:spPr>
           <a:xfrm>
-            <a:off x="4306175" y="3197050"/>
+            <a:off x="4306175" y="3813525"/>
+            <a:ext cx="4456200" cy="1080600"/>
+          </a:xfrm>
+          <a:prstGeom prst="rect">
+            <a:avLst/>
+          </a:prstGeom>
+          <a:solidFill>
+            <a:srgbClr val="FFF2CC"/>
+          </a:solidFill>
+          <a:ln w="9525" cap="flat" cmpd="sng">
+            <a:solidFill>
+              <a:srgbClr val="FF0000"/>
+            </a:solidFill>
+            <a:prstDash val="solid"/>
+            <a:round/>
+            <a:headEnd type="none" w="sm" len="sm"/>
+            <a:tailEnd type="none" w="sm" len="sm"/>
+          </a:ln>
+        </p:spPr>
+        <p:txBody>
+          <a:bodyPr spcFirstLastPara="1" wrap="square" lIns="9125" tIns="9125" rIns="9125" bIns="9125" anchor="t" anchorCtr="0">
+            <a:spAutoFit/>
+          </a:bodyPr>
+          <a:lstStyle/>
+          <a:p>
+            <a:pPr marL="171450" lvl="0" indent="-133350" algn="l" rtl="0">
+              <a:spcBef>
+                <a:spcPts val="0"/>
+              </a:spcBef>
+              <a:spcAft>
+                <a:spcPts val="0"/>
+              </a:spcAft>
+              <a:buClr>
+                <a:srgbClr val="FF0000"/>
+              </a:buClr>
+              <a:buSzPts val="1200"/>
+              <a:buFont typeface="Calibri"/>
+              <a:buChar char="●"/>
+            </a:pPr>
+            <a:r>
+              <a:rPr lang="en" sz="1200" b="1">
+                <a:solidFill>
+                  <a:srgbClr val="FF0000"/>
+                </a:solidFill>
+                <a:latin typeface="Calibri"/>
+                <a:ea typeface="Calibri"/>
+                <a:cs typeface="Calibri"/>
+                <a:sym typeface="Calibri"/>
+              </a:rPr>
+              <a:t>Gemini Robotics and Gemini Robotics-ER</a:t>
+            </a:r>
+            <a:endParaRPr sz="1200">
+              <a:solidFill>
+                <a:schemeClr val="dk1"/>
+              </a:solidFill>
+              <a:latin typeface="Calibri"/>
+              <a:ea typeface="Calibri"/>
+              <a:cs typeface="Calibri"/>
+              <a:sym typeface="Calibri"/>
+            </a:endParaRPr>
+          </a:p>
+          <a:p>
+            <a:pPr marL="171450" lvl="0" indent="-133350" algn="l" rtl="0">
+              <a:spcBef>
+                <a:spcPts val="0"/>
+              </a:spcBef>
+              <a:spcAft>
+                <a:spcPts val="0"/>
+              </a:spcAft>
+              <a:buClr>
+                <a:schemeClr val="dk1"/>
+              </a:buClr>
+              <a:buSzPts val="1200"/>
+              <a:buFont typeface="Calibri"/>
+              <a:buChar char="●"/>
+            </a:pPr>
+            <a:r>
+              <a:rPr lang="en" sz="1200">
+                <a:solidFill>
+                  <a:schemeClr val="dk1"/>
+                </a:solidFill>
+                <a:latin typeface="Calibri"/>
+                <a:ea typeface="Calibri"/>
+                <a:cs typeface="Calibri"/>
+                <a:sym typeface="Calibri"/>
+              </a:rPr>
+              <a:t>vision, language, and action, built on Gemini 2.0</a:t>
+            </a:r>
+            <a:endParaRPr sz="1200">
+              <a:solidFill>
+                <a:schemeClr val="dk1"/>
+              </a:solidFill>
+              <a:latin typeface="Calibri"/>
+              <a:ea typeface="Calibri"/>
+              <a:cs typeface="Calibri"/>
+              <a:sym typeface="Calibri"/>
+            </a:endParaRPr>
+          </a:p>
+          <a:p>
+            <a:pPr marL="171450" lvl="0" indent="-133350" algn="l" rtl="0">
+              <a:spcBef>
+                <a:spcPts val="0"/>
+              </a:spcBef>
+              <a:spcAft>
+                <a:spcPts val="0"/>
+              </a:spcAft>
+              <a:buClr>
+                <a:schemeClr val="dk1"/>
+              </a:buClr>
+              <a:buSzPts val="1200"/>
+              <a:buFont typeface="Calibri"/>
+              <a:buChar char="●"/>
+            </a:pPr>
+            <a:r>
+              <a:rPr lang="en" sz="1200">
+                <a:solidFill>
+                  <a:schemeClr val="dk1"/>
+                </a:solidFill>
+                <a:latin typeface="Calibri"/>
+                <a:ea typeface="Calibri"/>
+                <a:cs typeface="Calibri"/>
+                <a:sym typeface="Calibri"/>
+              </a:rPr>
+              <a:t>understand natural language instructions, adapt, perform complex physical tasks with precision. </a:t>
+            </a:r>
+            <a:endParaRPr sz="1200">
+              <a:solidFill>
+                <a:schemeClr val="dk1"/>
+              </a:solidFill>
+              <a:latin typeface="Calibri"/>
+              <a:ea typeface="Calibri"/>
+              <a:cs typeface="Calibri"/>
+              <a:sym typeface="Calibri"/>
+            </a:endParaRPr>
+          </a:p>
+          <a:p>
+            <a:pPr marL="171450" lvl="0" indent="-133350" algn="l" rtl="0">
+              <a:spcBef>
+                <a:spcPts val="0"/>
+              </a:spcBef>
+              <a:spcAft>
+                <a:spcPts val="0"/>
+              </a:spcAft>
+              <a:buClr>
+                <a:schemeClr val="dk1"/>
+              </a:buClr>
+              <a:buSzPts val="1200"/>
+              <a:buFont typeface="Calibri"/>
+              <a:buChar char="●"/>
+            </a:pPr>
+            <a:r>
+              <a:rPr lang="en" sz="1200">
+                <a:solidFill>
+                  <a:schemeClr val="dk1"/>
+                </a:solidFill>
+                <a:latin typeface="Calibri"/>
+                <a:ea typeface="Calibri"/>
+                <a:cs typeface="Calibri"/>
+                <a:sym typeface="Calibri"/>
+              </a:rPr>
+              <a:t>Partnerships involving Apptronik, Boston Dynamics, and Agile Robots</a:t>
+            </a:r>
+            <a:endParaRPr sz="1200">
+              <a:solidFill>
+                <a:schemeClr val="dk1"/>
+              </a:solidFill>
+              <a:latin typeface="Calibri"/>
+              <a:ea typeface="Calibri"/>
+              <a:cs typeface="Calibri"/>
+              <a:sym typeface="Calibri"/>
+            </a:endParaRPr>
+          </a:p>
+          <a:p>
+            <a:pPr marL="171450" lvl="0" indent="-114300" algn="l" rtl="0">
+              <a:spcBef>
+                <a:spcPts val="0"/>
+              </a:spcBef>
+              <a:spcAft>
+                <a:spcPts val="0"/>
+              </a:spcAft>
+              <a:buClr>
+                <a:schemeClr val="dk1"/>
+              </a:buClr>
+              <a:buSzPts val="900"/>
+              <a:buFont typeface="Calibri"/>
+              <a:buChar char="●"/>
+            </a:pPr>
+            <a:r>
+              <a:rPr lang="en" sz="900" u="sng">
+                <a:solidFill>
+                  <a:schemeClr val="hlink"/>
+                </a:solidFill>
+                <a:latin typeface="Calibri"/>
+                <a:ea typeface="Calibri"/>
+                <a:cs typeface="Calibri"/>
+                <a:sym typeface="Calibri"/>
+                <a:hlinkClick r:id="rId8"/>
+              </a:rPr>
+              <a:t>https://deepmind.google/technologies/gemini-robotics/gemini-robotics-model/</a:t>
+            </a:r>
+            <a:r>
+              <a:rPr lang="en" sz="900">
+                <a:solidFill>
+                  <a:schemeClr val="dk1"/>
+                </a:solidFill>
+                <a:latin typeface="Calibri"/>
+                <a:ea typeface="Calibri"/>
+                <a:cs typeface="Calibri"/>
+                <a:sym typeface="Calibri"/>
+              </a:rPr>
+              <a:t> </a:t>
+            </a:r>
+            <a:endParaRPr sz="900">
+              <a:solidFill>
+                <a:schemeClr val="dk1"/>
+              </a:solidFill>
+              <a:latin typeface="Calibri"/>
+              <a:ea typeface="Calibri"/>
+              <a:cs typeface="Calibri"/>
+              <a:sym typeface="Calibri"/>
+            </a:endParaRPr>
+          </a:p>
+        </p:txBody>
+      </p:sp>
+      <p:sp>
+        <p:nvSpPr>
+          <p:cNvPr id="95" name="Google Shape;95;p18"/>
+          <p:cNvSpPr txBox="1"/>
+          <p:nvPr/>
+        </p:nvSpPr>
+        <p:spPr>
+          <a:xfrm>
+            <a:off x="4306175" y="3151700"/>
             <a:ext cx="4456200" cy="572700"/>
           </a:xfrm>
           <a:prstGeom prst="rect">
@@ -27543,7 +32178,7 @@
                 <a:ea typeface="Calibri"/>
                 <a:cs typeface="Calibri"/>
                 <a:sym typeface="Calibri"/>
-                <a:hlinkClick r:id="rId8"/>
+                <a:hlinkClick r:id="rId9"/>
               </a:rPr>
               <a:t>https://github.com/ppl-ai/modelcontextprotocol</a:t>
             </a:r>
@@ -27584,7 +32219,7 @@
   <p:cSld>
     <p:spTree>
       <p:nvGrpSpPr>
-        <p:cNvPr id="1" name="Shape 98"/>
+        <p:cNvPr id="1" name="Shape 99"/>
         <p:cNvGrpSpPr/>
         <p:nvPr/>
       </p:nvGrpSpPr>
@@ -27598,7 +32233,7 @@
       </p:grpSpPr>
       <p:sp>
         <p:nvSpPr>
-          <p:cNvPr id="99" name="Google Shape;99;p19"/>
+          <p:cNvPr id="100" name="Google Shape;100;p19"/>
           <p:cNvSpPr txBox="1"/>
           <p:nvPr/>
         </p:nvSpPr>
@@ -27661,7 +32296,7 @@
       </p:sp>
       <p:sp>
         <p:nvSpPr>
-          <p:cNvPr id="100" name="Google Shape;100;p19"/>
+          <p:cNvPr id="101" name="Google Shape;101;p19"/>
           <p:cNvSpPr txBox="1"/>
           <p:nvPr/>
         </p:nvSpPr>
@@ -27732,7 +32367,7 @@
       </p:sp>
       <p:pic>
         <p:nvPicPr>
-          <p:cNvPr id="101" name="Google Shape;101;p19"/>
+          <p:cNvPr id="102" name="Google Shape;102;p19"/>
           <p:cNvPicPr preferRelativeResize="0"/>
           <p:nvPr/>
         </p:nvPicPr>
@@ -27771,7 +32406,7 @@
       </p:pic>
       <p:sp>
         <p:nvSpPr>
-          <p:cNvPr id="102" name="Google Shape;102;p19"/>
+          <p:cNvPr id="103" name="Google Shape;103;p19"/>
           <p:cNvSpPr txBox="1"/>
           <p:nvPr/>
         </p:nvSpPr>
@@ -28101,7 +32736,7 @@
       </p:sp>
       <p:pic>
         <p:nvPicPr>
-          <p:cNvPr id="103" name="Google Shape;103;p19"/>
+          <p:cNvPr id="104" name="Google Shape;104;p19"/>
           <p:cNvPicPr preferRelativeResize="0"/>
           <p:nvPr/>
         </p:nvPicPr>
@@ -28151,7 +32786,7 @@
   <p:cSld>
     <p:spTree>
       <p:nvGrpSpPr>
-        <p:cNvPr id="1" name="Shape 107"/>
+        <p:cNvPr id="1" name="Shape 108"/>
         <p:cNvGrpSpPr/>
         <p:nvPr/>
       </p:nvGrpSpPr>
@@ -28165,7 +32800,7 @@
       </p:grpSpPr>
       <p:sp>
         <p:nvSpPr>
-          <p:cNvPr id="108" name="Google Shape;108;p20"/>
+          <p:cNvPr id="109" name="Google Shape;109;p20"/>
           <p:cNvSpPr txBox="1"/>
           <p:nvPr/>
         </p:nvSpPr>
@@ -28228,7 +32863,7 @@
       </p:sp>
       <p:sp>
         <p:nvSpPr>
-          <p:cNvPr id="109" name="Google Shape;109;p20"/>
+          <p:cNvPr id="110" name="Google Shape;110;p20"/>
           <p:cNvSpPr txBox="1"/>
           <p:nvPr/>
         </p:nvSpPr>
@@ -28497,7 +33132,7 @@
       </p:sp>
       <p:sp>
         <p:nvSpPr>
-          <p:cNvPr id="110" name="Google Shape;110;p20"/>
+          <p:cNvPr id="111" name="Google Shape;111;p20"/>
           <p:cNvSpPr txBox="1"/>
           <p:nvPr/>
         </p:nvSpPr>
@@ -28629,7 +33264,7 @@
       </p:sp>
       <p:sp>
         <p:nvSpPr>
-          <p:cNvPr id="111" name="Google Shape;111;p20"/>
+          <p:cNvPr id="112" name="Google Shape;112;p20"/>
           <p:cNvSpPr txBox="1"/>
           <p:nvPr/>
         </p:nvSpPr>
@@ -28822,7 +33457,7 @@
       </p:sp>
       <p:sp>
         <p:nvSpPr>
-          <p:cNvPr id="112" name="Google Shape;112;p20"/>
+          <p:cNvPr id="113" name="Google Shape;113;p20"/>
           <p:cNvSpPr txBox="1"/>
           <p:nvPr/>
         </p:nvSpPr>
@@ -28898,16 +33533,16 @@
                 <a:spcPts val="0"/>
               </a:spcAft>
               <a:buClr>
-                <a:srgbClr val="FF0000"/>
+                <a:schemeClr val="dk1"/>
               </a:buClr>
               <a:buSzPts val="1200"/>
               <a:buFont typeface="Calibri"/>
               <a:buChar char="●"/>
             </a:pPr>
             <a:r>
-              <a:rPr lang="en" sz="1200" b="1">
-                <a:solidFill>
-                  <a:srgbClr val="FF0000"/>
+              <a:rPr lang="en" sz="1200">
+                <a:solidFill>
+                  <a:schemeClr val="dk1"/>
                 </a:solidFill>
                 <a:latin typeface="Calibri"/>
                 <a:ea typeface="Calibri"/>
@@ -28916,9 +33551,9 @@
               </a:rPr>
               <a:t>first ultra-large Hybrid-Transformer-Mamba MoE model</a:t>
             </a:r>
-            <a:endParaRPr sz="1200" b="1">
-              <a:solidFill>
-                <a:srgbClr val="FF0000"/>
+            <a:endParaRPr sz="1200">
+              <a:solidFill>
+                <a:schemeClr val="dk1"/>
               </a:solidFill>
               <a:latin typeface="Calibri"/>
               <a:ea typeface="Calibri"/>
@@ -28935,16 +33570,16 @@
                 <a:spcPts val="0"/>
               </a:spcAft>
               <a:buClr>
-                <a:srgbClr val="FF0000"/>
+                <a:schemeClr val="dk1"/>
               </a:buClr>
               <a:buSzPts val="1200"/>
               <a:buFont typeface="Calibri"/>
               <a:buChar char="●"/>
             </a:pPr>
             <a:r>
-              <a:rPr lang="en" sz="1200" b="1">
-                <a:solidFill>
-                  <a:srgbClr val="FF0000"/>
+              <a:rPr lang="en" sz="1200">
+                <a:solidFill>
+                  <a:schemeClr val="dk1"/>
                 </a:solidFill>
                 <a:latin typeface="Calibri"/>
                 <a:ea typeface="Calibri"/>
@@ -28953,9 +33588,9 @@
               </a:rPr>
               <a:t>combines speed and deep reasoning</a:t>
             </a:r>
-            <a:endParaRPr sz="1200" b="1">
-              <a:solidFill>
-                <a:srgbClr val="FF0000"/>
+            <a:endParaRPr sz="1200">
+              <a:solidFill>
+                <a:schemeClr val="dk1"/>
               </a:solidFill>
               <a:latin typeface="Calibri"/>
               <a:ea typeface="Calibri"/>
@@ -28972,16 +33607,16 @@
                 <a:spcPts val="0"/>
               </a:spcAft>
               <a:buClr>
-                <a:srgbClr val="FF0000"/>
+                <a:schemeClr val="dk1"/>
               </a:buClr>
               <a:buSzPts val="1200"/>
               <a:buFont typeface="Calibri"/>
               <a:buChar char="●"/>
             </a:pPr>
             <a:r>
-              <a:rPr lang="en" sz="1200" b="1">
-                <a:solidFill>
-                  <a:srgbClr val="FF0000"/>
+              <a:rPr lang="en" sz="1200">
+                <a:solidFill>
+                  <a:schemeClr val="dk1"/>
                 </a:solidFill>
                 <a:latin typeface="Calibri"/>
                 <a:ea typeface="Calibri"/>
@@ -28990,9 +33625,9 @@
               </a:rPr>
               <a:t>outperforming models like GPT-4o</a:t>
             </a:r>
-            <a:endParaRPr sz="1200" b="1">
-              <a:solidFill>
-                <a:srgbClr val="FF0000"/>
+            <a:endParaRPr sz="1200">
+              <a:solidFill>
+                <a:schemeClr val="dk1"/>
               </a:solidFill>
               <a:latin typeface="Calibri"/>
               <a:ea typeface="Calibri"/>
@@ -29009,16 +33644,16 @@
                 <a:spcPts val="0"/>
               </a:spcAft>
               <a:buClr>
-                <a:srgbClr val="FF0000"/>
+                <a:schemeClr val="dk1"/>
               </a:buClr>
               <a:buSzPts val="1200"/>
               <a:buFont typeface="Calibri"/>
               <a:buChar char="●"/>
             </a:pPr>
             <a:r>
-              <a:rPr lang="en" sz="1200" b="1">
-                <a:solidFill>
-                  <a:srgbClr val="FF0000"/>
+              <a:rPr lang="en" sz="1200">
+                <a:solidFill>
+                  <a:schemeClr val="dk1"/>
                 </a:solidFill>
                 <a:latin typeface="Calibri"/>
                 <a:ea typeface="Calibri"/>
@@ -29027,9 +33662,9 @@
               </a:rPr>
               <a:t>low price (approx $0.15 per Mln tokens)</a:t>
             </a:r>
-            <a:endParaRPr sz="1200" b="1">
-              <a:solidFill>
-                <a:srgbClr val="FF0000"/>
+            <a:endParaRPr sz="1200">
+              <a:solidFill>
+                <a:schemeClr val="dk1"/>
               </a:solidFill>
               <a:latin typeface="Calibri"/>
               <a:ea typeface="Calibri"/>
@@ -29129,7 +33764,7 @@
       </p:sp>
       <p:sp>
         <p:nvSpPr>
-          <p:cNvPr id="113" name="Google Shape;113;p20"/>
+          <p:cNvPr id="114" name="Google Shape;114;p20"/>
           <p:cNvSpPr txBox="1"/>
           <p:nvPr/>
         </p:nvSpPr>
@@ -29250,7 +33885,7 @@
       </p:sp>
       <p:pic>
         <p:nvPicPr>
-          <p:cNvPr id="114" name="Google Shape;114;p20"/>
+          <p:cNvPr id="115" name="Google Shape;115;p20"/>
           <p:cNvPicPr preferRelativeResize="0"/>
           <p:nvPr/>
         </p:nvPicPr>
@@ -29294,7 +33929,7 @@
   <p:cSld>
     <p:spTree>
       <p:nvGrpSpPr>
-        <p:cNvPr id="1" name="Shape 118"/>
+        <p:cNvPr id="1" name="Shape 119"/>
         <p:cNvGrpSpPr/>
         <p:nvPr/>
       </p:nvGrpSpPr>
@@ -29308,7 +33943,7 @@
       </p:grpSpPr>
       <p:sp>
         <p:nvSpPr>
-          <p:cNvPr id="119" name="Google Shape;119;p21"/>
+          <p:cNvPr id="120" name="Google Shape;120;p21"/>
           <p:cNvSpPr txBox="1"/>
           <p:nvPr/>
         </p:nvSpPr>
@@ -29371,7 +34006,7 @@
       </p:sp>
       <p:sp>
         <p:nvSpPr>
-          <p:cNvPr id="120" name="Google Shape;120;p21"/>
+          <p:cNvPr id="121" name="Google Shape;121;p21"/>
           <p:cNvSpPr txBox="1"/>
           <p:nvPr/>
         </p:nvSpPr>
@@ -29529,7 +34164,7 @@
       </p:sp>
       <p:sp>
         <p:nvSpPr>
-          <p:cNvPr id="121" name="Google Shape;121;p21"/>
+          <p:cNvPr id="122" name="Google Shape;122;p21"/>
           <p:cNvSpPr txBox="1"/>
           <p:nvPr/>
         </p:nvSpPr>
@@ -29687,7 +34322,7 @@
       </p:sp>
       <p:sp>
         <p:nvSpPr>
-          <p:cNvPr id="122" name="Google Shape;122;p21"/>
+          <p:cNvPr id="123" name="Google Shape;123;p21"/>
           <p:cNvSpPr txBox="1"/>
           <p:nvPr/>
         </p:nvSpPr>
@@ -29858,7 +34493,7 @@
       </p:sp>
       <p:sp>
         <p:nvSpPr>
-          <p:cNvPr id="123" name="Google Shape;123;p21"/>
+          <p:cNvPr id="124" name="Google Shape;124;p21"/>
           <p:cNvSpPr txBox="1"/>
           <p:nvPr/>
         </p:nvSpPr>
@@ -30225,7 +34860,7 @@
       </p:sp>
       <p:pic>
         <p:nvPicPr>
-          <p:cNvPr id="124" name="Google Shape;124;p21"/>
+          <p:cNvPr id="125" name="Google Shape;125;p21"/>
           <p:cNvPicPr preferRelativeResize="0"/>
           <p:nvPr/>
         </p:nvPicPr>
@@ -30258,7 +34893,7 @@
       </p:pic>
       <p:sp>
         <p:nvSpPr>
-          <p:cNvPr id="125" name="Google Shape;125;p21"/>
+          <p:cNvPr id="126" name="Google Shape;126;p21"/>
           <p:cNvSpPr txBox="1"/>
           <p:nvPr/>
         </p:nvSpPr>
@@ -30392,7 +35027,7 @@
       </p:sp>
       <p:sp>
         <p:nvSpPr>
-          <p:cNvPr id="126" name="Google Shape;126;p21"/>
+          <p:cNvPr id="127" name="Google Shape;127;p21"/>
           <p:cNvSpPr txBox="1"/>
           <p:nvPr/>
         </p:nvSpPr>
@@ -30494,7 +35129,7 @@
       </p:sp>
       <p:sp>
         <p:nvSpPr>
-          <p:cNvPr id="127" name="Google Shape;127;p21"/>
+          <p:cNvPr id="128" name="Google Shape;128;p21"/>
           <p:cNvSpPr txBox="1"/>
           <p:nvPr/>
         </p:nvSpPr>
@@ -30743,7 +35378,7 @@
   <p:cSld>
     <p:spTree>
       <p:nvGrpSpPr>
-        <p:cNvPr id="1" name="Shape 131"/>
+        <p:cNvPr id="1" name="Shape 132"/>
         <p:cNvGrpSpPr/>
         <p:nvPr/>
       </p:nvGrpSpPr>
@@ -30757,7 +35392,7 @@
       </p:grpSpPr>
       <p:sp>
         <p:nvSpPr>
-          <p:cNvPr id="132" name="Google Shape;132;p22"/>
+          <p:cNvPr id="133" name="Google Shape;133;p22"/>
           <p:cNvSpPr txBox="1"/>
           <p:nvPr/>
         </p:nvSpPr>
@@ -30820,7 +35455,7 @@
       </p:sp>
       <p:sp>
         <p:nvSpPr>
-          <p:cNvPr id="133" name="Google Shape;133;p22"/>
+          <p:cNvPr id="134" name="Google Shape;134;p22"/>
           <p:cNvSpPr txBox="1"/>
           <p:nvPr/>
         </p:nvSpPr>
@@ -31526,7 +36161,7 @@
       </p:sp>
       <p:sp>
         <p:nvSpPr>
-          <p:cNvPr id="134" name="Google Shape;134;p22"/>
+          <p:cNvPr id="135" name="Google Shape;135;p22"/>
           <p:cNvSpPr txBox="1"/>
           <p:nvPr/>
         </p:nvSpPr>
@@ -31656,7 +36291,7 @@
       </p:sp>
       <p:sp>
         <p:nvSpPr>
-          <p:cNvPr id="135" name="Google Shape;135;p22"/>
+          <p:cNvPr id="136" name="Google Shape;136;p22"/>
           <p:cNvSpPr txBox="1"/>
           <p:nvPr/>
         </p:nvSpPr>
@@ -31722,7 +36357,7 @@
       </p:sp>
       <p:sp>
         <p:nvSpPr>
-          <p:cNvPr id="136" name="Google Shape;136;p22"/>
+          <p:cNvPr id="137" name="Google Shape;137;p22"/>
           <p:cNvSpPr txBox="1"/>
           <p:nvPr/>
         </p:nvSpPr>
@@ -31788,7 +36423,7 @@
       </p:sp>
       <p:sp>
         <p:nvSpPr>
-          <p:cNvPr id="137" name="Google Shape;137;p22"/>
+          <p:cNvPr id="138" name="Google Shape;138;p22"/>
           <p:cNvSpPr txBox="1"/>
           <p:nvPr/>
         </p:nvSpPr>
@@ -31854,7 +36489,7 @@
       </p:sp>
       <p:sp>
         <p:nvSpPr>
-          <p:cNvPr id="138" name="Google Shape;138;p22"/>
+          <p:cNvPr id="139" name="Google Shape;139;p22"/>
           <p:cNvSpPr txBox="1"/>
           <p:nvPr/>
         </p:nvSpPr>
@@ -31920,7 +36555,7 @@
       </p:sp>
       <p:sp>
         <p:nvSpPr>
-          <p:cNvPr id="139" name="Google Shape;139;p22"/>
+          <p:cNvPr id="140" name="Google Shape;140;p22"/>
           <p:cNvSpPr/>
           <p:nvPr/>
         </p:nvSpPr>
@@ -31969,7 +36604,7 @@
       </p:sp>
       <p:sp>
         <p:nvSpPr>
-          <p:cNvPr id="140" name="Google Shape;140;p22"/>
+          <p:cNvPr id="141" name="Google Shape;141;p22"/>
           <p:cNvSpPr/>
           <p:nvPr/>
         </p:nvSpPr>
@@ -32018,7 +36653,7 @@
       </p:sp>
       <p:sp>
         <p:nvSpPr>
-          <p:cNvPr id="141" name="Google Shape;141;p22"/>
+          <p:cNvPr id="142" name="Google Shape;142;p22"/>
           <p:cNvSpPr txBox="1"/>
           <p:nvPr/>
         </p:nvSpPr>
@@ -32076,7 +36711,7 @@
       </p:sp>
       <p:sp>
         <p:nvSpPr>
-          <p:cNvPr id="142" name="Google Shape;142;p22"/>
+          <p:cNvPr id="143" name="Google Shape;143;p22"/>
           <p:cNvSpPr/>
           <p:nvPr/>
         </p:nvSpPr>
@@ -32125,7 +36760,7 @@
       </p:sp>
       <p:sp>
         <p:nvSpPr>
-          <p:cNvPr id="143" name="Google Shape;143;p22"/>
+          <p:cNvPr id="144" name="Google Shape;144;p22"/>
           <p:cNvSpPr/>
           <p:nvPr/>
         </p:nvSpPr>
@@ -32174,7 +36809,7 @@
       </p:sp>
       <p:sp>
         <p:nvSpPr>
-          <p:cNvPr id="144" name="Google Shape;144;p22"/>
+          <p:cNvPr id="145" name="Google Shape;145;p22"/>
           <p:cNvSpPr txBox="1"/>
           <p:nvPr/>
         </p:nvSpPr>
@@ -32243,7 +36878,7 @@
   <p:cSld>
     <p:spTree>
       <p:nvGrpSpPr>
-        <p:cNvPr id="1" name="Shape 148"/>
+        <p:cNvPr id="1" name="Shape 149"/>
         <p:cNvGrpSpPr/>
         <p:nvPr/>
       </p:nvGrpSpPr>
@@ -32257,7 +36892,7 @@
       </p:grpSpPr>
       <p:sp>
         <p:nvSpPr>
-          <p:cNvPr id="149" name="Google Shape;149;p23"/>
+          <p:cNvPr id="150" name="Google Shape;150;p23"/>
           <p:cNvSpPr txBox="1"/>
           <p:nvPr/>
         </p:nvSpPr>
@@ -32320,7 +36955,7 @@
       </p:sp>
       <p:sp>
         <p:nvSpPr>
-          <p:cNvPr id="150" name="Google Shape;150;p23"/>
+          <p:cNvPr id="151" name="Google Shape;151;p23"/>
           <p:cNvSpPr txBox="1"/>
           <p:nvPr/>
         </p:nvSpPr>
@@ -32626,7 +37261,7 @@
       </p:sp>
       <p:sp>
         <p:nvSpPr>
-          <p:cNvPr id="151" name="Google Shape;151;p23"/>
+          <p:cNvPr id="152" name="Google Shape;152;p23"/>
           <p:cNvSpPr txBox="1"/>
           <p:nvPr/>
         </p:nvSpPr>
@@ -33341,7 +37976,7 @@
       </p:sp>
       <p:sp>
         <p:nvSpPr>
-          <p:cNvPr id="152" name="Google Shape;152;p23"/>
+          <p:cNvPr id="153" name="Google Shape;153;p23"/>
           <p:cNvSpPr txBox="1"/>
           <p:nvPr/>
         </p:nvSpPr>
@@ -34152,7 +38787,7 @@
       </p:sp>
       <p:pic>
         <p:nvPicPr>
-          <p:cNvPr id="153" name="Google Shape;153;p23"/>
+          <p:cNvPr id="154" name="Google Shape;154;p23"/>
           <p:cNvPicPr preferRelativeResize="0"/>
           <p:nvPr/>
         </p:nvPicPr>
